--- a/Adv WPF Workshop.pptx
+++ b/Adv WPF Workshop.pptx
@@ -29,48 +29,48 @@
     <p:sldId id="268" r:id="rId23"/>
     <p:sldId id="269" r:id="rId24"/>
     <p:sldId id="270" r:id="rId25"/>
-    <p:sldId id="278" r:id="rId26"/>
+    <p:sldId id="334" r:id="rId26"/>
     <p:sldId id="279" r:id="rId27"/>
     <p:sldId id="332" r:id="rId28"/>
-    <p:sldId id="280" r:id="rId29"/>
+    <p:sldId id="335" r:id="rId29"/>
     <p:sldId id="281" r:id="rId30"/>
-    <p:sldId id="283" r:id="rId31"/>
-    <p:sldId id="282" r:id="rId32"/>
-    <p:sldId id="284" r:id="rId33"/>
-    <p:sldId id="286" r:id="rId34"/>
-    <p:sldId id="287" r:id="rId35"/>
-    <p:sldId id="288" r:id="rId36"/>
-    <p:sldId id="285" r:id="rId37"/>
-    <p:sldId id="289" r:id="rId38"/>
-    <p:sldId id="290" r:id="rId39"/>
-    <p:sldId id="291" r:id="rId40"/>
-    <p:sldId id="292" r:id="rId41"/>
-    <p:sldId id="293" r:id="rId42"/>
-    <p:sldId id="294" r:id="rId43"/>
-    <p:sldId id="295" r:id="rId44"/>
-    <p:sldId id="296" r:id="rId45"/>
-    <p:sldId id="297" r:id="rId46"/>
-    <p:sldId id="298" r:id="rId47"/>
-    <p:sldId id="299" r:id="rId48"/>
-    <p:sldId id="300" r:id="rId49"/>
-    <p:sldId id="301" r:id="rId50"/>
-    <p:sldId id="302" r:id="rId51"/>
+    <p:sldId id="336" r:id="rId31"/>
+    <p:sldId id="283" r:id="rId32"/>
+    <p:sldId id="282" r:id="rId33"/>
+    <p:sldId id="284" r:id="rId34"/>
+    <p:sldId id="286" r:id="rId35"/>
+    <p:sldId id="287" r:id="rId36"/>
+    <p:sldId id="288" r:id="rId37"/>
+    <p:sldId id="285" r:id="rId38"/>
+    <p:sldId id="289" r:id="rId39"/>
+    <p:sldId id="290" r:id="rId40"/>
+    <p:sldId id="278" r:id="rId41"/>
+    <p:sldId id="291" r:id="rId42"/>
+    <p:sldId id="292" r:id="rId43"/>
+    <p:sldId id="293" r:id="rId44"/>
+    <p:sldId id="339" r:id="rId45"/>
+    <p:sldId id="299" r:id="rId46"/>
+    <p:sldId id="300" r:id="rId47"/>
+    <p:sldId id="301" r:id="rId48"/>
+    <p:sldId id="302" r:id="rId49"/>
+    <p:sldId id="338" r:id="rId50"/>
+    <p:sldId id="337" r:id="rId51"/>
     <p:sldId id="303" r:id="rId52"/>
-    <p:sldId id="304" r:id="rId53"/>
+    <p:sldId id="340" r:id="rId53"/>
     <p:sldId id="305" r:id="rId54"/>
     <p:sldId id="306" r:id="rId55"/>
     <p:sldId id="307" r:id="rId56"/>
     <p:sldId id="309" r:id="rId57"/>
-    <p:sldId id="310" r:id="rId58"/>
-    <p:sldId id="312" r:id="rId59"/>
-    <p:sldId id="314" r:id="rId60"/>
-    <p:sldId id="313" r:id="rId61"/>
-    <p:sldId id="315" r:id="rId62"/>
-    <p:sldId id="317" r:id="rId63"/>
-    <p:sldId id="316" r:id="rId64"/>
-    <p:sldId id="319" r:id="rId65"/>
-    <p:sldId id="318" r:id="rId66"/>
-    <p:sldId id="320" r:id="rId67"/>
+    <p:sldId id="341" r:id="rId58"/>
+    <p:sldId id="319" r:id="rId59"/>
+    <p:sldId id="318" r:id="rId60"/>
+    <p:sldId id="320" r:id="rId61"/>
+    <p:sldId id="310" r:id="rId62"/>
+    <p:sldId id="342" r:id="rId63"/>
+    <p:sldId id="313" r:id="rId64"/>
+    <p:sldId id="315" r:id="rId65"/>
+    <p:sldId id="317" r:id="rId66"/>
+    <p:sldId id="316" r:id="rId67"/>
     <p:sldId id="321" r:id="rId68"/>
     <p:sldId id="322" r:id="rId69"/>
     <p:sldId id="323" r:id="rId70"/>
@@ -1679,6 +1679,753 @@
 </file>
 
 <file path=ppt/diagrams/colors3.xml><?xml version="1.0" encoding="utf-8"?>
+<dgm:colorsDef xmlns:dgm="http://schemas.openxmlformats.org/drawingml/2006/diagram" xmlns:a="http://schemas.openxmlformats.org/drawingml/2006/main" uniqueId="urn:microsoft.com/office/officeart/2005/8/colors/accent1_2">
+  <dgm:title val=""/>
+  <dgm:desc val=""/>
+  <dgm:catLst>
+    <dgm:cat type="accent1" pri="11200"/>
+  </dgm:catLst>
+  <dgm:styleLbl name="node0">
+    <dgm:fillClrLst meth="repeat">
+      <a:schemeClr val="accent1"/>
+    </dgm:fillClrLst>
+    <dgm:linClrLst meth="repeat">
+      <a:schemeClr val="lt1"/>
+    </dgm:linClrLst>
+    <dgm:effectClrLst/>
+    <dgm:txLinClrLst/>
+    <dgm:txFillClrLst/>
+    <dgm:txEffectClrLst/>
+  </dgm:styleLbl>
+  <dgm:styleLbl name="alignNode1">
+    <dgm:fillClrLst meth="repeat">
+      <a:schemeClr val="accent1"/>
+    </dgm:fillClrLst>
+    <dgm:linClrLst meth="repeat">
+      <a:schemeClr val="accent1"/>
+    </dgm:linClrLst>
+    <dgm:effectClrLst/>
+    <dgm:txLinClrLst/>
+    <dgm:txFillClrLst/>
+    <dgm:txEffectClrLst/>
+  </dgm:styleLbl>
+  <dgm:styleLbl name="node1">
+    <dgm:fillClrLst meth="repeat">
+      <a:schemeClr val="accent1"/>
+    </dgm:fillClrLst>
+    <dgm:linClrLst meth="repeat">
+      <a:schemeClr val="lt1"/>
+    </dgm:linClrLst>
+    <dgm:effectClrLst/>
+    <dgm:txLinClrLst/>
+    <dgm:txFillClrLst/>
+    <dgm:txEffectClrLst/>
+  </dgm:styleLbl>
+  <dgm:styleLbl name="lnNode1">
+    <dgm:fillClrLst meth="repeat">
+      <a:schemeClr val="accent1"/>
+    </dgm:fillClrLst>
+    <dgm:linClrLst meth="repeat">
+      <a:schemeClr val="lt1"/>
+    </dgm:linClrLst>
+    <dgm:effectClrLst/>
+    <dgm:txLinClrLst/>
+    <dgm:txFillClrLst/>
+    <dgm:txEffectClrLst/>
+  </dgm:styleLbl>
+  <dgm:styleLbl name="vennNode1">
+    <dgm:fillClrLst meth="repeat">
+      <a:schemeClr val="accent1">
+        <a:alpha val="50000"/>
+      </a:schemeClr>
+    </dgm:fillClrLst>
+    <dgm:linClrLst meth="repeat">
+      <a:schemeClr val="lt1"/>
+    </dgm:linClrLst>
+    <dgm:effectClrLst/>
+    <dgm:txLinClrLst/>
+    <dgm:txFillClrLst/>
+    <dgm:txEffectClrLst/>
+  </dgm:styleLbl>
+  <dgm:styleLbl name="node2">
+    <dgm:fillClrLst meth="repeat">
+      <a:schemeClr val="accent1"/>
+    </dgm:fillClrLst>
+    <dgm:linClrLst meth="repeat">
+      <a:schemeClr val="lt1"/>
+    </dgm:linClrLst>
+    <dgm:effectClrLst/>
+    <dgm:txLinClrLst/>
+    <dgm:txFillClrLst/>
+    <dgm:txEffectClrLst/>
+  </dgm:styleLbl>
+  <dgm:styleLbl name="node3">
+    <dgm:fillClrLst meth="repeat">
+      <a:schemeClr val="accent1"/>
+    </dgm:fillClrLst>
+    <dgm:linClrLst meth="repeat">
+      <a:schemeClr val="lt1"/>
+    </dgm:linClrLst>
+    <dgm:effectClrLst/>
+    <dgm:txLinClrLst/>
+    <dgm:txFillClrLst/>
+    <dgm:txEffectClrLst/>
+  </dgm:styleLbl>
+  <dgm:styleLbl name="node4">
+    <dgm:fillClrLst meth="repeat">
+      <a:schemeClr val="accent1"/>
+    </dgm:fillClrLst>
+    <dgm:linClrLst meth="repeat">
+      <a:schemeClr val="lt1"/>
+    </dgm:linClrLst>
+    <dgm:effectClrLst/>
+    <dgm:txLinClrLst/>
+    <dgm:txFillClrLst/>
+    <dgm:txEffectClrLst/>
+  </dgm:styleLbl>
+  <dgm:styleLbl name="fgImgPlace1">
+    <dgm:fillClrLst meth="repeat">
+      <a:schemeClr val="accent1">
+        <a:tint val="50000"/>
+      </a:schemeClr>
+    </dgm:fillClrLst>
+    <dgm:linClrLst meth="repeat">
+      <a:schemeClr val="lt1"/>
+    </dgm:linClrLst>
+    <dgm:effectClrLst/>
+    <dgm:txLinClrLst/>
+    <dgm:txFillClrLst meth="repeat">
+      <a:schemeClr val="lt1"/>
+    </dgm:txFillClrLst>
+    <dgm:txEffectClrLst/>
+  </dgm:styleLbl>
+  <dgm:styleLbl name="alignImgPlace1">
+    <dgm:fillClrLst meth="repeat">
+      <a:schemeClr val="accent1">
+        <a:tint val="50000"/>
+      </a:schemeClr>
+    </dgm:fillClrLst>
+    <dgm:linClrLst meth="repeat">
+      <a:schemeClr val="lt1"/>
+    </dgm:linClrLst>
+    <dgm:effectClrLst/>
+    <dgm:txLinClrLst/>
+    <dgm:txFillClrLst meth="repeat">
+      <a:schemeClr val="lt1"/>
+    </dgm:txFillClrLst>
+    <dgm:txEffectClrLst/>
+  </dgm:styleLbl>
+  <dgm:styleLbl name="bgImgPlace1">
+    <dgm:fillClrLst meth="repeat">
+      <a:schemeClr val="accent1">
+        <a:tint val="50000"/>
+      </a:schemeClr>
+    </dgm:fillClrLst>
+    <dgm:linClrLst meth="repeat">
+      <a:schemeClr val="lt1"/>
+    </dgm:linClrLst>
+    <dgm:effectClrLst/>
+    <dgm:txLinClrLst/>
+    <dgm:txFillClrLst meth="repeat">
+      <a:schemeClr val="lt1"/>
+    </dgm:txFillClrLst>
+    <dgm:txEffectClrLst/>
+  </dgm:styleLbl>
+  <dgm:styleLbl name="sibTrans2D1">
+    <dgm:fillClrLst meth="repeat">
+      <a:schemeClr val="accent1">
+        <a:tint val="60000"/>
+      </a:schemeClr>
+    </dgm:fillClrLst>
+    <dgm:linClrLst meth="repeat">
+      <a:schemeClr val="accent1">
+        <a:tint val="60000"/>
+      </a:schemeClr>
+    </dgm:linClrLst>
+    <dgm:effectClrLst/>
+    <dgm:txLinClrLst/>
+    <dgm:txFillClrLst/>
+    <dgm:txEffectClrLst/>
+  </dgm:styleLbl>
+  <dgm:styleLbl name="fgSibTrans2D1">
+    <dgm:fillClrLst meth="repeat">
+      <a:schemeClr val="accent1">
+        <a:tint val="60000"/>
+      </a:schemeClr>
+    </dgm:fillClrLst>
+    <dgm:linClrLst meth="repeat">
+      <a:schemeClr val="accent1">
+        <a:tint val="60000"/>
+      </a:schemeClr>
+    </dgm:linClrLst>
+    <dgm:effectClrLst/>
+    <dgm:txLinClrLst/>
+    <dgm:txFillClrLst/>
+    <dgm:txEffectClrLst/>
+  </dgm:styleLbl>
+  <dgm:styleLbl name="bgSibTrans2D1">
+    <dgm:fillClrLst meth="repeat">
+      <a:schemeClr val="accent1">
+        <a:tint val="60000"/>
+      </a:schemeClr>
+    </dgm:fillClrLst>
+    <dgm:linClrLst meth="repeat">
+      <a:schemeClr val="accent1">
+        <a:tint val="60000"/>
+      </a:schemeClr>
+    </dgm:linClrLst>
+    <dgm:effectClrLst/>
+    <dgm:txLinClrLst/>
+    <dgm:txFillClrLst/>
+    <dgm:txEffectClrLst/>
+  </dgm:styleLbl>
+  <dgm:styleLbl name="sibTrans1D1">
+    <dgm:fillClrLst meth="repeat">
+      <a:schemeClr val="accent1"/>
+    </dgm:fillClrLst>
+    <dgm:linClrLst meth="repeat">
+      <a:schemeClr val="accent1"/>
+    </dgm:linClrLst>
+    <dgm:effectClrLst/>
+    <dgm:txLinClrLst/>
+    <dgm:txFillClrLst meth="repeat">
+      <a:schemeClr val="tx1"/>
+    </dgm:txFillClrLst>
+    <dgm:txEffectClrLst/>
+  </dgm:styleLbl>
+  <dgm:styleLbl name="callout">
+    <dgm:fillClrLst meth="repeat">
+      <a:schemeClr val="accent1"/>
+    </dgm:fillClrLst>
+    <dgm:linClrLst meth="repeat">
+      <a:schemeClr val="accent1">
+        <a:tint val="50000"/>
+      </a:schemeClr>
+    </dgm:linClrLst>
+    <dgm:effectClrLst/>
+    <dgm:txLinClrLst/>
+    <dgm:txFillClrLst meth="repeat">
+      <a:schemeClr val="tx1"/>
+    </dgm:txFillClrLst>
+    <dgm:txEffectClrLst/>
+  </dgm:styleLbl>
+  <dgm:styleLbl name="asst0">
+    <dgm:fillClrLst meth="repeat">
+      <a:schemeClr val="accent1"/>
+    </dgm:fillClrLst>
+    <dgm:linClrLst meth="repeat">
+      <a:schemeClr val="lt1"/>
+    </dgm:linClrLst>
+    <dgm:effectClrLst/>
+    <dgm:txLinClrLst/>
+    <dgm:txFillClrLst/>
+    <dgm:txEffectClrLst/>
+  </dgm:styleLbl>
+  <dgm:styleLbl name="asst1">
+    <dgm:fillClrLst meth="repeat">
+      <a:schemeClr val="accent1"/>
+    </dgm:fillClrLst>
+    <dgm:linClrLst meth="repeat">
+      <a:schemeClr val="lt1"/>
+    </dgm:linClrLst>
+    <dgm:effectClrLst/>
+    <dgm:txLinClrLst/>
+    <dgm:txFillClrLst/>
+    <dgm:txEffectClrLst/>
+  </dgm:styleLbl>
+  <dgm:styleLbl name="asst2">
+    <dgm:fillClrLst meth="repeat">
+      <a:schemeClr val="accent1"/>
+    </dgm:fillClrLst>
+    <dgm:linClrLst meth="repeat">
+      <a:schemeClr val="lt1"/>
+    </dgm:linClrLst>
+    <dgm:effectClrLst/>
+    <dgm:txLinClrLst/>
+    <dgm:txFillClrLst/>
+    <dgm:txEffectClrLst/>
+  </dgm:styleLbl>
+  <dgm:styleLbl name="asst3">
+    <dgm:fillClrLst meth="repeat">
+      <a:schemeClr val="accent1"/>
+    </dgm:fillClrLst>
+    <dgm:linClrLst meth="repeat">
+      <a:schemeClr val="lt1"/>
+    </dgm:linClrLst>
+    <dgm:effectClrLst/>
+    <dgm:txLinClrLst/>
+    <dgm:txFillClrLst/>
+    <dgm:txEffectClrLst/>
+  </dgm:styleLbl>
+  <dgm:styleLbl name="asst4">
+    <dgm:fillClrLst meth="repeat">
+      <a:schemeClr val="accent1"/>
+    </dgm:fillClrLst>
+    <dgm:linClrLst meth="repeat">
+      <a:schemeClr val="lt1"/>
+    </dgm:linClrLst>
+    <dgm:effectClrLst/>
+    <dgm:txLinClrLst/>
+    <dgm:txFillClrLst/>
+    <dgm:txEffectClrLst/>
+  </dgm:styleLbl>
+  <dgm:styleLbl name="parChTrans2D1">
+    <dgm:fillClrLst meth="repeat">
+      <a:schemeClr val="accent1">
+        <a:tint val="60000"/>
+      </a:schemeClr>
+    </dgm:fillClrLst>
+    <dgm:linClrLst meth="repeat">
+      <a:schemeClr val="accent1">
+        <a:tint val="60000"/>
+      </a:schemeClr>
+    </dgm:linClrLst>
+    <dgm:effectClrLst/>
+    <dgm:txLinClrLst/>
+    <dgm:txFillClrLst meth="repeat">
+      <a:schemeClr val="lt1"/>
+    </dgm:txFillClrLst>
+    <dgm:txEffectClrLst/>
+  </dgm:styleLbl>
+  <dgm:styleLbl name="parChTrans2D2">
+    <dgm:fillClrLst meth="repeat">
+      <a:schemeClr val="accent1"/>
+    </dgm:fillClrLst>
+    <dgm:linClrLst meth="repeat">
+      <a:schemeClr val="accent1"/>
+    </dgm:linClrLst>
+    <dgm:effectClrLst/>
+    <dgm:txLinClrLst/>
+    <dgm:txFillClrLst meth="repeat">
+      <a:schemeClr val="lt1"/>
+    </dgm:txFillClrLst>
+    <dgm:txEffectClrLst/>
+  </dgm:styleLbl>
+  <dgm:styleLbl name="parChTrans2D3">
+    <dgm:fillClrLst meth="repeat">
+      <a:schemeClr val="accent1"/>
+    </dgm:fillClrLst>
+    <dgm:linClrLst meth="repeat">
+      <a:schemeClr val="accent1"/>
+    </dgm:linClrLst>
+    <dgm:effectClrLst/>
+    <dgm:txLinClrLst/>
+    <dgm:txFillClrLst meth="repeat">
+      <a:schemeClr val="lt1"/>
+    </dgm:txFillClrLst>
+    <dgm:txEffectClrLst/>
+  </dgm:styleLbl>
+  <dgm:styleLbl name="parChTrans2D4">
+    <dgm:fillClrLst meth="repeat">
+      <a:schemeClr val="accent1"/>
+    </dgm:fillClrLst>
+    <dgm:linClrLst meth="repeat">
+      <a:schemeClr val="accent1"/>
+    </dgm:linClrLst>
+    <dgm:effectClrLst/>
+    <dgm:txLinClrLst/>
+    <dgm:txFillClrLst meth="repeat">
+      <a:schemeClr val="lt1"/>
+    </dgm:txFillClrLst>
+    <dgm:txEffectClrLst/>
+  </dgm:styleLbl>
+  <dgm:styleLbl name="parChTrans1D1">
+    <dgm:fillClrLst meth="repeat">
+      <a:schemeClr val="accent1"/>
+    </dgm:fillClrLst>
+    <dgm:linClrLst meth="repeat">
+      <a:schemeClr val="accent1">
+        <a:shade val="60000"/>
+      </a:schemeClr>
+    </dgm:linClrLst>
+    <dgm:effectClrLst/>
+    <dgm:txLinClrLst/>
+    <dgm:txFillClrLst meth="repeat">
+      <a:schemeClr val="tx1"/>
+    </dgm:txFillClrLst>
+    <dgm:txEffectClrLst/>
+  </dgm:styleLbl>
+  <dgm:styleLbl name="parChTrans1D2">
+    <dgm:fillClrLst meth="repeat">
+      <a:schemeClr val="accent1"/>
+    </dgm:fillClrLst>
+    <dgm:linClrLst meth="repeat">
+      <a:schemeClr val="accent1">
+        <a:shade val="60000"/>
+      </a:schemeClr>
+    </dgm:linClrLst>
+    <dgm:effectClrLst/>
+    <dgm:txLinClrLst/>
+    <dgm:txFillClrLst meth="repeat">
+      <a:schemeClr val="tx1"/>
+    </dgm:txFillClrLst>
+    <dgm:txEffectClrLst/>
+  </dgm:styleLbl>
+  <dgm:styleLbl name="parChTrans1D3">
+    <dgm:fillClrLst meth="repeat">
+      <a:schemeClr val="accent1"/>
+    </dgm:fillClrLst>
+    <dgm:linClrLst meth="repeat">
+      <a:schemeClr val="accent1">
+        <a:shade val="80000"/>
+      </a:schemeClr>
+    </dgm:linClrLst>
+    <dgm:effectClrLst/>
+    <dgm:txLinClrLst/>
+    <dgm:txFillClrLst meth="repeat">
+      <a:schemeClr val="tx1"/>
+    </dgm:txFillClrLst>
+    <dgm:txEffectClrLst/>
+  </dgm:styleLbl>
+  <dgm:styleLbl name="parChTrans1D4">
+    <dgm:fillClrLst meth="repeat">
+      <a:schemeClr val="accent1"/>
+    </dgm:fillClrLst>
+    <dgm:linClrLst meth="repeat">
+      <a:schemeClr val="accent1">
+        <a:shade val="80000"/>
+      </a:schemeClr>
+    </dgm:linClrLst>
+    <dgm:effectClrLst/>
+    <dgm:txLinClrLst/>
+    <dgm:txFillClrLst meth="repeat">
+      <a:schemeClr val="tx1"/>
+    </dgm:txFillClrLst>
+    <dgm:txEffectClrLst/>
+  </dgm:styleLbl>
+  <dgm:styleLbl name="fgAcc1">
+    <dgm:fillClrLst meth="repeat">
+      <a:schemeClr val="lt1">
+        <a:alpha val="90000"/>
+      </a:schemeClr>
+    </dgm:fillClrLst>
+    <dgm:linClrLst meth="repeat">
+      <a:schemeClr val="accent1"/>
+    </dgm:linClrLst>
+    <dgm:effectClrLst/>
+    <dgm:txLinClrLst/>
+    <dgm:txFillClrLst meth="repeat">
+      <a:schemeClr val="dk1"/>
+    </dgm:txFillClrLst>
+    <dgm:txEffectClrLst/>
+  </dgm:styleLbl>
+  <dgm:styleLbl name="conFgAcc1">
+    <dgm:fillClrLst meth="repeat">
+      <a:schemeClr val="lt1">
+        <a:alpha val="90000"/>
+      </a:schemeClr>
+    </dgm:fillClrLst>
+    <dgm:linClrLst meth="repeat">
+      <a:schemeClr val="accent1"/>
+    </dgm:linClrLst>
+    <dgm:effectClrLst/>
+    <dgm:txLinClrLst/>
+    <dgm:txFillClrLst meth="repeat">
+      <a:schemeClr val="dk1"/>
+    </dgm:txFillClrLst>
+    <dgm:txEffectClrLst/>
+  </dgm:styleLbl>
+  <dgm:styleLbl name="alignAcc1">
+    <dgm:fillClrLst meth="repeat">
+      <a:schemeClr val="lt1">
+        <a:alpha val="90000"/>
+      </a:schemeClr>
+    </dgm:fillClrLst>
+    <dgm:linClrLst meth="repeat">
+      <a:schemeClr val="accent1"/>
+    </dgm:linClrLst>
+    <dgm:effectClrLst/>
+    <dgm:txLinClrLst/>
+    <dgm:txFillClrLst meth="repeat">
+      <a:schemeClr val="dk1"/>
+    </dgm:txFillClrLst>
+    <dgm:txEffectClrLst/>
+  </dgm:styleLbl>
+  <dgm:styleLbl name="trAlignAcc1">
+    <dgm:fillClrLst meth="repeat">
+      <a:schemeClr val="lt1">
+        <a:alpha val="40000"/>
+      </a:schemeClr>
+    </dgm:fillClrLst>
+    <dgm:linClrLst meth="repeat">
+      <a:schemeClr val="accent1"/>
+    </dgm:linClrLst>
+    <dgm:effectClrLst/>
+    <dgm:txLinClrLst/>
+    <dgm:txFillClrLst meth="repeat">
+      <a:schemeClr val="dk1"/>
+    </dgm:txFillClrLst>
+    <dgm:txEffectClrLst/>
+  </dgm:styleLbl>
+  <dgm:styleLbl name="bgAcc1">
+    <dgm:fillClrLst meth="repeat">
+      <a:schemeClr val="lt1">
+        <a:alpha val="90000"/>
+      </a:schemeClr>
+    </dgm:fillClrLst>
+    <dgm:linClrLst meth="repeat">
+      <a:schemeClr val="accent1"/>
+    </dgm:linClrLst>
+    <dgm:effectClrLst/>
+    <dgm:txLinClrLst/>
+    <dgm:txFillClrLst meth="repeat">
+      <a:schemeClr val="dk1"/>
+    </dgm:txFillClrLst>
+    <dgm:txEffectClrLst/>
+  </dgm:styleLbl>
+  <dgm:styleLbl name="solidFgAcc1">
+    <dgm:fillClrLst meth="repeat">
+      <a:schemeClr val="lt1"/>
+    </dgm:fillClrLst>
+    <dgm:linClrLst meth="repeat">
+      <a:schemeClr val="accent1"/>
+    </dgm:linClrLst>
+    <dgm:effectClrLst/>
+    <dgm:txLinClrLst/>
+    <dgm:txFillClrLst meth="repeat">
+      <a:schemeClr val="dk1"/>
+    </dgm:txFillClrLst>
+    <dgm:txEffectClrLst/>
+  </dgm:styleLbl>
+  <dgm:styleLbl name="solidAlignAcc1">
+    <dgm:fillClrLst meth="repeat">
+      <a:schemeClr val="lt1"/>
+    </dgm:fillClrLst>
+    <dgm:linClrLst meth="repeat">
+      <a:schemeClr val="accent1"/>
+    </dgm:linClrLst>
+    <dgm:effectClrLst/>
+    <dgm:txLinClrLst/>
+    <dgm:txFillClrLst meth="repeat">
+      <a:schemeClr val="dk1"/>
+    </dgm:txFillClrLst>
+    <dgm:txEffectClrLst/>
+  </dgm:styleLbl>
+  <dgm:styleLbl name="solidBgAcc1">
+    <dgm:fillClrLst meth="repeat">
+      <a:schemeClr val="lt1"/>
+    </dgm:fillClrLst>
+    <dgm:linClrLst meth="repeat">
+      <a:schemeClr val="accent1"/>
+    </dgm:linClrLst>
+    <dgm:effectClrLst/>
+    <dgm:txLinClrLst/>
+    <dgm:txFillClrLst meth="repeat">
+      <a:schemeClr val="dk1"/>
+    </dgm:txFillClrLst>
+    <dgm:txEffectClrLst/>
+  </dgm:styleLbl>
+  <dgm:styleLbl name="fgAccFollowNode1">
+    <dgm:fillClrLst meth="repeat">
+      <a:schemeClr val="accent1">
+        <a:alpha val="90000"/>
+        <a:tint val="40000"/>
+      </a:schemeClr>
+    </dgm:fillClrLst>
+    <dgm:linClrLst meth="repeat">
+      <a:schemeClr val="accent1">
+        <a:alpha val="90000"/>
+        <a:tint val="40000"/>
+      </a:schemeClr>
+    </dgm:linClrLst>
+    <dgm:effectClrLst/>
+    <dgm:txLinClrLst/>
+    <dgm:txFillClrLst meth="repeat">
+      <a:schemeClr val="dk1"/>
+    </dgm:txFillClrLst>
+    <dgm:txEffectClrLst/>
+  </dgm:styleLbl>
+  <dgm:styleLbl name="alignAccFollowNode1">
+    <dgm:fillClrLst meth="repeat">
+      <a:schemeClr val="accent1">
+        <a:alpha val="90000"/>
+        <a:tint val="40000"/>
+      </a:schemeClr>
+    </dgm:fillClrLst>
+    <dgm:linClrLst meth="repeat">
+      <a:schemeClr val="accent1">
+        <a:alpha val="90000"/>
+        <a:tint val="40000"/>
+      </a:schemeClr>
+    </dgm:linClrLst>
+    <dgm:effectClrLst/>
+    <dgm:txLinClrLst/>
+    <dgm:txFillClrLst meth="repeat">
+      <a:schemeClr val="dk1"/>
+    </dgm:txFillClrLst>
+    <dgm:txEffectClrLst/>
+  </dgm:styleLbl>
+  <dgm:styleLbl name="bgAccFollowNode1">
+    <dgm:fillClrLst meth="repeat">
+      <a:schemeClr val="accent1">
+        <a:alpha val="90000"/>
+        <a:tint val="40000"/>
+      </a:schemeClr>
+    </dgm:fillClrLst>
+    <dgm:linClrLst meth="repeat">
+      <a:schemeClr val="accent1">
+        <a:alpha val="90000"/>
+        <a:tint val="40000"/>
+      </a:schemeClr>
+    </dgm:linClrLst>
+    <dgm:effectClrLst/>
+    <dgm:txLinClrLst/>
+    <dgm:txFillClrLst meth="repeat">
+      <a:schemeClr val="dk1"/>
+    </dgm:txFillClrLst>
+    <dgm:txEffectClrLst/>
+  </dgm:styleLbl>
+  <dgm:styleLbl name="fgAcc0">
+    <dgm:fillClrLst meth="repeat">
+      <a:schemeClr val="lt1">
+        <a:alpha val="90000"/>
+      </a:schemeClr>
+    </dgm:fillClrLst>
+    <dgm:linClrLst meth="repeat">
+      <a:schemeClr val="accent1"/>
+    </dgm:linClrLst>
+    <dgm:effectClrLst/>
+    <dgm:txLinClrLst/>
+    <dgm:txFillClrLst meth="repeat">
+      <a:schemeClr val="dk1"/>
+    </dgm:txFillClrLst>
+    <dgm:txEffectClrLst/>
+  </dgm:styleLbl>
+  <dgm:styleLbl name="fgAcc2">
+    <dgm:fillClrLst meth="repeat">
+      <a:schemeClr val="lt1">
+        <a:alpha val="90000"/>
+      </a:schemeClr>
+    </dgm:fillClrLst>
+    <dgm:linClrLst meth="repeat">
+      <a:schemeClr val="accent1"/>
+    </dgm:linClrLst>
+    <dgm:effectClrLst/>
+    <dgm:txLinClrLst/>
+    <dgm:txFillClrLst meth="repeat">
+      <a:schemeClr val="dk1"/>
+    </dgm:txFillClrLst>
+    <dgm:txEffectClrLst/>
+  </dgm:styleLbl>
+  <dgm:styleLbl name="fgAcc3">
+    <dgm:fillClrLst meth="repeat">
+      <a:schemeClr val="lt1">
+        <a:alpha val="90000"/>
+      </a:schemeClr>
+    </dgm:fillClrLst>
+    <dgm:linClrLst meth="repeat">
+      <a:schemeClr val="accent1"/>
+    </dgm:linClrLst>
+    <dgm:effectClrLst/>
+    <dgm:txLinClrLst/>
+    <dgm:txFillClrLst meth="repeat">
+      <a:schemeClr val="dk1"/>
+    </dgm:txFillClrLst>
+    <dgm:txEffectClrLst/>
+  </dgm:styleLbl>
+  <dgm:styleLbl name="fgAcc4">
+    <dgm:fillClrLst meth="repeat">
+      <a:schemeClr val="lt1">
+        <a:alpha val="90000"/>
+      </a:schemeClr>
+    </dgm:fillClrLst>
+    <dgm:linClrLst meth="repeat">
+      <a:schemeClr val="accent1"/>
+    </dgm:linClrLst>
+    <dgm:effectClrLst/>
+    <dgm:txLinClrLst/>
+    <dgm:txFillClrLst meth="repeat">
+      <a:schemeClr val="dk1"/>
+    </dgm:txFillClrLst>
+    <dgm:txEffectClrLst/>
+  </dgm:styleLbl>
+  <dgm:styleLbl name="bgShp">
+    <dgm:fillClrLst meth="repeat">
+      <a:schemeClr val="accent1">
+        <a:tint val="40000"/>
+      </a:schemeClr>
+    </dgm:fillClrLst>
+    <dgm:linClrLst meth="repeat">
+      <a:schemeClr val="accent1"/>
+    </dgm:linClrLst>
+    <dgm:effectClrLst/>
+    <dgm:txLinClrLst/>
+    <dgm:txFillClrLst meth="repeat">
+      <a:schemeClr val="dk1"/>
+    </dgm:txFillClrLst>
+    <dgm:txEffectClrLst/>
+  </dgm:styleLbl>
+  <dgm:styleLbl name="dkBgShp">
+    <dgm:fillClrLst meth="repeat">
+      <a:schemeClr val="accent1">
+        <a:shade val="80000"/>
+      </a:schemeClr>
+    </dgm:fillClrLst>
+    <dgm:linClrLst meth="repeat">
+      <a:schemeClr val="accent1"/>
+    </dgm:linClrLst>
+    <dgm:effectClrLst/>
+    <dgm:txLinClrLst/>
+    <dgm:txFillClrLst meth="repeat">
+      <a:schemeClr val="lt1"/>
+    </dgm:txFillClrLst>
+    <dgm:txEffectClrLst/>
+  </dgm:styleLbl>
+  <dgm:styleLbl name="trBgShp">
+    <dgm:fillClrLst meth="repeat">
+      <a:schemeClr val="accent1">
+        <a:tint val="50000"/>
+        <a:alpha val="40000"/>
+      </a:schemeClr>
+    </dgm:fillClrLst>
+    <dgm:linClrLst meth="repeat">
+      <a:schemeClr val="accent1"/>
+    </dgm:linClrLst>
+    <dgm:effectClrLst/>
+    <dgm:txLinClrLst/>
+    <dgm:txFillClrLst meth="repeat">
+      <a:schemeClr val="lt1"/>
+    </dgm:txFillClrLst>
+    <dgm:txEffectClrLst/>
+  </dgm:styleLbl>
+  <dgm:styleLbl name="fgShp">
+    <dgm:fillClrLst meth="repeat">
+      <a:schemeClr val="accent1">
+        <a:tint val="60000"/>
+      </a:schemeClr>
+    </dgm:fillClrLst>
+    <dgm:linClrLst meth="repeat">
+      <a:schemeClr val="lt1"/>
+    </dgm:linClrLst>
+    <dgm:effectClrLst/>
+    <dgm:txLinClrLst/>
+    <dgm:txFillClrLst meth="repeat">
+      <a:schemeClr val="dk1"/>
+    </dgm:txFillClrLst>
+    <dgm:txEffectClrLst/>
+  </dgm:styleLbl>
+  <dgm:styleLbl name="revTx">
+    <dgm:fillClrLst meth="repeat">
+      <a:schemeClr val="lt1">
+        <a:alpha val="0"/>
+      </a:schemeClr>
+    </dgm:fillClrLst>
+    <dgm:linClrLst meth="repeat">
+      <a:schemeClr val="dk1">
+        <a:alpha val="0"/>
+      </a:schemeClr>
+    </dgm:linClrLst>
+    <dgm:effectClrLst/>
+    <dgm:txLinClrLst/>
+    <dgm:txFillClrLst meth="repeat">
+      <a:schemeClr val="tx1"/>
+    </dgm:txFillClrLst>
+    <dgm:txEffectClrLst/>
+  </dgm:styleLbl>
+</dgm:colorsDef>
+</file>
+
+<file path=ppt/diagrams/colors4.xml><?xml version="1.0" encoding="utf-8"?>
 <dgm:colorsDef xmlns:dgm="http://schemas.openxmlformats.org/drawingml/2006/diagram" xmlns:a="http://schemas.openxmlformats.org/drawingml/2006/main" uniqueId="urn:microsoft.com/office/officeart/2005/8/colors/accent1_2">
   <dgm:title val=""/>
   <dgm:desc val=""/>
@@ -3390,46 +4137,46 @@
     </dgm:pt>
   </dgm:ptLst>
   <dgm:cxnLst>
+    <dgm:cxn modelId="{1CE0984A-A186-4D24-99E7-8C04F0730648}" type="presOf" srcId="{B50A5606-1762-46C4-AA0B-63024C8A9E90}" destId="{57BF02B3-4C30-4E76-9B91-51B2B6791250}" srcOrd="1" destOrd="0" presId="urn:microsoft.com/office/officeart/2005/8/layout/orgChart1"/>
+    <dgm:cxn modelId="{779606DA-12D2-43C1-8D2E-0E919F1E123A}" srcId="{5838D46F-7C8D-4206-8DDE-8060C45AEBD8}" destId="{586D52E6-BDE9-4E66-AEA6-6D8473564943}" srcOrd="0" destOrd="0" parTransId="{60D2C7D0-9220-4697-AC7F-7AD2D6EFA0AF}" sibTransId="{8CD97639-B2C8-4167-8976-620F3C7DDE5E}"/>
+    <dgm:cxn modelId="{21C758DA-99C9-4043-BAF1-18A38E7CA58A}" srcId="{81B36C31-DF8B-44D2-AC5F-15846E45A975}" destId="{64FBDF4C-B609-4009-BE7D-473BB9EF8F67}" srcOrd="0" destOrd="0" parTransId="{2F3F0353-BA59-4A0A-81A1-E40D332543BB}" sibTransId="{AB2D94A6-1513-4CB6-9835-A29F7DC8D014}"/>
+    <dgm:cxn modelId="{8D86D2C1-0F10-4977-AB05-A38BE1ED2692}" srcId="{81B36C31-DF8B-44D2-AC5F-15846E45A975}" destId="{5838D46F-7C8D-4206-8DDE-8060C45AEBD8}" srcOrd="2" destOrd="0" parTransId="{1C4620D8-B272-4E98-A393-BE943B8FE036}" sibTransId="{10001B76-2457-49F2-BF16-E3208A800187}"/>
+    <dgm:cxn modelId="{A3F9AB3E-64A9-4933-A8D1-B725A9D04241}" type="presOf" srcId="{286DC620-BB32-4056-A3E7-75CAC0C52907}" destId="{D9262A5D-AA8D-4B58-B6F1-8CAE0A11A386}" srcOrd="0" destOrd="0" presId="urn:microsoft.com/office/officeart/2005/8/layout/orgChart1"/>
+    <dgm:cxn modelId="{8CC6DD30-C859-4D5D-8C44-AF83DEE179B1}" type="presOf" srcId="{EE1A5EFC-CE6F-4FB0-838C-AC74BC9DF385}" destId="{0AE19E72-3F9A-4950-A4CD-8FAE3DEC54F7}" srcOrd="0" destOrd="0" presId="urn:microsoft.com/office/officeart/2005/8/layout/orgChart1"/>
+    <dgm:cxn modelId="{E5996145-1A38-4F78-B3CB-B3253FDCDBB9}" type="presOf" srcId="{3C5871A0-B6ED-4A5E-B629-ABCB4F009C9B}" destId="{C030D7B4-3E16-47CC-AD00-76EFA76727C3}" srcOrd="1" destOrd="0" presId="urn:microsoft.com/office/officeart/2005/8/layout/orgChart1"/>
+    <dgm:cxn modelId="{F208AD45-EA3B-4EFD-92B2-8941769A0B20}" srcId="{156AC726-DD7B-4E72-8ACF-DB9A959FCB2E}" destId="{1679F30B-4A00-4F3B-B57D-EE8B8F9C8F47}" srcOrd="0" destOrd="0" parTransId="{99463C61-C5F1-4CBA-9A56-2010DF6D500B}" sibTransId="{74ECA2CF-A47D-4C3C-A267-26A17DE0927B}"/>
+    <dgm:cxn modelId="{E4B2561E-4E66-4C1F-8A67-680FF6980A6E}" type="presOf" srcId="{8CBA69FD-0F3F-4EC0-8B5C-0D454FDC5259}" destId="{51461D6A-5B8C-4EE4-8620-E062F3EFCEFA}" srcOrd="0" destOrd="0" presId="urn:microsoft.com/office/officeart/2005/8/layout/orgChart1"/>
     <dgm:cxn modelId="{45B1D0E7-5A3D-433F-B826-039CABFFEE74}" type="presOf" srcId="{99463C61-C5F1-4CBA-9A56-2010DF6D500B}" destId="{7F30AC78-F5FE-435A-BE07-64B9DF853CAE}" srcOrd="0" destOrd="0" presId="urn:microsoft.com/office/officeart/2005/8/layout/orgChart1"/>
-    <dgm:cxn modelId="{779606DA-12D2-43C1-8D2E-0E919F1E123A}" srcId="{5838D46F-7C8D-4206-8DDE-8060C45AEBD8}" destId="{586D52E6-BDE9-4E66-AEA6-6D8473564943}" srcOrd="0" destOrd="0" parTransId="{60D2C7D0-9220-4697-AC7F-7AD2D6EFA0AF}" sibTransId="{8CD97639-B2C8-4167-8976-620F3C7DDE5E}"/>
+    <dgm:cxn modelId="{A5B9DC5C-AACF-4617-AE38-67430386FB4E}" srcId="{156AC726-DD7B-4E72-8ACF-DB9A959FCB2E}" destId="{3C5871A0-B6ED-4A5E-B629-ABCB4F009C9B}" srcOrd="1" destOrd="0" parTransId="{EE1A5EFC-CE6F-4FB0-838C-AC74BC9DF385}" sibTransId="{39C74534-D164-4C1A-8DDC-83F045841ECA}"/>
+    <dgm:cxn modelId="{DC0B7D49-E772-4587-8487-C9CFDED65F9A}" type="presOf" srcId="{64FBDF4C-B609-4009-BE7D-473BB9EF8F67}" destId="{DFF7F668-34BF-43F3-8355-91CBC30F09A9}" srcOrd="0" destOrd="0" presId="urn:microsoft.com/office/officeart/2005/8/layout/orgChart1"/>
+    <dgm:cxn modelId="{E9C3DEE8-1002-49DE-ACA5-6FBC23843CE6}" type="presOf" srcId="{60D2C7D0-9220-4697-AC7F-7AD2D6EFA0AF}" destId="{35714482-3D54-40F3-980B-5F50205073B8}" srcOrd="0" destOrd="0" presId="urn:microsoft.com/office/officeart/2005/8/layout/orgChart1"/>
+    <dgm:cxn modelId="{8B381A3E-982B-40C9-9A4F-3A318B6E6047}" type="presOf" srcId="{DCAC1769-56EE-43F3-BFA9-2FA13C1AAD22}" destId="{4E2CF28E-4134-4468-9084-50FBD83E7FCD}" srcOrd="0" destOrd="0" presId="urn:microsoft.com/office/officeart/2005/8/layout/orgChart1"/>
+    <dgm:cxn modelId="{DAB75BFB-64D2-4912-9D55-E538FEECA067}" type="presOf" srcId="{3C5871A0-B6ED-4A5E-B629-ABCB4F009C9B}" destId="{2BB2A630-F0E0-46A5-9A86-C7EC2001AFB4}" srcOrd="0" destOrd="0" presId="urn:microsoft.com/office/officeart/2005/8/layout/orgChart1"/>
+    <dgm:cxn modelId="{D98E346E-3B90-45AB-8686-9229949EDB33}" type="presOf" srcId="{586D52E6-BDE9-4E66-AEA6-6D8473564943}" destId="{3BE6BA68-0871-4A1D-804F-3D4232BF2478}" srcOrd="0" destOrd="0" presId="urn:microsoft.com/office/officeart/2005/8/layout/orgChart1"/>
+    <dgm:cxn modelId="{FB87683A-7178-4DBB-8EBC-ED4DF4B5EAEC}" srcId="{DCAC1769-56EE-43F3-BFA9-2FA13C1AAD22}" destId="{81B36C31-DF8B-44D2-AC5F-15846E45A975}" srcOrd="0" destOrd="0" parTransId="{5EE31747-5675-4032-8024-611EB34ACC3B}" sibTransId="{14D7079B-DD2F-4F74-A146-B9D6AFBF9D9D}"/>
+    <dgm:cxn modelId="{9795847F-6F88-40D4-B35F-0EC83E857DB0}" type="presOf" srcId="{DCAC1769-56EE-43F3-BFA9-2FA13C1AAD22}" destId="{221DD2BC-B009-41D9-8EA1-5127CD01804E}" srcOrd="1" destOrd="0" presId="urn:microsoft.com/office/officeart/2005/8/layout/orgChart1"/>
+    <dgm:cxn modelId="{144AB463-F261-465A-8632-A1FCBFC6FC60}" srcId="{2831A59A-4069-4FA1-83B6-AD531728E641}" destId="{B50A5606-1762-46C4-AA0B-63024C8A9E90}" srcOrd="0" destOrd="0" parTransId="{1E57F98B-CFD8-4B0B-A351-1579692FD339}" sibTransId="{A86591C7-B7F8-45CC-827D-DD74A046C694}"/>
+    <dgm:cxn modelId="{202DB691-D4EC-47AA-A793-D282CEF348A6}" type="presOf" srcId="{81B36C31-DF8B-44D2-AC5F-15846E45A975}" destId="{658DDC1D-2784-4E9B-9B84-C13CFDECC651}" srcOrd="1" destOrd="0" presId="urn:microsoft.com/office/officeart/2005/8/layout/orgChart1"/>
+    <dgm:cxn modelId="{073EE874-A148-409A-AA63-124194E87BB7}" type="presOf" srcId="{2F3F0353-BA59-4A0A-81A1-E40D332543BB}" destId="{D1174489-E962-4DD0-8DA8-D6452DDD4302}" srcOrd="0" destOrd="0" presId="urn:microsoft.com/office/officeart/2005/8/layout/orgChart1"/>
+    <dgm:cxn modelId="{C4470987-2B08-4585-9153-BC65274205BB}" type="presOf" srcId="{156AC726-DD7B-4E72-8ACF-DB9A959FCB2E}" destId="{DD2630D1-7746-4C7F-AF17-20EF5B5AB600}" srcOrd="1" destOrd="0" presId="urn:microsoft.com/office/officeart/2005/8/layout/orgChart1"/>
+    <dgm:cxn modelId="{8019A0A3-5E55-4ABB-AC17-7697087F66E1}" type="presOf" srcId="{64FBDF4C-B609-4009-BE7D-473BB9EF8F67}" destId="{ED550295-02C1-4C56-A7F9-745D29FFF023}" srcOrd="1" destOrd="0" presId="urn:microsoft.com/office/officeart/2005/8/layout/orgChart1"/>
+    <dgm:cxn modelId="{8ACFD203-3108-4447-A4C0-DDC8176F00BA}" type="presOf" srcId="{232144A6-594F-46A7-A7B7-861E0D463354}" destId="{B7D15763-141E-4399-88C7-E1AABD526718}" srcOrd="0" destOrd="0" presId="urn:microsoft.com/office/officeart/2005/8/layout/orgChart1"/>
+    <dgm:cxn modelId="{5B57B2BB-8D14-469D-98A9-BB7A31E01281}" type="presOf" srcId="{8CBA69FD-0F3F-4EC0-8B5C-0D454FDC5259}" destId="{B02FB248-D1C5-49BA-B14A-6C417BDE0DD9}" srcOrd="1" destOrd="0" presId="urn:microsoft.com/office/officeart/2005/8/layout/orgChart1"/>
+    <dgm:cxn modelId="{FF788503-0736-4771-A2C7-0F04C0969BA6}" type="presOf" srcId="{81B36C31-DF8B-44D2-AC5F-15846E45A975}" destId="{061AC658-47F7-4092-A731-984DC3083086}" srcOrd="0" destOrd="0" presId="urn:microsoft.com/office/officeart/2005/8/layout/orgChart1"/>
+    <dgm:cxn modelId="{C5A1A16B-BE42-43EF-B848-90EC4F5491CD}" type="presOf" srcId="{1C4620D8-B272-4E98-A393-BE943B8FE036}" destId="{3745227A-0AEB-45B4-ADA4-D2C9BA1C86D9}" srcOrd="0" destOrd="0" presId="urn:microsoft.com/office/officeart/2005/8/layout/orgChart1"/>
+    <dgm:cxn modelId="{F47D0821-BEF4-42E9-8CE6-1C042C0A4B9F}" type="presOf" srcId="{586D52E6-BDE9-4E66-AEA6-6D8473564943}" destId="{336B0E2C-0FA6-4B2D-8D6B-708830660C67}" srcOrd="1" destOrd="0" presId="urn:microsoft.com/office/officeart/2005/8/layout/orgChart1"/>
+    <dgm:cxn modelId="{651975F6-14A6-4B81-A409-3819F668492B}" srcId="{81B36C31-DF8B-44D2-AC5F-15846E45A975}" destId="{156AC726-DD7B-4E72-8ACF-DB9A959FCB2E}" srcOrd="1" destOrd="0" parTransId="{F39AA878-2E0E-4F4A-86DD-37BC08F66537}" sibTransId="{00B67374-055F-46F1-BE18-05546951A1DE}"/>
+    <dgm:cxn modelId="{E5EF2415-4492-4300-B829-02DBBEC78958}" type="presOf" srcId="{5EE31747-5675-4032-8024-611EB34ACC3B}" destId="{EDCC00D5-C8D9-4C51-A1CE-52034DA080BC}" srcOrd="0" destOrd="0" presId="urn:microsoft.com/office/officeart/2005/8/layout/orgChart1"/>
+    <dgm:cxn modelId="{F14ECED1-1F1B-4C0C-9E51-789ED4B78480}" srcId="{B50A5606-1762-46C4-AA0B-63024C8A9E90}" destId="{DCAC1769-56EE-43F3-BFA9-2FA13C1AAD22}" srcOrd="0" destOrd="0" parTransId="{232144A6-594F-46A7-A7B7-861E0D463354}" sibTransId="{A028E9CA-E657-4C8C-BF04-E5348359BE32}"/>
+    <dgm:cxn modelId="{CA2AD5BE-465E-41CB-90AE-79558FF4AC77}" type="presOf" srcId="{B50A5606-1762-46C4-AA0B-63024C8A9E90}" destId="{EC364626-35D9-46E3-9A60-928233A69680}" srcOrd="0" destOrd="0" presId="urn:microsoft.com/office/officeart/2005/8/layout/orgChart1"/>
+    <dgm:cxn modelId="{241E25FE-0DF6-4E8B-9EDA-ABAEACED0C93}" type="presOf" srcId="{F39AA878-2E0E-4F4A-86DD-37BC08F66537}" destId="{3923B00D-FAE7-4543-8115-5B6CF6CECB86}" srcOrd="0" destOrd="0" presId="urn:microsoft.com/office/officeart/2005/8/layout/orgChart1"/>
     <dgm:cxn modelId="{2D5D32C4-9E82-4A0F-A4FE-A5042A091A05}" type="presOf" srcId="{156AC726-DD7B-4E72-8ACF-DB9A959FCB2E}" destId="{41257DA9-1A9A-4678-B5B6-7087398F85F3}" srcOrd="0" destOrd="0" presId="urn:microsoft.com/office/officeart/2005/8/layout/orgChart1"/>
-    <dgm:cxn modelId="{E9C3DEE8-1002-49DE-ACA5-6FBC23843CE6}" type="presOf" srcId="{60D2C7D0-9220-4697-AC7F-7AD2D6EFA0AF}" destId="{35714482-3D54-40F3-980B-5F50205073B8}" srcOrd="0" destOrd="0" presId="urn:microsoft.com/office/officeart/2005/8/layout/orgChart1"/>
-    <dgm:cxn modelId="{FB87683A-7178-4DBB-8EBC-ED4DF4B5EAEC}" srcId="{DCAC1769-56EE-43F3-BFA9-2FA13C1AAD22}" destId="{81B36C31-DF8B-44D2-AC5F-15846E45A975}" srcOrd="0" destOrd="0" parTransId="{5EE31747-5675-4032-8024-611EB34ACC3B}" sibTransId="{14D7079B-DD2F-4F74-A146-B9D6AFBF9D9D}"/>
-    <dgm:cxn modelId="{144AB463-F261-465A-8632-A1FCBFC6FC60}" srcId="{2831A59A-4069-4FA1-83B6-AD531728E641}" destId="{B50A5606-1762-46C4-AA0B-63024C8A9E90}" srcOrd="0" destOrd="0" parTransId="{1E57F98B-CFD8-4B0B-A351-1579692FD339}" sibTransId="{A86591C7-B7F8-45CC-827D-DD74A046C694}"/>
+    <dgm:cxn modelId="{022ACF62-92E7-4157-ABED-181F4C04AB3D}" type="presOf" srcId="{1679F30B-4A00-4F3B-B57D-EE8B8F9C8F47}" destId="{46B4DA0A-356E-4B83-8907-A637478D0EBB}" srcOrd="0" destOrd="0" presId="urn:microsoft.com/office/officeart/2005/8/layout/orgChart1"/>
     <dgm:cxn modelId="{1163D162-81A8-4E9D-A277-E22443381CDF}" srcId="{156AC726-DD7B-4E72-8ACF-DB9A959FCB2E}" destId="{8CBA69FD-0F3F-4EC0-8B5C-0D454FDC5259}" srcOrd="2" destOrd="0" parTransId="{286DC620-BB32-4056-A3E7-75CAC0C52907}" sibTransId="{9BE51390-99D6-47EE-B6D4-0CB35967DFBC}"/>
-    <dgm:cxn modelId="{9795847F-6F88-40D4-B35F-0EC83E857DB0}" type="presOf" srcId="{DCAC1769-56EE-43F3-BFA9-2FA13C1AAD22}" destId="{221DD2BC-B009-41D9-8EA1-5127CD01804E}" srcOrd="1" destOrd="0" presId="urn:microsoft.com/office/officeart/2005/8/layout/orgChart1"/>
-    <dgm:cxn modelId="{A3F9AB3E-64A9-4933-A8D1-B725A9D04241}" type="presOf" srcId="{286DC620-BB32-4056-A3E7-75CAC0C52907}" destId="{D9262A5D-AA8D-4B58-B6F1-8CAE0A11A386}" srcOrd="0" destOrd="0" presId="urn:microsoft.com/office/officeart/2005/8/layout/orgChart1"/>
+    <dgm:cxn modelId="{62967950-598A-460C-8205-4A2E2A835969}" type="presOf" srcId="{5838D46F-7C8D-4206-8DDE-8060C45AEBD8}" destId="{3C586ADD-8318-420B-9954-8B8E17D3583C}" srcOrd="1" destOrd="0" presId="urn:microsoft.com/office/officeart/2005/8/layout/orgChart1"/>
+    <dgm:cxn modelId="{A79C6FDD-5764-488B-AD20-30FEE34A5114}" type="presOf" srcId="{5838D46F-7C8D-4206-8DDE-8060C45AEBD8}" destId="{E73DDFAA-7EC7-4434-A0AC-F6D1F5CB4668}" srcOrd="0" destOrd="0" presId="urn:microsoft.com/office/officeart/2005/8/layout/orgChart1"/>
     <dgm:cxn modelId="{B43E54D7-5B6E-454F-8799-D6C13161021D}" type="presOf" srcId="{2831A59A-4069-4FA1-83B6-AD531728E641}" destId="{FCCF0EC8-9948-4A5C-BAE4-F6C9C87B3291}" srcOrd="0" destOrd="0" presId="urn:microsoft.com/office/officeart/2005/8/layout/orgChart1"/>
-    <dgm:cxn modelId="{E5996145-1A38-4F78-B3CB-B3253FDCDBB9}" type="presOf" srcId="{3C5871A0-B6ED-4A5E-B629-ABCB4F009C9B}" destId="{C030D7B4-3E16-47CC-AD00-76EFA76727C3}" srcOrd="1" destOrd="0" presId="urn:microsoft.com/office/officeart/2005/8/layout/orgChart1"/>
-    <dgm:cxn modelId="{A5B9DC5C-AACF-4617-AE38-67430386FB4E}" srcId="{156AC726-DD7B-4E72-8ACF-DB9A959FCB2E}" destId="{3C5871A0-B6ED-4A5E-B629-ABCB4F009C9B}" srcOrd="1" destOrd="0" parTransId="{EE1A5EFC-CE6F-4FB0-838C-AC74BC9DF385}" sibTransId="{39C74534-D164-4C1A-8DDC-83F045841ECA}"/>
-    <dgm:cxn modelId="{8B381A3E-982B-40C9-9A4F-3A318B6E6047}" type="presOf" srcId="{DCAC1769-56EE-43F3-BFA9-2FA13C1AAD22}" destId="{4E2CF28E-4134-4468-9084-50FBD83E7FCD}" srcOrd="0" destOrd="0" presId="urn:microsoft.com/office/officeart/2005/8/layout/orgChart1"/>
-    <dgm:cxn modelId="{62967950-598A-460C-8205-4A2E2A835969}" type="presOf" srcId="{5838D46F-7C8D-4206-8DDE-8060C45AEBD8}" destId="{3C586ADD-8318-420B-9954-8B8E17D3583C}" srcOrd="1" destOrd="0" presId="urn:microsoft.com/office/officeart/2005/8/layout/orgChart1"/>
-    <dgm:cxn modelId="{202DB691-D4EC-47AA-A793-D282CEF348A6}" type="presOf" srcId="{81B36C31-DF8B-44D2-AC5F-15846E45A975}" destId="{658DDC1D-2784-4E9B-9B84-C13CFDECC651}" srcOrd="1" destOrd="0" presId="urn:microsoft.com/office/officeart/2005/8/layout/orgChart1"/>
-    <dgm:cxn modelId="{21C758DA-99C9-4043-BAF1-18A38E7CA58A}" srcId="{81B36C31-DF8B-44D2-AC5F-15846E45A975}" destId="{64FBDF4C-B609-4009-BE7D-473BB9EF8F67}" srcOrd="0" destOrd="0" parTransId="{2F3F0353-BA59-4A0A-81A1-E40D332543BB}" sibTransId="{AB2D94A6-1513-4CB6-9835-A29F7DC8D014}"/>
-    <dgm:cxn modelId="{022ACF62-92E7-4157-ABED-181F4C04AB3D}" type="presOf" srcId="{1679F30B-4A00-4F3B-B57D-EE8B8F9C8F47}" destId="{46B4DA0A-356E-4B83-8907-A637478D0EBB}" srcOrd="0" destOrd="0" presId="urn:microsoft.com/office/officeart/2005/8/layout/orgChart1"/>
-    <dgm:cxn modelId="{F14ECED1-1F1B-4C0C-9E51-789ED4B78480}" srcId="{B50A5606-1762-46C4-AA0B-63024C8A9E90}" destId="{DCAC1769-56EE-43F3-BFA9-2FA13C1AAD22}" srcOrd="0" destOrd="0" parTransId="{232144A6-594F-46A7-A7B7-861E0D463354}" sibTransId="{A028E9CA-E657-4C8C-BF04-E5348359BE32}"/>
-    <dgm:cxn modelId="{8ACFD203-3108-4447-A4C0-DDC8176F00BA}" type="presOf" srcId="{232144A6-594F-46A7-A7B7-861E0D463354}" destId="{B7D15763-141E-4399-88C7-E1AABD526718}" srcOrd="0" destOrd="0" presId="urn:microsoft.com/office/officeart/2005/8/layout/orgChart1"/>
-    <dgm:cxn modelId="{E4B2561E-4E66-4C1F-8A67-680FF6980A6E}" type="presOf" srcId="{8CBA69FD-0F3F-4EC0-8B5C-0D454FDC5259}" destId="{51461D6A-5B8C-4EE4-8620-E062F3EFCEFA}" srcOrd="0" destOrd="0" presId="urn:microsoft.com/office/officeart/2005/8/layout/orgChart1"/>
-    <dgm:cxn modelId="{8019A0A3-5E55-4ABB-AC17-7697087F66E1}" type="presOf" srcId="{64FBDF4C-B609-4009-BE7D-473BB9EF8F67}" destId="{ED550295-02C1-4C56-A7F9-745D29FFF023}" srcOrd="1" destOrd="0" presId="urn:microsoft.com/office/officeart/2005/8/layout/orgChart1"/>
-    <dgm:cxn modelId="{E5EF2415-4492-4300-B829-02DBBEC78958}" type="presOf" srcId="{5EE31747-5675-4032-8024-611EB34ACC3B}" destId="{EDCC00D5-C8D9-4C51-A1CE-52034DA080BC}" srcOrd="0" destOrd="0" presId="urn:microsoft.com/office/officeart/2005/8/layout/orgChart1"/>
-    <dgm:cxn modelId="{F47D0821-BEF4-42E9-8CE6-1C042C0A4B9F}" type="presOf" srcId="{586D52E6-BDE9-4E66-AEA6-6D8473564943}" destId="{336B0E2C-0FA6-4B2D-8D6B-708830660C67}" srcOrd="1" destOrd="0" presId="urn:microsoft.com/office/officeart/2005/8/layout/orgChart1"/>
-    <dgm:cxn modelId="{DC0B7D49-E772-4587-8487-C9CFDED65F9A}" type="presOf" srcId="{64FBDF4C-B609-4009-BE7D-473BB9EF8F67}" destId="{DFF7F668-34BF-43F3-8355-91CBC30F09A9}" srcOrd="0" destOrd="0" presId="urn:microsoft.com/office/officeart/2005/8/layout/orgChart1"/>
-    <dgm:cxn modelId="{5B57B2BB-8D14-469D-98A9-BB7A31E01281}" type="presOf" srcId="{8CBA69FD-0F3F-4EC0-8B5C-0D454FDC5259}" destId="{B02FB248-D1C5-49BA-B14A-6C417BDE0DD9}" srcOrd="1" destOrd="0" presId="urn:microsoft.com/office/officeart/2005/8/layout/orgChart1"/>
-    <dgm:cxn modelId="{F208AD45-EA3B-4EFD-92B2-8941769A0B20}" srcId="{156AC726-DD7B-4E72-8ACF-DB9A959FCB2E}" destId="{1679F30B-4A00-4F3B-B57D-EE8B8F9C8F47}" srcOrd="0" destOrd="0" parTransId="{99463C61-C5F1-4CBA-9A56-2010DF6D500B}" sibTransId="{74ECA2CF-A47D-4C3C-A267-26A17DE0927B}"/>
-    <dgm:cxn modelId="{C4470987-2B08-4585-9153-BC65274205BB}" type="presOf" srcId="{156AC726-DD7B-4E72-8ACF-DB9A959FCB2E}" destId="{DD2630D1-7746-4C7F-AF17-20EF5B5AB600}" srcOrd="1" destOrd="0" presId="urn:microsoft.com/office/officeart/2005/8/layout/orgChart1"/>
-    <dgm:cxn modelId="{241E25FE-0DF6-4E8B-9EDA-ABAEACED0C93}" type="presOf" srcId="{F39AA878-2E0E-4F4A-86DD-37BC08F66537}" destId="{3923B00D-FAE7-4543-8115-5B6CF6CECB86}" srcOrd="0" destOrd="0" presId="urn:microsoft.com/office/officeart/2005/8/layout/orgChart1"/>
-    <dgm:cxn modelId="{1CE0984A-A186-4D24-99E7-8C04F0730648}" type="presOf" srcId="{B50A5606-1762-46C4-AA0B-63024C8A9E90}" destId="{57BF02B3-4C30-4E76-9B91-51B2B6791250}" srcOrd="1" destOrd="0" presId="urn:microsoft.com/office/officeart/2005/8/layout/orgChart1"/>
-    <dgm:cxn modelId="{D98E346E-3B90-45AB-8686-9229949EDB33}" type="presOf" srcId="{586D52E6-BDE9-4E66-AEA6-6D8473564943}" destId="{3BE6BA68-0871-4A1D-804F-3D4232BF2478}" srcOrd="0" destOrd="0" presId="urn:microsoft.com/office/officeart/2005/8/layout/orgChart1"/>
-    <dgm:cxn modelId="{C5A1A16B-BE42-43EF-B848-90EC4F5491CD}" type="presOf" srcId="{1C4620D8-B272-4E98-A393-BE943B8FE036}" destId="{3745227A-0AEB-45B4-ADA4-D2C9BA1C86D9}" srcOrd="0" destOrd="0" presId="urn:microsoft.com/office/officeart/2005/8/layout/orgChart1"/>
     <dgm:cxn modelId="{A127A870-8F61-4CEF-87FE-18FCDFFEB91E}" type="presOf" srcId="{1679F30B-4A00-4F3B-B57D-EE8B8F9C8F47}" destId="{A506D6A6-8DFE-450A-B9A1-4FEDFE310C9E}" srcOrd="1" destOrd="0" presId="urn:microsoft.com/office/officeart/2005/8/layout/orgChart1"/>
-    <dgm:cxn modelId="{CA2AD5BE-465E-41CB-90AE-79558FF4AC77}" type="presOf" srcId="{B50A5606-1762-46C4-AA0B-63024C8A9E90}" destId="{EC364626-35D9-46E3-9A60-928233A69680}" srcOrd="0" destOrd="0" presId="urn:microsoft.com/office/officeart/2005/8/layout/orgChart1"/>
-    <dgm:cxn modelId="{DAB75BFB-64D2-4912-9D55-E538FEECA067}" type="presOf" srcId="{3C5871A0-B6ED-4A5E-B629-ABCB4F009C9B}" destId="{2BB2A630-F0E0-46A5-9A86-C7EC2001AFB4}" srcOrd="0" destOrd="0" presId="urn:microsoft.com/office/officeart/2005/8/layout/orgChart1"/>
-    <dgm:cxn modelId="{8CC6DD30-C859-4D5D-8C44-AF83DEE179B1}" type="presOf" srcId="{EE1A5EFC-CE6F-4FB0-838C-AC74BC9DF385}" destId="{0AE19E72-3F9A-4950-A4CD-8FAE3DEC54F7}" srcOrd="0" destOrd="0" presId="urn:microsoft.com/office/officeart/2005/8/layout/orgChart1"/>
-    <dgm:cxn modelId="{A79C6FDD-5764-488B-AD20-30FEE34A5114}" type="presOf" srcId="{5838D46F-7C8D-4206-8DDE-8060C45AEBD8}" destId="{E73DDFAA-7EC7-4434-A0AC-F6D1F5CB4668}" srcOrd="0" destOrd="0" presId="urn:microsoft.com/office/officeart/2005/8/layout/orgChart1"/>
-    <dgm:cxn modelId="{651975F6-14A6-4B81-A409-3819F668492B}" srcId="{81B36C31-DF8B-44D2-AC5F-15846E45A975}" destId="{156AC726-DD7B-4E72-8ACF-DB9A959FCB2E}" srcOrd="1" destOrd="0" parTransId="{F39AA878-2E0E-4F4A-86DD-37BC08F66537}" sibTransId="{00B67374-055F-46F1-BE18-05546951A1DE}"/>
-    <dgm:cxn modelId="{8D86D2C1-0F10-4977-AB05-A38BE1ED2692}" srcId="{81B36C31-DF8B-44D2-AC5F-15846E45A975}" destId="{5838D46F-7C8D-4206-8DDE-8060C45AEBD8}" srcOrd="2" destOrd="0" parTransId="{1C4620D8-B272-4E98-A393-BE943B8FE036}" sibTransId="{10001B76-2457-49F2-BF16-E3208A800187}"/>
-    <dgm:cxn modelId="{FF788503-0736-4771-A2C7-0F04C0969BA6}" type="presOf" srcId="{81B36C31-DF8B-44D2-AC5F-15846E45A975}" destId="{061AC658-47F7-4092-A731-984DC3083086}" srcOrd="0" destOrd="0" presId="urn:microsoft.com/office/officeart/2005/8/layout/orgChart1"/>
-    <dgm:cxn modelId="{073EE874-A148-409A-AA63-124194E87BB7}" type="presOf" srcId="{2F3F0353-BA59-4A0A-81A1-E40D332543BB}" destId="{D1174489-E962-4DD0-8DA8-D6452DDD4302}" srcOrd="0" destOrd="0" presId="urn:microsoft.com/office/officeart/2005/8/layout/orgChart1"/>
     <dgm:cxn modelId="{179F265F-ADF9-4323-AECD-E30AD5A023E5}" type="presParOf" srcId="{FCCF0EC8-9948-4A5C-BAE4-F6C9C87B3291}" destId="{2C352992-081A-4F44-9FAF-0A1800ECCF3E}" srcOrd="0" destOrd="0" presId="urn:microsoft.com/office/officeart/2005/8/layout/orgChart1"/>
     <dgm:cxn modelId="{37D12964-003E-4A72-AAA1-E7C52FECFC5C}" type="presParOf" srcId="{2C352992-081A-4F44-9FAF-0A1800ECCF3E}" destId="{86303770-EA76-4BA2-9829-EC2BDB29493B}" srcOrd="0" destOrd="0" presId="urn:microsoft.com/office/officeart/2005/8/layout/orgChart1"/>
     <dgm:cxn modelId="{EC3063F0-77C4-4A88-B2B0-7117F34E612D}" type="presParOf" srcId="{86303770-EA76-4BA2-9829-EC2BDB29493B}" destId="{EC364626-35D9-46E3-9A60-928233A69680}" srcOrd="0" destOrd="0" presId="urn:microsoft.com/office/officeart/2005/8/layout/orgChart1"/>
@@ -3504,7 +4251,7 @@
   <dgm:whole/>
   <dgm:extLst>
     <a:ext uri="http://schemas.microsoft.com/office/drawing/2008/diagram">
-      <dsp:dataModelExt xmlns:dsp="http://schemas.microsoft.com/office/drawing/2008/diagram" xmlns="" relId="rId6" minVer="http://schemas.openxmlformats.org/drawingml/2006/diagram"/>
+      <dsp:dataModelExt xmlns:dsp="http://schemas.microsoft.com/office/drawing/2008/diagram" relId="rId6" minVer="http://schemas.openxmlformats.org/drawingml/2006/diagram"/>
     </a:ext>
   </dgm:extLst>
 </dgm:dataModel>
@@ -3812,17 +4559,17 @@
     </dgm:pt>
   </dgm:ptLst>
   <dgm:cxnLst>
-    <dgm:cxn modelId="{CD251A95-F804-4F0A-BD53-99BFCADE50D3}" srcId="{512B78CB-E4DC-4D1C-8D27-AEA9B6B3B334}" destId="{D1A1224A-2246-4CD8-8E8A-4ACFAF05B2D3}" srcOrd="1" destOrd="0" parTransId="{25C8157A-39B3-44E4-99CF-CDC276812223}" sibTransId="{EBE1988E-AA4B-45D7-8ADE-9D18B3959943}"/>
-    <dgm:cxn modelId="{2B5B36FA-959E-4958-A6D1-8D57E7359A62}" srcId="{512B78CB-E4DC-4D1C-8D27-AEA9B6B3B334}" destId="{AE05773D-2C0B-47B8-91B2-0DEB4F3B0803}" srcOrd="3" destOrd="0" parTransId="{603C4048-78C9-4CBC-A238-BC40234E8478}" sibTransId="{CBB8DBD8-513C-4475-9491-FD084A03F219}"/>
-    <dgm:cxn modelId="{FEA4C5B8-5FC4-4430-B0AD-C6C68B7499FC}" type="presOf" srcId="{D1A1224A-2246-4CD8-8E8A-4ACFAF05B2D3}" destId="{6A9196AE-AC7C-476D-8C21-67973FB53462}" srcOrd="0" destOrd="0" presId="urn:microsoft.com/office/officeart/2005/8/layout/hProcess9"/>
-    <dgm:cxn modelId="{BE954E80-6C83-4DCB-A912-0D314DF26EB9}" srcId="{512B78CB-E4DC-4D1C-8D27-AEA9B6B3B334}" destId="{3FB30F82-978A-47AD-AF8E-92FBCF120E2D}" srcOrd="0" destOrd="0" parTransId="{7C232A03-3E89-42A3-8543-6B238B5EBECB}" sibTransId="{010A2715-1219-4E77-AA69-F5057D70CB7E}"/>
-    <dgm:cxn modelId="{61ED3805-547E-4165-890A-7E7A827A370F}" type="presOf" srcId="{5233AE8D-3BCA-4A47-92D4-108A94C094EA}" destId="{28CC0323-E8AB-454E-B9E5-C8BDB7FF0D9E}" srcOrd="0" destOrd="0" presId="urn:microsoft.com/office/officeart/2005/8/layout/hProcess9"/>
-    <dgm:cxn modelId="{C6F85FAA-35F6-4C69-B1D5-CFA5CF516921}" type="presOf" srcId="{69897640-91C3-4519-8938-17AAAC4C1E3F}" destId="{8F6499CE-E5A6-44D3-8266-88F66EBC4BB2}" srcOrd="0" destOrd="0" presId="urn:microsoft.com/office/officeart/2005/8/layout/hProcess9"/>
+    <dgm:cxn modelId="{DC9EEC6D-F433-48C0-AD2A-B2686E9B6ED1}" type="presOf" srcId="{AE05773D-2C0B-47B8-91B2-0DEB4F3B0803}" destId="{BDA78200-EE40-4FAA-81FE-83E219C58035}" srcOrd="0" destOrd="0" presId="urn:microsoft.com/office/officeart/2005/8/layout/hProcess9"/>
     <dgm:cxn modelId="{15E45C52-9B1F-4383-9C99-A8EC96C2F4E9}" srcId="{512B78CB-E4DC-4D1C-8D27-AEA9B6B3B334}" destId="{69897640-91C3-4519-8938-17AAAC4C1E3F}" srcOrd="2" destOrd="0" parTransId="{256690B0-7E8D-4163-840D-756AABFAF8BE}" sibTransId="{C4E6455A-7A4A-428A-AB05-847B9487063E}"/>
     <dgm:cxn modelId="{3A4281F7-CDA0-483C-BE8E-64F93B0A627F}" type="presOf" srcId="{512B78CB-E4DC-4D1C-8D27-AEA9B6B3B334}" destId="{9372E4EB-2A20-4309-A333-7BDAD49D02C8}" srcOrd="0" destOrd="0" presId="urn:microsoft.com/office/officeart/2005/8/layout/hProcess9"/>
+    <dgm:cxn modelId="{2B5B36FA-959E-4958-A6D1-8D57E7359A62}" srcId="{512B78CB-E4DC-4D1C-8D27-AEA9B6B3B334}" destId="{AE05773D-2C0B-47B8-91B2-0DEB4F3B0803}" srcOrd="3" destOrd="0" parTransId="{603C4048-78C9-4CBC-A238-BC40234E8478}" sibTransId="{CBB8DBD8-513C-4475-9491-FD084A03F219}"/>
+    <dgm:cxn modelId="{BE954E80-6C83-4DCB-A912-0D314DF26EB9}" srcId="{512B78CB-E4DC-4D1C-8D27-AEA9B6B3B334}" destId="{3FB30F82-978A-47AD-AF8E-92FBCF120E2D}" srcOrd="0" destOrd="0" parTransId="{7C232A03-3E89-42A3-8543-6B238B5EBECB}" sibTransId="{010A2715-1219-4E77-AA69-F5057D70CB7E}"/>
     <dgm:cxn modelId="{1C136854-3044-422F-93D3-834D52089A40}" type="presOf" srcId="{3FB30F82-978A-47AD-AF8E-92FBCF120E2D}" destId="{0FE174C4-3B78-4A65-B3BC-C8C8AC2D7571}" srcOrd="0" destOrd="0" presId="urn:microsoft.com/office/officeart/2005/8/layout/hProcess9"/>
-    <dgm:cxn modelId="{DC9EEC6D-F433-48C0-AD2A-B2686E9B6ED1}" type="presOf" srcId="{AE05773D-2C0B-47B8-91B2-0DEB4F3B0803}" destId="{BDA78200-EE40-4FAA-81FE-83E219C58035}" srcOrd="0" destOrd="0" presId="urn:microsoft.com/office/officeart/2005/8/layout/hProcess9"/>
+    <dgm:cxn modelId="{61ED3805-547E-4165-890A-7E7A827A370F}" type="presOf" srcId="{5233AE8D-3BCA-4A47-92D4-108A94C094EA}" destId="{28CC0323-E8AB-454E-B9E5-C8BDB7FF0D9E}" srcOrd="0" destOrd="0" presId="urn:microsoft.com/office/officeart/2005/8/layout/hProcess9"/>
     <dgm:cxn modelId="{C43659B9-B11F-464E-B675-F1AFD6DC0E6F}" srcId="{512B78CB-E4DC-4D1C-8D27-AEA9B6B3B334}" destId="{5233AE8D-3BCA-4A47-92D4-108A94C094EA}" srcOrd="4" destOrd="0" parTransId="{8F3EC7E2-BE62-4F98-A49A-C5C4B6ADBB6F}" sibTransId="{3DAAE23E-3384-4B1C-ADE6-E6C444C53E0E}"/>
+    <dgm:cxn modelId="{C6F85FAA-35F6-4C69-B1D5-CFA5CF516921}" type="presOf" srcId="{69897640-91C3-4519-8938-17AAAC4C1E3F}" destId="{8F6499CE-E5A6-44D3-8266-88F66EBC4BB2}" srcOrd="0" destOrd="0" presId="urn:microsoft.com/office/officeart/2005/8/layout/hProcess9"/>
+    <dgm:cxn modelId="{CD251A95-F804-4F0A-BD53-99BFCADE50D3}" srcId="{512B78CB-E4DC-4D1C-8D27-AEA9B6B3B334}" destId="{D1A1224A-2246-4CD8-8E8A-4ACFAF05B2D3}" srcOrd="1" destOrd="0" parTransId="{25C8157A-39B3-44E4-99CF-CDC276812223}" sibTransId="{EBE1988E-AA4B-45D7-8ADE-9D18B3959943}"/>
+    <dgm:cxn modelId="{FEA4C5B8-5FC4-4430-B0AD-C6C68B7499FC}" type="presOf" srcId="{D1A1224A-2246-4CD8-8E8A-4ACFAF05B2D3}" destId="{6A9196AE-AC7C-476D-8C21-67973FB53462}" srcOrd="0" destOrd="0" presId="urn:microsoft.com/office/officeart/2005/8/layout/hProcess9"/>
     <dgm:cxn modelId="{B27F22A1-DD12-45A7-A2DF-1A146CCB911B}" type="presParOf" srcId="{9372E4EB-2A20-4309-A333-7BDAD49D02C8}" destId="{184443F7-E4B5-422D-B7EC-5A1C3845BF29}" srcOrd="0" destOrd="0" presId="urn:microsoft.com/office/officeart/2005/8/layout/hProcess9"/>
     <dgm:cxn modelId="{05020486-CE38-40FD-AA48-5C04F02514C9}" type="presParOf" srcId="{9372E4EB-2A20-4309-A333-7BDAD49D02C8}" destId="{DEC78D22-7B6B-4EB8-8AAE-3623957CE37F}" srcOrd="1" destOrd="0" presId="urn:microsoft.com/office/officeart/2005/8/layout/hProcess9"/>
     <dgm:cxn modelId="{A075CADA-AE7B-4AE0-92C1-71E15D8BC4BB}" type="presParOf" srcId="{DEC78D22-7B6B-4EB8-8AAE-3623957CE37F}" destId="{0FE174C4-3B78-4A65-B3BC-C8C8AC2D7571}" srcOrd="0" destOrd="0" presId="urn:microsoft.com/office/officeart/2005/8/layout/hProcess9"/>
@@ -3839,13 +4586,254 @@
   <dgm:whole/>
   <dgm:extLst>
     <a:ext uri="http://schemas.microsoft.com/office/drawing/2008/diagram">
-      <dsp:dataModelExt xmlns:dsp="http://schemas.microsoft.com/office/drawing/2008/diagram" xmlns="" relId="rId6" minVer="http://schemas.openxmlformats.org/drawingml/2006/diagram"/>
+      <dsp:dataModelExt xmlns:dsp="http://schemas.microsoft.com/office/drawing/2008/diagram" relId="rId6" minVer="http://schemas.openxmlformats.org/drawingml/2006/diagram"/>
     </a:ext>
   </dgm:extLst>
 </dgm:dataModel>
 </file>
 
 <file path=ppt/diagrams/data3.xml><?xml version="1.0" encoding="utf-8"?>
+<dgm:dataModel xmlns:dgm="http://schemas.openxmlformats.org/drawingml/2006/diagram" xmlns:a="http://schemas.openxmlformats.org/drawingml/2006/main">
+  <dgm:ptLst>
+    <dgm:pt modelId="{A403637C-39AF-4312-9634-9619F3F42C7B}" type="doc">
+      <dgm:prSet loTypeId="urn:microsoft.com/office/officeart/2005/8/layout/equation1" loCatId="relationship" qsTypeId="urn:microsoft.com/office/officeart/2005/8/quickstyle/simple3" qsCatId="simple" csTypeId="urn:microsoft.com/office/officeart/2005/8/colors/accent1_2" csCatId="accent1" phldr="1"/>
+      <dgm:spPr/>
+    </dgm:pt>
+    <dgm:pt modelId="{3DE3BADE-EBDB-49DF-B5CE-F3634F80A502}">
+      <dgm:prSet phldrT="[Text]"/>
+      <dgm:spPr/>
+      <dgm:t>
+        <a:bodyPr/>
+        <a:lstStyle/>
+        <a:p>
+          <a:r>
+            <a:rPr lang="en-US" dirty="0" smtClean="0"/>
+            <a:t>Control - Logic</a:t>
+          </a:r>
+          <a:endParaRPr lang="en-US" dirty="0"/>
+        </a:p>
+      </dgm:t>
+    </dgm:pt>
+    <dgm:pt modelId="{754423CB-07B8-4C98-8E93-E39202C849C0}" type="parTrans" cxnId="{B4F660B7-3E78-4FCC-86AE-86DA2EC27420}">
+      <dgm:prSet/>
+      <dgm:spPr/>
+      <dgm:t>
+        <a:bodyPr/>
+        <a:lstStyle/>
+        <a:p>
+          <a:endParaRPr lang="en-US"/>
+        </a:p>
+      </dgm:t>
+    </dgm:pt>
+    <dgm:pt modelId="{6126AC81-E9B2-4B4C-9C11-B7C787260045}" type="sibTrans" cxnId="{B4F660B7-3E78-4FCC-86AE-86DA2EC27420}">
+      <dgm:prSet/>
+      <dgm:spPr/>
+      <dgm:t>
+        <a:bodyPr/>
+        <a:lstStyle/>
+        <a:p>
+          <a:endParaRPr lang="en-US"/>
+        </a:p>
+      </dgm:t>
+    </dgm:pt>
+    <dgm:pt modelId="{FE26B7CE-430B-4D53-86F2-827E768F1B0B}">
+      <dgm:prSet phldrT="[Text]"/>
+      <dgm:spPr/>
+      <dgm:t>
+        <a:bodyPr/>
+        <a:lstStyle/>
+        <a:p>
+          <a:r>
+            <a:rPr lang="en-US" dirty="0" smtClean="0"/>
+            <a:t>Presentation - Template</a:t>
+          </a:r>
+          <a:endParaRPr lang="en-US" dirty="0"/>
+        </a:p>
+      </dgm:t>
+    </dgm:pt>
+    <dgm:pt modelId="{DD9C6989-0704-4DDF-9F98-715F4299E431}" type="parTrans" cxnId="{32E98443-96C5-483E-B0E1-CD0252C9452E}">
+      <dgm:prSet/>
+      <dgm:spPr/>
+      <dgm:t>
+        <a:bodyPr/>
+        <a:lstStyle/>
+        <a:p>
+          <a:endParaRPr lang="en-US"/>
+        </a:p>
+      </dgm:t>
+    </dgm:pt>
+    <dgm:pt modelId="{8588D518-DE1D-4CA7-8FF9-24EC45969943}" type="sibTrans" cxnId="{32E98443-96C5-483E-B0E1-CD0252C9452E}">
+      <dgm:prSet/>
+      <dgm:spPr/>
+      <dgm:t>
+        <a:bodyPr/>
+        <a:lstStyle/>
+        <a:p>
+          <a:endParaRPr lang="en-US"/>
+        </a:p>
+      </dgm:t>
+    </dgm:pt>
+    <dgm:pt modelId="{B20AA3A1-A988-4885-8E8E-A3B8FEDCBE7A}">
+      <dgm:prSet phldrT="[Text]"/>
+      <dgm:spPr/>
+      <dgm:t>
+        <a:bodyPr/>
+        <a:lstStyle/>
+        <a:p>
+          <a:r>
+            <a:rPr lang="en-US" dirty="0" smtClean="0"/>
+            <a:t>UI</a:t>
+          </a:r>
+          <a:endParaRPr lang="en-US" dirty="0"/>
+        </a:p>
+      </dgm:t>
+    </dgm:pt>
+    <dgm:pt modelId="{FA6427FA-C923-4ADB-99F8-00B950A32129}" type="parTrans" cxnId="{9E9653C7-37DC-4DD3-8F66-AF096EEE80CD}">
+      <dgm:prSet/>
+      <dgm:spPr/>
+      <dgm:t>
+        <a:bodyPr/>
+        <a:lstStyle/>
+        <a:p>
+          <a:endParaRPr lang="en-US"/>
+        </a:p>
+      </dgm:t>
+    </dgm:pt>
+    <dgm:pt modelId="{CC34C9E6-E85F-4EE2-A176-1B42DD8956CB}" type="sibTrans" cxnId="{9E9653C7-37DC-4DD3-8F66-AF096EEE80CD}">
+      <dgm:prSet/>
+      <dgm:spPr/>
+      <dgm:t>
+        <a:bodyPr/>
+        <a:lstStyle/>
+        <a:p>
+          <a:endParaRPr lang="en-US"/>
+        </a:p>
+      </dgm:t>
+    </dgm:pt>
+    <dgm:pt modelId="{E538292F-0813-4253-8A3E-9BB3DAF4D6AB}" type="pres">
+      <dgm:prSet presAssocID="{A403637C-39AF-4312-9634-9619F3F42C7B}" presName="linearFlow" presStyleCnt="0">
+        <dgm:presLayoutVars>
+          <dgm:dir/>
+          <dgm:resizeHandles val="exact"/>
+        </dgm:presLayoutVars>
+      </dgm:prSet>
+      <dgm:spPr/>
+    </dgm:pt>
+    <dgm:pt modelId="{4AF7D940-1DD2-45E8-81F0-FA2757FFD5BF}" type="pres">
+      <dgm:prSet presAssocID="{3DE3BADE-EBDB-49DF-B5CE-F3634F80A502}" presName="node" presStyleLbl="node1" presStyleIdx="0" presStyleCnt="3">
+        <dgm:presLayoutVars>
+          <dgm:bulletEnabled val="1"/>
+        </dgm:presLayoutVars>
+      </dgm:prSet>
+      <dgm:spPr/>
+      <dgm:t>
+        <a:bodyPr/>
+        <a:lstStyle/>
+        <a:p>
+          <a:endParaRPr lang="en-US"/>
+        </a:p>
+      </dgm:t>
+    </dgm:pt>
+    <dgm:pt modelId="{E1E2E4A7-EE90-4EE3-BBD5-0E045897A4DA}" type="pres">
+      <dgm:prSet presAssocID="{6126AC81-E9B2-4B4C-9C11-B7C787260045}" presName="spacerL" presStyleCnt="0"/>
+      <dgm:spPr/>
+    </dgm:pt>
+    <dgm:pt modelId="{38EB5611-8D65-4C8E-AD8D-695EE98EF70E}" type="pres">
+      <dgm:prSet presAssocID="{6126AC81-E9B2-4B4C-9C11-B7C787260045}" presName="sibTrans" presStyleLbl="sibTrans2D1" presStyleIdx="0" presStyleCnt="2"/>
+      <dgm:spPr/>
+      <dgm:t>
+        <a:bodyPr/>
+        <a:lstStyle/>
+        <a:p>
+          <a:endParaRPr lang="en-US"/>
+        </a:p>
+      </dgm:t>
+    </dgm:pt>
+    <dgm:pt modelId="{247EAB81-822D-4B6B-937A-A78BB3EF9F86}" type="pres">
+      <dgm:prSet presAssocID="{6126AC81-E9B2-4B4C-9C11-B7C787260045}" presName="spacerR" presStyleCnt="0"/>
+      <dgm:spPr/>
+    </dgm:pt>
+    <dgm:pt modelId="{F1DF9A84-FCA8-41C7-94C7-9A282BE43702}" type="pres">
+      <dgm:prSet presAssocID="{FE26B7CE-430B-4D53-86F2-827E768F1B0B}" presName="node" presStyleLbl="node1" presStyleIdx="1" presStyleCnt="3">
+        <dgm:presLayoutVars>
+          <dgm:bulletEnabled val="1"/>
+        </dgm:presLayoutVars>
+      </dgm:prSet>
+      <dgm:spPr/>
+      <dgm:t>
+        <a:bodyPr/>
+        <a:lstStyle/>
+        <a:p>
+          <a:endParaRPr lang="en-US"/>
+        </a:p>
+      </dgm:t>
+    </dgm:pt>
+    <dgm:pt modelId="{06E630EF-ABEA-4DD2-BD95-157A391201B8}" type="pres">
+      <dgm:prSet presAssocID="{8588D518-DE1D-4CA7-8FF9-24EC45969943}" presName="spacerL" presStyleCnt="0"/>
+      <dgm:spPr/>
+    </dgm:pt>
+    <dgm:pt modelId="{0E8B3862-292B-4F1C-A298-DDE2463E5CE2}" type="pres">
+      <dgm:prSet presAssocID="{8588D518-DE1D-4CA7-8FF9-24EC45969943}" presName="sibTrans" presStyleLbl="sibTrans2D1" presStyleIdx="1" presStyleCnt="2"/>
+      <dgm:spPr/>
+      <dgm:t>
+        <a:bodyPr/>
+        <a:lstStyle/>
+        <a:p>
+          <a:endParaRPr lang="en-US"/>
+        </a:p>
+      </dgm:t>
+    </dgm:pt>
+    <dgm:pt modelId="{AD602181-0094-4FF4-9CBB-22BDF363334B}" type="pres">
+      <dgm:prSet presAssocID="{8588D518-DE1D-4CA7-8FF9-24EC45969943}" presName="spacerR" presStyleCnt="0"/>
+      <dgm:spPr/>
+    </dgm:pt>
+    <dgm:pt modelId="{432D485E-3DA1-4588-93A8-92E9D807CB67}" type="pres">
+      <dgm:prSet presAssocID="{B20AA3A1-A988-4885-8E8E-A3B8FEDCBE7A}" presName="node" presStyleLbl="node1" presStyleIdx="2" presStyleCnt="3">
+        <dgm:presLayoutVars>
+          <dgm:bulletEnabled val="1"/>
+        </dgm:presLayoutVars>
+      </dgm:prSet>
+      <dgm:spPr/>
+      <dgm:t>
+        <a:bodyPr/>
+        <a:lstStyle/>
+        <a:p>
+          <a:endParaRPr lang="en-US"/>
+        </a:p>
+      </dgm:t>
+    </dgm:pt>
+  </dgm:ptLst>
+  <dgm:cxnLst>
+    <dgm:cxn modelId="{50DB991E-EAE1-4701-96B6-7031508CDC0D}" type="presOf" srcId="{A403637C-39AF-4312-9634-9619F3F42C7B}" destId="{E538292F-0813-4253-8A3E-9BB3DAF4D6AB}" srcOrd="0" destOrd="0" presId="urn:microsoft.com/office/officeart/2005/8/layout/equation1"/>
+    <dgm:cxn modelId="{F3EC2DEB-5EA3-4E4E-B6F6-F46D3A973F68}" type="presOf" srcId="{B20AA3A1-A988-4885-8E8E-A3B8FEDCBE7A}" destId="{432D485E-3DA1-4588-93A8-92E9D807CB67}" srcOrd="0" destOrd="0" presId="urn:microsoft.com/office/officeart/2005/8/layout/equation1"/>
+    <dgm:cxn modelId="{586DB099-EEA5-482A-BAC5-50517EC64AC3}" type="presOf" srcId="{6126AC81-E9B2-4B4C-9C11-B7C787260045}" destId="{38EB5611-8D65-4C8E-AD8D-695EE98EF70E}" srcOrd="0" destOrd="0" presId="urn:microsoft.com/office/officeart/2005/8/layout/equation1"/>
+    <dgm:cxn modelId="{B4F660B7-3E78-4FCC-86AE-86DA2EC27420}" srcId="{A403637C-39AF-4312-9634-9619F3F42C7B}" destId="{3DE3BADE-EBDB-49DF-B5CE-F3634F80A502}" srcOrd="0" destOrd="0" parTransId="{754423CB-07B8-4C98-8E93-E39202C849C0}" sibTransId="{6126AC81-E9B2-4B4C-9C11-B7C787260045}"/>
+    <dgm:cxn modelId="{9E9653C7-37DC-4DD3-8F66-AF096EEE80CD}" srcId="{A403637C-39AF-4312-9634-9619F3F42C7B}" destId="{B20AA3A1-A988-4885-8E8E-A3B8FEDCBE7A}" srcOrd="2" destOrd="0" parTransId="{FA6427FA-C923-4ADB-99F8-00B950A32129}" sibTransId="{CC34C9E6-E85F-4EE2-A176-1B42DD8956CB}"/>
+    <dgm:cxn modelId="{E8E6252E-6ABF-443E-B77E-564C71F12657}" type="presOf" srcId="{8588D518-DE1D-4CA7-8FF9-24EC45969943}" destId="{0E8B3862-292B-4F1C-A298-DDE2463E5CE2}" srcOrd="0" destOrd="0" presId="urn:microsoft.com/office/officeart/2005/8/layout/equation1"/>
+    <dgm:cxn modelId="{844A1260-EE92-4111-86A1-C8F2B4BC2058}" type="presOf" srcId="{FE26B7CE-430B-4D53-86F2-827E768F1B0B}" destId="{F1DF9A84-FCA8-41C7-94C7-9A282BE43702}" srcOrd="0" destOrd="0" presId="urn:microsoft.com/office/officeart/2005/8/layout/equation1"/>
+    <dgm:cxn modelId="{32E98443-96C5-483E-B0E1-CD0252C9452E}" srcId="{A403637C-39AF-4312-9634-9619F3F42C7B}" destId="{FE26B7CE-430B-4D53-86F2-827E768F1B0B}" srcOrd="1" destOrd="0" parTransId="{DD9C6989-0704-4DDF-9F98-715F4299E431}" sibTransId="{8588D518-DE1D-4CA7-8FF9-24EC45969943}"/>
+    <dgm:cxn modelId="{50599B73-9D29-4F0C-99B7-1093CA67A64C}" type="presOf" srcId="{3DE3BADE-EBDB-49DF-B5CE-F3634F80A502}" destId="{4AF7D940-1DD2-45E8-81F0-FA2757FFD5BF}" srcOrd="0" destOrd="0" presId="urn:microsoft.com/office/officeart/2005/8/layout/equation1"/>
+    <dgm:cxn modelId="{6AF662E5-07C6-4AD9-93A7-F006CA514735}" type="presParOf" srcId="{E538292F-0813-4253-8A3E-9BB3DAF4D6AB}" destId="{4AF7D940-1DD2-45E8-81F0-FA2757FFD5BF}" srcOrd="0" destOrd="0" presId="urn:microsoft.com/office/officeart/2005/8/layout/equation1"/>
+    <dgm:cxn modelId="{9D605B2F-C37C-4CCE-B05B-89E5428C07A2}" type="presParOf" srcId="{E538292F-0813-4253-8A3E-9BB3DAF4D6AB}" destId="{E1E2E4A7-EE90-4EE3-BBD5-0E045897A4DA}" srcOrd="1" destOrd="0" presId="urn:microsoft.com/office/officeart/2005/8/layout/equation1"/>
+    <dgm:cxn modelId="{18D3F793-022F-4DE1-9AC6-D7518EF23751}" type="presParOf" srcId="{E538292F-0813-4253-8A3E-9BB3DAF4D6AB}" destId="{38EB5611-8D65-4C8E-AD8D-695EE98EF70E}" srcOrd="2" destOrd="0" presId="urn:microsoft.com/office/officeart/2005/8/layout/equation1"/>
+    <dgm:cxn modelId="{53AA50E2-C53B-4409-A767-E750C73F78A9}" type="presParOf" srcId="{E538292F-0813-4253-8A3E-9BB3DAF4D6AB}" destId="{247EAB81-822D-4B6B-937A-A78BB3EF9F86}" srcOrd="3" destOrd="0" presId="urn:microsoft.com/office/officeart/2005/8/layout/equation1"/>
+    <dgm:cxn modelId="{12BEEA75-637C-4F30-9A83-D0246A93CB35}" type="presParOf" srcId="{E538292F-0813-4253-8A3E-9BB3DAF4D6AB}" destId="{F1DF9A84-FCA8-41C7-94C7-9A282BE43702}" srcOrd="4" destOrd="0" presId="urn:microsoft.com/office/officeart/2005/8/layout/equation1"/>
+    <dgm:cxn modelId="{DD327508-DD0C-4AE7-833D-CB0AB39F5A6C}" type="presParOf" srcId="{E538292F-0813-4253-8A3E-9BB3DAF4D6AB}" destId="{06E630EF-ABEA-4DD2-BD95-157A391201B8}" srcOrd="5" destOrd="0" presId="urn:microsoft.com/office/officeart/2005/8/layout/equation1"/>
+    <dgm:cxn modelId="{0B773B94-32C3-4392-990F-BE7475A7E4A2}" type="presParOf" srcId="{E538292F-0813-4253-8A3E-9BB3DAF4D6AB}" destId="{0E8B3862-292B-4F1C-A298-DDE2463E5CE2}" srcOrd="6" destOrd="0" presId="urn:microsoft.com/office/officeart/2005/8/layout/equation1"/>
+    <dgm:cxn modelId="{9A3CFDA4-D30B-4F47-BB7B-940DBD201F2E}" type="presParOf" srcId="{E538292F-0813-4253-8A3E-9BB3DAF4D6AB}" destId="{AD602181-0094-4FF4-9CBB-22BDF363334B}" srcOrd="7" destOrd="0" presId="urn:microsoft.com/office/officeart/2005/8/layout/equation1"/>
+    <dgm:cxn modelId="{1D446241-3F1F-4F2B-B7BD-229730C21D0E}" type="presParOf" srcId="{E538292F-0813-4253-8A3E-9BB3DAF4D6AB}" destId="{432D485E-3DA1-4588-93A8-92E9D807CB67}" srcOrd="8" destOrd="0" presId="urn:microsoft.com/office/officeart/2005/8/layout/equation1"/>
+  </dgm:cxnLst>
+  <dgm:bg/>
+  <dgm:whole/>
+  <dgm:extLst>
+    <a:ext uri="http://schemas.microsoft.com/office/drawing/2008/diagram">
+      <dsp:dataModelExt xmlns:dsp="http://schemas.microsoft.com/office/drawing/2008/diagram" relId="rId6" minVer="http://schemas.openxmlformats.org/drawingml/2006/diagram"/>
+    </a:ext>
+  </dgm:extLst>
+</dgm:dataModel>
+</file>
+
+<file path=ppt/diagrams/data4.xml><?xml version="1.0" encoding="utf-8"?>
 <dgm:dataModel xmlns:dgm="http://schemas.openxmlformats.org/drawingml/2006/diagram" xmlns:a="http://schemas.openxmlformats.org/drawingml/2006/main">
   <dgm:ptLst>
     <dgm:pt modelId="{C5385FF7-BB90-4727-960D-B6D361B590A0}" type="doc">
@@ -4011,13 +4999,13 @@
     </dgm:pt>
   </dgm:ptLst>
   <dgm:cxnLst>
+    <dgm:cxn modelId="{912DBBDA-38F3-49EC-850A-B5958C154EC7}" type="presOf" srcId="{5FA6D47A-E0D8-48D0-9E57-F64E2950BC78}" destId="{F9582D2E-EB3D-48F8-9EF6-4903649D3050}" srcOrd="0" destOrd="0" presId="urn:microsoft.com/office/officeart/2005/8/layout/cycle1"/>
     <dgm:cxn modelId="{677ADE0D-BC43-4F5C-BA2C-3636AAA1A214}" type="presOf" srcId="{CB2F7D65-9A2E-4668-8BA2-030BC6EE696E}" destId="{519089D7-A415-4488-9C51-4D4AE2AE922F}" srcOrd="0" destOrd="0" presId="urn:microsoft.com/office/officeart/2005/8/layout/cycle1"/>
+    <dgm:cxn modelId="{8AE6664E-F6F0-4C98-9080-5087B9CF4864}" srcId="{C5385FF7-BB90-4727-960D-B6D361B590A0}" destId="{04E57069-BD3E-40D2-9CAE-4A282F94A940}" srcOrd="0" destOrd="0" parTransId="{79F96A6F-A59E-4468-873F-7B7C214F87A3}" sibTransId="{5FA6D47A-E0D8-48D0-9E57-F64E2950BC78}"/>
+    <dgm:cxn modelId="{2BE5EC27-4208-49CA-B03A-DB7F1893C7D0}" type="presOf" srcId="{37FEFC7D-E7A6-4D2E-ACB8-8B8C211C7258}" destId="{8B629257-FEAE-4E8F-BC43-5425AA991F30}" srcOrd="0" destOrd="0" presId="urn:microsoft.com/office/officeart/2005/8/layout/cycle1"/>
     <dgm:cxn modelId="{C98B2222-F4E5-4EF2-ACCC-AE39A86CB7AE}" type="presOf" srcId="{04E57069-BD3E-40D2-9CAE-4A282F94A940}" destId="{41E48A41-6048-4195-B4C7-AE8E9C0962B0}" srcOrd="0" destOrd="0" presId="urn:microsoft.com/office/officeart/2005/8/layout/cycle1"/>
+    <dgm:cxn modelId="{AF9B39B6-A35E-4122-8332-57A0B0C7339C}" type="presOf" srcId="{C5385FF7-BB90-4727-960D-B6D361B590A0}" destId="{1680C019-F87C-4A49-8310-7627A2897A6D}" srcOrd="0" destOrd="0" presId="urn:microsoft.com/office/officeart/2005/8/layout/cycle1"/>
     <dgm:cxn modelId="{F6C3C98C-99C7-4DA7-BBDE-7BC413A5E2E0}" srcId="{C5385FF7-BB90-4727-960D-B6D361B590A0}" destId="{CB2F7D65-9A2E-4668-8BA2-030BC6EE696E}" srcOrd="1" destOrd="0" parTransId="{669A0C6C-7FCD-45F1-8A36-46DA7BE1B95D}" sibTransId="{37FEFC7D-E7A6-4D2E-ACB8-8B8C211C7258}"/>
-    <dgm:cxn modelId="{AF9B39B6-A35E-4122-8332-57A0B0C7339C}" type="presOf" srcId="{C5385FF7-BB90-4727-960D-B6D361B590A0}" destId="{1680C019-F87C-4A49-8310-7627A2897A6D}" srcOrd="0" destOrd="0" presId="urn:microsoft.com/office/officeart/2005/8/layout/cycle1"/>
-    <dgm:cxn modelId="{2BE5EC27-4208-49CA-B03A-DB7F1893C7D0}" type="presOf" srcId="{37FEFC7D-E7A6-4D2E-ACB8-8B8C211C7258}" destId="{8B629257-FEAE-4E8F-BC43-5425AA991F30}" srcOrd="0" destOrd="0" presId="urn:microsoft.com/office/officeart/2005/8/layout/cycle1"/>
-    <dgm:cxn modelId="{912DBBDA-38F3-49EC-850A-B5958C154EC7}" type="presOf" srcId="{5FA6D47A-E0D8-48D0-9E57-F64E2950BC78}" destId="{F9582D2E-EB3D-48F8-9EF6-4903649D3050}" srcOrd="0" destOrd="0" presId="urn:microsoft.com/office/officeart/2005/8/layout/cycle1"/>
-    <dgm:cxn modelId="{8AE6664E-F6F0-4C98-9080-5087B9CF4864}" srcId="{C5385FF7-BB90-4727-960D-B6D361B590A0}" destId="{04E57069-BD3E-40D2-9CAE-4A282F94A940}" srcOrd="0" destOrd="0" parTransId="{79F96A6F-A59E-4468-873F-7B7C214F87A3}" sibTransId="{5FA6D47A-E0D8-48D0-9E57-F64E2950BC78}"/>
     <dgm:cxn modelId="{4761A45A-9511-44F6-8C8B-CB9CC06BFBDE}" type="presParOf" srcId="{1680C019-F87C-4A49-8310-7627A2897A6D}" destId="{0296580A-1C60-498F-B8FF-ECBD506BD6DD}" srcOrd="0" destOrd="0" presId="urn:microsoft.com/office/officeart/2005/8/layout/cycle1"/>
     <dgm:cxn modelId="{41C1E726-DB05-44D4-908F-B57BA0A82E2A}" type="presParOf" srcId="{1680C019-F87C-4A49-8310-7627A2897A6D}" destId="{41E48A41-6048-4195-B4C7-AE8E9C0962B0}" srcOrd="1" destOrd="0" presId="urn:microsoft.com/office/officeart/2005/8/layout/cycle1"/>
     <dgm:cxn modelId="{D80A8BB9-A7EE-464B-9446-B9797D14954C}" type="presParOf" srcId="{1680C019-F87C-4A49-8310-7627A2897A6D}" destId="{F9582D2E-EB3D-48F8-9EF6-4903649D3050}" srcOrd="2" destOrd="0" presId="urn:microsoft.com/office/officeart/2005/8/layout/cycle1"/>
@@ -4029,14 +5017,14 @@
   <dgm:whole/>
   <dgm:extLst>
     <a:ext uri="http://schemas.microsoft.com/office/drawing/2008/diagram">
-      <dsp:dataModelExt xmlns:dsp="http://schemas.microsoft.com/office/drawing/2008/diagram" xmlns="" relId="rId6" minVer="http://schemas.openxmlformats.org/drawingml/2006/diagram"/>
+      <dsp:dataModelExt xmlns:dsp="http://schemas.microsoft.com/office/drawing/2008/diagram" relId="rId6" minVer="http://schemas.openxmlformats.org/drawingml/2006/diagram"/>
     </a:ext>
   </dgm:extLst>
 </dgm:dataModel>
 </file>
 
 <file path=ppt/diagrams/drawing1.xml><?xml version="1.0" encoding="utf-8"?>
-<dsp:drawing xmlns:dgm="http://schemas.openxmlformats.org/drawingml/2006/diagram" xmlns:a="http://schemas.openxmlformats.org/drawingml/2006/main" xmlns:dsp="http://schemas.microsoft.com/office/drawing/2008/diagram">
+<dsp:drawing xmlns:dgm="http://schemas.openxmlformats.org/drawingml/2006/diagram" xmlns:dsp="http://schemas.microsoft.com/office/drawing/2008/diagram" xmlns:a="http://schemas.openxmlformats.org/drawingml/2006/main">
   <dsp:spTree>
     <dsp:nvGrpSpPr>
       <dsp:cNvPr id="0" name=""/>
@@ -4615,7 +5603,7 @@
         </a:ln>
         <a:effectLst>
           <a:outerShdw blurRad="40000" dist="20000" dir="5400000" rotWithShape="0">
-            <a:srgbClr val="000000">
+            <a:srgbClr xmlns:mc="http://schemas.openxmlformats.org/markup-compatibility/2006" xmlns:a14="http://schemas.microsoft.com/office/drawing/2010/main" val="000000" mc:Ignorable="">
               <a:alpha val="38000"/>
             </a:srgbClr>
           </a:outerShdw>
@@ -4724,7 +5712,7 @@
         </a:ln>
         <a:effectLst>
           <a:outerShdw blurRad="40000" dist="20000" dir="5400000" rotWithShape="0">
-            <a:srgbClr val="000000">
+            <a:srgbClr xmlns:mc="http://schemas.openxmlformats.org/markup-compatibility/2006" xmlns:a14="http://schemas.microsoft.com/office/drawing/2010/main" val="000000" mc:Ignorable="">
               <a:alpha val="38000"/>
             </a:srgbClr>
           </a:outerShdw>
@@ -4833,7 +5821,7 @@
         </a:ln>
         <a:effectLst>
           <a:outerShdw blurRad="40000" dist="20000" dir="5400000" rotWithShape="0">
-            <a:srgbClr val="000000">
+            <a:srgbClr xmlns:mc="http://schemas.openxmlformats.org/markup-compatibility/2006" xmlns:a14="http://schemas.microsoft.com/office/drawing/2010/main" val="000000" mc:Ignorable="">
               <a:alpha val="38000"/>
             </a:srgbClr>
           </a:outerShdw>
@@ -4942,7 +5930,7 @@
         </a:ln>
         <a:effectLst>
           <a:outerShdw blurRad="40000" dist="20000" dir="5400000" rotWithShape="0">
-            <a:srgbClr val="000000">
+            <a:srgbClr xmlns:mc="http://schemas.openxmlformats.org/markup-compatibility/2006" xmlns:a14="http://schemas.microsoft.com/office/drawing/2010/main" val="000000" mc:Ignorable="">
               <a:alpha val="38000"/>
             </a:srgbClr>
           </a:outerShdw>
@@ -5051,7 +6039,7 @@
         </a:ln>
         <a:effectLst>
           <a:outerShdw blurRad="40000" dist="20000" dir="5400000" rotWithShape="0">
-            <a:srgbClr val="000000">
+            <a:srgbClr xmlns:mc="http://schemas.openxmlformats.org/markup-compatibility/2006" xmlns:a14="http://schemas.microsoft.com/office/drawing/2010/main" val="000000" mc:Ignorable="">
               <a:alpha val="38000"/>
             </a:srgbClr>
           </a:outerShdw>
@@ -5160,7 +6148,7 @@
         </a:ln>
         <a:effectLst>
           <a:outerShdw blurRad="40000" dist="20000" dir="5400000" rotWithShape="0">
-            <a:srgbClr val="000000">
+            <a:srgbClr xmlns:mc="http://schemas.openxmlformats.org/markup-compatibility/2006" xmlns:a14="http://schemas.microsoft.com/office/drawing/2010/main" val="000000" mc:Ignorable="">
               <a:alpha val="38000"/>
             </a:srgbClr>
           </a:outerShdw>
@@ -5269,7 +6257,7 @@
         </a:ln>
         <a:effectLst>
           <a:outerShdw blurRad="40000" dist="20000" dir="5400000" rotWithShape="0">
-            <a:srgbClr val="000000">
+            <a:srgbClr xmlns:mc="http://schemas.openxmlformats.org/markup-compatibility/2006" xmlns:a14="http://schemas.microsoft.com/office/drawing/2010/main" val="000000" mc:Ignorable="">
               <a:alpha val="38000"/>
             </a:srgbClr>
           </a:outerShdw>
@@ -5378,7 +6366,7 @@
         </a:ln>
         <a:effectLst>
           <a:outerShdw blurRad="40000" dist="20000" dir="5400000" rotWithShape="0">
-            <a:srgbClr val="000000">
+            <a:srgbClr xmlns:mc="http://schemas.openxmlformats.org/markup-compatibility/2006" xmlns:a14="http://schemas.microsoft.com/office/drawing/2010/main" val="000000" mc:Ignorable="">
               <a:alpha val="38000"/>
             </a:srgbClr>
           </a:outerShdw>
@@ -5487,7 +6475,7 @@
         </a:ln>
         <a:effectLst>
           <a:outerShdw blurRad="40000" dist="20000" dir="5400000" rotWithShape="0">
-            <a:srgbClr val="000000">
+            <a:srgbClr xmlns:mc="http://schemas.openxmlformats.org/markup-compatibility/2006" xmlns:a14="http://schemas.microsoft.com/office/drawing/2010/main" val="000000" mc:Ignorable="">
               <a:alpha val="38000"/>
             </a:srgbClr>
           </a:outerShdw>
@@ -5596,7 +6584,7 @@
         </a:ln>
         <a:effectLst>
           <a:outerShdw blurRad="40000" dist="20000" dir="5400000" rotWithShape="0">
-            <a:srgbClr val="000000">
+            <a:srgbClr xmlns:mc="http://schemas.openxmlformats.org/markup-compatibility/2006" xmlns:a14="http://schemas.microsoft.com/office/drawing/2010/main" val="000000" mc:Ignorable="">
               <a:alpha val="38000"/>
             </a:srgbClr>
           </a:outerShdw>
@@ -5657,7 +6645,7 @@
 </file>
 
 <file path=ppt/diagrams/drawing2.xml><?xml version="1.0" encoding="utf-8"?>
-<dsp:drawing xmlns:dgm="http://schemas.openxmlformats.org/drawingml/2006/diagram" xmlns:a="http://schemas.openxmlformats.org/drawingml/2006/main" xmlns:dsp="http://schemas.microsoft.com/office/drawing/2008/diagram">
+<dsp:drawing xmlns:dgm="http://schemas.openxmlformats.org/drawingml/2006/diagram" xmlns:dsp="http://schemas.microsoft.com/office/drawing/2008/diagram" xmlns:a="http://schemas.openxmlformats.org/drawingml/2006/main">
   <dsp:spTree>
     <dsp:nvGrpSpPr>
       <dsp:cNvPr id="0" name=""/>
@@ -5691,7 +6679,7 @@
         </a:ln>
         <a:effectLst>
           <a:outerShdw blurRad="40000" dist="20000" dir="5400000" rotWithShape="0">
-            <a:srgbClr val="000000">
+            <a:srgbClr xmlns:mc="http://schemas.openxmlformats.org/markup-compatibility/2006" xmlns:a14="http://schemas.microsoft.com/office/drawing/2010/main" val="000000" mc:Ignorable="">
               <a:alpha val="38000"/>
             </a:srgbClr>
           </a:outerShdw>
@@ -5763,7 +6751,7 @@
         </a:ln>
         <a:effectLst>
           <a:outerShdw blurRad="40000" dist="20000" dir="5400000" rotWithShape="0">
-            <a:srgbClr val="000000">
+            <a:srgbClr xmlns:mc="http://schemas.openxmlformats.org/markup-compatibility/2006" xmlns:a14="http://schemas.microsoft.com/office/drawing/2010/main" val="000000" mc:Ignorable="">
               <a:alpha val="38000"/>
             </a:srgbClr>
           </a:outerShdw>
@@ -5791,12 +6779,12 @@
         </a:fontRef>
       </dsp:style>
       <dsp:txBody>
-        <a:bodyPr spcFirstLastPara="0" vert="horz" wrap="square" lIns="60960" tIns="60960" rIns="60960" bIns="60960" numCol="1" spcCol="1270" anchor="ctr" anchorCtr="0">
+        <a:bodyPr spcFirstLastPara="0" vert="horz" wrap="square" lIns="68580" tIns="68580" rIns="68580" bIns="68580" numCol="1" spcCol="1270" anchor="ctr" anchorCtr="0">
           <a:noAutofit/>
         </a:bodyPr>
         <a:lstStyle/>
         <a:p>
-          <a:pPr lvl="0" algn="ctr" defTabSz="711200">
+          <a:pPr lvl="0" algn="ctr" defTabSz="800100">
             <a:lnSpc>
               <a:spcPct val="90000"/>
             </a:lnSpc>
@@ -5808,15 +6796,15 @@
             </a:spcAft>
           </a:pPr>
           <a:r>
-            <a:rPr lang="en-US" sz="1600" kern="1200" dirty="0" smtClean="0"/>
+            <a:rPr lang="en-US" sz="1800" kern="1200" dirty="0" smtClean="0"/>
             <a:t>Determine Base Value</a:t>
           </a:r>
-          <a:endParaRPr lang="en-US" sz="1600" kern="1200" dirty="0"/>
+          <a:endParaRPr lang="en-US" sz="1800" kern="1200" dirty="0"/>
         </a:p>
       </dsp:txBody>
       <dsp:txXfrm>
-        <a:off x="3181" y="899160"/>
-        <a:ext cx="1390891" cy="1198880"/>
+        <a:off x="61705" y="957684"/>
+        <a:ext cx="1273843" cy="1081832"/>
       </dsp:txXfrm>
     </dsp:sp>
     <dsp:sp modelId="{6A9196AE-AC7C-476D-8C21-67973FB53462}">
@@ -5872,7 +6860,7 @@
         </a:ln>
         <a:effectLst>
           <a:outerShdw blurRad="40000" dist="20000" dir="5400000" rotWithShape="0">
-            <a:srgbClr val="000000">
+            <a:srgbClr xmlns:mc="http://schemas.openxmlformats.org/markup-compatibility/2006" xmlns:a14="http://schemas.microsoft.com/office/drawing/2010/main" val="000000" mc:Ignorable="">
               <a:alpha val="38000"/>
             </a:srgbClr>
           </a:outerShdw>
@@ -5900,12 +6888,12 @@
         </a:fontRef>
       </dsp:style>
       <dsp:txBody>
-        <a:bodyPr spcFirstLastPara="0" vert="horz" wrap="square" lIns="60960" tIns="60960" rIns="60960" bIns="60960" numCol="1" spcCol="1270" anchor="ctr" anchorCtr="0">
+        <a:bodyPr spcFirstLastPara="0" vert="horz" wrap="square" lIns="68580" tIns="68580" rIns="68580" bIns="68580" numCol="1" spcCol="1270" anchor="ctr" anchorCtr="0">
           <a:noAutofit/>
         </a:bodyPr>
         <a:lstStyle/>
         <a:p>
-          <a:pPr lvl="0" algn="ctr" defTabSz="711200">
+          <a:pPr lvl="0" algn="ctr" defTabSz="800100">
             <a:lnSpc>
               <a:spcPct val="90000"/>
             </a:lnSpc>
@@ -5917,15 +6905,15 @@
             </a:spcAft>
           </a:pPr>
           <a:r>
-            <a:rPr lang="en-US" sz="1600" kern="1200" dirty="0" smtClean="0"/>
+            <a:rPr lang="en-US" sz="1800" kern="1200" dirty="0" smtClean="0"/>
             <a:t>Evaluate</a:t>
           </a:r>
-          <a:endParaRPr lang="en-US" sz="1600" kern="1200" dirty="0"/>
+          <a:endParaRPr lang="en-US" sz="1800" kern="1200" dirty="0"/>
         </a:p>
       </dsp:txBody>
       <dsp:txXfrm>
-        <a:off x="1463617" y="899160"/>
-        <a:ext cx="1390891" cy="1198880"/>
+        <a:off x="1522141" y="957684"/>
+        <a:ext cx="1273843" cy="1081832"/>
       </dsp:txXfrm>
     </dsp:sp>
     <dsp:sp modelId="{8F6499CE-E5A6-44D3-8266-88F66EBC4BB2}">
@@ -5981,7 +6969,7 @@
         </a:ln>
         <a:effectLst>
           <a:outerShdw blurRad="40000" dist="20000" dir="5400000" rotWithShape="0">
-            <a:srgbClr val="000000">
+            <a:srgbClr xmlns:mc="http://schemas.openxmlformats.org/markup-compatibility/2006" xmlns:a14="http://schemas.microsoft.com/office/drawing/2010/main" val="000000" mc:Ignorable="">
               <a:alpha val="38000"/>
             </a:srgbClr>
           </a:outerShdw>
@@ -6009,12 +6997,12 @@
         </a:fontRef>
       </dsp:style>
       <dsp:txBody>
-        <a:bodyPr spcFirstLastPara="0" vert="horz" wrap="square" lIns="60960" tIns="60960" rIns="60960" bIns="60960" numCol="1" spcCol="1270" anchor="ctr" anchorCtr="0">
+        <a:bodyPr spcFirstLastPara="0" vert="horz" wrap="square" lIns="68580" tIns="68580" rIns="68580" bIns="68580" numCol="1" spcCol="1270" anchor="ctr" anchorCtr="0">
           <a:noAutofit/>
         </a:bodyPr>
         <a:lstStyle/>
         <a:p>
-          <a:pPr lvl="0" algn="ctr" defTabSz="711200">
+          <a:pPr lvl="0" algn="ctr" defTabSz="800100">
             <a:lnSpc>
               <a:spcPct val="90000"/>
             </a:lnSpc>
@@ -6026,15 +7014,15 @@
             </a:spcAft>
           </a:pPr>
           <a:r>
-            <a:rPr lang="en-US" sz="1600" kern="1200" dirty="0" smtClean="0"/>
+            <a:rPr lang="en-US" sz="1800" kern="1200" dirty="0" smtClean="0"/>
             <a:t>Apply Animations</a:t>
           </a:r>
-          <a:endParaRPr lang="en-US" sz="1600" kern="1200" dirty="0"/>
+          <a:endParaRPr lang="en-US" sz="1800" kern="1200" dirty="0"/>
         </a:p>
       </dsp:txBody>
       <dsp:txXfrm>
-        <a:off x="2924054" y="899160"/>
-        <a:ext cx="1390891" cy="1198880"/>
+        <a:off x="2982578" y="957684"/>
+        <a:ext cx="1273843" cy="1081832"/>
       </dsp:txXfrm>
     </dsp:sp>
     <dsp:sp modelId="{BDA78200-EE40-4FAA-81FE-83E219C58035}">
@@ -6090,7 +7078,7 @@
         </a:ln>
         <a:effectLst>
           <a:outerShdw blurRad="40000" dist="20000" dir="5400000" rotWithShape="0">
-            <a:srgbClr val="000000">
+            <a:srgbClr xmlns:mc="http://schemas.openxmlformats.org/markup-compatibility/2006" xmlns:a14="http://schemas.microsoft.com/office/drawing/2010/main" val="000000" mc:Ignorable="">
               <a:alpha val="38000"/>
             </a:srgbClr>
           </a:outerShdw>
@@ -6118,12 +7106,12 @@
         </a:fontRef>
       </dsp:style>
       <dsp:txBody>
-        <a:bodyPr spcFirstLastPara="0" vert="horz" wrap="square" lIns="60960" tIns="60960" rIns="60960" bIns="60960" numCol="1" spcCol="1270" anchor="ctr" anchorCtr="0">
+        <a:bodyPr spcFirstLastPara="0" vert="horz" wrap="square" lIns="68580" tIns="68580" rIns="68580" bIns="68580" numCol="1" spcCol="1270" anchor="ctr" anchorCtr="0">
           <a:noAutofit/>
         </a:bodyPr>
         <a:lstStyle/>
         <a:p>
-          <a:pPr lvl="0" algn="ctr" defTabSz="711200">
+          <a:pPr lvl="0" algn="ctr" defTabSz="800100">
             <a:lnSpc>
               <a:spcPct val="90000"/>
             </a:lnSpc>
@@ -6135,15 +7123,15 @@
             </a:spcAft>
           </a:pPr>
           <a:r>
-            <a:rPr lang="en-US" sz="1600" kern="1200" dirty="0" smtClean="0"/>
+            <a:rPr lang="en-US" sz="1800" kern="1200" dirty="0" smtClean="0"/>
             <a:t>Coerce</a:t>
           </a:r>
-          <a:endParaRPr lang="en-US" sz="1600" kern="1200" dirty="0"/>
+          <a:endParaRPr lang="en-US" sz="1800" kern="1200" dirty="0"/>
         </a:p>
       </dsp:txBody>
       <dsp:txXfrm>
-        <a:off x="4384490" y="899160"/>
-        <a:ext cx="1390891" cy="1198880"/>
+        <a:off x="4443014" y="957684"/>
+        <a:ext cx="1273843" cy="1081832"/>
       </dsp:txXfrm>
     </dsp:sp>
     <dsp:sp modelId="{28CC0323-E8AB-454E-B9E5-C8BDB7FF0D9E}">
@@ -6199,7 +7187,7 @@
         </a:ln>
         <a:effectLst>
           <a:outerShdw blurRad="40000" dist="20000" dir="5400000" rotWithShape="0">
-            <a:srgbClr val="000000">
+            <a:srgbClr xmlns:mc="http://schemas.openxmlformats.org/markup-compatibility/2006" xmlns:a14="http://schemas.microsoft.com/office/drawing/2010/main" val="000000" mc:Ignorable="">
               <a:alpha val="38000"/>
             </a:srgbClr>
           </a:outerShdw>
@@ -6227,12 +7215,12 @@
         </a:fontRef>
       </dsp:style>
       <dsp:txBody>
-        <a:bodyPr spcFirstLastPara="0" vert="horz" wrap="square" lIns="60960" tIns="60960" rIns="60960" bIns="60960" numCol="1" spcCol="1270" anchor="ctr" anchorCtr="0">
+        <a:bodyPr spcFirstLastPara="0" vert="horz" wrap="square" lIns="68580" tIns="68580" rIns="68580" bIns="68580" numCol="1" spcCol="1270" anchor="ctr" anchorCtr="0">
           <a:noAutofit/>
         </a:bodyPr>
         <a:lstStyle/>
         <a:p>
-          <a:pPr lvl="0" algn="ctr" defTabSz="711200">
+          <a:pPr lvl="0" algn="ctr" defTabSz="800100">
             <a:lnSpc>
               <a:spcPct val="90000"/>
             </a:lnSpc>
@@ -6244,15 +7232,15 @@
             </a:spcAft>
           </a:pPr>
           <a:r>
-            <a:rPr lang="en-US" sz="1600" kern="1200" dirty="0" smtClean="0"/>
+            <a:rPr lang="en-US" sz="1800" kern="1200" dirty="0" smtClean="0"/>
             <a:t>Validate</a:t>
           </a:r>
-          <a:endParaRPr lang="en-US" sz="1600" kern="1200" dirty="0"/>
+          <a:endParaRPr lang="en-US" sz="1800" kern="1200" dirty="0"/>
         </a:p>
       </dsp:txBody>
       <dsp:txXfrm>
-        <a:off x="5844926" y="899160"/>
-        <a:ext cx="1390891" cy="1198880"/>
+        <a:off x="5903450" y="957684"/>
+        <a:ext cx="1273843" cy="1081832"/>
       </dsp:txXfrm>
     </dsp:sp>
   </dsp:spTree>
@@ -6260,7 +7248,548 @@
 </file>
 
 <file path=ppt/diagrams/drawing3.xml><?xml version="1.0" encoding="utf-8"?>
-<dsp:drawing xmlns:dgm="http://schemas.openxmlformats.org/drawingml/2006/diagram" xmlns:a="http://schemas.openxmlformats.org/drawingml/2006/main" xmlns:dsp="http://schemas.microsoft.com/office/drawing/2008/diagram">
+<dsp:drawing xmlns:dgm="http://schemas.openxmlformats.org/drawingml/2006/diagram" xmlns:dsp="http://schemas.microsoft.com/office/drawing/2008/diagram" xmlns:a="http://schemas.openxmlformats.org/drawingml/2006/main">
+  <dsp:spTree>
+    <dsp:nvGrpSpPr>
+      <dsp:cNvPr id="0" name=""/>
+      <dsp:cNvGrpSpPr/>
+    </dsp:nvGrpSpPr>
+    <dsp:grpSpPr/>
+    <dsp:sp modelId="{4AF7D940-1DD2-45E8-81F0-FA2757FFD5BF}">
+      <dsp:nvSpPr>
+        <dsp:cNvPr id="0" name=""/>
+        <dsp:cNvSpPr/>
+      </dsp:nvSpPr>
+      <dsp:spPr>
+        <a:xfrm>
+          <a:off x="1198" y="1047039"/>
+          <a:ext cx="1588920" cy="1588920"/>
+        </a:xfrm>
+        <a:prstGeom prst="ellipse">
+          <a:avLst/>
+        </a:prstGeom>
+        <a:gradFill rotWithShape="0">
+          <a:gsLst>
+            <a:gs pos="0">
+              <a:schemeClr val="accent1">
+                <a:hueOff val="0"/>
+                <a:satOff val="0"/>
+                <a:lumOff val="0"/>
+                <a:alphaOff val="0"/>
+                <a:tint val="50000"/>
+                <a:satMod val="300000"/>
+              </a:schemeClr>
+            </a:gs>
+            <a:gs pos="35000">
+              <a:schemeClr val="accent1">
+                <a:hueOff val="0"/>
+                <a:satOff val="0"/>
+                <a:lumOff val="0"/>
+                <a:alphaOff val="0"/>
+                <a:tint val="37000"/>
+                <a:satMod val="300000"/>
+              </a:schemeClr>
+            </a:gs>
+            <a:gs pos="100000">
+              <a:schemeClr val="accent1">
+                <a:hueOff val="0"/>
+                <a:satOff val="0"/>
+                <a:lumOff val="0"/>
+                <a:alphaOff val="0"/>
+                <a:tint val="15000"/>
+                <a:satMod val="350000"/>
+              </a:schemeClr>
+            </a:gs>
+          </a:gsLst>
+          <a:lin ang="16200000" scaled="1"/>
+        </a:gradFill>
+        <a:ln>
+          <a:noFill/>
+        </a:ln>
+        <a:effectLst>
+          <a:outerShdw blurRad="40000" dist="20000" dir="5400000" rotWithShape="0">
+            <a:srgbClr xmlns:mc="http://schemas.openxmlformats.org/markup-compatibility/2006" xmlns:a14="http://schemas.microsoft.com/office/drawing/2010/main" val="000000" mc:Ignorable="">
+              <a:alpha val="38000"/>
+            </a:srgbClr>
+          </a:outerShdw>
+        </a:effectLst>
+        <a:scene3d>
+          <a:camera prst="orthographicFront"/>
+          <a:lightRig rig="flat" dir="t"/>
+        </a:scene3d>
+        <a:sp3d prstMaterial="dkEdge">
+          <a:bevelT w="8200" h="38100"/>
+        </a:sp3d>
+      </dsp:spPr>
+      <dsp:style>
+        <a:lnRef idx="0">
+          <a:scrgbClr r="0" g="0" b="0"/>
+        </a:lnRef>
+        <a:fillRef idx="2">
+          <a:scrgbClr r="0" g="0" b="0"/>
+        </a:fillRef>
+        <a:effectRef idx="1">
+          <a:scrgbClr r="0" g="0" b="0"/>
+        </a:effectRef>
+        <a:fontRef idx="minor">
+          <a:schemeClr val="dk1"/>
+        </a:fontRef>
+      </dsp:style>
+      <dsp:txBody>
+        <a:bodyPr spcFirstLastPara="0" vert="horz" wrap="square" lIns="19050" tIns="19050" rIns="19050" bIns="19050" numCol="1" spcCol="1270" anchor="ctr" anchorCtr="0">
+          <a:noAutofit/>
+        </a:bodyPr>
+        <a:lstStyle/>
+        <a:p>
+          <a:pPr lvl="0" algn="ctr" defTabSz="666750">
+            <a:lnSpc>
+              <a:spcPct val="90000"/>
+            </a:lnSpc>
+            <a:spcBef>
+              <a:spcPct val="0"/>
+            </a:spcBef>
+            <a:spcAft>
+              <a:spcPct val="35000"/>
+            </a:spcAft>
+          </a:pPr>
+          <a:r>
+            <a:rPr lang="en-US" sz="1500" kern="1200" dirty="0" smtClean="0"/>
+            <a:t>Control - Logic</a:t>
+          </a:r>
+          <a:endParaRPr lang="en-US" sz="1500" kern="1200" dirty="0"/>
+        </a:p>
+      </dsp:txBody>
+      <dsp:txXfrm>
+        <a:off x="233890" y="1279731"/>
+        <a:ext cx="1123536" cy="1123536"/>
+      </dsp:txXfrm>
+    </dsp:sp>
+    <dsp:sp modelId="{38EB5611-8D65-4C8E-AD8D-695EE98EF70E}">
+      <dsp:nvSpPr>
+        <dsp:cNvPr id="0" name=""/>
+        <dsp:cNvSpPr/>
+      </dsp:nvSpPr>
+      <dsp:spPr>
+        <a:xfrm>
+          <a:off x="1719139" y="1380713"/>
+          <a:ext cx="921573" cy="921573"/>
+        </a:xfrm>
+        <a:prstGeom prst="mathPlus">
+          <a:avLst/>
+        </a:prstGeom>
+        <a:gradFill rotWithShape="0">
+          <a:gsLst>
+            <a:gs pos="0">
+              <a:schemeClr val="accent1">
+                <a:tint val="60000"/>
+                <a:hueOff val="0"/>
+                <a:satOff val="0"/>
+                <a:lumOff val="0"/>
+                <a:alphaOff val="0"/>
+                <a:tint val="50000"/>
+                <a:satMod val="300000"/>
+              </a:schemeClr>
+            </a:gs>
+            <a:gs pos="35000">
+              <a:schemeClr val="accent1">
+                <a:tint val="60000"/>
+                <a:hueOff val="0"/>
+                <a:satOff val="0"/>
+                <a:lumOff val="0"/>
+                <a:alphaOff val="0"/>
+                <a:tint val="37000"/>
+                <a:satMod val="300000"/>
+              </a:schemeClr>
+            </a:gs>
+            <a:gs pos="100000">
+              <a:schemeClr val="accent1">
+                <a:tint val="60000"/>
+                <a:hueOff val="0"/>
+                <a:satOff val="0"/>
+                <a:lumOff val="0"/>
+                <a:alphaOff val="0"/>
+                <a:tint val="15000"/>
+                <a:satMod val="350000"/>
+              </a:schemeClr>
+            </a:gs>
+          </a:gsLst>
+          <a:lin ang="16200000" scaled="1"/>
+        </a:gradFill>
+        <a:ln>
+          <a:noFill/>
+        </a:ln>
+        <a:effectLst>
+          <a:outerShdw blurRad="40000" dist="20000" dir="5400000" rotWithShape="0">
+            <a:srgbClr xmlns:mc="http://schemas.openxmlformats.org/markup-compatibility/2006" xmlns:a14="http://schemas.microsoft.com/office/drawing/2010/main" val="000000" mc:Ignorable="">
+              <a:alpha val="38000"/>
+            </a:srgbClr>
+          </a:outerShdw>
+        </a:effectLst>
+      </dsp:spPr>
+      <dsp:style>
+        <a:lnRef idx="0">
+          <a:scrgbClr r="0" g="0" b="0"/>
+        </a:lnRef>
+        <a:fillRef idx="2">
+          <a:scrgbClr r="0" g="0" b="0"/>
+        </a:fillRef>
+        <a:effectRef idx="1">
+          <a:scrgbClr r="0" g="0" b="0"/>
+        </a:effectRef>
+        <a:fontRef idx="minor">
+          <a:schemeClr val="dk1"/>
+        </a:fontRef>
+      </dsp:style>
+      <dsp:txBody>
+        <a:bodyPr spcFirstLastPara="0" vert="horz" wrap="square" lIns="0" tIns="0" rIns="0" bIns="0" numCol="1" spcCol="1270" anchor="ctr" anchorCtr="0">
+          <a:noAutofit/>
+        </a:bodyPr>
+        <a:lstStyle/>
+        <a:p>
+          <a:pPr lvl="0" algn="ctr" defTabSz="533400">
+            <a:lnSpc>
+              <a:spcPct val="90000"/>
+            </a:lnSpc>
+            <a:spcBef>
+              <a:spcPct val="0"/>
+            </a:spcBef>
+            <a:spcAft>
+              <a:spcPct val="35000"/>
+            </a:spcAft>
+          </a:pPr>
+          <a:endParaRPr lang="en-US" sz="1200" kern="1200"/>
+        </a:p>
+      </dsp:txBody>
+      <dsp:txXfrm>
+        <a:off x="1841294" y="1733123"/>
+        <a:ext cx="677263" cy="216753"/>
+      </dsp:txXfrm>
+    </dsp:sp>
+    <dsp:sp modelId="{F1DF9A84-FCA8-41C7-94C7-9A282BE43702}">
+      <dsp:nvSpPr>
+        <dsp:cNvPr id="0" name=""/>
+        <dsp:cNvSpPr/>
+      </dsp:nvSpPr>
+      <dsp:spPr>
+        <a:xfrm>
+          <a:off x="2769733" y="1047039"/>
+          <a:ext cx="1588920" cy="1588920"/>
+        </a:xfrm>
+        <a:prstGeom prst="ellipse">
+          <a:avLst/>
+        </a:prstGeom>
+        <a:gradFill rotWithShape="0">
+          <a:gsLst>
+            <a:gs pos="0">
+              <a:schemeClr val="accent1">
+                <a:hueOff val="0"/>
+                <a:satOff val="0"/>
+                <a:lumOff val="0"/>
+                <a:alphaOff val="0"/>
+                <a:tint val="50000"/>
+                <a:satMod val="300000"/>
+              </a:schemeClr>
+            </a:gs>
+            <a:gs pos="35000">
+              <a:schemeClr val="accent1">
+                <a:hueOff val="0"/>
+                <a:satOff val="0"/>
+                <a:lumOff val="0"/>
+                <a:alphaOff val="0"/>
+                <a:tint val="37000"/>
+                <a:satMod val="300000"/>
+              </a:schemeClr>
+            </a:gs>
+            <a:gs pos="100000">
+              <a:schemeClr val="accent1">
+                <a:hueOff val="0"/>
+                <a:satOff val="0"/>
+                <a:lumOff val="0"/>
+                <a:alphaOff val="0"/>
+                <a:tint val="15000"/>
+                <a:satMod val="350000"/>
+              </a:schemeClr>
+            </a:gs>
+          </a:gsLst>
+          <a:lin ang="16200000" scaled="1"/>
+        </a:gradFill>
+        <a:ln>
+          <a:noFill/>
+        </a:ln>
+        <a:effectLst>
+          <a:outerShdw blurRad="40000" dist="20000" dir="5400000" rotWithShape="0">
+            <a:srgbClr xmlns:mc="http://schemas.openxmlformats.org/markup-compatibility/2006" xmlns:a14="http://schemas.microsoft.com/office/drawing/2010/main" val="000000" mc:Ignorable="">
+              <a:alpha val="38000"/>
+            </a:srgbClr>
+          </a:outerShdw>
+        </a:effectLst>
+        <a:scene3d>
+          <a:camera prst="orthographicFront"/>
+          <a:lightRig rig="flat" dir="t"/>
+        </a:scene3d>
+        <a:sp3d prstMaterial="dkEdge">
+          <a:bevelT w="8200" h="38100"/>
+        </a:sp3d>
+      </dsp:spPr>
+      <dsp:style>
+        <a:lnRef idx="0">
+          <a:scrgbClr r="0" g="0" b="0"/>
+        </a:lnRef>
+        <a:fillRef idx="2">
+          <a:scrgbClr r="0" g="0" b="0"/>
+        </a:fillRef>
+        <a:effectRef idx="1">
+          <a:scrgbClr r="0" g="0" b="0"/>
+        </a:effectRef>
+        <a:fontRef idx="minor">
+          <a:schemeClr val="dk1"/>
+        </a:fontRef>
+      </dsp:style>
+      <dsp:txBody>
+        <a:bodyPr spcFirstLastPara="0" vert="horz" wrap="square" lIns="19050" tIns="19050" rIns="19050" bIns="19050" numCol="1" spcCol="1270" anchor="ctr" anchorCtr="0">
+          <a:noAutofit/>
+        </a:bodyPr>
+        <a:lstStyle/>
+        <a:p>
+          <a:pPr lvl="0" algn="ctr" defTabSz="666750">
+            <a:lnSpc>
+              <a:spcPct val="90000"/>
+            </a:lnSpc>
+            <a:spcBef>
+              <a:spcPct val="0"/>
+            </a:spcBef>
+            <a:spcAft>
+              <a:spcPct val="35000"/>
+            </a:spcAft>
+          </a:pPr>
+          <a:r>
+            <a:rPr lang="en-US" sz="1500" kern="1200" dirty="0" smtClean="0"/>
+            <a:t>Presentation - Template</a:t>
+          </a:r>
+          <a:endParaRPr lang="en-US" sz="1500" kern="1200" dirty="0"/>
+        </a:p>
+      </dsp:txBody>
+      <dsp:txXfrm>
+        <a:off x="3002425" y="1279731"/>
+        <a:ext cx="1123536" cy="1123536"/>
+      </dsp:txXfrm>
+    </dsp:sp>
+    <dsp:sp modelId="{0E8B3862-292B-4F1C-A298-DDE2463E5CE2}">
+      <dsp:nvSpPr>
+        <dsp:cNvPr id="0" name=""/>
+        <dsp:cNvSpPr/>
+      </dsp:nvSpPr>
+      <dsp:spPr>
+        <a:xfrm>
+          <a:off x="4487673" y="1380713"/>
+          <a:ext cx="921573" cy="921573"/>
+        </a:xfrm>
+        <a:prstGeom prst="mathEqual">
+          <a:avLst/>
+        </a:prstGeom>
+        <a:gradFill rotWithShape="0">
+          <a:gsLst>
+            <a:gs pos="0">
+              <a:schemeClr val="accent1">
+                <a:tint val="60000"/>
+                <a:hueOff val="0"/>
+                <a:satOff val="0"/>
+                <a:lumOff val="0"/>
+                <a:alphaOff val="0"/>
+                <a:tint val="50000"/>
+                <a:satMod val="300000"/>
+              </a:schemeClr>
+            </a:gs>
+            <a:gs pos="35000">
+              <a:schemeClr val="accent1">
+                <a:tint val="60000"/>
+                <a:hueOff val="0"/>
+                <a:satOff val="0"/>
+                <a:lumOff val="0"/>
+                <a:alphaOff val="0"/>
+                <a:tint val="37000"/>
+                <a:satMod val="300000"/>
+              </a:schemeClr>
+            </a:gs>
+            <a:gs pos="100000">
+              <a:schemeClr val="accent1">
+                <a:tint val="60000"/>
+                <a:hueOff val="0"/>
+                <a:satOff val="0"/>
+                <a:lumOff val="0"/>
+                <a:alphaOff val="0"/>
+                <a:tint val="15000"/>
+                <a:satMod val="350000"/>
+              </a:schemeClr>
+            </a:gs>
+          </a:gsLst>
+          <a:lin ang="16200000" scaled="1"/>
+        </a:gradFill>
+        <a:ln>
+          <a:noFill/>
+        </a:ln>
+        <a:effectLst>
+          <a:outerShdw blurRad="40000" dist="20000" dir="5400000" rotWithShape="0">
+            <a:srgbClr xmlns:mc="http://schemas.openxmlformats.org/markup-compatibility/2006" xmlns:a14="http://schemas.microsoft.com/office/drawing/2010/main" val="000000" mc:Ignorable="">
+              <a:alpha val="38000"/>
+            </a:srgbClr>
+          </a:outerShdw>
+        </a:effectLst>
+      </dsp:spPr>
+      <dsp:style>
+        <a:lnRef idx="0">
+          <a:scrgbClr r="0" g="0" b="0"/>
+        </a:lnRef>
+        <a:fillRef idx="2">
+          <a:scrgbClr r="0" g="0" b="0"/>
+        </a:fillRef>
+        <a:effectRef idx="1">
+          <a:scrgbClr r="0" g="0" b="0"/>
+        </a:effectRef>
+        <a:fontRef idx="minor">
+          <a:schemeClr val="dk1"/>
+        </a:fontRef>
+      </dsp:style>
+      <dsp:txBody>
+        <a:bodyPr spcFirstLastPara="0" vert="horz" wrap="square" lIns="0" tIns="0" rIns="0" bIns="0" numCol="1" spcCol="1270" anchor="ctr" anchorCtr="0">
+          <a:noAutofit/>
+        </a:bodyPr>
+        <a:lstStyle/>
+        <a:p>
+          <a:pPr lvl="0" algn="ctr" defTabSz="533400">
+            <a:lnSpc>
+              <a:spcPct val="90000"/>
+            </a:lnSpc>
+            <a:spcBef>
+              <a:spcPct val="0"/>
+            </a:spcBef>
+            <a:spcAft>
+              <a:spcPct val="35000"/>
+            </a:spcAft>
+          </a:pPr>
+          <a:endParaRPr lang="en-US" sz="1200" kern="1200"/>
+        </a:p>
+      </dsp:txBody>
+      <dsp:txXfrm>
+        <a:off x="4609828" y="1570557"/>
+        <a:ext cx="677263" cy="541885"/>
+      </dsp:txXfrm>
+    </dsp:sp>
+    <dsp:sp modelId="{432D485E-3DA1-4588-93A8-92E9D807CB67}">
+      <dsp:nvSpPr>
+        <dsp:cNvPr id="0" name=""/>
+        <dsp:cNvSpPr/>
+      </dsp:nvSpPr>
+      <dsp:spPr>
+        <a:xfrm>
+          <a:off x="5538268" y="1047039"/>
+          <a:ext cx="1588920" cy="1588920"/>
+        </a:xfrm>
+        <a:prstGeom prst="ellipse">
+          <a:avLst/>
+        </a:prstGeom>
+        <a:gradFill rotWithShape="0">
+          <a:gsLst>
+            <a:gs pos="0">
+              <a:schemeClr val="accent1">
+                <a:hueOff val="0"/>
+                <a:satOff val="0"/>
+                <a:lumOff val="0"/>
+                <a:alphaOff val="0"/>
+                <a:tint val="50000"/>
+                <a:satMod val="300000"/>
+              </a:schemeClr>
+            </a:gs>
+            <a:gs pos="35000">
+              <a:schemeClr val="accent1">
+                <a:hueOff val="0"/>
+                <a:satOff val="0"/>
+                <a:lumOff val="0"/>
+                <a:alphaOff val="0"/>
+                <a:tint val="37000"/>
+                <a:satMod val="300000"/>
+              </a:schemeClr>
+            </a:gs>
+            <a:gs pos="100000">
+              <a:schemeClr val="accent1">
+                <a:hueOff val="0"/>
+                <a:satOff val="0"/>
+                <a:lumOff val="0"/>
+                <a:alphaOff val="0"/>
+                <a:tint val="15000"/>
+                <a:satMod val="350000"/>
+              </a:schemeClr>
+            </a:gs>
+          </a:gsLst>
+          <a:lin ang="16200000" scaled="1"/>
+        </a:gradFill>
+        <a:ln>
+          <a:noFill/>
+        </a:ln>
+        <a:effectLst>
+          <a:outerShdw blurRad="40000" dist="20000" dir="5400000" rotWithShape="0">
+            <a:srgbClr xmlns:mc="http://schemas.openxmlformats.org/markup-compatibility/2006" xmlns:a14="http://schemas.microsoft.com/office/drawing/2010/main" val="000000" mc:Ignorable="">
+              <a:alpha val="38000"/>
+            </a:srgbClr>
+          </a:outerShdw>
+        </a:effectLst>
+        <a:scene3d>
+          <a:camera prst="orthographicFront"/>
+          <a:lightRig rig="flat" dir="t"/>
+        </a:scene3d>
+        <a:sp3d prstMaterial="dkEdge">
+          <a:bevelT w="8200" h="38100"/>
+        </a:sp3d>
+      </dsp:spPr>
+      <dsp:style>
+        <a:lnRef idx="0">
+          <a:scrgbClr r="0" g="0" b="0"/>
+        </a:lnRef>
+        <a:fillRef idx="2">
+          <a:scrgbClr r="0" g="0" b="0"/>
+        </a:fillRef>
+        <a:effectRef idx="1">
+          <a:scrgbClr r="0" g="0" b="0"/>
+        </a:effectRef>
+        <a:fontRef idx="minor">
+          <a:schemeClr val="dk1"/>
+        </a:fontRef>
+      </dsp:style>
+      <dsp:txBody>
+        <a:bodyPr spcFirstLastPara="0" vert="horz" wrap="square" lIns="19050" tIns="19050" rIns="19050" bIns="19050" numCol="1" spcCol="1270" anchor="ctr" anchorCtr="0">
+          <a:noAutofit/>
+        </a:bodyPr>
+        <a:lstStyle/>
+        <a:p>
+          <a:pPr lvl="0" algn="ctr" defTabSz="666750">
+            <a:lnSpc>
+              <a:spcPct val="90000"/>
+            </a:lnSpc>
+            <a:spcBef>
+              <a:spcPct val="0"/>
+            </a:spcBef>
+            <a:spcAft>
+              <a:spcPct val="35000"/>
+            </a:spcAft>
+          </a:pPr>
+          <a:r>
+            <a:rPr lang="en-US" sz="1500" kern="1200" dirty="0" smtClean="0"/>
+            <a:t>UI</a:t>
+          </a:r>
+          <a:endParaRPr lang="en-US" sz="1500" kern="1200" dirty="0"/>
+        </a:p>
+      </dsp:txBody>
+      <dsp:txXfrm>
+        <a:off x="5770960" y="1279731"/>
+        <a:ext cx="1123536" cy="1123536"/>
+      </dsp:txXfrm>
+    </dsp:sp>
+  </dsp:spTree>
+</dsp:drawing>
+</file>
+
+<file path=ppt/diagrams/drawing4.xml><?xml version="1.0" encoding="utf-8"?>
+<dsp:drawing xmlns:dgm="http://schemas.openxmlformats.org/drawingml/2006/diagram" xmlns:dsp="http://schemas.microsoft.com/office/drawing/2008/diagram" xmlns:a="http://schemas.openxmlformats.org/drawingml/2006/main">
   <dsp:spTree>
     <dsp:nvGrpSpPr>
       <dsp:cNvPr id="0" name=""/>
@@ -6299,12 +7828,12 @@
         <a:fontRef idx="minor"/>
       </dsp:style>
       <dsp:txBody>
-        <a:bodyPr spcFirstLastPara="0" vert="horz" wrap="square" lIns="60960" tIns="60960" rIns="60960" bIns="60960" numCol="1" spcCol="1270" anchor="ctr" anchorCtr="0">
+        <a:bodyPr spcFirstLastPara="0" vert="horz" wrap="square" lIns="67310" tIns="67310" rIns="67310" bIns="67310" numCol="1" spcCol="1270" anchor="ctr" anchorCtr="0">
           <a:noAutofit/>
         </a:bodyPr>
         <a:lstStyle/>
         <a:p>
-          <a:pPr lvl="0" algn="ctr" defTabSz="2133600">
+          <a:pPr lvl="0" algn="ctr" defTabSz="2355850">
             <a:lnSpc>
               <a:spcPct val="90000"/>
             </a:lnSpc>
@@ -6316,10 +7845,10 @@
             </a:spcAft>
           </a:pPr>
           <a:r>
-            <a:rPr lang="en-US" sz="4800" kern="1200" dirty="0" smtClean="0"/>
+            <a:rPr lang="en-US" sz="5300" kern="1200" dirty="0" smtClean="0"/>
             <a:t>XAML</a:t>
           </a:r>
-          <a:endParaRPr lang="en-US" sz="4800" kern="1200" dirty="0"/>
+          <a:endParaRPr lang="en-US" sz="5300" kern="1200" dirty="0"/>
         </a:p>
       </dsp:txBody>
       <dsp:txXfrm>
@@ -6414,12 +7943,12 @@
         <a:fontRef idx="minor"/>
       </dsp:style>
       <dsp:txBody>
-        <a:bodyPr spcFirstLastPara="0" vert="horz" wrap="square" lIns="60960" tIns="60960" rIns="60960" bIns="60960" numCol="1" spcCol="1270" anchor="ctr" anchorCtr="0">
+        <a:bodyPr spcFirstLastPara="0" vert="horz" wrap="square" lIns="67310" tIns="67310" rIns="67310" bIns="67310" numCol="1" spcCol="1270" anchor="ctr" anchorCtr="0">
           <a:noAutofit/>
         </a:bodyPr>
         <a:lstStyle/>
         <a:p>
-          <a:pPr lvl="0" algn="ctr" defTabSz="2133600">
+          <a:pPr lvl="0" algn="ctr" defTabSz="2355850">
             <a:lnSpc>
               <a:spcPct val="90000"/>
             </a:lnSpc>
@@ -6431,10 +7960,10 @@
             </a:spcAft>
           </a:pPr>
           <a:r>
-            <a:rPr lang="en-US" sz="4800" kern="1200" dirty="0" smtClean="0"/>
+            <a:rPr lang="en-US" sz="5300" kern="1200" dirty="0" smtClean="0"/>
             <a:t>Code</a:t>
           </a:r>
-          <a:endParaRPr lang="en-US" sz="4800" kern="1200" dirty="0"/>
+          <a:endParaRPr lang="en-US" sz="5300" kern="1200" dirty="0"/>
         </a:p>
       </dsp:txBody>
       <dsp:txXfrm>
@@ -7802,6 +9331,161 @@
 </file>
 
 <file path=ppt/diagrams/layout3.xml><?xml version="1.0" encoding="utf-8"?>
+<dgm:layoutDef xmlns:dgm="http://schemas.openxmlformats.org/drawingml/2006/diagram" xmlns:a="http://schemas.openxmlformats.org/drawingml/2006/main" uniqueId="urn:microsoft.com/office/officeart/2005/8/layout/equation1">
+  <dgm:title val=""/>
+  <dgm:desc val=""/>
+  <dgm:catLst>
+    <dgm:cat type="relationship" pri="17000"/>
+    <dgm:cat type="process" pri="25000"/>
+  </dgm:catLst>
+  <dgm:sampData useDef="1">
+    <dgm:dataModel>
+      <dgm:ptLst/>
+      <dgm:bg/>
+      <dgm:whole/>
+    </dgm:dataModel>
+  </dgm:sampData>
+  <dgm:styleData>
+    <dgm:dataModel>
+      <dgm:ptLst>
+        <dgm:pt modelId="0" type="doc"/>
+        <dgm:pt modelId="1"/>
+        <dgm:pt modelId="2"/>
+      </dgm:ptLst>
+      <dgm:cxnLst>
+        <dgm:cxn modelId="3" srcId="0" destId="1" srcOrd="0" destOrd="0"/>
+        <dgm:cxn modelId="4" srcId="0" destId="2" srcOrd="1" destOrd="0"/>
+      </dgm:cxnLst>
+      <dgm:bg/>
+      <dgm:whole/>
+    </dgm:dataModel>
+  </dgm:styleData>
+  <dgm:clrData>
+    <dgm:dataModel>
+      <dgm:ptLst>
+        <dgm:pt modelId="0" type="doc"/>
+        <dgm:pt modelId="1"/>
+        <dgm:pt modelId="2"/>
+        <dgm:pt modelId="3"/>
+        <dgm:pt modelId="4"/>
+      </dgm:ptLst>
+      <dgm:cxnLst>
+        <dgm:cxn modelId="5" srcId="0" destId="1" srcOrd="0" destOrd="0"/>
+        <dgm:cxn modelId="6" srcId="0" destId="2" srcOrd="1" destOrd="0"/>
+        <dgm:cxn modelId="7" srcId="0" destId="3" srcOrd="2" destOrd="0"/>
+        <dgm:cxn modelId="8" srcId="0" destId="4" srcOrd="3" destOrd="0"/>
+      </dgm:cxnLst>
+      <dgm:bg/>
+      <dgm:whole/>
+    </dgm:dataModel>
+  </dgm:clrData>
+  <dgm:layoutNode name="linearFlow">
+    <dgm:varLst>
+      <dgm:dir/>
+      <dgm:resizeHandles val="exact"/>
+    </dgm:varLst>
+    <dgm:choose name="Name0">
+      <dgm:if name="Name1" func="var" arg="dir" op="equ" val="norm">
+        <dgm:alg type="lin">
+          <dgm:param type="fallback" val="2D"/>
+        </dgm:alg>
+      </dgm:if>
+      <dgm:else name="Name2">
+        <dgm:alg type="lin">
+          <dgm:param type="linDir" val="fromR"/>
+          <dgm:param type="fallback" val="2D"/>
+        </dgm:alg>
+      </dgm:else>
+    </dgm:choose>
+    <dgm:shape xmlns:r="http://schemas.openxmlformats.org/officeDocument/2006/relationships" r:blip="">
+      <dgm:adjLst/>
+    </dgm:shape>
+    <dgm:presOf/>
+    <dgm:constrLst>
+      <dgm:constr type="w" for="ch" ptType="node" refType="w"/>
+      <dgm:constr type="w" for="ch" ptType="sibTrans" refType="w" refFor="ch" refPtType="node" fact="0.58"/>
+      <dgm:constr type="primFontSz" for="ch" ptType="node" op="equ" val="65"/>
+      <dgm:constr type="primFontSz" for="ch" ptType="sibTrans" op="equ" val="55"/>
+      <dgm:constr type="primFontSz" for="ch" ptType="sibTrans" refType="primFontSz" refFor="ch" refPtType="node" op="lte" fact="0.8"/>
+      <dgm:constr type="w" for="ch" forName="spacerL" refType="w" refFor="ch" refPtType="sibTrans" fact="0.14"/>
+      <dgm:constr type="w" for="ch" forName="spacerR" refType="w" refFor="ch" refPtType="sibTrans" fact="0.14"/>
+    </dgm:constrLst>
+    <dgm:ruleLst/>
+    <dgm:forEach name="nodesForEach" axis="ch" ptType="node">
+      <dgm:layoutNode name="node">
+        <dgm:varLst>
+          <dgm:bulletEnabled val="1"/>
+        </dgm:varLst>
+        <dgm:alg type="tx">
+          <dgm:param type="txAnchorVertCh" val="mid"/>
+        </dgm:alg>
+        <dgm:shape xmlns:r="http://schemas.openxmlformats.org/officeDocument/2006/relationships" type="ellipse" r:blip="">
+          <dgm:adjLst/>
+        </dgm:shape>
+        <dgm:presOf axis="desOrSelf" ptType="node"/>
+        <dgm:constrLst>
+          <dgm:constr type="h" refType="w"/>
+          <dgm:constr type="tMarg" refType="primFontSz" fact="0.1"/>
+          <dgm:constr type="bMarg" refType="primFontSz" fact="0.1"/>
+          <dgm:constr type="lMarg" refType="primFontSz" fact="0.1"/>
+          <dgm:constr type="rMarg" refType="primFontSz" fact="0.1"/>
+        </dgm:constrLst>
+        <dgm:ruleLst>
+          <dgm:rule type="primFontSz" val="5" fact="NaN" max="NaN"/>
+        </dgm:ruleLst>
+      </dgm:layoutNode>
+      <dgm:forEach name="sibTransForEach" axis="followSib" ptType="sibTrans" cnt="1">
+        <dgm:layoutNode name="spacerL">
+          <dgm:alg type="sp"/>
+          <dgm:shape xmlns:r="http://schemas.openxmlformats.org/officeDocument/2006/relationships" r:blip="">
+            <dgm:adjLst/>
+          </dgm:shape>
+          <dgm:presOf/>
+          <dgm:constrLst/>
+          <dgm:ruleLst/>
+        </dgm:layoutNode>
+        <dgm:layoutNode name="sibTrans">
+          <dgm:alg type="tx"/>
+          <dgm:choose name="Name3">
+            <dgm:if name="Name4" axis="followSib" ptType="sibTrans" func="cnt" op="equ" val="0">
+              <dgm:shape xmlns:r="http://schemas.openxmlformats.org/officeDocument/2006/relationships" type="mathEqual" r:blip="">
+                <dgm:adjLst/>
+              </dgm:shape>
+            </dgm:if>
+            <dgm:else name="Name5">
+              <dgm:shape xmlns:r="http://schemas.openxmlformats.org/officeDocument/2006/relationships" type="mathPlus" r:blip="">
+                <dgm:adjLst/>
+              </dgm:shape>
+            </dgm:else>
+          </dgm:choose>
+          <dgm:presOf axis="self"/>
+          <dgm:constrLst>
+            <dgm:constr type="h" refType="w"/>
+            <dgm:constr type="lMarg"/>
+            <dgm:constr type="rMarg"/>
+            <dgm:constr type="tMarg"/>
+            <dgm:constr type="bMarg"/>
+          </dgm:constrLst>
+          <dgm:ruleLst>
+            <dgm:rule type="primFontSz" val="5" fact="NaN" max="NaN"/>
+          </dgm:ruleLst>
+        </dgm:layoutNode>
+        <dgm:layoutNode name="spacerR">
+          <dgm:alg type="sp"/>
+          <dgm:shape xmlns:r="http://schemas.openxmlformats.org/officeDocument/2006/relationships" r:blip="">
+            <dgm:adjLst/>
+          </dgm:shape>
+          <dgm:presOf/>
+          <dgm:constrLst/>
+          <dgm:ruleLst/>
+        </dgm:layoutNode>
+      </dgm:forEach>
+    </dgm:forEach>
+  </dgm:layoutNode>
+</dgm:layoutDef>
+</file>
+
+<file path=ppt/diagrams/layout4.xml><?xml version="1.0" encoding="utf-8"?>
 <dgm:layoutDef xmlns:dgm="http://schemas.openxmlformats.org/drawingml/2006/diagram" xmlns:a="http://schemas.openxmlformats.org/drawingml/2006/main" uniqueId="urn:microsoft.com/office/officeart/2005/8/layout/cycle1">
   <dgm:title val=""/>
   <dgm:desc val=""/>
@@ -10120,6 +11804,1066 @@
 </file>
 
 <file path=ppt/diagrams/quickStyle3.xml><?xml version="1.0" encoding="utf-8"?>
+<dgm:styleDef xmlns:dgm="http://schemas.openxmlformats.org/drawingml/2006/diagram" xmlns:a="http://schemas.openxmlformats.org/drawingml/2006/main" uniqueId="urn:microsoft.com/office/officeart/2005/8/quickstyle/simple3">
+  <dgm:title val=""/>
+  <dgm:desc val=""/>
+  <dgm:catLst>
+    <dgm:cat type="simple" pri="10300"/>
+  </dgm:catLst>
+  <dgm:scene3d>
+    <a:camera prst="orthographicFront"/>
+    <a:lightRig rig="threePt" dir="t"/>
+  </dgm:scene3d>
+  <dgm:styleLbl name="node0">
+    <dgm:scene3d>
+      <a:camera prst="orthographicFront"/>
+      <a:lightRig rig="flat" dir="t"/>
+    </dgm:scene3d>
+    <dgm:sp3d prstMaterial="dkEdge">
+      <a:bevelT w="8200" h="38100"/>
+    </dgm:sp3d>
+    <dgm:txPr/>
+    <dgm:style>
+      <a:lnRef idx="0">
+        <a:scrgbClr r="0" g="0" b="0"/>
+      </a:lnRef>
+      <a:fillRef idx="2">
+        <a:scrgbClr r="0" g="0" b="0"/>
+      </a:fillRef>
+      <a:effectRef idx="1">
+        <a:scrgbClr r="0" g="0" b="0"/>
+      </a:effectRef>
+      <a:fontRef idx="minor">
+        <a:schemeClr val="dk1"/>
+      </a:fontRef>
+    </dgm:style>
+  </dgm:styleLbl>
+  <dgm:styleLbl name="lnNode1">
+    <dgm:scene3d>
+      <a:camera prst="orthographicFront"/>
+      <a:lightRig rig="flat" dir="t"/>
+    </dgm:scene3d>
+    <dgm:sp3d prstMaterial="dkEdge">
+      <a:bevelT w="8200" h="38100"/>
+    </dgm:sp3d>
+    <dgm:txPr/>
+    <dgm:style>
+      <a:lnRef idx="1">
+        <a:scrgbClr r="0" g="0" b="0"/>
+      </a:lnRef>
+      <a:fillRef idx="2">
+        <a:scrgbClr r="0" g="0" b="0"/>
+      </a:fillRef>
+      <a:effectRef idx="0">
+        <a:scrgbClr r="0" g="0" b="0"/>
+      </a:effectRef>
+      <a:fontRef idx="minor">
+        <a:schemeClr val="dk1"/>
+      </a:fontRef>
+    </dgm:style>
+  </dgm:styleLbl>
+  <dgm:styleLbl name="vennNode1">
+    <dgm:scene3d>
+      <a:camera prst="orthographicFront"/>
+      <a:lightRig rig="flat" dir="t"/>
+    </dgm:scene3d>
+    <dgm:sp3d prstMaterial="dkEdge">
+      <a:bevelT w="8200" h="38100"/>
+    </dgm:sp3d>
+    <dgm:txPr/>
+    <dgm:style>
+      <a:lnRef idx="0">
+        <a:scrgbClr r="0" g="0" b="0"/>
+      </a:lnRef>
+      <a:fillRef idx="2">
+        <a:scrgbClr r="0" g="0" b="0"/>
+      </a:fillRef>
+      <a:effectRef idx="0">
+        <a:scrgbClr r="0" g="0" b="0"/>
+      </a:effectRef>
+      <a:fontRef idx="minor">
+        <a:schemeClr val="tx1"/>
+      </a:fontRef>
+    </dgm:style>
+  </dgm:styleLbl>
+  <dgm:styleLbl name="alignNode1">
+    <dgm:scene3d>
+      <a:camera prst="orthographicFront"/>
+      <a:lightRig rig="threePt" dir="t"/>
+    </dgm:scene3d>
+    <dgm:sp3d/>
+    <dgm:txPr/>
+    <dgm:style>
+      <a:lnRef idx="1">
+        <a:scrgbClr r="0" g="0" b="0"/>
+      </a:lnRef>
+      <a:fillRef idx="2">
+        <a:scrgbClr r="0" g="0" b="0"/>
+      </a:fillRef>
+      <a:effectRef idx="1">
+        <a:scrgbClr r="0" g="0" b="0"/>
+      </a:effectRef>
+      <a:fontRef idx="minor">
+        <a:schemeClr val="dk1"/>
+      </a:fontRef>
+    </dgm:style>
+  </dgm:styleLbl>
+  <dgm:styleLbl name="node1">
+    <dgm:scene3d>
+      <a:camera prst="orthographicFront"/>
+      <a:lightRig rig="flat" dir="t"/>
+    </dgm:scene3d>
+    <dgm:sp3d prstMaterial="dkEdge">
+      <a:bevelT w="8200" h="38100"/>
+    </dgm:sp3d>
+    <dgm:txPr/>
+    <dgm:style>
+      <a:lnRef idx="0">
+        <a:scrgbClr r="0" g="0" b="0"/>
+      </a:lnRef>
+      <a:fillRef idx="2">
+        <a:scrgbClr r="0" g="0" b="0"/>
+      </a:fillRef>
+      <a:effectRef idx="1">
+        <a:scrgbClr r="0" g="0" b="0"/>
+      </a:effectRef>
+      <a:fontRef idx="minor">
+        <a:schemeClr val="dk1"/>
+      </a:fontRef>
+    </dgm:style>
+  </dgm:styleLbl>
+  <dgm:styleLbl name="node2">
+    <dgm:scene3d>
+      <a:camera prst="orthographicFront"/>
+      <a:lightRig rig="flat" dir="t"/>
+    </dgm:scene3d>
+    <dgm:sp3d prstMaterial="dkEdge">
+      <a:bevelT w="8200" h="38100"/>
+    </dgm:sp3d>
+    <dgm:txPr/>
+    <dgm:style>
+      <a:lnRef idx="0">
+        <a:scrgbClr r="0" g="0" b="0"/>
+      </a:lnRef>
+      <a:fillRef idx="2">
+        <a:scrgbClr r="0" g="0" b="0"/>
+      </a:fillRef>
+      <a:effectRef idx="1">
+        <a:scrgbClr r="0" g="0" b="0"/>
+      </a:effectRef>
+      <a:fontRef idx="minor">
+        <a:schemeClr val="dk1"/>
+      </a:fontRef>
+    </dgm:style>
+  </dgm:styleLbl>
+  <dgm:styleLbl name="node3">
+    <dgm:scene3d>
+      <a:camera prst="orthographicFront"/>
+      <a:lightRig rig="flat" dir="t"/>
+    </dgm:scene3d>
+    <dgm:sp3d prstMaterial="dkEdge">
+      <a:bevelT w="8200" h="38100"/>
+    </dgm:sp3d>
+    <dgm:txPr/>
+    <dgm:style>
+      <a:lnRef idx="0">
+        <a:scrgbClr r="0" g="0" b="0"/>
+      </a:lnRef>
+      <a:fillRef idx="2">
+        <a:scrgbClr r="0" g="0" b="0"/>
+      </a:fillRef>
+      <a:effectRef idx="1">
+        <a:scrgbClr r="0" g="0" b="0"/>
+      </a:effectRef>
+      <a:fontRef idx="minor">
+        <a:schemeClr val="dk1"/>
+      </a:fontRef>
+    </dgm:style>
+  </dgm:styleLbl>
+  <dgm:styleLbl name="node4">
+    <dgm:scene3d>
+      <a:camera prst="orthographicFront"/>
+      <a:lightRig rig="flat" dir="t"/>
+    </dgm:scene3d>
+    <dgm:sp3d prstMaterial="dkEdge">
+      <a:bevelT w="8200" h="38100"/>
+    </dgm:sp3d>
+    <dgm:txPr/>
+    <dgm:style>
+      <a:lnRef idx="0">
+        <a:scrgbClr r="0" g="0" b="0"/>
+      </a:lnRef>
+      <a:fillRef idx="2">
+        <a:scrgbClr r="0" g="0" b="0"/>
+      </a:fillRef>
+      <a:effectRef idx="1">
+        <a:scrgbClr r="0" g="0" b="0"/>
+      </a:effectRef>
+      <a:fontRef idx="minor">
+        <a:schemeClr val="dk1"/>
+      </a:fontRef>
+    </dgm:style>
+  </dgm:styleLbl>
+  <dgm:styleLbl name="fgImgPlace1">
+    <dgm:scene3d>
+      <a:camera prst="orthographicFront"/>
+      <a:lightRig rig="threePt" dir="t"/>
+    </dgm:scene3d>
+    <dgm:sp3d/>
+    <dgm:txPr/>
+    <dgm:style>
+      <a:lnRef idx="1">
+        <a:scrgbClr r="0" g="0" b="0"/>
+      </a:lnRef>
+      <a:fillRef idx="1">
+        <a:scrgbClr r="0" g="0" b="0"/>
+      </a:fillRef>
+      <a:effectRef idx="1">
+        <a:scrgbClr r="0" g="0" b="0"/>
+      </a:effectRef>
+      <a:fontRef idx="minor"/>
+    </dgm:style>
+  </dgm:styleLbl>
+  <dgm:styleLbl name="alignImgPlace1">
+    <dgm:scene3d>
+      <a:camera prst="orthographicFront"/>
+      <a:lightRig rig="threePt" dir="t"/>
+    </dgm:scene3d>
+    <dgm:sp3d/>
+    <dgm:txPr/>
+    <dgm:style>
+      <a:lnRef idx="1">
+        <a:scrgbClr r="0" g="0" b="0"/>
+      </a:lnRef>
+      <a:fillRef idx="1">
+        <a:scrgbClr r="0" g="0" b="0"/>
+      </a:fillRef>
+      <a:effectRef idx="1">
+        <a:scrgbClr r="0" g="0" b="0"/>
+      </a:effectRef>
+      <a:fontRef idx="minor"/>
+    </dgm:style>
+  </dgm:styleLbl>
+  <dgm:styleLbl name="bgImgPlace1">
+    <dgm:scene3d>
+      <a:camera prst="orthographicFront"/>
+      <a:lightRig rig="threePt" dir="t"/>
+    </dgm:scene3d>
+    <dgm:sp3d/>
+    <dgm:txPr/>
+    <dgm:style>
+      <a:lnRef idx="1">
+        <a:scrgbClr r="0" g="0" b="0"/>
+      </a:lnRef>
+      <a:fillRef idx="1">
+        <a:scrgbClr r="0" g="0" b="0"/>
+      </a:fillRef>
+      <a:effectRef idx="1">
+        <a:scrgbClr r="0" g="0" b="0"/>
+      </a:effectRef>
+      <a:fontRef idx="minor"/>
+    </dgm:style>
+  </dgm:styleLbl>
+  <dgm:styleLbl name="sibTrans2D1">
+    <dgm:scene3d>
+      <a:camera prst="orthographicFront"/>
+      <a:lightRig rig="threePt" dir="t"/>
+    </dgm:scene3d>
+    <dgm:sp3d/>
+    <dgm:txPr/>
+    <dgm:style>
+      <a:lnRef idx="0">
+        <a:scrgbClr r="0" g="0" b="0"/>
+      </a:lnRef>
+      <a:fillRef idx="2">
+        <a:scrgbClr r="0" g="0" b="0"/>
+      </a:fillRef>
+      <a:effectRef idx="1">
+        <a:scrgbClr r="0" g="0" b="0"/>
+      </a:effectRef>
+      <a:fontRef idx="minor">
+        <a:schemeClr val="dk1"/>
+      </a:fontRef>
+    </dgm:style>
+  </dgm:styleLbl>
+  <dgm:styleLbl name="fgSibTrans2D1">
+    <dgm:scene3d>
+      <a:camera prst="orthographicFront"/>
+      <a:lightRig rig="threePt" dir="t"/>
+    </dgm:scene3d>
+    <dgm:sp3d/>
+    <dgm:txPr/>
+    <dgm:style>
+      <a:lnRef idx="0">
+        <a:scrgbClr r="0" g="0" b="0"/>
+      </a:lnRef>
+      <a:fillRef idx="2">
+        <a:scrgbClr r="0" g="0" b="0"/>
+      </a:fillRef>
+      <a:effectRef idx="1">
+        <a:scrgbClr r="0" g="0" b="0"/>
+      </a:effectRef>
+      <a:fontRef idx="minor">
+        <a:schemeClr val="dk1"/>
+      </a:fontRef>
+    </dgm:style>
+  </dgm:styleLbl>
+  <dgm:styleLbl name="bgSibTrans2D1">
+    <dgm:scene3d>
+      <a:camera prst="orthographicFront"/>
+      <a:lightRig rig="threePt" dir="t"/>
+    </dgm:scene3d>
+    <dgm:sp3d/>
+    <dgm:txPr/>
+    <dgm:style>
+      <a:lnRef idx="0">
+        <a:scrgbClr r="0" g="0" b="0"/>
+      </a:lnRef>
+      <a:fillRef idx="2">
+        <a:scrgbClr r="0" g="0" b="0"/>
+      </a:fillRef>
+      <a:effectRef idx="1">
+        <a:scrgbClr r="0" g="0" b="0"/>
+      </a:effectRef>
+      <a:fontRef idx="minor">
+        <a:schemeClr val="dk1"/>
+      </a:fontRef>
+    </dgm:style>
+  </dgm:styleLbl>
+  <dgm:styleLbl name="sibTrans1D1">
+    <dgm:scene3d>
+      <a:camera prst="orthographicFront"/>
+      <a:lightRig rig="threePt" dir="t"/>
+    </dgm:scene3d>
+    <dgm:sp3d/>
+    <dgm:txPr/>
+    <dgm:style>
+      <a:lnRef idx="1">
+        <a:scrgbClr r="0" g="0" b="0"/>
+      </a:lnRef>
+      <a:fillRef idx="0">
+        <a:scrgbClr r="0" g="0" b="0"/>
+      </a:fillRef>
+      <a:effectRef idx="0">
+        <a:scrgbClr r="0" g="0" b="0"/>
+      </a:effectRef>
+      <a:fontRef idx="minor"/>
+    </dgm:style>
+  </dgm:styleLbl>
+  <dgm:styleLbl name="callout">
+    <dgm:scene3d>
+      <a:camera prst="orthographicFront"/>
+      <a:lightRig rig="threePt" dir="t"/>
+    </dgm:scene3d>
+    <dgm:sp3d/>
+    <dgm:txPr/>
+    <dgm:style>
+      <a:lnRef idx="1">
+        <a:scrgbClr r="0" g="0" b="0"/>
+      </a:lnRef>
+      <a:fillRef idx="2">
+        <a:scrgbClr r="0" g="0" b="0"/>
+      </a:fillRef>
+      <a:effectRef idx="1">
+        <a:scrgbClr r="0" g="0" b="0"/>
+      </a:effectRef>
+      <a:fontRef idx="minor"/>
+    </dgm:style>
+  </dgm:styleLbl>
+  <dgm:styleLbl name="asst0">
+    <dgm:scene3d>
+      <a:camera prst="orthographicFront"/>
+      <a:lightRig rig="flat" dir="t"/>
+    </dgm:scene3d>
+    <dgm:sp3d prstMaterial="dkEdge">
+      <a:bevelT w="8200" h="38100"/>
+    </dgm:sp3d>
+    <dgm:txPr/>
+    <dgm:style>
+      <a:lnRef idx="0">
+        <a:scrgbClr r="0" g="0" b="0"/>
+      </a:lnRef>
+      <a:fillRef idx="2">
+        <a:scrgbClr r="0" g="0" b="0"/>
+      </a:fillRef>
+      <a:effectRef idx="1">
+        <a:scrgbClr r="0" g="0" b="0"/>
+      </a:effectRef>
+      <a:fontRef idx="minor">
+        <a:schemeClr val="dk1"/>
+      </a:fontRef>
+    </dgm:style>
+  </dgm:styleLbl>
+  <dgm:styleLbl name="asst1">
+    <dgm:scene3d>
+      <a:camera prst="orthographicFront"/>
+      <a:lightRig rig="flat" dir="t"/>
+    </dgm:scene3d>
+    <dgm:sp3d prstMaterial="dkEdge">
+      <a:bevelT w="8200" h="38100"/>
+    </dgm:sp3d>
+    <dgm:txPr/>
+    <dgm:style>
+      <a:lnRef idx="0">
+        <a:scrgbClr r="0" g="0" b="0"/>
+      </a:lnRef>
+      <a:fillRef idx="2">
+        <a:scrgbClr r="0" g="0" b="0"/>
+      </a:fillRef>
+      <a:effectRef idx="1">
+        <a:scrgbClr r="0" g="0" b="0"/>
+      </a:effectRef>
+      <a:fontRef idx="minor">
+        <a:schemeClr val="dk1"/>
+      </a:fontRef>
+    </dgm:style>
+  </dgm:styleLbl>
+  <dgm:styleLbl name="asst2">
+    <dgm:scene3d>
+      <a:camera prst="orthographicFront"/>
+      <a:lightRig rig="flat" dir="t"/>
+    </dgm:scene3d>
+    <dgm:sp3d prstMaterial="dkEdge">
+      <a:bevelT w="8200" h="38100"/>
+    </dgm:sp3d>
+    <dgm:txPr/>
+    <dgm:style>
+      <a:lnRef idx="0">
+        <a:scrgbClr r="0" g="0" b="0"/>
+      </a:lnRef>
+      <a:fillRef idx="2">
+        <a:scrgbClr r="0" g="0" b="0"/>
+      </a:fillRef>
+      <a:effectRef idx="1">
+        <a:scrgbClr r="0" g="0" b="0"/>
+      </a:effectRef>
+      <a:fontRef idx="minor">
+        <a:schemeClr val="dk1"/>
+      </a:fontRef>
+    </dgm:style>
+  </dgm:styleLbl>
+  <dgm:styleLbl name="asst3">
+    <dgm:scene3d>
+      <a:camera prst="orthographicFront"/>
+      <a:lightRig rig="flat" dir="t"/>
+    </dgm:scene3d>
+    <dgm:sp3d prstMaterial="dkEdge">
+      <a:bevelT w="8200" h="38100"/>
+    </dgm:sp3d>
+    <dgm:txPr/>
+    <dgm:style>
+      <a:lnRef idx="0">
+        <a:scrgbClr r="0" g="0" b="0"/>
+      </a:lnRef>
+      <a:fillRef idx="2">
+        <a:scrgbClr r="0" g="0" b="0"/>
+      </a:fillRef>
+      <a:effectRef idx="1">
+        <a:scrgbClr r="0" g="0" b="0"/>
+      </a:effectRef>
+      <a:fontRef idx="minor">
+        <a:schemeClr val="dk1"/>
+      </a:fontRef>
+    </dgm:style>
+  </dgm:styleLbl>
+  <dgm:styleLbl name="asst4">
+    <dgm:scene3d>
+      <a:camera prst="orthographicFront"/>
+      <a:lightRig rig="flat" dir="t"/>
+    </dgm:scene3d>
+    <dgm:sp3d prstMaterial="dkEdge">
+      <a:bevelT w="8200" h="38100"/>
+    </dgm:sp3d>
+    <dgm:txPr/>
+    <dgm:style>
+      <a:lnRef idx="0">
+        <a:scrgbClr r="0" g="0" b="0"/>
+      </a:lnRef>
+      <a:fillRef idx="2">
+        <a:scrgbClr r="0" g="0" b="0"/>
+      </a:fillRef>
+      <a:effectRef idx="1">
+        <a:scrgbClr r="0" g="0" b="0"/>
+      </a:effectRef>
+      <a:fontRef idx="minor">
+        <a:schemeClr val="dk1"/>
+      </a:fontRef>
+    </dgm:style>
+  </dgm:styleLbl>
+  <dgm:styleLbl name="parChTrans2D1">
+    <dgm:scene3d>
+      <a:camera prst="orthographicFront"/>
+      <a:lightRig rig="threePt" dir="t"/>
+    </dgm:scene3d>
+    <dgm:sp3d/>
+    <dgm:txPr/>
+    <dgm:style>
+      <a:lnRef idx="1">
+        <a:scrgbClr r="0" g="0" b="0"/>
+      </a:lnRef>
+      <a:fillRef idx="2">
+        <a:scrgbClr r="0" g="0" b="0"/>
+      </a:fillRef>
+      <a:effectRef idx="1">
+        <a:scrgbClr r="0" g="0" b="0"/>
+      </a:effectRef>
+      <a:fontRef idx="minor">
+        <a:schemeClr val="dk1"/>
+      </a:fontRef>
+    </dgm:style>
+  </dgm:styleLbl>
+  <dgm:styleLbl name="parChTrans2D2">
+    <dgm:scene3d>
+      <a:camera prst="orthographicFront"/>
+      <a:lightRig rig="threePt" dir="t"/>
+    </dgm:scene3d>
+    <dgm:sp3d/>
+    <dgm:txPr/>
+    <dgm:style>
+      <a:lnRef idx="1">
+        <a:scrgbClr r="0" g="0" b="0"/>
+      </a:lnRef>
+      <a:fillRef idx="2">
+        <a:scrgbClr r="0" g="0" b="0"/>
+      </a:fillRef>
+      <a:effectRef idx="1">
+        <a:scrgbClr r="0" g="0" b="0"/>
+      </a:effectRef>
+      <a:fontRef idx="minor">
+        <a:schemeClr val="dk1"/>
+      </a:fontRef>
+    </dgm:style>
+  </dgm:styleLbl>
+  <dgm:styleLbl name="parChTrans2D3">
+    <dgm:scene3d>
+      <a:camera prst="orthographicFront"/>
+      <a:lightRig rig="threePt" dir="t"/>
+    </dgm:scene3d>
+    <dgm:sp3d/>
+    <dgm:txPr/>
+    <dgm:style>
+      <a:lnRef idx="1">
+        <a:scrgbClr r="0" g="0" b="0"/>
+      </a:lnRef>
+      <a:fillRef idx="2">
+        <a:scrgbClr r="0" g="0" b="0"/>
+      </a:fillRef>
+      <a:effectRef idx="1">
+        <a:scrgbClr r="0" g="0" b="0"/>
+      </a:effectRef>
+      <a:fontRef idx="minor">
+        <a:schemeClr val="dk1"/>
+      </a:fontRef>
+    </dgm:style>
+  </dgm:styleLbl>
+  <dgm:styleLbl name="parChTrans2D4">
+    <dgm:scene3d>
+      <a:camera prst="orthographicFront"/>
+      <a:lightRig rig="threePt" dir="t"/>
+    </dgm:scene3d>
+    <dgm:sp3d/>
+    <dgm:txPr/>
+    <dgm:style>
+      <a:lnRef idx="1">
+        <a:scrgbClr r="0" g="0" b="0"/>
+      </a:lnRef>
+      <a:fillRef idx="2">
+        <a:scrgbClr r="0" g="0" b="0"/>
+      </a:fillRef>
+      <a:effectRef idx="1">
+        <a:scrgbClr r="0" g="0" b="0"/>
+      </a:effectRef>
+      <a:fontRef idx="minor">
+        <a:schemeClr val="dk1"/>
+      </a:fontRef>
+    </dgm:style>
+  </dgm:styleLbl>
+  <dgm:styleLbl name="parChTrans1D1">
+    <dgm:scene3d>
+      <a:camera prst="orthographicFront"/>
+      <a:lightRig rig="threePt" dir="t"/>
+    </dgm:scene3d>
+    <dgm:sp3d/>
+    <dgm:txPr/>
+    <dgm:style>
+      <a:lnRef idx="2">
+        <a:scrgbClr r="0" g="0" b="0"/>
+      </a:lnRef>
+      <a:fillRef idx="0">
+        <a:scrgbClr r="0" g="0" b="0"/>
+      </a:fillRef>
+      <a:effectRef idx="0">
+        <a:scrgbClr r="0" g="0" b="0"/>
+      </a:effectRef>
+      <a:fontRef idx="minor"/>
+    </dgm:style>
+  </dgm:styleLbl>
+  <dgm:styleLbl name="parChTrans1D2">
+    <dgm:scene3d>
+      <a:camera prst="orthographicFront"/>
+      <a:lightRig rig="threePt" dir="t"/>
+    </dgm:scene3d>
+    <dgm:sp3d/>
+    <dgm:txPr/>
+    <dgm:style>
+      <a:lnRef idx="2">
+        <a:scrgbClr r="0" g="0" b="0"/>
+      </a:lnRef>
+      <a:fillRef idx="0">
+        <a:scrgbClr r="0" g="0" b="0"/>
+      </a:fillRef>
+      <a:effectRef idx="0">
+        <a:scrgbClr r="0" g="0" b="0"/>
+      </a:effectRef>
+      <a:fontRef idx="minor"/>
+    </dgm:style>
+  </dgm:styleLbl>
+  <dgm:styleLbl name="parChTrans1D3">
+    <dgm:scene3d>
+      <a:camera prst="orthographicFront"/>
+      <a:lightRig rig="threePt" dir="t"/>
+    </dgm:scene3d>
+    <dgm:sp3d/>
+    <dgm:txPr/>
+    <dgm:style>
+      <a:lnRef idx="2">
+        <a:scrgbClr r="0" g="0" b="0"/>
+      </a:lnRef>
+      <a:fillRef idx="0">
+        <a:scrgbClr r="0" g="0" b="0"/>
+      </a:fillRef>
+      <a:effectRef idx="0">
+        <a:scrgbClr r="0" g="0" b="0"/>
+      </a:effectRef>
+      <a:fontRef idx="minor"/>
+    </dgm:style>
+  </dgm:styleLbl>
+  <dgm:styleLbl name="parChTrans1D4">
+    <dgm:scene3d>
+      <a:camera prst="orthographicFront"/>
+      <a:lightRig rig="threePt" dir="t"/>
+    </dgm:scene3d>
+    <dgm:sp3d/>
+    <dgm:txPr/>
+    <dgm:style>
+      <a:lnRef idx="2">
+        <a:scrgbClr r="0" g="0" b="0"/>
+      </a:lnRef>
+      <a:fillRef idx="0">
+        <a:scrgbClr r="0" g="0" b="0"/>
+      </a:fillRef>
+      <a:effectRef idx="0">
+        <a:scrgbClr r="0" g="0" b="0"/>
+      </a:effectRef>
+      <a:fontRef idx="minor"/>
+    </dgm:style>
+  </dgm:styleLbl>
+  <dgm:styleLbl name="fgAcc1">
+    <dgm:scene3d>
+      <a:camera prst="orthographicFront"/>
+      <a:lightRig rig="threePt" dir="t"/>
+    </dgm:scene3d>
+    <dgm:sp3d/>
+    <dgm:txPr/>
+    <dgm:style>
+      <a:lnRef idx="1">
+        <a:scrgbClr r="0" g="0" b="0"/>
+      </a:lnRef>
+      <a:fillRef idx="1">
+        <a:scrgbClr r="0" g="0" b="0"/>
+      </a:fillRef>
+      <a:effectRef idx="0">
+        <a:scrgbClr r="0" g="0" b="0"/>
+      </a:effectRef>
+      <a:fontRef idx="minor"/>
+    </dgm:style>
+  </dgm:styleLbl>
+  <dgm:styleLbl name="conFgAcc1">
+    <dgm:scene3d>
+      <a:camera prst="orthographicFront"/>
+      <a:lightRig rig="threePt" dir="t"/>
+    </dgm:scene3d>
+    <dgm:sp3d/>
+    <dgm:txPr/>
+    <dgm:style>
+      <a:lnRef idx="1">
+        <a:scrgbClr r="0" g="0" b="0"/>
+      </a:lnRef>
+      <a:fillRef idx="1">
+        <a:scrgbClr r="0" g="0" b="0"/>
+      </a:fillRef>
+      <a:effectRef idx="0">
+        <a:scrgbClr r="0" g="0" b="0"/>
+      </a:effectRef>
+      <a:fontRef idx="minor"/>
+    </dgm:style>
+  </dgm:styleLbl>
+  <dgm:styleLbl name="alignAcc1">
+    <dgm:scene3d>
+      <a:camera prst="orthographicFront"/>
+      <a:lightRig rig="threePt" dir="t"/>
+    </dgm:scene3d>
+    <dgm:sp3d/>
+    <dgm:txPr/>
+    <dgm:style>
+      <a:lnRef idx="1">
+        <a:scrgbClr r="0" g="0" b="0"/>
+      </a:lnRef>
+      <a:fillRef idx="1">
+        <a:scrgbClr r="0" g="0" b="0"/>
+      </a:fillRef>
+      <a:effectRef idx="0">
+        <a:scrgbClr r="0" g="0" b="0"/>
+      </a:effectRef>
+      <a:fontRef idx="minor"/>
+    </dgm:style>
+  </dgm:styleLbl>
+  <dgm:styleLbl name="trAlignAcc1">
+    <dgm:scene3d>
+      <a:camera prst="orthographicFront"/>
+      <a:lightRig rig="threePt" dir="t"/>
+    </dgm:scene3d>
+    <dgm:sp3d/>
+    <dgm:txPr/>
+    <dgm:style>
+      <a:lnRef idx="1">
+        <a:scrgbClr r="0" g="0" b="0"/>
+      </a:lnRef>
+      <a:fillRef idx="1">
+        <a:scrgbClr r="0" g="0" b="0"/>
+      </a:fillRef>
+      <a:effectRef idx="0">
+        <a:scrgbClr r="0" g="0" b="0"/>
+      </a:effectRef>
+      <a:fontRef idx="minor"/>
+    </dgm:style>
+  </dgm:styleLbl>
+  <dgm:styleLbl name="bgAcc1">
+    <dgm:scene3d>
+      <a:camera prst="orthographicFront"/>
+      <a:lightRig rig="threePt" dir="t"/>
+    </dgm:scene3d>
+    <dgm:sp3d/>
+    <dgm:txPr/>
+    <dgm:style>
+      <a:lnRef idx="1">
+        <a:scrgbClr r="0" g="0" b="0"/>
+      </a:lnRef>
+      <a:fillRef idx="1">
+        <a:scrgbClr r="0" g="0" b="0"/>
+      </a:fillRef>
+      <a:effectRef idx="0">
+        <a:scrgbClr r="0" g="0" b="0"/>
+      </a:effectRef>
+      <a:fontRef idx="minor"/>
+    </dgm:style>
+  </dgm:styleLbl>
+  <dgm:styleLbl name="solidFgAcc1">
+    <dgm:scene3d>
+      <a:camera prst="orthographicFront"/>
+      <a:lightRig rig="threePt" dir="t"/>
+    </dgm:scene3d>
+    <dgm:sp3d/>
+    <dgm:txPr/>
+    <dgm:style>
+      <a:lnRef idx="1">
+        <a:scrgbClr r="0" g="0" b="0"/>
+      </a:lnRef>
+      <a:fillRef idx="2">
+        <a:scrgbClr r="0" g="0" b="0"/>
+      </a:fillRef>
+      <a:effectRef idx="0">
+        <a:scrgbClr r="0" g="0" b="0"/>
+      </a:effectRef>
+      <a:fontRef idx="minor"/>
+    </dgm:style>
+  </dgm:styleLbl>
+  <dgm:styleLbl name="solidAlignAcc1">
+    <dgm:scene3d>
+      <a:camera prst="orthographicFront"/>
+      <a:lightRig rig="threePt" dir="t"/>
+    </dgm:scene3d>
+    <dgm:sp3d/>
+    <dgm:txPr/>
+    <dgm:style>
+      <a:lnRef idx="1">
+        <a:scrgbClr r="0" g="0" b="0"/>
+      </a:lnRef>
+      <a:fillRef idx="1">
+        <a:scrgbClr r="0" g="0" b="0"/>
+      </a:fillRef>
+      <a:effectRef idx="0">
+        <a:scrgbClr r="0" g="0" b="0"/>
+      </a:effectRef>
+      <a:fontRef idx="minor"/>
+    </dgm:style>
+  </dgm:styleLbl>
+  <dgm:styleLbl name="solidBgAcc1">
+    <dgm:scene3d>
+      <a:camera prst="orthographicFront"/>
+      <a:lightRig rig="threePt" dir="t"/>
+    </dgm:scene3d>
+    <dgm:sp3d/>
+    <dgm:txPr/>
+    <dgm:style>
+      <a:lnRef idx="1">
+        <a:scrgbClr r="0" g="0" b="0"/>
+      </a:lnRef>
+      <a:fillRef idx="1">
+        <a:scrgbClr r="0" g="0" b="0"/>
+      </a:fillRef>
+      <a:effectRef idx="0">
+        <a:scrgbClr r="0" g="0" b="0"/>
+      </a:effectRef>
+      <a:fontRef idx="minor"/>
+    </dgm:style>
+  </dgm:styleLbl>
+  <dgm:styleLbl name="fgAccFollowNode1">
+    <dgm:scene3d>
+      <a:camera prst="orthographicFront"/>
+      <a:lightRig rig="threePt" dir="t"/>
+    </dgm:scene3d>
+    <dgm:sp3d/>
+    <dgm:txPr/>
+    <dgm:style>
+      <a:lnRef idx="1">
+        <a:scrgbClr r="0" g="0" b="0"/>
+      </a:lnRef>
+      <a:fillRef idx="1">
+        <a:scrgbClr r="0" g="0" b="0"/>
+      </a:fillRef>
+      <a:effectRef idx="0">
+        <a:scrgbClr r="0" g="0" b="0"/>
+      </a:effectRef>
+      <a:fontRef idx="minor"/>
+    </dgm:style>
+  </dgm:styleLbl>
+  <dgm:styleLbl name="alignAccFollowNode1">
+    <dgm:scene3d>
+      <a:camera prst="orthographicFront"/>
+      <a:lightRig rig="threePt" dir="t"/>
+    </dgm:scene3d>
+    <dgm:sp3d/>
+    <dgm:txPr/>
+    <dgm:style>
+      <a:lnRef idx="1">
+        <a:scrgbClr r="0" g="0" b="0"/>
+      </a:lnRef>
+      <a:fillRef idx="1">
+        <a:scrgbClr r="0" g="0" b="0"/>
+      </a:fillRef>
+      <a:effectRef idx="0">
+        <a:scrgbClr r="0" g="0" b="0"/>
+      </a:effectRef>
+      <a:fontRef idx="minor"/>
+    </dgm:style>
+  </dgm:styleLbl>
+  <dgm:styleLbl name="bgAccFollowNode1">
+    <dgm:scene3d>
+      <a:camera prst="orthographicFront"/>
+      <a:lightRig rig="threePt" dir="t"/>
+    </dgm:scene3d>
+    <dgm:sp3d/>
+    <dgm:txPr/>
+    <dgm:style>
+      <a:lnRef idx="1">
+        <a:scrgbClr r="0" g="0" b="0"/>
+      </a:lnRef>
+      <a:fillRef idx="1">
+        <a:scrgbClr r="0" g="0" b="0"/>
+      </a:fillRef>
+      <a:effectRef idx="0">
+        <a:scrgbClr r="0" g="0" b="0"/>
+      </a:effectRef>
+      <a:fontRef idx="minor"/>
+    </dgm:style>
+  </dgm:styleLbl>
+  <dgm:styleLbl name="fgAcc0">
+    <dgm:scene3d>
+      <a:camera prst="orthographicFront"/>
+      <a:lightRig rig="threePt" dir="t"/>
+    </dgm:scene3d>
+    <dgm:sp3d/>
+    <dgm:txPr/>
+    <dgm:style>
+      <a:lnRef idx="1">
+        <a:scrgbClr r="0" g="0" b="0"/>
+      </a:lnRef>
+      <a:fillRef idx="1">
+        <a:scrgbClr r="0" g="0" b="0"/>
+      </a:fillRef>
+      <a:effectRef idx="0">
+        <a:scrgbClr r="0" g="0" b="0"/>
+      </a:effectRef>
+      <a:fontRef idx="minor"/>
+    </dgm:style>
+  </dgm:styleLbl>
+  <dgm:styleLbl name="fgAcc2">
+    <dgm:scene3d>
+      <a:camera prst="orthographicFront"/>
+      <a:lightRig rig="threePt" dir="t"/>
+    </dgm:scene3d>
+    <dgm:sp3d/>
+    <dgm:txPr/>
+    <dgm:style>
+      <a:lnRef idx="1">
+        <a:scrgbClr r="0" g="0" b="0"/>
+      </a:lnRef>
+      <a:fillRef idx="1">
+        <a:scrgbClr r="0" g="0" b="0"/>
+      </a:fillRef>
+      <a:effectRef idx="0">
+        <a:scrgbClr r="0" g="0" b="0"/>
+      </a:effectRef>
+      <a:fontRef idx="minor"/>
+    </dgm:style>
+  </dgm:styleLbl>
+  <dgm:styleLbl name="fgAcc3">
+    <dgm:scene3d>
+      <a:camera prst="orthographicFront"/>
+      <a:lightRig rig="threePt" dir="t"/>
+    </dgm:scene3d>
+    <dgm:sp3d/>
+    <dgm:txPr/>
+    <dgm:style>
+      <a:lnRef idx="1">
+        <a:scrgbClr r="0" g="0" b="0"/>
+      </a:lnRef>
+      <a:fillRef idx="1">
+        <a:scrgbClr r="0" g="0" b="0"/>
+      </a:fillRef>
+      <a:effectRef idx="0">
+        <a:scrgbClr r="0" g="0" b="0"/>
+      </a:effectRef>
+      <a:fontRef idx="minor"/>
+    </dgm:style>
+  </dgm:styleLbl>
+  <dgm:styleLbl name="fgAcc4">
+    <dgm:scene3d>
+      <a:camera prst="orthographicFront"/>
+      <a:lightRig rig="threePt" dir="t"/>
+    </dgm:scene3d>
+    <dgm:sp3d/>
+    <dgm:txPr/>
+    <dgm:style>
+      <a:lnRef idx="1">
+        <a:scrgbClr r="0" g="0" b="0"/>
+      </a:lnRef>
+      <a:fillRef idx="1">
+        <a:scrgbClr r="0" g="0" b="0"/>
+      </a:fillRef>
+      <a:effectRef idx="0">
+        <a:scrgbClr r="0" g="0" b="0"/>
+      </a:effectRef>
+      <a:fontRef idx="minor"/>
+    </dgm:style>
+  </dgm:styleLbl>
+  <dgm:styleLbl name="bgShp">
+    <dgm:scene3d>
+      <a:camera prst="orthographicFront"/>
+      <a:lightRig rig="threePt" dir="t"/>
+    </dgm:scene3d>
+    <dgm:sp3d/>
+    <dgm:txPr/>
+    <dgm:style>
+      <a:lnRef idx="0">
+        <a:scrgbClr r="0" g="0" b="0"/>
+      </a:lnRef>
+      <a:fillRef idx="1">
+        <a:scrgbClr r="0" g="0" b="0"/>
+      </a:fillRef>
+      <a:effectRef idx="1">
+        <a:scrgbClr r="0" g="0" b="0"/>
+      </a:effectRef>
+      <a:fontRef idx="minor"/>
+    </dgm:style>
+  </dgm:styleLbl>
+  <dgm:styleLbl name="dkBgShp">
+    <dgm:scene3d>
+      <a:camera prst="orthographicFront"/>
+      <a:lightRig rig="threePt" dir="t"/>
+    </dgm:scene3d>
+    <dgm:sp3d/>
+    <dgm:txPr/>
+    <dgm:style>
+      <a:lnRef idx="0">
+        <a:scrgbClr r="0" g="0" b="0"/>
+      </a:lnRef>
+      <a:fillRef idx="1">
+        <a:scrgbClr r="0" g="0" b="0"/>
+      </a:fillRef>
+      <a:effectRef idx="1">
+        <a:scrgbClr r="0" g="0" b="0"/>
+      </a:effectRef>
+      <a:fontRef idx="minor"/>
+    </dgm:style>
+  </dgm:styleLbl>
+  <dgm:styleLbl name="trBgShp">
+    <dgm:scene3d>
+      <a:camera prst="orthographicFront"/>
+      <a:lightRig rig="threePt" dir="t"/>
+    </dgm:scene3d>
+    <dgm:sp3d/>
+    <dgm:txPr/>
+    <dgm:style>
+      <a:lnRef idx="0">
+        <a:scrgbClr r="0" g="0" b="0"/>
+      </a:lnRef>
+      <a:fillRef idx="1">
+        <a:scrgbClr r="0" g="0" b="0"/>
+      </a:fillRef>
+      <a:effectRef idx="0">
+        <a:scrgbClr r="0" g="0" b="0"/>
+      </a:effectRef>
+      <a:fontRef idx="minor"/>
+    </dgm:style>
+  </dgm:styleLbl>
+  <dgm:styleLbl name="fgShp">
+    <dgm:scene3d>
+      <a:camera prst="orthographicFront"/>
+      <a:lightRig rig="flat" dir="t"/>
+    </dgm:scene3d>
+    <dgm:sp3d prstMaterial="dkEdge">
+      <a:bevelT w="8200" h="38100"/>
+    </dgm:sp3d>
+    <dgm:txPr/>
+    <dgm:style>
+      <a:lnRef idx="1">
+        <a:scrgbClr r="0" g="0" b="0"/>
+      </a:lnRef>
+      <a:fillRef idx="2">
+        <a:scrgbClr r="0" g="0" b="0"/>
+      </a:fillRef>
+      <a:effectRef idx="1">
+        <a:scrgbClr r="0" g="0" b="0"/>
+      </a:effectRef>
+      <a:fontRef idx="minor"/>
+    </dgm:style>
+  </dgm:styleLbl>
+  <dgm:styleLbl name="revTx">
+    <dgm:scene3d>
+      <a:camera prst="orthographicFront"/>
+      <a:lightRig rig="threePt" dir="t"/>
+    </dgm:scene3d>
+    <dgm:sp3d/>
+    <dgm:txPr/>
+    <dgm:style>
+      <a:lnRef idx="0">
+        <a:scrgbClr r="0" g="0" b="0"/>
+      </a:lnRef>
+      <a:fillRef idx="0">
+        <a:scrgbClr r="0" g="0" b="0"/>
+      </a:fillRef>
+      <a:effectRef idx="0">
+        <a:scrgbClr r="0" g="0" b="0"/>
+      </a:effectRef>
+      <a:fontRef idx="minor"/>
+    </dgm:style>
+  </dgm:styleLbl>
+</dgm:styleDef>
+</file>
+
+<file path=ppt/diagrams/quickStyle4.xml><?xml version="1.0" encoding="utf-8"?>
 <dgm:styleDef xmlns:dgm="http://schemas.openxmlformats.org/drawingml/2006/diagram" xmlns:a="http://schemas.openxmlformats.org/drawingml/2006/main" uniqueId="urn:microsoft.com/office/officeart/2005/8/quickstyle/simple1">
   <dgm:title val=""/>
   <dgm:desc val=""/>
@@ -11335,7 +14079,7 @@
             <a:fld id="{B8CA31A6-F572-45ED-9451-65C66EB066D0}" type="datetimeFigureOut">
               <a:rPr lang="en-US" smtClean="0"/>
               <a:pPr/>
-              <a:t>4/29/2010</a:t>
+              <a:t>4/30/2010</a:t>
             </a:fld>
             <a:endParaRPr lang="en-US"/>
           </a:p>
@@ -11502,7 +14246,7 @@
             <a:fld id="{B8CA31A6-F572-45ED-9451-65C66EB066D0}" type="datetimeFigureOut">
               <a:rPr lang="en-US" smtClean="0"/>
               <a:pPr/>
-              <a:t>4/29/2010</a:t>
+              <a:t>4/30/2010</a:t>
             </a:fld>
             <a:endParaRPr lang="en-US"/>
           </a:p>
@@ -11679,7 +14423,7 @@
             <a:fld id="{B8CA31A6-F572-45ED-9451-65C66EB066D0}" type="datetimeFigureOut">
               <a:rPr lang="en-US" smtClean="0"/>
               <a:pPr/>
-              <a:t>4/29/2010</a:t>
+              <a:t>4/30/2010</a:t>
             </a:fld>
             <a:endParaRPr lang="en-US"/>
           </a:p>
@@ -11846,7 +14590,7 @@
             <a:fld id="{B8CA31A6-F572-45ED-9451-65C66EB066D0}" type="datetimeFigureOut">
               <a:rPr lang="en-US" smtClean="0"/>
               <a:pPr/>
-              <a:t>4/29/2010</a:t>
+              <a:t>4/30/2010</a:t>
             </a:fld>
             <a:endParaRPr lang="en-US"/>
           </a:p>
@@ -12089,7 +14833,7 @@
             <a:fld id="{B8CA31A6-F572-45ED-9451-65C66EB066D0}" type="datetimeFigureOut">
               <a:rPr lang="en-US" smtClean="0"/>
               <a:pPr/>
-              <a:t>4/29/2010</a:t>
+              <a:t>4/30/2010</a:t>
             </a:fld>
             <a:endParaRPr lang="en-US"/>
           </a:p>
@@ -12374,7 +15118,7 @@
             <a:fld id="{B8CA31A6-F572-45ED-9451-65C66EB066D0}" type="datetimeFigureOut">
               <a:rPr lang="en-US" smtClean="0"/>
               <a:pPr/>
-              <a:t>4/29/2010</a:t>
+              <a:t>4/30/2010</a:t>
             </a:fld>
             <a:endParaRPr lang="en-US"/>
           </a:p>
@@ -12793,7 +15537,7 @@
             <a:fld id="{B8CA31A6-F572-45ED-9451-65C66EB066D0}" type="datetimeFigureOut">
               <a:rPr lang="en-US" smtClean="0"/>
               <a:pPr/>
-              <a:t>4/29/2010</a:t>
+              <a:t>4/30/2010</a:t>
             </a:fld>
             <a:endParaRPr lang="en-US"/>
           </a:p>
@@ -12908,7 +15652,7 @@
             <a:fld id="{B8CA31A6-F572-45ED-9451-65C66EB066D0}" type="datetimeFigureOut">
               <a:rPr lang="en-US" smtClean="0"/>
               <a:pPr/>
-              <a:t>4/29/2010</a:t>
+              <a:t>4/30/2010</a:t>
             </a:fld>
             <a:endParaRPr lang="en-US"/>
           </a:p>
@@ -13000,7 +15744,7 @@
             <a:fld id="{B8CA31A6-F572-45ED-9451-65C66EB066D0}" type="datetimeFigureOut">
               <a:rPr lang="en-US" smtClean="0"/>
               <a:pPr/>
-              <a:t>4/29/2010</a:t>
+              <a:t>4/30/2010</a:t>
             </a:fld>
             <a:endParaRPr lang="en-US"/>
           </a:p>
@@ -13274,7 +16018,7 @@
             <a:fld id="{B8CA31A6-F572-45ED-9451-65C66EB066D0}" type="datetimeFigureOut">
               <a:rPr lang="en-US" smtClean="0"/>
               <a:pPr/>
-              <a:t>4/29/2010</a:t>
+              <a:t>4/30/2010</a:t>
             </a:fld>
             <a:endParaRPr lang="en-US"/>
           </a:p>
@@ -13524,7 +16268,7 @@
             <a:fld id="{B8CA31A6-F572-45ED-9451-65C66EB066D0}" type="datetimeFigureOut">
               <a:rPr lang="en-US" smtClean="0"/>
               <a:pPr/>
-              <a:t>4/29/2010</a:t>
+              <a:t>4/30/2010</a:t>
             </a:fld>
             <a:endParaRPr lang="en-US"/>
           </a:p>
@@ -13734,7 +16478,7 @@
             <a:fld id="{B8CA31A6-F572-45ED-9451-65C66EB066D0}" type="datetimeFigureOut">
               <a:rPr lang="en-US" smtClean="0"/>
               <a:pPr/>
-              <a:t>4/29/2010</a:t>
+              <a:t>4/30/2010</a:t>
             </a:fld>
             <a:endParaRPr lang="en-US"/>
           </a:p>
@@ -14518,19 +17262,19 @@
             <a:avLst/>
           </a:prstGeom>
           <a:solidFill>
-            <a:srgbClr val="FFFFFF">
+            <a:srgbClr xmlns:mc="http://schemas.openxmlformats.org/markup-compatibility/2006" xmlns:a14="http://schemas.microsoft.com/office/drawing/2010/main" val="FFFFFF" mc:Ignorable="">
               <a:shade val="85000"/>
             </a:srgbClr>
           </a:solidFill>
           <a:ln w="190500" cap="sq">
             <a:solidFill>
-              <a:srgbClr val="FFFFFF"/>
+              <a:srgbClr xmlns:mc="http://schemas.openxmlformats.org/markup-compatibility/2006" xmlns:a14="http://schemas.microsoft.com/office/drawing/2010/main" val="FFFFFF" mc:Ignorable=""/>
             </a:solidFill>
             <a:miter lim="800000"/>
           </a:ln>
           <a:effectLst>
             <a:outerShdw blurRad="65000" dist="50800" dir="12900000" kx="195000" ky="145000" algn="tl" rotWithShape="0">
-              <a:srgbClr val="000000">
+              <a:srgbClr xmlns:mc="http://schemas.openxmlformats.org/markup-compatibility/2006" xmlns:a14="http://schemas.microsoft.com/office/drawing/2010/main" val="000000" mc:Ignorable="">
                 <a:alpha val="30000"/>
               </a:srgbClr>
             </a:outerShdw>
@@ -14546,7 +17290,7 @@
           <a:sp3d contourW="12700">
             <a:bevelT w="25400" h="19050"/>
             <a:contourClr>
-              <a:srgbClr val="969696"/>
+              <a:srgbClr xmlns:mc="http://schemas.openxmlformats.org/markup-compatibility/2006" xmlns:a14="http://schemas.microsoft.com/office/drawing/2010/main" val="969696" mc:Ignorable=""/>
             </a:contourClr>
           </a:sp3d>
         </p:spPr>
@@ -15428,11 +18172,7 @@
             <a:pPr algn="l"/>
             <a:r>
               <a:rPr lang="en-US" dirty="0" smtClean="0"/>
-              <a:t>Remember this step</a:t>
-            </a:r>
-            <a:r>
-              <a:rPr lang="en-US" dirty="0" smtClean="0"/>
-              <a:t>?</a:t>
+              <a:t>Remember this step?</a:t>
             </a:r>
             <a:endParaRPr lang="en-US" dirty="0"/>
           </a:p>
@@ -16443,7 +19183,7 @@
         </p:blipFill>
         <p:spPr>
           <a:xfrm>
-            <a:off x="1219200" y="304800"/>
+            <a:off x="762000" y="304800"/>
             <a:ext cx="1219200" cy="1219200"/>
           </a:xfrm>
           <a:prstGeom prst="rect">
@@ -16517,7 +19257,7 @@
           <a:p>
             <a:r>
               <a:rPr lang="en-US" dirty="0" smtClean="0"/>
-              <a:t>Help! I’m not a designer!</a:t>
+              <a:t>Styles, templates, and skins oh my</a:t>
             </a:r>
             <a:endParaRPr lang="en-US" dirty="0"/>
           </a:p>
@@ -16542,7 +19282,55 @@
           </a:p>
         </p:txBody>
       </p:sp>
+      <p:pic>
+        <p:nvPicPr>
+          <p:cNvPr id="4" name="Picture 3"/>
+          <p:cNvPicPr>
+            <a:picLocks noChangeAspect="1"/>
+          </p:cNvPicPr>
+          <p:nvPr/>
+        </p:nvPicPr>
+        <p:blipFill>
+          <a:blip r:embed="rId2">
+            <a:extLst>
+              <a:ext uri="{28A0092B-C50C-407E-A947-70E740481C1C}">
+                <a14:useLocalDpi xmlns:a14="http://schemas.microsoft.com/office/drawing/2010/main" val="0"/>
+              </a:ext>
+            </a:extLst>
+          </a:blip>
+          <a:stretch>
+            <a:fillRect/>
+          </a:stretch>
+        </p:blipFill>
+        <p:spPr>
+          <a:xfrm>
+            <a:off x="1905000" y="457200"/>
+            <a:ext cx="5005388" cy="3639312"/>
+          </a:xfrm>
+          <a:prstGeom prst="roundRect">
+            <a:avLst>
+              <a:gd name="adj" fmla="val 8594"/>
+            </a:avLst>
+          </a:prstGeom>
+          <a:solidFill>
+            <a:srgbClr xmlns:mc="http://schemas.openxmlformats.org/markup-compatibility/2006" xmlns:a14="http://schemas.microsoft.com/office/drawing/2010/main" val="FFFFFF" mc:Ignorable="">
+              <a:shade val="85000"/>
+            </a:srgbClr>
+          </a:solidFill>
+          <a:ln>
+            <a:noFill/>
+          </a:ln>
+          <a:effectLst>
+            <a:reflection blurRad="12700" stA="38000" endPos="28000" dist="5000" dir="5400000" sy="-100000" algn="bl" rotWithShape="0"/>
+          </a:effectLst>
+        </p:spPr>
+      </p:pic>
     </p:spTree>
+    <p:extLst>
+      <p:ext uri="{BB962C8B-B14F-4D97-AF65-F5344CB8AC3E}">
+        <p14:creationId xmlns:p14="http://schemas.microsoft.com/office/powerpoint/2010/main" val="2038038171"/>
+      </p:ext>
+    </p:extLst>
   </p:cSld>
   <p:clrMapOvr>
     <a:masterClrMapping/>
@@ -16609,20 +19397,12 @@
           <a:p>
             <a:r>
               <a:rPr lang="en-US" dirty="0" smtClean="0"/>
-              <a:t>Sets Dependency </a:t>
-            </a:r>
-            <a:r>
-              <a:rPr lang="en-US" dirty="0" smtClean="0"/>
-              <a:t>Property </a:t>
-            </a:r>
-            <a:r>
-              <a:rPr lang="en-US" dirty="0" smtClean="0"/>
-              <a:t>Values</a:t>
-            </a:r>
-          </a:p>
-          <a:p>
-            <a:r>
-              <a:rPr lang="en-US" dirty="0" smtClean="0"/>
+              <a:t>Sets Dependency Property Values</a:t>
+            </a:r>
+          </a:p>
+          <a:p>
+            <a:r>
+              <a:rPr lang="en-US" b="1" u="sng" dirty="0" smtClean="0"/>
               <a:t>Reread that first line</a:t>
             </a:r>
           </a:p>
@@ -16654,6 +19434,13 @@
   <p:clrMapOvr>
     <a:masterClrMapping/>
   </p:clrMapOvr>
+  <p:timing>
+    <p:tnLst>
+      <p:par>
+        <p:cTn xmlns:p14="http://schemas.microsoft.com/office/powerpoint/2010/main" id="1" dur="indefinite" restart="never" nodeType="tmRoot"/>
+      </p:par>
+    </p:tnLst>
+  </p:timing>
 </p:sld>
 </file>
 
@@ -16716,16 +19503,11 @@
               <a:rPr lang="en-US" dirty="0" smtClean="0"/>
               <a:t>Don’t Repeat Yourself </a:t>
             </a:r>
-            <a:endParaRPr lang="en-US" dirty="0" smtClean="0"/>
-          </a:p>
-          <a:p>
-            <a:r>
-              <a:rPr lang="en-US" dirty="0" smtClean="0"/>
-              <a:t>Styles allow </a:t>
-            </a:r>
-            <a:r>
-              <a:rPr lang="en-US" dirty="0" smtClean="0"/>
-              <a:t>sharing the setting of values with multiple entities</a:t>
+          </a:p>
+          <a:p>
+            <a:r>
+              <a:rPr lang="en-US" dirty="0" smtClean="0"/>
+              <a:t>Styles allow sharing the setting of values with multiple entities</a:t>
             </a:r>
           </a:p>
           <a:p>
@@ -16783,6 +19565,13 @@
   <p:clrMapOvr>
     <a:masterClrMapping/>
   </p:clrMapOvr>
+  <p:timing>
+    <p:tnLst>
+      <p:par>
+        <p:cTn xmlns:p14="http://schemas.microsoft.com/office/powerpoint/2010/main" id="1" dur="indefinite" restart="never" nodeType="tmRoot"/>
+      </p:par>
+    </p:tnLst>
+  </p:timing>
 </p:sld>
 </file>
 
@@ -16820,7 +19609,7 @@
           <a:p>
             <a:r>
               <a:rPr lang="en-US" dirty="0" smtClean="0"/>
-              <a:t>Triggers</a:t>
+              <a:t>Style Gotchas</a:t>
             </a:r>
             <a:endParaRPr lang="en-US" dirty="0"/>
           </a:p>
@@ -16836,27 +19625,102 @@
             <p:ph idx="1"/>
           </p:nvPr>
         </p:nvSpPr>
-        <p:spPr/>
+        <p:spPr>
+          <a:xfrm>
+            <a:off x="457200" y="1600201"/>
+            <a:ext cx="4724400" cy="4495799"/>
+          </a:xfrm>
+        </p:spPr>
         <p:txBody>
           <a:bodyPr/>
           <a:lstStyle/>
           <a:p>
             <a:r>
               <a:rPr lang="en-US" dirty="0" smtClean="0"/>
-              <a:t>Common mistake</a:t>
-            </a:r>
-          </a:p>
-          <a:p>
-            <a:pPr lvl="1"/>
-            <a:r>
-              <a:rPr lang="en-US" dirty="0" smtClean="0"/>
-              <a:t>Don’t need to set Case A and Case B</a:t>
+              <a:t>Last setter wins!</a:t>
+            </a:r>
+          </a:p>
+          <a:p>
+            <a:r>
+              <a:rPr lang="en-US" dirty="0" smtClean="0"/>
+              <a:t>Don’t need case A and case B triggers</a:t>
+            </a:r>
+          </a:p>
+          <a:p>
+            <a:r>
+              <a:rPr lang="en-US" dirty="0" smtClean="0"/>
+              <a:t>Implicit Styles actually have keys</a:t>
             </a:r>
             <a:endParaRPr lang="en-US" dirty="0"/>
           </a:p>
         </p:txBody>
       </p:sp>
+      <p:pic>
+        <p:nvPicPr>
+          <p:cNvPr id="4" name="Picture 3"/>
+          <p:cNvPicPr>
+            <a:picLocks noChangeAspect="1"/>
+          </p:cNvPicPr>
+          <p:nvPr/>
+        </p:nvPicPr>
+        <p:blipFill>
+          <a:blip r:embed="rId2">
+            <a:extLst>
+              <a:ext uri="{28A0092B-C50C-407E-A947-70E740481C1C}">
+                <a14:useLocalDpi xmlns:a14="http://schemas.microsoft.com/office/drawing/2010/main" val="0"/>
+              </a:ext>
+            </a:extLst>
+          </a:blip>
+          <a:stretch>
+            <a:fillRect/>
+          </a:stretch>
+        </p:blipFill>
+        <p:spPr>
+          <a:xfrm>
+            <a:off x="5105400" y="1600200"/>
+            <a:ext cx="3810000" cy="3057525"/>
+          </a:xfrm>
+          <a:prstGeom prst="rect">
+            <a:avLst/>
+          </a:prstGeom>
+          <a:solidFill>
+            <a:srgbClr xmlns:mc="http://schemas.openxmlformats.org/markup-compatibility/2006" xmlns:a14="http://schemas.microsoft.com/office/drawing/2010/main" val="FFFFFF" mc:Ignorable="">
+              <a:shade val="85000"/>
+            </a:srgbClr>
+          </a:solidFill>
+          <a:ln w="88900" cap="sq">
+            <a:solidFill>
+              <a:srgbClr xmlns:mc="http://schemas.openxmlformats.org/markup-compatibility/2006" xmlns:a14="http://schemas.microsoft.com/office/drawing/2010/main" val="FFFFFF" mc:Ignorable=""/>
+            </a:solidFill>
+            <a:miter lim="800000"/>
+          </a:ln>
+          <a:effectLst>
+            <a:outerShdw blurRad="55000" dist="18000" dir="5400000" algn="tl" rotWithShape="0">
+              <a:srgbClr xmlns:mc="http://schemas.openxmlformats.org/markup-compatibility/2006" xmlns:a14="http://schemas.microsoft.com/office/drawing/2010/main" val="000000" mc:Ignorable="">
+                <a:alpha val="40000"/>
+              </a:srgbClr>
+            </a:outerShdw>
+          </a:effectLst>
+          <a:scene3d>
+            <a:camera prst="orthographicFront"/>
+            <a:lightRig rig="twoPt" dir="t">
+              <a:rot lat="0" lon="0" rev="7200000"/>
+            </a:lightRig>
+          </a:scene3d>
+          <a:sp3d>
+            <a:bevelT w="25400" h="19050"/>
+            <a:contourClr>
+              <a:srgbClr xmlns:mc="http://schemas.openxmlformats.org/markup-compatibility/2006" xmlns:a14="http://schemas.microsoft.com/office/drawing/2010/main" val="FFFFFF" mc:Ignorable=""/>
+            </a:contourClr>
+          </a:sp3d>
+        </p:spPr>
+      </p:pic>
     </p:spTree>
+    <p:extLst>
+      <p:ext uri="{BB962C8B-B14F-4D97-AF65-F5344CB8AC3E}">
+        <p14:creationId xmlns:p14="http://schemas.microsoft.com/office/powerpoint/2010/main" val="1701669878"/>
+      </p:ext>
+    </p:extLst>
   </p:cSld>
   <p:clrMapOvr>
     <a:masterClrMapping/>
@@ -16919,20 +19783,58 @@
           <a:bodyPr/>
           <a:lstStyle/>
           <a:p>
+            <a:pPr marL="0" indent="0">
+              <a:buNone/>
+            </a:pPr>
+            <a:r>
+              <a:rPr lang="en-US" sz="2400" dirty="0" smtClean="0"/>
+              <a:t>Allows you to </a:t>
+            </a:r>
+            <a:r>
+              <a:rPr lang="en-US" sz="2400" dirty="0" err="1" smtClean="0"/>
+              <a:t>completey</a:t>
+            </a:r>
+            <a:r>
+              <a:rPr lang="en-US" sz="2400" dirty="0" smtClean="0"/>
+              <a:t> replace an element’s visual tree with anything you can dream up, while keeping all its functionality intact – WPF Unleashed</a:t>
+            </a:r>
+          </a:p>
+          <a:p>
+            <a:pPr marL="0" indent="0">
+              <a:buNone/>
+            </a:pPr>
+            <a:endParaRPr lang="en-US" dirty="0" smtClean="0"/>
+          </a:p>
+          <a:p>
             <a:r>
               <a:rPr lang="en-US" dirty="0" smtClean="0"/>
               <a:t>Provides the “Look” to “Look-less” controls</a:t>
             </a:r>
-          </a:p>
-          <a:p>
-            <a:r>
-              <a:rPr lang="en-US" dirty="0" smtClean="0"/>
-              <a:t>Property on Control</a:t>
-            </a:r>
-            <a:endParaRPr lang="en-US" dirty="0"/>
           </a:p>
         </p:txBody>
       </p:sp>
+      <p:graphicFrame>
+        <p:nvGraphicFramePr>
+          <p:cNvPr id="4" name="Diagram 3"/>
+          <p:cNvGraphicFramePr/>
+          <p:nvPr>
+            <p:extLst>
+              <p:ext uri="{D42A27DB-BD31-4B8C-83A1-F6EECF244321}">
+                <p14:modId xmlns:p14="http://schemas.microsoft.com/office/powerpoint/2010/main" val="1810993203"/>
+              </p:ext>
+            </p:extLst>
+          </p:nvPr>
+        </p:nvGraphicFramePr>
+        <p:xfrm>
+          <a:off x="1025013" y="3175000"/>
+          <a:ext cx="7128387" cy="3683000"/>
+        </p:xfrm>
+        <a:graphic>
+          <a:graphicData uri="http://schemas.openxmlformats.org/drawingml/2006/diagram">
+            <dgm:relIds xmlns:dgm="http://schemas.openxmlformats.org/drawingml/2006/diagram" xmlns:r="http://schemas.openxmlformats.org/officeDocument/2006/relationships" r:dm="rId2" r:lo="rId3" r:qs="rId4" r:cs="rId5"/>
+          </a:graphicData>
+        </a:graphic>
+      </p:graphicFrame>
     </p:spTree>
   </p:cSld>
   <p:clrMapOvr>
@@ -17124,36 +20026,243 @@
           <a:p>
             <a:r>
               <a:rPr lang="en-US" dirty="0" smtClean="0"/>
-              <a:t>Hierarchy Revisited</a:t>
+              <a:t>Templates in Action</a:t>
             </a:r>
             <a:endParaRPr lang="en-US" dirty="0"/>
+          </a:p>
+        </p:txBody>
+      </p:sp>
+      <p:pic>
+        <p:nvPicPr>
+          <p:cNvPr id="4" name="Picture 2"/>
+          <p:cNvPicPr>
+            <a:picLocks noChangeAspect="1" noChangeArrowheads="1"/>
+          </p:cNvPicPr>
+          <p:nvPr/>
+        </p:nvPicPr>
+        <p:blipFill>
+          <a:blip r:embed="rId2" cstate="print"/>
+          <a:srcRect/>
+          <a:stretch>
+            <a:fillRect/>
+          </a:stretch>
+        </p:blipFill>
+        <p:spPr bwMode="auto">
+          <a:xfrm>
+            <a:off x="5410200" y="1749331"/>
+            <a:ext cx="3210518" cy="4286250"/>
+          </a:xfrm>
+          <a:prstGeom prst="rect">
+            <a:avLst/>
+          </a:prstGeom>
+          <a:noFill/>
+          <a:ln w="9525">
+            <a:noFill/>
+            <a:miter lim="800000"/>
+            <a:headEnd/>
+            <a:tailEnd/>
+          </a:ln>
+        </p:spPr>
+      </p:pic>
+      <p:pic>
+        <p:nvPicPr>
+          <p:cNvPr id="5" name="Picture 3"/>
+          <p:cNvPicPr>
+            <a:picLocks noChangeAspect="1" noChangeArrowheads="1"/>
+          </p:cNvPicPr>
+          <p:nvPr/>
+        </p:nvPicPr>
+        <p:blipFill>
+          <a:blip r:embed="rId3" cstate="print"/>
+          <a:srcRect/>
+          <a:stretch>
+            <a:fillRect/>
+          </a:stretch>
+        </p:blipFill>
+        <p:spPr bwMode="auto">
+          <a:xfrm>
+            <a:off x="457200" y="1673131"/>
+            <a:ext cx="1619250" cy="2238375"/>
+          </a:xfrm>
+          <a:prstGeom prst="rect">
+            <a:avLst/>
+          </a:prstGeom>
+          <a:noFill/>
+          <a:ln w="9525">
+            <a:noFill/>
+            <a:miter lim="800000"/>
+            <a:headEnd/>
+            <a:tailEnd/>
+          </a:ln>
+        </p:spPr>
+      </p:pic>
+      <p:sp>
+        <p:nvSpPr>
+          <p:cNvPr id="6" name="TextBox 5"/>
+          <p:cNvSpPr txBox="1"/>
+          <p:nvPr/>
+        </p:nvSpPr>
+        <p:spPr>
+          <a:xfrm>
+            <a:off x="990600" y="3730531"/>
+            <a:ext cx="2286000" cy="584775"/>
+          </a:xfrm>
+          <a:prstGeom prst="rect">
+            <a:avLst/>
+          </a:prstGeom>
+        </p:spPr>
+        <p:style>
+          <a:lnRef idx="1">
+            <a:schemeClr val="accent1"/>
+          </a:lnRef>
+          <a:fillRef idx="2">
+            <a:schemeClr val="accent1"/>
+          </a:fillRef>
+          <a:effectRef idx="1">
+            <a:schemeClr val="accent1"/>
+          </a:effectRef>
+          <a:fontRef idx="minor">
+            <a:schemeClr val="dk1"/>
+          </a:fontRef>
+        </p:style>
+        <p:txBody>
+          <a:bodyPr wrap="square" rtlCol="0">
+            <a:spAutoFit/>
+          </a:bodyPr>
+          <a:lstStyle/>
+          <a:p>
+            <a:r>
+              <a:rPr lang="en-US" sz="3200" dirty="0" smtClean="0"/>
+              <a:t>Tab Control</a:t>
+            </a:r>
+            <a:endParaRPr lang="en-US" sz="3200" dirty="0"/>
           </a:p>
         </p:txBody>
       </p:sp>
       <p:sp>
         <p:nvSpPr>
-          <p:cNvPr id="3" name="Content Placeholder 2"/>
-          <p:cNvSpPr>
-            <a:spLocks noGrp="1"/>
-          </p:cNvSpPr>
-          <p:nvPr>
-            <p:ph idx="1"/>
-          </p:nvPr>
+          <p:cNvPr id="7" name="TextBox 6"/>
+          <p:cNvSpPr txBox="1"/>
+          <p:nvPr/>
         </p:nvSpPr>
-        <p:spPr/>
+        <p:spPr>
+          <a:xfrm>
+            <a:off x="4419600" y="1596931"/>
+            <a:ext cx="1752600" cy="584775"/>
+          </a:xfrm>
+          <a:prstGeom prst="rect">
+            <a:avLst/>
+          </a:prstGeom>
+        </p:spPr>
+        <p:style>
+          <a:lnRef idx="1">
+            <a:schemeClr val="accent1"/>
+          </a:lnRef>
+          <a:fillRef idx="2">
+            <a:schemeClr val="accent1"/>
+          </a:fillRef>
+          <a:effectRef idx="1">
+            <a:schemeClr val="accent1"/>
+          </a:effectRef>
+          <a:fontRef idx="minor">
+            <a:schemeClr val="dk1"/>
+          </a:fontRef>
+        </p:style>
         <p:txBody>
-          <a:bodyPr/>
+          <a:bodyPr wrap="square" rtlCol="0">
+            <a:spAutoFit/>
+          </a:bodyPr>
           <a:lstStyle/>
           <a:p>
             <a:r>
-              <a:rPr lang="en-US" dirty="0" smtClean="0"/>
-              <a:t>Add explanations from the other slides</a:t>
-            </a:r>
-            <a:endParaRPr lang="en-US" dirty="0"/>
+              <a:rPr lang="en-US" sz="3200" dirty="0" smtClean="0"/>
+              <a:t>List Box</a:t>
+            </a:r>
+            <a:endParaRPr lang="en-US" sz="3200" dirty="0"/>
+          </a:p>
+        </p:txBody>
+      </p:sp>
+      <p:pic>
+        <p:nvPicPr>
+          <p:cNvPr id="8" name="Picture 4"/>
+          <p:cNvPicPr>
+            <a:picLocks noChangeAspect="1" noChangeArrowheads="1"/>
+          </p:cNvPicPr>
+          <p:nvPr/>
+        </p:nvPicPr>
+        <p:blipFill>
+          <a:blip r:embed="rId4" cstate="print"/>
+          <a:srcRect/>
+          <a:stretch>
+            <a:fillRect/>
+          </a:stretch>
+        </p:blipFill>
+        <p:spPr bwMode="auto">
+          <a:xfrm>
+            <a:off x="381000" y="5559331"/>
+            <a:ext cx="2819400" cy="504825"/>
+          </a:xfrm>
+          <a:prstGeom prst="rect">
+            <a:avLst/>
+          </a:prstGeom>
+          <a:noFill/>
+          <a:ln w="9525">
+            <a:noFill/>
+            <a:miter lim="800000"/>
+            <a:headEnd/>
+            <a:tailEnd/>
+          </a:ln>
+        </p:spPr>
+      </p:pic>
+      <p:sp>
+        <p:nvSpPr>
+          <p:cNvPr id="9" name="TextBox 8"/>
+          <p:cNvSpPr txBox="1"/>
+          <p:nvPr/>
+        </p:nvSpPr>
+        <p:spPr>
+          <a:xfrm>
+            <a:off x="1066800" y="5025931"/>
+            <a:ext cx="1600200" cy="584775"/>
+          </a:xfrm>
+          <a:prstGeom prst="rect">
+            <a:avLst/>
+          </a:prstGeom>
+        </p:spPr>
+        <p:style>
+          <a:lnRef idx="1">
+            <a:schemeClr val="accent1"/>
+          </a:lnRef>
+          <a:fillRef idx="2">
+            <a:schemeClr val="accent1"/>
+          </a:fillRef>
+          <a:effectRef idx="1">
+            <a:schemeClr val="accent1"/>
+          </a:effectRef>
+          <a:fontRef idx="minor">
+            <a:schemeClr val="dk1"/>
+          </a:fontRef>
+        </p:style>
+        <p:txBody>
+          <a:bodyPr wrap="square" rtlCol="0">
+            <a:spAutoFit/>
+          </a:bodyPr>
+          <a:lstStyle/>
+          <a:p>
+            <a:r>
+              <a:rPr lang="en-US" sz="3200" dirty="0" smtClean="0"/>
+              <a:t>Buttons</a:t>
+            </a:r>
+            <a:endParaRPr lang="en-US" sz="3200" dirty="0"/>
           </a:p>
         </p:txBody>
       </p:sp>
     </p:spTree>
+    <p:extLst>
+      <p:ext uri="{BB962C8B-B14F-4D97-AF65-F5344CB8AC3E}">
+        <p14:creationId xmlns:p14="http://schemas.microsoft.com/office/powerpoint/2010/main" val="202552823"/>
+      </p:ext>
+    </p:extLst>
   </p:cSld>
   <p:clrMapOvr>
     <a:masterClrMapping/>
@@ -17195,7 +20304,7 @@
           <a:p>
             <a:r>
               <a:rPr lang="en-US" dirty="0" smtClean="0"/>
-              <a:t>Named Parts</a:t>
+              <a:t>Hierarchy Revisited</a:t>
             </a:r>
             <a:endParaRPr lang="en-US" dirty="0"/>
           </a:p>
@@ -17213,10 +20322,78 @@
         </p:nvSpPr>
         <p:spPr/>
         <p:txBody>
-          <a:bodyPr/>
+          <a:bodyPr>
+            <a:normAutofit fontScale="92500" lnSpcReduction="20000"/>
+          </a:bodyPr>
           <a:lstStyle/>
           <a:p>
-            <a:endParaRPr lang="en-US"/>
+            <a:r>
+              <a:rPr lang="en-US" dirty="0"/>
+              <a:t> Visual</a:t>
+            </a:r>
+          </a:p>
+          <a:p>
+            <a:pPr lvl="1"/>
+            <a:r>
+              <a:rPr lang="en-US" dirty="0"/>
+              <a:t>provides for building a tree of visual objects</a:t>
+            </a:r>
+          </a:p>
+          <a:p>
+            <a:r>
+              <a:rPr lang="en-US" dirty="0" err="1"/>
+              <a:t>UIElement</a:t>
+            </a:r>
+            <a:endParaRPr lang="en-US" dirty="0"/>
+          </a:p>
+          <a:p>
+            <a:pPr lvl="1"/>
+            <a:r>
+              <a:rPr lang="en-US" dirty="0"/>
+              <a:t>defines core subsystems including Layout, Input, and Events</a:t>
+            </a:r>
+          </a:p>
+          <a:p>
+            <a:r>
+              <a:rPr lang="en-US" dirty="0"/>
+              <a:t>Framework Element</a:t>
+            </a:r>
+          </a:p>
+          <a:p>
+            <a:pPr lvl="1"/>
+            <a:r>
+              <a:rPr lang="en-US" dirty="0"/>
+              <a:t>builds on the basic layout contract introduced by </a:t>
+            </a:r>
+            <a:r>
+              <a:rPr lang="en-US" dirty="0" err="1"/>
+              <a:t>UIElement</a:t>
+            </a:r>
+            <a:r>
+              <a:rPr lang="en-US" dirty="0"/>
+              <a:t> and adds the notion of a layout "slot”</a:t>
+            </a:r>
+          </a:p>
+          <a:p>
+            <a:r>
+              <a:rPr lang="en-US" dirty="0"/>
+              <a:t>Control</a:t>
+            </a:r>
+          </a:p>
+          <a:p>
+            <a:pPr lvl="1"/>
+            <a:r>
+              <a:rPr lang="en-US" dirty="0"/>
+              <a:t>Adds the </a:t>
+            </a:r>
+            <a:r>
+              <a:rPr lang="en-US" dirty="0" err="1"/>
+              <a:t>templating</a:t>
+            </a:r>
+            <a:r>
+              <a:rPr lang="en-US" dirty="0"/>
+              <a:t> feature</a:t>
+            </a:r>
           </a:p>
         </p:txBody>
       </p:sp>
@@ -17262,7 +20439,7 @@
           <a:p>
             <a:r>
               <a:rPr lang="en-US" dirty="0" smtClean="0"/>
-              <a:t>Style + Template</a:t>
+              <a:t>Named Parts</a:t>
             </a:r>
             <a:endParaRPr lang="en-US" dirty="0"/>
           </a:p>
@@ -17278,25 +20455,83 @@
             <p:ph idx="1"/>
           </p:nvPr>
         </p:nvSpPr>
-        <p:spPr/>
+        <p:spPr>
+          <a:xfrm>
+            <a:off x="457200" y="1600200"/>
+            <a:ext cx="8305800" cy="4724400"/>
+          </a:xfrm>
+        </p:spPr>
         <p:txBody>
           <a:bodyPr/>
           <a:lstStyle/>
           <a:p>
             <a:r>
               <a:rPr lang="en-US" dirty="0" smtClean="0"/>
-              <a:t>Interview question</a:t>
-            </a:r>
-          </a:p>
-          <a:p>
-            <a:r>
-              <a:rPr lang="en-US" dirty="0" smtClean="0"/>
-              <a:t>Use Style to set Template</a:t>
-            </a:r>
-            <a:endParaRPr lang="en-US" dirty="0"/>
+              <a:t>PART_XXX</a:t>
+            </a:r>
+          </a:p>
+          <a:p>
+            <a:r>
+              <a:rPr lang="en-US" dirty="0" smtClean="0"/>
+              <a:t>Some controls look for named controls in their template and add additional functionality</a:t>
+            </a:r>
           </a:p>
         </p:txBody>
       </p:sp>
+      <p:pic>
+        <p:nvPicPr>
+          <p:cNvPr id="4" name="Picture 3"/>
+          <p:cNvPicPr>
+            <a:picLocks noChangeAspect="1"/>
+          </p:cNvPicPr>
+          <p:nvPr/>
+        </p:nvPicPr>
+        <p:blipFill>
+          <a:blip r:embed="rId2">
+            <a:extLst>
+              <a:ext uri="{28A0092B-C50C-407E-A947-70E740481C1C}">
+                <a14:useLocalDpi xmlns:a14="http://schemas.microsoft.com/office/drawing/2010/main" val="0"/>
+              </a:ext>
+            </a:extLst>
+          </a:blip>
+          <a:stretch>
+            <a:fillRect/>
+          </a:stretch>
+        </p:blipFill>
+        <p:spPr>
+          <a:xfrm>
+            <a:off x="3276600" y="3276600"/>
+            <a:ext cx="4343400" cy="3248501"/>
+          </a:xfrm>
+          <a:prstGeom prst="rect">
+            <a:avLst/>
+          </a:prstGeom>
+        </p:spPr>
+      </p:pic>
+      <p:pic>
+        <p:nvPicPr>
+          <p:cNvPr id="5" name="Picture 4" descr="visualstudio.jpg"/>
+          <p:cNvPicPr>
+            <a:picLocks noChangeAspect="1"/>
+          </p:cNvPicPr>
+          <p:nvPr/>
+        </p:nvPicPr>
+        <p:blipFill>
+          <a:blip r:embed="rId3" cstate="print"/>
+          <a:stretch>
+            <a:fillRect/>
+          </a:stretch>
+        </p:blipFill>
+        <p:spPr>
+          <a:xfrm>
+            <a:off x="7839075" y="6076950"/>
+            <a:ext cx="1304925" cy="781050"/>
+          </a:xfrm>
+          <a:prstGeom prst="rect">
+            <a:avLst/>
+          </a:prstGeom>
+        </p:spPr>
+      </p:pic>
     </p:spTree>
   </p:cSld>
   <p:clrMapOvr>
@@ -17339,7 +20574,7 @@
           <a:p>
             <a:r>
               <a:rPr lang="en-US" dirty="0" smtClean="0"/>
-              <a:t>Resources + Dictionaries</a:t>
+              <a:t>Style + Template</a:t>
             </a:r>
             <a:endParaRPr lang="en-US" dirty="0"/>
           </a:p>
@@ -17362,24 +20597,16 @@
           <a:p>
             <a:r>
               <a:rPr lang="en-US" dirty="0" smtClean="0"/>
-              <a:t>Move styles to resources and resource dictionaries</a:t>
-            </a:r>
-          </a:p>
-          <a:p>
-            <a:r>
-              <a:rPr lang="en-US" dirty="0" smtClean="0"/>
-              <a:t>App </a:t>
-            </a:r>
-            <a:r>
-              <a:rPr lang="en-US" dirty="0" err="1" smtClean="0"/>
-              <a:t>xaml</a:t>
-            </a:r>
-            <a:endParaRPr lang="en-US" dirty="0" smtClean="0"/>
-          </a:p>
-          <a:p>
-            <a:r>
-              <a:rPr lang="en-US" dirty="0" smtClean="0"/>
-              <a:t>Merged Dictionaries</a:t>
+              <a:t>In Style set Template</a:t>
+            </a:r>
+          </a:p>
+          <a:p>
+            <a:endParaRPr lang="en-US" dirty="0"/>
+          </a:p>
+          <a:p>
+            <a:r>
+              <a:rPr lang="en-US" dirty="0" smtClean="0"/>
+              <a:t>This leads to a confusion on what the difference is between a Style and a Template</a:t>
             </a:r>
           </a:p>
         </p:txBody>
@@ -17426,7 +20653,7 @@
           <a:p>
             <a:r>
               <a:rPr lang="en-US" dirty="0" smtClean="0"/>
-              <a:t>Anything can be a resource</a:t>
+              <a:t>Resources + Dictionaries</a:t>
             </a:r>
             <a:endParaRPr lang="en-US" dirty="0"/>
           </a:p>
@@ -17449,36 +20676,60 @@
           <a:p>
             <a:r>
               <a:rPr lang="en-US" dirty="0" smtClean="0"/>
-              <a:t>Style</a:t>
-            </a:r>
-          </a:p>
-          <a:p>
-            <a:r>
-              <a:rPr lang="en-US" dirty="0" smtClean="0"/>
-              <a:t>Template</a:t>
-            </a:r>
-          </a:p>
-          <a:p>
-            <a:r>
-              <a:rPr lang="en-US" dirty="0" smtClean="0"/>
-              <a:t>Converter</a:t>
-            </a:r>
-          </a:p>
-          <a:p>
-            <a:r>
-              <a:rPr lang="en-US" dirty="0" smtClean="0"/>
-              <a:t>Object</a:t>
-            </a:r>
-          </a:p>
-          <a:p>
-            <a:r>
-              <a:rPr lang="en-US" dirty="0" smtClean="0"/>
-              <a:t>Anything…</a:t>
-            </a:r>
-            <a:endParaRPr lang="en-US" dirty="0"/>
+              <a:t>Move styles to resources </a:t>
+            </a:r>
+          </a:p>
+          <a:p>
+            <a:r>
+              <a:rPr lang="en-US" dirty="0" smtClean="0"/>
+              <a:t>Move resources to resource dictionaries</a:t>
+            </a:r>
+          </a:p>
+          <a:p>
+            <a:r>
+              <a:rPr lang="en-US" dirty="0" err="1" smtClean="0"/>
+              <a:t>App.xaml</a:t>
+            </a:r>
+            <a:endParaRPr lang="en-US" dirty="0" smtClean="0"/>
+          </a:p>
+          <a:p>
+            <a:r>
+              <a:rPr lang="en-US" dirty="0" smtClean="0"/>
+              <a:t>Merged Dictionaries</a:t>
+            </a:r>
           </a:p>
         </p:txBody>
       </p:sp>
+      <p:pic>
+        <p:nvPicPr>
+          <p:cNvPr id="4" name="Picture 3"/>
+          <p:cNvPicPr>
+            <a:picLocks noChangeAspect="1"/>
+          </p:cNvPicPr>
+          <p:nvPr/>
+        </p:nvPicPr>
+        <p:blipFill>
+          <a:blip r:embed="rId2">
+            <a:extLst>
+              <a:ext uri="{28A0092B-C50C-407E-A947-70E740481C1C}">
+                <a14:useLocalDpi xmlns:a14="http://schemas.microsoft.com/office/drawing/2010/main" val="0"/>
+              </a:ext>
+            </a:extLst>
+          </a:blip>
+          <a:stretch>
+            <a:fillRect/>
+          </a:stretch>
+        </p:blipFill>
+        <p:spPr>
+          <a:xfrm>
+            <a:off x="5105400" y="2895600"/>
+            <a:ext cx="2514600" cy="3352800"/>
+          </a:xfrm>
+          <a:prstGeom prst="rect">
+            <a:avLst/>
+          </a:prstGeom>
+        </p:spPr>
+      </p:pic>
     </p:spTree>
   </p:cSld>
   <p:clrMapOvr>
@@ -17488,6 +20739,131 @@
 </file>
 
 <file path=ppt/slides/slide35.xml><?xml version="1.0" encoding="utf-8"?>
+<p:sld xmlns:a="http://schemas.openxmlformats.org/drawingml/2006/main" xmlns:r="http://schemas.openxmlformats.org/officeDocument/2006/relationships" xmlns:p="http://schemas.openxmlformats.org/presentationml/2006/main">
+  <p:cSld>
+    <p:spTree>
+      <p:nvGrpSpPr>
+        <p:cNvPr id="1" name=""/>
+        <p:cNvGrpSpPr/>
+        <p:nvPr/>
+      </p:nvGrpSpPr>
+      <p:grpSpPr>
+        <a:xfrm>
+          <a:off x="0" y="0"/>
+          <a:ext cx="0" cy="0"/>
+          <a:chOff x="0" y="0"/>
+          <a:chExt cx="0" cy="0"/>
+        </a:xfrm>
+      </p:grpSpPr>
+      <p:sp>
+        <p:nvSpPr>
+          <p:cNvPr id="2" name="Title 1"/>
+          <p:cNvSpPr>
+            <a:spLocks noGrp="1"/>
+          </p:cNvSpPr>
+          <p:nvPr>
+            <p:ph type="title"/>
+          </p:nvPr>
+        </p:nvSpPr>
+        <p:spPr/>
+        <p:txBody>
+          <a:bodyPr/>
+          <a:lstStyle/>
+          <a:p>
+            <a:r>
+              <a:rPr lang="en-US" dirty="0" smtClean="0"/>
+              <a:t>Anything can be a resource</a:t>
+            </a:r>
+            <a:endParaRPr lang="en-US" dirty="0"/>
+          </a:p>
+        </p:txBody>
+      </p:sp>
+      <p:sp>
+        <p:nvSpPr>
+          <p:cNvPr id="3" name="Content Placeholder 2"/>
+          <p:cNvSpPr>
+            <a:spLocks noGrp="1"/>
+          </p:cNvSpPr>
+          <p:nvPr>
+            <p:ph idx="1"/>
+          </p:nvPr>
+        </p:nvSpPr>
+        <p:spPr/>
+        <p:txBody>
+          <a:bodyPr/>
+          <a:lstStyle/>
+          <a:p>
+            <a:r>
+              <a:rPr lang="en-US" dirty="0" smtClean="0"/>
+              <a:t>Style</a:t>
+            </a:r>
+          </a:p>
+          <a:p>
+            <a:r>
+              <a:rPr lang="en-US" dirty="0" smtClean="0"/>
+              <a:t>Template</a:t>
+            </a:r>
+          </a:p>
+          <a:p>
+            <a:r>
+              <a:rPr lang="en-US" dirty="0" smtClean="0"/>
+              <a:t>Converter</a:t>
+            </a:r>
+          </a:p>
+          <a:p>
+            <a:r>
+              <a:rPr lang="en-US" dirty="0" smtClean="0"/>
+              <a:t>Object</a:t>
+            </a:r>
+          </a:p>
+          <a:p>
+            <a:r>
+              <a:rPr lang="en-US" dirty="0" smtClean="0"/>
+              <a:t>Anything…</a:t>
+            </a:r>
+            <a:endParaRPr lang="en-US" dirty="0"/>
+          </a:p>
+        </p:txBody>
+      </p:sp>
+      <p:pic>
+        <p:nvPicPr>
+          <p:cNvPr id="4" name="Picture 3"/>
+          <p:cNvPicPr>
+            <a:picLocks noChangeAspect="1"/>
+          </p:cNvPicPr>
+          <p:nvPr/>
+        </p:nvPicPr>
+        <p:blipFill>
+          <a:blip r:embed="rId2" cstate="print">
+            <a:extLst>
+              <a:ext uri="{28A0092B-C50C-407E-A947-70E740481C1C}">
+                <a14:useLocalDpi xmlns:a14="http://schemas.microsoft.com/office/drawing/2010/main" val="0"/>
+              </a:ext>
+            </a:extLst>
+          </a:blip>
+          <a:stretch>
+            <a:fillRect/>
+          </a:stretch>
+        </p:blipFill>
+        <p:spPr>
+          <a:xfrm>
+            <a:off x="4495800" y="1600200"/>
+            <a:ext cx="3189732" cy="4317300"/>
+          </a:xfrm>
+          <a:prstGeom prst="rect">
+            <a:avLst/>
+          </a:prstGeom>
+        </p:spPr>
+      </p:pic>
+    </p:spTree>
+  </p:cSld>
+  <p:clrMapOvr>
+    <a:masterClrMapping/>
+  </p:clrMapOvr>
+</p:sld>
+</file>
+
+<file path=ppt/slides/slide36.xml><?xml version="1.0" encoding="utf-8"?>
 <p:sld xmlns:a="http://schemas.openxmlformats.org/drawingml/2006/main" xmlns:r="http://schemas.openxmlformats.org/officeDocument/2006/relationships" xmlns:p="http://schemas.openxmlformats.org/presentationml/2006/main">
   <p:cSld>
     <p:spTree>
@@ -17604,77 +20980,6 @@
 </p:sld>
 </file>
 
-<file path=ppt/slides/slide36.xml><?xml version="1.0" encoding="utf-8"?>
-<p:sld xmlns:a="http://schemas.openxmlformats.org/drawingml/2006/main" xmlns:r="http://schemas.openxmlformats.org/officeDocument/2006/relationships" xmlns:p="http://schemas.openxmlformats.org/presentationml/2006/main">
-  <p:cSld>
-    <p:spTree>
-      <p:nvGrpSpPr>
-        <p:cNvPr id="1" name=""/>
-        <p:cNvGrpSpPr/>
-        <p:nvPr/>
-      </p:nvGrpSpPr>
-      <p:grpSpPr>
-        <a:xfrm>
-          <a:off x="0" y="0"/>
-          <a:ext cx="0" cy="0"/>
-          <a:chOff x="0" y="0"/>
-          <a:chExt cx="0" cy="0"/>
-        </a:xfrm>
-      </p:grpSpPr>
-      <p:sp>
-        <p:nvSpPr>
-          <p:cNvPr id="2" name="Title 1"/>
-          <p:cNvSpPr>
-            <a:spLocks noGrp="1"/>
-          </p:cNvSpPr>
-          <p:nvPr>
-            <p:ph type="title"/>
-          </p:nvPr>
-        </p:nvSpPr>
-        <p:spPr/>
-        <p:txBody>
-          <a:bodyPr/>
-          <a:lstStyle/>
-          <a:p>
-            <a:r>
-              <a:rPr lang="en-US" dirty="0" smtClean="0"/>
-              <a:t>Skinning</a:t>
-            </a:r>
-            <a:endParaRPr lang="en-US" dirty="0"/>
-          </a:p>
-        </p:txBody>
-      </p:sp>
-      <p:sp>
-        <p:nvSpPr>
-          <p:cNvPr id="3" name="Content Placeholder 2"/>
-          <p:cNvSpPr>
-            <a:spLocks noGrp="1"/>
-          </p:cNvSpPr>
-          <p:nvPr>
-            <p:ph idx="1"/>
-          </p:nvPr>
-        </p:nvSpPr>
-        <p:spPr/>
-        <p:txBody>
-          <a:bodyPr/>
-          <a:lstStyle/>
-          <a:p>
-            <a:r>
-              <a:rPr lang="en-US" dirty="0" smtClean="0"/>
-              <a:t>Leverage the swapping ability of dynamic resources to be able to change the look of an application</a:t>
-            </a:r>
-            <a:endParaRPr lang="en-US" dirty="0"/>
-          </a:p>
-        </p:txBody>
-      </p:sp>
-    </p:spTree>
-  </p:cSld>
-  <p:clrMapOvr>
-    <a:masterClrMapping/>
-  </p:clrMapOvr>
-</p:sld>
-</file>
-
 <file path=ppt/slides/slide37.xml><?xml version="1.0" encoding="utf-8"?>
 <p:sld xmlns:a="http://schemas.openxmlformats.org/drawingml/2006/main" xmlns:r="http://schemas.openxmlformats.org/officeDocument/2006/relationships" xmlns:p="http://schemas.openxmlformats.org/presentationml/2006/main">
   <p:cSld>
@@ -17709,7 +21014,7 @@
           <a:p>
             <a:r>
               <a:rPr lang="en-US" dirty="0" smtClean="0"/>
-              <a:t>Load from File</a:t>
+              <a:t>Skinning</a:t>
             </a:r>
             <a:endParaRPr lang="en-US" dirty="0"/>
           </a:p>
@@ -17732,42 +21037,202 @@
           <a:p>
             <a:r>
               <a:rPr lang="en-US" dirty="0" smtClean="0"/>
-              <a:t>Load Resource Dictionary from file</a:t>
-            </a:r>
-          </a:p>
-          <a:p>
-            <a:r>
-              <a:rPr lang="en-US" dirty="0" smtClean="0"/>
-              <a:t>Use File watch on directory and dynamic refresh</a:t>
-            </a:r>
-          </a:p>
-          <a:p>
+              <a:t>Leverage the swapping ability of dynamic resources to be able to change the look of an application</a:t>
+            </a:r>
             <a:endParaRPr lang="en-US" dirty="0"/>
           </a:p>
         </p:txBody>
       </p:sp>
       <p:pic>
         <p:nvPicPr>
-          <p:cNvPr id="4" name="Picture 3" descr="visualstudio.jpg"/>
+          <p:cNvPr id="1027" name="Picture 3"/>
           <p:cNvPicPr>
-            <a:picLocks noChangeAspect="1"/>
+            <a:picLocks noChangeAspect="1" noChangeArrowheads="1"/>
           </p:cNvPicPr>
           <p:nvPr/>
         </p:nvPicPr>
         <p:blipFill>
-          <a:blip r:embed="rId2" cstate="print"/>
+          <a:blip r:embed="rId2">
+            <a:extLst>
+              <a:ext uri="{28A0092B-C50C-407E-A947-70E740481C1C}">
+                <a14:useLocalDpi xmlns:a14="http://schemas.microsoft.com/office/drawing/2010/main" val="0"/>
+              </a:ext>
+            </a:extLst>
+          </a:blip>
+          <a:srcRect/>
           <a:stretch>
             <a:fillRect/>
           </a:stretch>
         </p:blipFill>
-        <p:spPr>
+        <p:spPr bwMode="auto">
           <a:xfrm>
-            <a:off x="7839075" y="6076950"/>
-            <a:ext cx="1304925" cy="781050"/>
+            <a:off x="381000" y="3352800"/>
+            <a:ext cx="6057900" cy="1619250"/>
           </a:xfrm>
           <a:prstGeom prst="rect">
             <a:avLst/>
           </a:prstGeom>
+          <a:noFill/>
+          <a:ln>
+            <a:noFill/>
+          </a:ln>
+          <a:effectLst/>
+          <a:extLst>
+            <a:ext uri="{909E8E84-426E-40DD-AFC4-6F175D3DCCD1}">
+              <a14:hiddenFill xmlns:a14="http://schemas.microsoft.com/office/drawing/2010/main">
+                <a:solidFill>
+                  <a:schemeClr val="accent1"/>
+                </a:solidFill>
+              </a14:hiddenFill>
+            </a:ext>
+            <a:ext uri="{91240B29-F687-4F45-9708-019B960494DF}">
+              <a14:hiddenLine xmlns:a14="http://schemas.microsoft.com/office/drawing/2010/main" w="9525">
+                <a:solidFill>
+                  <a:schemeClr val="tx1"/>
+                </a:solidFill>
+                <a:miter lim="800000"/>
+                <a:headEnd/>
+                <a:tailEnd/>
+              </a14:hiddenLine>
+            </a:ext>
+            <a:ext uri="{AF507438-7753-43E0-B8FC-AC1667EBCBE1}">
+              <a14:hiddenEffects xmlns:a14="http://schemas.microsoft.com/office/drawing/2010/main">
+                <a:effectLst>
+                  <a:outerShdw dist="35921" dir="2700000" algn="ctr" rotWithShape="0">
+                    <a:schemeClr val="bg2"/>
+                  </a:outerShdw>
+                </a:effectLst>
+              </a14:hiddenEffects>
+            </a:ext>
+          </a:extLst>
+        </p:spPr>
+      </p:pic>
+      <p:pic>
+        <p:nvPicPr>
+          <p:cNvPr id="1026" name="Picture 2"/>
+          <p:cNvPicPr>
+            <a:picLocks noChangeAspect="1" noChangeArrowheads="1"/>
+          </p:cNvPicPr>
+          <p:nvPr/>
+        </p:nvPicPr>
+        <p:blipFill>
+          <a:blip r:embed="rId3">
+            <a:extLst>
+              <a:ext uri="{28A0092B-C50C-407E-A947-70E740481C1C}">
+                <a14:useLocalDpi xmlns:a14="http://schemas.microsoft.com/office/drawing/2010/main" val="0"/>
+              </a:ext>
+            </a:extLst>
+          </a:blip>
+          <a:srcRect/>
+          <a:stretch>
+            <a:fillRect/>
+          </a:stretch>
+        </p:blipFill>
+        <p:spPr bwMode="auto">
+          <a:xfrm>
+            <a:off x="1676400" y="4648200"/>
+            <a:ext cx="5934075" cy="1952625"/>
+          </a:xfrm>
+          <a:prstGeom prst="rect">
+            <a:avLst/>
+          </a:prstGeom>
+          <a:noFill/>
+          <a:ln>
+            <a:noFill/>
+          </a:ln>
+          <a:effectLst/>
+          <a:extLst>
+            <a:ext uri="{909E8E84-426E-40DD-AFC4-6F175D3DCCD1}">
+              <a14:hiddenFill xmlns:a14="http://schemas.microsoft.com/office/drawing/2010/main">
+                <a:solidFill>
+                  <a:schemeClr val="accent1"/>
+                </a:solidFill>
+              </a14:hiddenFill>
+            </a:ext>
+            <a:ext uri="{91240B29-F687-4F45-9708-019B960494DF}">
+              <a14:hiddenLine xmlns:a14="http://schemas.microsoft.com/office/drawing/2010/main" w="9525">
+                <a:solidFill>
+                  <a:schemeClr val="tx1"/>
+                </a:solidFill>
+                <a:miter lim="800000"/>
+                <a:headEnd/>
+                <a:tailEnd/>
+              </a14:hiddenLine>
+            </a:ext>
+            <a:ext uri="{AF507438-7753-43E0-B8FC-AC1667EBCBE1}">
+              <a14:hiddenEffects xmlns:a14="http://schemas.microsoft.com/office/drawing/2010/main">
+                <a:effectLst>
+                  <a:outerShdw dist="35921" dir="2700000" algn="ctr" rotWithShape="0">
+                    <a:schemeClr val="bg2"/>
+                  </a:outerShdw>
+                </a:effectLst>
+              </a14:hiddenEffects>
+            </a:ext>
+          </a:extLst>
+        </p:spPr>
+      </p:pic>
+      <p:pic>
+        <p:nvPicPr>
+          <p:cNvPr id="1028" name="Picture 4"/>
+          <p:cNvPicPr>
+            <a:picLocks noChangeAspect="1" noChangeArrowheads="1"/>
+          </p:cNvPicPr>
+          <p:nvPr/>
+        </p:nvPicPr>
+        <p:blipFill>
+          <a:blip r:embed="rId4">
+            <a:extLst>
+              <a:ext uri="{28A0092B-C50C-407E-A947-70E740481C1C}">
+                <a14:useLocalDpi xmlns:a14="http://schemas.microsoft.com/office/drawing/2010/main" val="0"/>
+              </a:ext>
+            </a:extLst>
+          </a:blip>
+          <a:srcRect/>
+          <a:stretch>
+            <a:fillRect/>
+          </a:stretch>
+        </p:blipFill>
+        <p:spPr bwMode="auto">
+          <a:xfrm>
+            <a:off x="4267200" y="3048000"/>
+            <a:ext cx="4419600" cy="1752600"/>
+          </a:xfrm>
+          <a:prstGeom prst="rect">
+            <a:avLst/>
+          </a:prstGeom>
+          <a:noFill/>
+          <a:ln>
+            <a:noFill/>
+          </a:ln>
+          <a:effectLst/>
+          <a:extLst>
+            <a:ext uri="{909E8E84-426E-40DD-AFC4-6F175D3DCCD1}">
+              <a14:hiddenFill xmlns:a14="http://schemas.microsoft.com/office/drawing/2010/main">
+                <a:solidFill>
+                  <a:schemeClr val="accent1"/>
+                </a:solidFill>
+              </a14:hiddenFill>
+            </a:ext>
+            <a:ext uri="{91240B29-F687-4F45-9708-019B960494DF}">
+              <a14:hiddenLine xmlns:a14="http://schemas.microsoft.com/office/drawing/2010/main" w="9525">
+                <a:solidFill>
+                  <a:schemeClr val="tx1"/>
+                </a:solidFill>
+                <a:miter lim="800000"/>
+                <a:headEnd/>
+                <a:tailEnd/>
+              </a14:hiddenLine>
+            </a:ext>
+            <a:ext uri="{AF507438-7753-43E0-B8FC-AC1667EBCBE1}">
+              <a14:hiddenEffects xmlns:a14="http://schemas.microsoft.com/office/drawing/2010/main">
+                <a:effectLst>
+                  <a:outerShdw dist="35921" dir="2700000" algn="ctr" rotWithShape="0">
+                    <a:schemeClr val="bg2"/>
+                  </a:outerShdw>
+                </a:effectLst>
+              </a14:hiddenEffects>
+            </a:ext>
+          </a:extLst>
         </p:spPr>
       </p:pic>
     </p:spTree>
@@ -17795,6 +21260,36 @@
           <a:chExt cx="0" cy="0"/>
         </a:xfrm>
       </p:grpSpPr>
+      <p:pic>
+        <p:nvPicPr>
+          <p:cNvPr id="5" name="Picture 4"/>
+          <p:cNvPicPr>
+            <a:picLocks noChangeAspect="1"/>
+          </p:cNvPicPr>
+          <p:nvPr/>
+        </p:nvPicPr>
+        <p:blipFill>
+          <a:blip r:embed="rId2">
+            <a:extLst>
+              <a:ext uri="{28A0092B-C50C-407E-A947-70E740481C1C}">
+                <a14:useLocalDpi xmlns:a14="http://schemas.microsoft.com/office/drawing/2010/main" val="0"/>
+              </a:ext>
+            </a:extLst>
+          </a:blip>
+          <a:stretch>
+            <a:fillRect/>
+          </a:stretch>
+        </p:blipFill>
+        <p:spPr>
+          <a:xfrm>
+            <a:off x="4876800" y="1143000"/>
+            <a:ext cx="3697493" cy="5562600"/>
+          </a:xfrm>
+          <a:prstGeom prst="rect">
+            <a:avLst/>
+          </a:prstGeom>
+        </p:spPr>
+      </p:pic>
       <p:sp>
         <p:nvSpPr>
           <p:cNvPr id="2" name="Title 1"/>
@@ -17807,14 +21302,12 @@
         </p:nvSpPr>
         <p:spPr/>
         <p:txBody>
-          <a:bodyPr>
-            <a:normAutofit/>
-          </a:bodyPr>
+          <a:bodyPr/>
           <a:lstStyle/>
           <a:p>
             <a:r>
               <a:rPr lang="en-US" dirty="0" smtClean="0"/>
-              <a:t>Resource Dictionary Loader</a:t>
+              <a:t>Load from File</a:t>
             </a:r>
             <a:endParaRPr lang="en-US" dirty="0"/>
           </a:p>
@@ -17830,21 +21323,28 @@
             <p:ph idx="1"/>
           </p:nvPr>
         </p:nvSpPr>
-        <p:spPr/>
+        <p:spPr>
+          <a:xfrm>
+            <a:off x="457200" y="1600200"/>
+            <a:ext cx="4419600" cy="4800600"/>
+          </a:xfrm>
+        </p:spPr>
         <p:txBody>
           <a:bodyPr/>
           <a:lstStyle/>
           <a:p>
             <a:r>
               <a:rPr lang="en-US" dirty="0" smtClean="0"/>
-              <a:t>Load Resource Dictionary from Assemblies</a:t>
-            </a:r>
-          </a:p>
-          <a:p>
-            <a:r>
-              <a:rPr lang="en-US" dirty="0" smtClean="0"/>
-              <a:t>Use MEF to load from directory</a:t>
-            </a:r>
+              <a:t>Load Resource Dictionary from file</a:t>
+            </a:r>
+          </a:p>
+          <a:p>
+            <a:r>
+              <a:rPr lang="en-US" dirty="0" smtClean="0"/>
+              <a:t>Use File watch on directory with dynamic refresh</a:t>
+            </a:r>
+          </a:p>
+          <a:p>
             <a:endParaRPr lang="en-US" dirty="0"/>
           </a:p>
         </p:txBody>
@@ -17858,7 +21358,7 @@
           <p:nvPr/>
         </p:nvPicPr>
         <p:blipFill>
-          <a:blip r:embed="rId2" cstate="print"/>
+          <a:blip r:embed="rId3" cstate="print"/>
           <a:stretch>
             <a:fillRect/>
           </a:stretch>
@@ -17898,6 +21398,36 @@
           <a:chExt cx="0" cy="0"/>
         </a:xfrm>
       </p:grpSpPr>
+      <p:pic>
+        <p:nvPicPr>
+          <p:cNvPr id="5" name="Picture 4"/>
+          <p:cNvPicPr>
+            <a:picLocks noChangeAspect="1"/>
+          </p:cNvPicPr>
+          <p:nvPr/>
+        </p:nvPicPr>
+        <p:blipFill>
+          <a:blip r:embed="rId2">
+            <a:extLst>
+              <a:ext uri="{28A0092B-C50C-407E-A947-70E740481C1C}">
+                <a14:useLocalDpi xmlns:a14="http://schemas.microsoft.com/office/drawing/2010/main" val="0"/>
+              </a:ext>
+            </a:extLst>
+          </a:blip>
+          <a:stretch>
+            <a:fillRect/>
+          </a:stretch>
+        </p:blipFill>
+        <p:spPr>
+          <a:xfrm>
+            <a:off x="2362200" y="2057400"/>
+            <a:ext cx="5367216" cy="4386263"/>
+          </a:xfrm>
+          <a:prstGeom prst="rect">
+            <a:avLst/>
+          </a:prstGeom>
+        </p:spPr>
+      </p:pic>
       <p:sp>
         <p:nvSpPr>
           <p:cNvPr id="2" name="Title 1"/>
@@ -17910,12 +21440,14 @@
         </p:nvSpPr>
         <p:spPr/>
         <p:txBody>
-          <a:bodyPr/>
+          <a:bodyPr>
+            <a:normAutofit/>
+          </a:bodyPr>
           <a:lstStyle/>
           <a:p>
             <a:r>
               <a:rPr lang="en-US" dirty="0" smtClean="0"/>
-              <a:t>Colors + Brushes</a:t>
+              <a:t>Resource Dictionary Loader</a:t>
             </a:r>
             <a:endParaRPr lang="en-US" dirty="0"/>
           </a:p>
@@ -17938,24 +21470,36 @@
           <a:p>
             <a:r>
               <a:rPr lang="en-US" dirty="0" smtClean="0"/>
-              <a:t>Anything is a resource?</a:t>
-            </a:r>
-          </a:p>
-          <a:p>
-            <a:r>
-              <a:rPr lang="en-US" dirty="0" smtClean="0"/>
-              <a:t>Colors!</a:t>
-            </a:r>
-          </a:p>
-          <a:p>
-            <a:r>
-              <a:rPr lang="en-US" dirty="0" smtClean="0"/>
-              <a:t>Brushes!</a:t>
+              <a:t>Load Resource Dictionary from Assemblies</a:t>
             </a:r>
             <a:endParaRPr lang="en-US" dirty="0"/>
           </a:p>
         </p:txBody>
       </p:sp>
+      <p:pic>
+        <p:nvPicPr>
+          <p:cNvPr id="4" name="Picture 3" descr="visualstudio.jpg"/>
+          <p:cNvPicPr>
+            <a:picLocks noChangeAspect="1"/>
+          </p:cNvPicPr>
+          <p:nvPr/>
+        </p:nvPicPr>
+        <p:blipFill>
+          <a:blip r:embed="rId3" cstate="print"/>
+          <a:stretch>
+            <a:fillRect/>
+          </a:stretch>
+        </p:blipFill>
+        <p:spPr>
+          <a:xfrm>
+            <a:off x="7839075" y="6076950"/>
+            <a:ext cx="1304925" cy="781050"/>
+          </a:xfrm>
+          <a:prstGeom prst="rect">
+            <a:avLst/>
+          </a:prstGeom>
+        </p:spPr>
+      </p:pic>
     </p:spTree>
   </p:cSld>
   <p:clrMapOvr>
@@ -18027,7 +21571,7 @@
           <a:p>
             <a:r>
               <a:rPr lang="en-US" dirty="0" smtClean="0"/>
-              <a:t>Rethink something you thought you new</a:t>
+              <a:t>Rethink something you thought you knew</a:t>
             </a:r>
           </a:p>
           <a:p>
@@ -18085,7 +21629,7 @@
           <a:p>
             <a:r>
               <a:rPr lang="en-US" dirty="0" smtClean="0"/>
-              <a:t>Markup Extensions</a:t>
+              <a:t>Help! I’m not a designer!</a:t>
             </a:r>
             <a:endParaRPr lang="en-US" dirty="0"/>
           </a:p>
@@ -18093,12 +21637,12 @@
       </p:sp>
       <p:sp>
         <p:nvSpPr>
-          <p:cNvPr id="3" name="Content Placeholder 2"/>
+          <p:cNvPr id="3" name="Text Placeholder 2"/>
           <p:cNvSpPr>
             <a:spLocks noGrp="1"/>
           </p:cNvSpPr>
           <p:nvPr>
-            <p:ph idx="1"/>
+            <p:ph type="body" idx="1"/>
           </p:nvPr>
         </p:nvSpPr>
         <p:spPr/>
@@ -18106,77 +21650,82 @@
           <a:bodyPr/>
           <a:lstStyle/>
           <a:p>
-            <a:r>
-              <a:rPr lang="en-US" dirty="0" smtClean="0"/>
-              <a:t>Enable you to extend the </a:t>
-            </a:r>
-            <a:r>
-              <a:rPr lang="en-US" dirty="0" err="1" smtClean="0"/>
-              <a:t>expressibility</a:t>
-            </a:r>
-            <a:r>
-              <a:rPr lang="en-US" dirty="0" smtClean="0"/>
-              <a:t> of XAML</a:t>
-            </a:r>
-          </a:p>
-          <a:p>
-            <a:r>
-              <a:rPr lang="en-US" dirty="0" smtClean="0"/>
-              <a:t>Examples</a:t>
-            </a:r>
-          </a:p>
-          <a:p>
-            <a:pPr lvl="1"/>
-            <a:r>
-              <a:rPr lang="en-US" dirty="0" smtClean="0"/>
-              <a:t>{x:Null }</a:t>
-            </a:r>
-          </a:p>
-          <a:p>
-            <a:pPr lvl="1"/>
-            <a:r>
-              <a:rPr lang="en-US" dirty="0" smtClean="0"/>
-              <a:t>{Binding …}</a:t>
-            </a:r>
-          </a:p>
-          <a:p>
-            <a:pPr lvl="1"/>
-            <a:r>
-              <a:rPr lang="en-US" dirty="0" smtClean="0"/>
-              <a:t>{</a:t>
-            </a:r>
-            <a:r>
-              <a:rPr lang="en-US" dirty="0" err="1" smtClean="0"/>
-              <a:t>StaticResource</a:t>
-            </a:r>
-            <a:r>
-              <a:rPr lang="en-US" dirty="0" smtClean="0"/>
-              <a:t> }</a:t>
-            </a:r>
-          </a:p>
-          <a:p>
-            <a:pPr lvl="1"/>
-            <a:r>
-              <a:rPr lang="en-US" dirty="0" smtClean="0"/>
-              <a:t>{</a:t>
-            </a:r>
-            <a:r>
-              <a:rPr lang="en-US" dirty="0" err="1" smtClean="0"/>
-              <a:t>DynamicResource</a:t>
-            </a:r>
-            <a:r>
-              <a:rPr lang="en-US" dirty="0" smtClean="0"/>
-              <a:t> }</a:t>
-            </a:r>
-            <a:endParaRPr lang="en-US" dirty="0"/>
+            <a:endParaRPr lang="en-US"/>
           </a:p>
         </p:txBody>
       </p:sp>
+      <p:pic>
+        <p:nvPicPr>
+          <p:cNvPr id="5" name="Picture 4"/>
+          <p:cNvPicPr>
+            <a:picLocks noChangeAspect="1"/>
+          </p:cNvPicPr>
+          <p:nvPr/>
+        </p:nvPicPr>
+        <p:blipFill>
+          <a:blip r:embed="rId2">
+            <a:extLst>
+              <a:ext uri="{28A0092B-C50C-407E-A947-70E740481C1C}">
+                <a14:useLocalDpi xmlns:a14="http://schemas.microsoft.com/office/drawing/2010/main" val="0"/>
+              </a:ext>
+            </a:extLst>
+          </a:blip>
+          <a:stretch>
+            <a:fillRect/>
+          </a:stretch>
+        </p:blipFill>
+        <p:spPr>
+          <a:xfrm>
+            <a:off x="89460" y="228600"/>
+            <a:ext cx="5092140" cy="3378200"/>
+          </a:xfrm>
+          <a:prstGeom prst="rect">
+            <a:avLst/>
+          </a:prstGeom>
+        </p:spPr>
+      </p:pic>
+      <p:pic>
+        <p:nvPicPr>
+          <p:cNvPr id="4" name="Picture 3"/>
+          <p:cNvPicPr>
+            <a:picLocks noChangeAspect="1"/>
+          </p:cNvPicPr>
+          <p:nvPr/>
+        </p:nvPicPr>
+        <p:blipFill>
+          <a:blip r:embed="rId3" cstate="print">
+            <a:extLst>
+              <a:ext uri="{28A0092B-C50C-407E-A947-70E740481C1C}">
+                <a14:useLocalDpi xmlns:a14="http://schemas.microsoft.com/office/drawing/2010/main" val="0"/>
+              </a:ext>
+            </a:extLst>
+          </a:blip>
+          <a:stretch>
+            <a:fillRect/>
+          </a:stretch>
+        </p:blipFill>
+        <p:spPr>
+          <a:xfrm>
+            <a:off x="5247074" y="1348740"/>
+            <a:ext cx="3921310" cy="2994660"/>
+          </a:xfrm>
+          <a:prstGeom prst="rect">
+            <a:avLst/>
+          </a:prstGeom>
+        </p:spPr>
+      </p:pic>
     </p:spTree>
   </p:cSld>
   <p:clrMapOvr>
     <a:masterClrMapping/>
   </p:clrMapOvr>
+  <p:timing>
+    <p:tnLst>
+      <p:par>
+        <p:cTn xmlns:p14="http://schemas.microsoft.com/office/powerpoint/2010/main" id="1" dur="indefinite" restart="never" nodeType="tmRoot"/>
+      </p:par>
+    </p:tnLst>
+  </p:timing>
 </p:sld>
 </file>
 
@@ -18214,7 +21763,7 @@
           <a:p>
             <a:r>
               <a:rPr lang="en-US" dirty="0" smtClean="0"/>
-              <a:t>Custom Markup Extension</a:t>
+              <a:t>Colors + Brushes</a:t>
             </a:r>
             <a:endParaRPr lang="en-US" dirty="0"/>
           </a:p>
@@ -18237,34 +21786,110 @@
           <a:p>
             <a:r>
               <a:rPr lang="en-US" dirty="0" smtClean="0"/>
-              <a:t>Inherit </a:t>
-            </a:r>
-            <a:r>
-              <a:rPr lang="en-US" dirty="0" err="1" smtClean="0"/>
-              <a:t>MarkupExtension</a:t>
-            </a:r>
-            <a:endParaRPr lang="en-US" dirty="0" smtClean="0"/>
-          </a:p>
-          <a:p>
-            <a:r>
-              <a:rPr lang="en-US" dirty="0" smtClean="0"/>
-              <a:t>Object name include </a:t>
-            </a:r>
-            <a:r>
-              <a:rPr lang="en-US" dirty="0" err="1" smtClean="0"/>
-              <a:t>MarkupExtension</a:t>
-            </a:r>
-            <a:endParaRPr lang="en-US" dirty="0" smtClean="0"/>
-          </a:p>
-          <a:p>
-            <a:r>
-              <a:rPr lang="en-US" dirty="0" smtClean="0"/>
-              <a:t>Override abstract method</a:t>
+              <a:t>Anything is a resource?</a:t>
+            </a:r>
+          </a:p>
+          <a:p>
+            <a:r>
+              <a:rPr lang="en-US" dirty="0" smtClean="0"/>
+              <a:t>Colors!</a:t>
+            </a:r>
+          </a:p>
+          <a:p>
+            <a:r>
+              <a:rPr lang="en-US" dirty="0" smtClean="0"/>
+              <a:t>Brushes!</a:t>
             </a:r>
             <a:endParaRPr lang="en-US" dirty="0"/>
           </a:p>
         </p:txBody>
       </p:sp>
+      <p:pic>
+        <p:nvPicPr>
+          <p:cNvPr id="4" name="Picture 3"/>
+          <p:cNvPicPr>
+            <a:picLocks noChangeAspect="1"/>
+          </p:cNvPicPr>
+          <p:nvPr/>
+        </p:nvPicPr>
+        <p:blipFill>
+          <a:blip r:embed="rId2" cstate="print">
+            <a:extLst>
+              <a:ext uri="{28A0092B-C50C-407E-A947-70E740481C1C}">
+                <a14:useLocalDpi xmlns:a14="http://schemas.microsoft.com/office/drawing/2010/main" val="0"/>
+              </a:ext>
+            </a:extLst>
+          </a:blip>
+          <a:stretch>
+            <a:fillRect/>
+          </a:stretch>
+        </p:blipFill>
+        <p:spPr>
+          <a:xfrm>
+            <a:off x="4114800" y="2286000"/>
+            <a:ext cx="3886200" cy="3445764"/>
+          </a:xfrm>
+          <a:prstGeom prst="rect">
+            <a:avLst/>
+          </a:prstGeom>
+          <a:solidFill>
+            <a:srgbClr xmlns:mc="http://schemas.openxmlformats.org/markup-compatibility/2006" xmlns:a14="http://schemas.microsoft.com/office/drawing/2010/main" val="FFFFFF" mc:Ignorable="">
+              <a:shade val="85000"/>
+            </a:srgbClr>
+          </a:solidFill>
+          <a:ln w="190500" cap="sq">
+            <a:solidFill>
+              <a:srgbClr xmlns:mc="http://schemas.openxmlformats.org/markup-compatibility/2006" xmlns:a14="http://schemas.microsoft.com/office/drawing/2010/main" val="FFFFFF" mc:Ignorable=""/>
+            </a:solidFill>
+            <a:miter lim="800000"/>
+          </a:ln>
+          <a:effectLst>
+            <a:outerShdw blurRad="65000" dist="50800" dir="12900000" kx="195000" ky="145000" algn="tl" rotWithShape="0">
+              <a:srgbClr xmlns:mc="http://schemas.openxmlformats.org/markup-compatibility/2006" xmlns:a14="http://schemas.microsoft.com/office/drawing/2010/main" val="000000" mc:Ignorable="">
+                <a:alpha val="30000"/>
+              </a:srgbClr>
+            </a:outerShdw>
+          </a:effectLst>
+          <a:scene3d>
+            <a:camera prst="orthographicFront">
+              <a:rot lat="0" lon="0" rev="360000"/>
+            </a:camera>
+            <a:lightRig rig="twoPt" dir="t">
+              <a:rot lat="0" lon="0" rev="7200000"/>
+            </a:lightRig>
+          </a:scene3d>
+          <a:sp3d contourW="12700">
+            <a:bevelT w="25400" h="19050"/>
+            <a:contourClr>
+              <a:srgbClr xmlns:mc="http://schemas.openxmlformats.org/markup-compatibility/2006" xmlns:a14="http://schemas.microsoft.com/office/drawing/2010/main" val="969696" mc:Ignorable=""/>
+            </a:contourClr>
+          </a:sp3d>
+        </p:spPr>
+      </p:pic>
+      <p:pic>
+        <p:nvPicPr>
+          <p:cNvPr id="5" name="Picture 4" descr="visualstudio.jpg"/>
+          <p:cNvPicPr>
+            <a:picLocks noChangeAspect="1"/>
+          </p:cNvPicPr>
+          <p:nvPr/>
+        </p:nvPicPr>
+        <p:blipFill>
+          <a:blip r:embed="rId3" cstate="print"/>
+          <a:stretch>
+            <a:fillRect/>
+          </a:stretch>
+        </p:blipFill>
+        <p:spPr>
+          <a:xfrm>
+            <a:off x="7839075" y="6076950"/>
+            <a:ext cx="1304925" cy="781050"/>
+          </a:xfrm>
+          <a:prstGeom prst="rect">
+            <a:avLst/>
+          </a:prstGeom>
+        </p:spPr>
+      </p:pic>
     </p:spTree>
   </p:cSld>
   <p:clrMapOvr>
@@ -18307,7 +21932,7 @@
           <a:p>
             <a:r>
               <a:rPr lang="en-US" dirty="0" smtClean="0"/>
-              <a:t>Inverse Color</a:t>
+              <a:t>Markup Extensions</a:t>
             </a:r>
             <a:endParaRPr lang="en-US" dirty="0"/>
           </a:p>
@@ -18328,34 +21953,72 @@
           <a:bodyPr/>
           <a:lstStyle/>
           <a:p>
+            <a:r>
+              <a:rPr lang="en-US" dirty="0" smtClean="0"/>
+              <a:t>Enable you to extend the </a:t>
+            </a:r>
+            <a:r>
+              <a:rPr lang="en-US" dirty="0" err="1" smtClean="0"/>
+              <a:t>expressibility</a:t>
+            </a:r>
+            <a:r>
+              <a:rPr lang="en-US" dirty="0" smtClean="0"/>
+              <a:t> of XAML</a:t>
+            </a:r>
+          </a:p>
+          <a:p>
+            <a:r>
+              <a:rPr lang="en-US" dirty="0" smtClean="0"/>
+              <a:t>Examples</a:t>
+            </a:r>
+          </a:p>
+          <a:p>
+            <a:pPr lvl="1"/>
+            <a:r>
+              <a:rPr lang="en-US" dirty="0" smtClean="0"/>
+              <a:t>{x:Null }</a:t>
+            </a:r>
+          </a:p>
+          <a:p>
+            <a:pPr lvl="1"/>
+            <a:r>
+              <a:rPr lang="en-US" dirty="0" smtClean="0"/>
+              <a:t>{Binding …}</a:t>
+            </a:r>
+          </a:p>
+          <a:p>
+            <a:pPr lvl="1"/>
+            <a:r>
+              <a:rPr lang="en-US" dirty="0" smtClean="0"/>
+              <a:t>{</a:t>
+            </a:r>
+            <a:r>
+              <a:rPr lang="en-US" dirty="0" err="1" smtClean="0"/>
+              <a:t>StaticResource</a:t>
+            </a:r>
+            <a:r>
+              <a:rPr lang="en-US" dirty="0" smtClean="0"/>
+              <a:t> }</a:t>
+            </a:r>
+          </a:p>
+          <a:p>
+            <a:pPr lvl="1"/>
+            <a:r>
+              <a:rPr lang="en-US" dirty="0" smtClean="0"/>
+              <a:t>{</a:t>
+            </a:r>
+            <a:r>
+              <a:rPr lang="en-US" dirty="0" err="1" smtClean="0"/>
+              <a:t>DynamicResource</a:t>
+            </a:r>
+            <a:r>
+              <a:rPr lang="en-US" dirty="0" smtClean="0"/>
+              <a:t> }</a:t>
+            </a:r>
             <a:endParaRPr lang="en-US" dirty="0"/>
           </a:p>
         </p:txBody>
       </p:sp>
-      <p:pic>
-        <p:nvPicPr>
-          <p:cNvPr id="4" name="Picture 3" descr="visualstudio.jpg"/>
-          <p:cNvPicPr>
-            <a:picLocks noChangeAspect="1"/>
-          </p:cNvPicPr>
-          <p:nvPr/>
-        </p:nvPicPr>
-        <p:blipFill>
-          <a:blip r:embed="rId2" cstate="print"/>
-          <a:stretch>
-            <a:fillRect/>
-          </a:stretch>
-        </p:blipFill>
-        <p:spPr>
-          <a:xfrm>
-            <a:off x="7839075" y="6076950"/>
-            <a:ext cx="1304925" cy="781050"/>
-          </a:xfrm>
-          <a:prstGeom prst="rect">
-            <a:avLst/>
-          </a:prstGeom>
-        </p:spPr>
-      </p:pic>
     </p:spTree>
   </p:cSld>
   <p:clrMapOvr>
@@ -18398,7 +22061,7 @@
           <a:p>
             <a:r>
               <a:rPr lang="en-US" dirty="0" smtClean="0"/>
-              <a:t>Lighten Color</a:t>
+              <a:t>Custom Markup Extension</a:t>
             </a:r>
             <a:endParaRPr lang="en-US" dirty="0"/>
           </a:p>
@@ -18419,6 +22082,47 @@
           <a:bodyPr/>
           <a:lstStyle/>
           <a:p>
+            <a:r>
+              <a:rPr lang="en-US" dirty="0" smtClean="0"/>
+              <a:t>Inherit </a:t>
+            </a:r>
+            <a:r>
+              <a:rPr lang="en-US" dirty="0" err="1" smtClean="0"/>
+              <a:t>MarkupExtension</a:t>
+            </a:r>
+            <a:endParaRPr lang="en-US" dirty="0" smtClean="0"/>
+          </a:p>
+          <a:p>
+            <a:r>
+              <a:rPr lang="en-US" dirty="0" smtClean="0"/>
+              <a:t>Object name include </a:t>
+            </a:r>
+            <a:r>
+              <a:rPr lang="en-US" dirty="0" err="1" smtClean="0"/>
+              <a:t>MarkupExtension</a:t>
+            </a:r>
+            <a:endParaRPr lang="en-US" dirty="0" smtClean="0"/>
+          </a:p>
+          <a:p>
+            <a:r>
+              <a:rPr lang="en-US" dirty="0" smtClean="0"/>
+              <a:t>Override abstract method</a:t>
+            </a:r>
+          </a:p>
+          <a:p>
+            <a:endParaRPr lang="en-US" dirty="0"/>
+          </a:p>
+          <a:p>
+            <a:r>
+              <a:rPr lang="en-US" dirty="0" smtClean="0"/>
+              <a:t>Inverse Color</a:t>
+            </a:r>
+          </a:p>
+          <a:p>
+            <a:r>
+              <a:rPr lang="en-US" dirty="0" smtClean="0"/>
+              <a:t>Lighten Color</a:t>
+            </a:r>
             <a:endParaRPr lang="en-US" dirty="0"/>
           </a:p>
         </p:txBody>
@@ -18472,6 +22176,36 @@
           <a:chExt cx="0" cy="0"/>
         </a:xfrm>
       </p:grpSpPr>
+      <p:pic>
+        <p:nvPicPr>
+          <p:cNvPr id="8" name="Picture 7"/>
+          <p:cNvPicPr>
+            <a:picLocks noChangeAspect="1"/>
+          </p:cNvPicPr>
+          <p:nvPr/>
+        </p:nvPicPr>
+        <p:blipFill>
+          <a:blip r:embed="rId2">
+            <a:extLst>
+              <a:ext uri="{28A0092B-C50C-407E-A947-70E740481C1C}">
+                <a14:useLocalDpi xmlns:a14="http://schemas.microsoft.com/office/drawing/2010/main" val="0"/>
+              </a:ext>
+            </a:extLst>
+          </a:blip>
+          <a:stretch>
+            <a:fillRect/>
+          </a:stretch>
+        </p:blipFill>
+        <p:spPr>
+          <a:xfrm>
+            <a:off x="1752600" y="1737360"/>
+            <a:ext cx="5638800" cy="4511040"/>
+          </a:xfrm>
+          <a:prstGeom prst="rect">
+            <a:avLst/>
+          </a:prstGeom>
+        </p:spPr>
+      </p:pic>
       <p:sp>
         <p:nvSpPr>
           <p:cNvPr id="2" name="Title 1"/>
@@ -18497,7 +22231,7 @@
       </p:sp>
       <p:sp>
         <p:nvSpPr>
-          <p:cNvPr id="3" name="Content Placeholder 2"/>
+          <p:cNvPr id="5" name="Content Placeholder 4"/>
           <p:cNvSpPr>
             <a:spLocks noGrp="1"/>
           </p:cNvSpPr>
@@ -18512,37 +22246,18 @@
           <a:p>
             <a:r>
               <a:rPr lang="en-US" dirty="0" smtClean="0"/>
-              <a:t>Gradient with Lighten</a:t>
+              <a:t>So awesome yet so easy to screw up</a:t>
             </a:r>
             <a:endParaRPr lang="en-US" dirty="0"/>
           </a:p>
         </p:txBody>
       </p:sp>
-      <p:pic>
-        <p:nvPicPr>
-          <p:cNvPr id="4" name="Picture 3" descr="visualstudio.jpg"/>
-          <p:cNvPicPr>
-            <a:picLocks noChangeAspect="1"/>
-          </p:cNvPicPr>
-          <p:nvPr/>
-        </p:nvPicPr>
-        <p:blipFill>
-          <a:blip r:embed="rId2" cstate="print"/>
-          <a:stretch>
-            <a:fillRect/>
-          </a:stretch>
-        </p:blipFill>
-        <p:spPr>
-          <a:xfrm>
-            <a:off x="7839075" y="6076950"/>
-            <a:ext cx="1304925" cy="781050"/>
-          </a:xfrm>
-          <a:prstGeom prst="rect">
-            <a:avLst/>
-          </a:prstGeom>
-        </p:spPr>
-      </p:pic>
     </p:spTree>
+    <p:extLst>
+      <p:ext uri="{BB962C8B-B14F-4D97-AF65-F5344CB8AC3E}">
+        <p14:creationId xmlns:p14="http://schemas.microsoft.com/office/powerpoint/2010/main" val="272746640"/>
+      </p:ext>
+    </p:extLst>
   </p:cSld>
   <p:clrMapOvr>
     <a:masterClrMapping/>
@@ -18607,18 +22322,58 @@
           <a:p>
             <a:r>
               <a:rPr lang="en-US" dirty="0" smtClean="0"/>
-              <a:t>Fonts as Resources</a:t>
-            </a:r>
-          </a:p>
-          <a:p>
-            <a:r>
-              <a:rPr lang="en-US" dirty="0" smtClean="0"/>
-              <a:t>Semantic Font</a:t>
+              <a:t>Fonts as resource</a:t>
+            </a:r>
+          </a:p>
+          <a:p>
+            <a:r>
+              <a:rPr lang="en-US" dirty="0" smtClean="0"/>
+              <a:t>Open Source fonts</a:t>
+            </a:r>
+          </a:p>
+          <a:p>
+            <a:pPr lvl="1"/>
+            <a:r>
+              <a:rPr lang="en-US" dirty="0" smtClean="0">
+                <a:hlinkClick r:id="rId2"/>
+              </a:rPr>
+              <a:t>http://ingebretsen.posterous.com/10-favorite-open-source-fonts-you-can-embed-i</a:t>
+            </a:r>
+            <a:endParaRPr lang="en-US" dirty="0" smtClean="0"/>
+          </a:p>
+          <a:p>
+            <a:r>
+              <a:rPr lang="en-US" dirty="0" smtClean="0"/>
+              <a:t>Embed Font</a:t>
             </a:r>
             <a:endParaRPr lang="en-US" dirty="0"/>
           </a:p>
         </p:txBody>
       </p:sp>
+      <p:pic>
+        <p:nvPicPr>
+          <p:cNvPr id="4" name="Picture 3" descr="visualstudio.jpg"/>
+          <p:cNvPicPr>
+            <a:picLocks noChangeAspect="1"/>
+          </p:cNvPicPr>
+          <p:nvPr/>
+        </p:nvPicPr>
+        <p:blipFill>
+          <a:blip r:embed="rId3" cstate="print"/>
+          <a:stretch>
+            <a:fillRect/>
+          </a:stretch>
+        </p:blipFill>
+        <p:spPr>
+          <a:xfrm>
+            <a:off x="7839075" y="6076950"/>
+            <a:ext cx="1304925" cy="781050"/>
+          </a:xfrm>
+          <a:prstGeom prst="rect">
+            <a:avLst/>
+          </a:prstGeom>
+        </p:spPr>
+      </p:pic>
     </p:spTree>
   </p:cSld>
   <p:clrMapOvr>
@@ -18661,15 +22416,7 @@
           <a:p>
             <a:r>
               <a:rPr lang="en-US" dirty="0" smtClean="0"/>
-              <a:t>Serif </a:t>
-            </a:r>
-            <a:r>
-              <a:rPr lang="en-US" dirty="0" err="1" smtClean="0"/>
-              <a:t>vs</a:t>
-            </a:r>
-            <a:r>
-              <a:rPr lang="en-US" dirty="0" smtClean="0"/>
-              <a:t> San-Serif</a:t>
+              <a:t>Bitmap Effects</a:t>
             </a:r>
             <a:endParaRPr lang="en-US" dirty="0"/>
           </a:p>
@@ -18690,7 +22437,67 @@
           <a:bodyPr/>
           <a:lstStyle/>
           <a:p>
-            <a:endParaRPr lang="en-US"/>
+            <a:r>
+              <a:rPr lang="en-US" dirty="0" smtClean="0"/>
+              <a:t>Renders in software</a:t>
+            </a:r>
+          </a:p>
+          <a:p>
+            <a:r>
+              <a:rPr lang="en-US" dirty="0" smtClean="0"/>
+              <a:t>Since in software -&gt; poor performance</a:t>
+            </a:r>
+          </a:p>
+          <a:p>
+            <a:r>
+              <a:rPr lang="en-US" dirty="0" smtClean="0"/>
+              <a:t>When applied to parent, it applies effect on all children</a:t>
+            </a:r>
+            <a:endParaRPr lang="en-US" dirty="0"/>
+          </a:p>
+        </p:txBody>
+      </p:sp>
+      <p:sp>
+        <p:nvSpPr>
+          <p:cNvPr id="5" name="TextBox 4"/>
+          <p:cNvSpPr txBox="1"/>
+          <p:nvPr/>
+        </p:nvSpPr>
+        <p:spPr>
+          <a:xfrm>
+            <a:off x="1600200" y="3923943"/>
+            <a:ext cx="6096000" cy="2400657"/>
+          </a:xfrm>
+          <a:prstGeom prst="rect">
+            <a:avLst/>
+          </a:prstGeom>
+        </p:spPr>
+        <p:style>
+          <a:lnRef idx="1">
+            <a:schemeClr val="accent2"/>
+          </a:lnRef>
+          <a:fillRef idx="3">
+            <a:schemeClr val="accent2"/>
+          </a:fillRef>
+          <a:effectRef idx="2">
+            <a:schemeClr val="accent2"/>
+          </a:effectRef>
+          <a:fontRef idx="minor">
+            <a:schemeClr val="lt1"/>
+          </a:fontRef>
+        </p:style>
+        <p:txBody>
+          <a:bodyPr wrap="square" rtlCol="0">
+            <a:spAutoFit/>
+          </a:bodyPr>
+          <a:lstStyle/>
+          <a:p>
+            <a:pPr algn="ctr"/>
+            <a:r>
+              <a:rPr lang="en-US" sz="15000" dirty="0" smtClean="0"/>
+              <a:t>FAIL</a:t>
+            </a:r>
+            <a:endParaRPr lang="en-US" sz="15000" dirty="0"/>
           </a:p>
         </p:txBody>
       </p:sp>
@@ -18736,7 +22543,7 @@
           <a:p>
             <a:r>
               <a:rPr lang="en-US" dirty="0" smtClean="0"/>
-              <a:t>Embedding a font</a:t>
+              <a:t>Effects</a:t>
             </a:r>
             <a:endParaRPr lang="en-US" dirty="0"/>
           </a:p>
@@ -18752,23 +22559,37 @@
             <p:ph idx="1"/>
           </p:nvPr>
         </p:nvSpPr>
-        <p:spPr/>
+        <p:spPr>
+          <a:xfrm>
+            <a:off x="4191000" y="1600200"/>
+            <a:ext cx="4648200" cy="4525963"/>
+          </a:xfrm>
+        </p:spPr>
         <p:txBody>
           <a:bodyPr/>
           <a:lstStyle/>
           <a:p>
             <a:r>
               <a:rPr lang="en-US" dirty="0" smtClean="0"/>
-              <a:t>Open Source fonts</a:t>
-            </a:r>
-          </a:p>
-          <a:p>
-            <a:pPr lvl="1"/>
-            <a:r>
-              <a:rPr lang="en-US" dirty="0" smtClean="0">
-                <a:hlinkClick r:id="rId2"/>
-              </a:rPr>
-              <a:t>http://ingebretsen.posterous.com/10-favorite-open-source-fonts-you-can-embed-i</a:t>
+              <a:t>Uses Graphic Card therefore super fast and awesome</a:t>
+            </a:r>
+          </a:p>
+          <a:p>
+            <a:r>
+              <a:rPr lang="en-US" dirty="0" smtClean="0"/>
+              <a:t>Drop Shadow</a:t>
+            </a:r>
+          </a:p>
+          <a:p>
+            <a:r>
+              <a:rPr lang="en-US" dirty="0" smtClean="0"/>
+              <a:t>Drop Shadow -&gt; Glow</a:t>
+            </a:r>
+          </a:p>
+          <a:p>
+            <a:r>
+              <a:rPr lang="en-US" dirty="0" smtClean="0"/>
+              <a:t>Effects as resources</a:t>
             </a:r>
             <a:endParaRPr lang="en-US" dirty="0"/>
           </a:p>
@@ -18783,7 +22604,7 @@
           <p:nvPr/>
         </p:nvPicPr>
         <p:blipFill>
-          <a:blip r:embed="rId3" cstate="print"/>
+          <a:blip r:embed="rId2" cstate="print"/>
           <a:stretch>
             <a:fillRect/>
           </a:stretch>
@@ -18796,6 +22617,62 @@
           <a:prstGeom prst="rect">
             <a:avLst/>
           </a:prstGeom>
+        </p:spPr>
+      </p:pic>
+      <p:pic>
+        <p:nvPicPr>
+          <p:cNvPr id="5" name="Picture 4"/>
+          <p:cNvPicPr>
+            <a:picLocks noChangeAspect="1"/>
+          </p:cNvPicPr>
+          <p:nvPr/>
+        </p:nvPicPr>
+        <p:blipFill>
+          <a:blip r:embed="rId3">
+            <a:extLst>
+              <a:ext uri="{28A0092B-C50C-407E-A947-70E740481C1C}">
+                <a14:useLocalDpi xmlns:a14="http://schemas.microsoft.com/office/drawing/2010/main" val="0"/>
+              </a:ext>
+            </a:extLst>
+          </a:blip>
+          <a:stretch>
+            <a:fillRect/>
+          </a:stretch>
+        </p:blipFill>
+        <p:spPr>
+          <a:xfrm>
+            <a:off x="304800" y="1371600"/>
+            <a:ext cx="3663616" cy="4800600"/>
+          </a:xfrm>
+          <a:prstGeom prst="rect">
+            <a:avLst/>
+          </a:prstGeom>
+          <a:ln w="190500" cap="sq">
+            <a:solidFill>
+              <a:srgbClr xmlns:mc="http://schemas.openxmlformats.org/markup-compatibility/2006" xmlns:a14="http://schemas.microsoft.com/office/drawing/2010/main" val="C8C6BD" mc:Ignorable=""/>
+            </a:solidFill>
+            <a:prstDash val="solid"/>
+            <a:miter lim="800000"/>
+          </a:ln>
+          <a:effectLst>
+            <a:outerShdw blurRad="254000" algn="bl" rotWithShape="0">
+              <a:srgbClr xmlns:mc="http://schemas.openxmlformats.org/markup-compatibility/2006" xmlns:a14="http://schemas.microsoft.com/office/drawing/2010/main" val="000000" mc:Ignorable="">
+                <a:alpha val="43000"/>
+              </a:srgbClr>
+            </a:outerShdw>
+          </a:effectLst>
+          <a:scene3d>
+            <a:camera prst="perspectiveFront" fov="5400000"/>
+            <a:lightRig rig="threePt" dir="t">
+              <a:rot lat="0" lon="0" rev="2100000"/>
+            </a:lightRig>
+          </a:scene3d>
+          <a:sp3d extrusionH="25400">
+            <a:bevelT w="304800" h="152400" prst="hardEdge"/>
+            <a:extrusionClr>
+              <a:srgbClr xmlns:mc="http://schemas.openxmlformats.org/markup-compatibility/2006" xmlns:a14="http://schemas.microsoft.com/office/drawing/2010/main" val="000000" mc:Ignorable=""/>
+            </a:extrusionClr>
+          </a:sp3d>
         </p:spPr>
       </p:pic>
     </p:spTree>
@@ -18840,7 +22717,11 @@
           <a:p>
             <a:r>
               <a:rPr lang="en-US" dirty="0" smtClean="0"/>
-              <a:t>Bitmap Effects</a:t>
+              <a:t>Semantic </a:t>
+            </a:r>
+            <a:r>
+              <a:rPr lang="en-US" dirty="0" err="1" smtClean="0"/>
+              <a:t>xaml</a:t>
             </a:r>
             <a:endParaRPr lang="en-US" dirty="0"/>
           </a:p>
@@ -18848,12 +22729,12 @@
       </p:sp>
       <p:sp>
         <p:nvSpPr>
-          <p:cNvPr id="3" name="Content Placeholder 2"/>
+          <p:cNvPr id="3" name="Text Placeholder 2"/>
           <p:cNvSpPr>
             <a:spLocks noGrp="1"/>
           </p:cNvSpPr>
           <p:nvPr>
-            <p:ph idx="1"/>
+            <p:ph type="body" idx="1"/>
           </p:nvPr>
         </p:nvSpPr>
         <p:spPr/>
@@ -18861,25 +22742,70 @@
           <a:bodyPr/>
           <a:lstStyle/>
           <a:p>
-            <a:r>
-              <a:rPr lang="en-US" dirty="0" smtClean="0"/>
-              <a:t>Why is it </a:t>
-            </a:r>
-            <a:r>
-              <a:rPr lang="en-US" dirty="0" err="1" smtClean="0"/>
-              <a:t>obselete</a:t>
-            </a:r>
-            <a:endParaRPr lang="en-US" dirty="0" smtClean="0"/>
-          </a:p>
-          <a:p>
-            <a:r>
-              <a:rPr lang="en-US" dirty="0" smtClean="0"/>
-              <a:t>performance</a:t>
-            </a:r>
-            <a:endParaRPr lang="en-US" dirty="0"/>
+            <a:endParaRPr lang="en-US"/>
           </a:p>
         </p:txBody>
       </p:sp>
+      <p:pic>
+        <p:nvPicPr>
+          <p:cNvPr id="4" name="Picture 3"/>
+          <p:cNvPicPr>
+            <a:picLocks noChangeAspect="1"/>
+          </p:cNvPicPr>
+          <p:nvPr/>
+        </p:nvPicPr>
+        <p:blipFill>
+          <a:blip r:embed="rId2">
+            <a:extLst>
+              <a:ext uri="{28A0092B-C50C-407E-A947-70E740481C1C}">
+                <a14:useLocalDpi xmlns:a14="http://schemas.microsoft.com/office/drawing/2010/main" val="0"/>
+              </a:ext>
+            </a:extLst>
+          </a:blip>
+          <a:stretch>
+            <a:fillRect/>
+          </a:stretch>
+        </p:blipFill>
+        <p:spPr>
+          <a:xfrm>
+            <a:off x="1905000" y="762000"/>
+            <a:ext cx="2501953" cy="3124200"/>
+          </a:xfrm>
+          <a:prstGeom prst="rect">
+            <a:avLst/>
+          </a:prstGeom>
+        </p:spPr>
+      </p:pic>
+      <p:pic>
+        <p:nvPicPr>
+          <p:cNvPr id="5" name="Picture 4"/>
+          <p:cNvPicPr>
+            <a:picLocks noChangeAspect="1"/>
+          </p:cNvPicPr>
+          <p:nvPr/>
+        </p:nvPicPr>
+        <p:blipFill>
+          <a:blip r:embed="rId3">
+            <a:extLst>
+              <a:ext uri="{28A0092B-C50C-407E-A947-70E740481C1C}">
+                <a14:useLocalDpi xmlns:a14="http://schemas.microsoft.com/office/drawing/2010/main" val="0"/>
+              </a:ext>
+            </a:extLst>
+          </a:blip>
+          <a:stretch>
+            <a:fillRect/>
+          </a:stretch>
+        </p:blipFill>
+        <p:spPr>
+          <a:xfrm>
+            <a:off x="5410200" y="838200"/>
+            <a:ext cx="3457575" cy="5338679"/>
+          </a:xfrm>
+          <a:prstGeom prst="rect">
+            <a:avLst/>
+          </a:prstGeom>
+        </p:spPr>
+      </p:pic>
     </p:spTree>
   </p:cSld>
   <p:clrMapOvr>
@@ -18922,48 +22848,7 @@
           <a:p>
             <a:r>
               <a:rPr lang="en-US" dirty="0" smtClean="0"/>
-              <a:t>Effects</a:t>
-            </a:r>
-            <a:endParaRPr lang="en-US" dirty="0"/>
-          </a:p>
-        </p:txBody>
-      </p:sp>
-      <p:sp>
-        <p:nvSpPr>
-          <p:cNvPr id="3" name="Content Placeholder 2"/>
-          <p:cNvSpPr>
-            <a:spLocks noGrp="1"/>
-          </p:cNvSpPr>
-          <p:nvPr>
-            <p:ph idx="1"/>
-          </p:nvPr>
-        </p:nvSpPr>
-        <p:spPr/>
-        <p:txBody>
-          <a:bodyPr/>
-          <a:lstStyle/>
-          <a:p>
-            <a:r>
-              <a:rPr lang="en-US" dirty="0" smtClean="0"/>
-              <a:t>Uses Graphic Card</a:t>
-            </a:r>
-          </a:p>
-          <a:p>
-            <a:r>
-              <a:rPr lang="en-US" dirty="0" smtClean="0"/>
-              <a:t>Drop Shadow</a:t>
-            </a:r>
-          </a:p>
-          <a:p>
-            <a:r>
-              <a:rPr lang="en-US" dirty="0" smtClean="0"/>
-              <a:t>Drop Shadow -&gt; Glow</a:t>
-            </a:r>
-          </a:p>
-          <a:p>
-            <a:r>
-              <a:rPr lang="en-US" dirty="0" smtClean="0"/>
-              <a:t>Effects as resources</a:t>
+              <a:t>UIX</a:t>
             </a:r>
             <a:endParaRPr lang="en-US" dirty="0"/>
           </a:p>
@@ -18971,22 +22856,28 @@
       </p:sp>
       <p:pic>
         <p:nvPicPr>
-          <p:cNvPr id="4" name="Picture 3" descr="visualstudio.jpg"/>
+          <p:cNvPr id="8" name="Picture 7"/>
           <p:cNvPicPr>
             <a:picLocks noChangeAspect="1"/>
           </p:cNvPicPr>
           <p:nvPr/>
         </p:nvPicPr>
         <p:blipFill>
-          <a:blip r:embed="rId2" cstate="print"/>
+          <a:blip r:embed="rId2">
+            <a:extLst>
+              <a:ext uri="{28A0092B-C50C-407E-A947-70E740481C1C}">
+                <a14:useLocalDpi xmlns:a14="http://schemas.microsoft.com/office/drawing/2010/main" val="0"/>
+              </a:ext>
+            </a:extLst>
+          </a:blip>
           <a:stretch>
             <a:fillRect/>
           </a:stretch>
         </p:blipFill>
         <p:spPr>
           <a:xfrm>
-            <a:off x="7839075" y="6076950"/>
-            <a:ext cx="1304925" cy="781050"/>
+            <a:off x="990600" y="1447800"/>
+            <a:ext cx="6792924" cy="4506525"/>
           </a:xfrm>
           <a:prstGeom prst="rect">
             <a:avLst/>
@@ -18994,6 +22885,11 @@
         </p:spPr>
       </p:pic>
     </p:spTree>
+    <p:extLst>
+      <p:ext uri="{BB962C8B-B14F-4D97-AF65-F5344CB8AC3E}">
+        <p14:creationId xmlns:p14="http://schemas.microsoft.com/office/powerpoint/2010/main" val="4022636194"/>
+      </p:ext>
+    </p:extLst>
   </p:cSld>
   <p:clrMapOvr>
     <a:masterClrMapping/>
@@ -19142,11 +23038,7 @@
           <a:p>
             <a:r>
               <a:rPr lang="en-US" dirty="0" smtClean="0"/>
-              <a:t>Semantic </a:t>
-            </a:r>
-            <a:r>
-              <a:rPr lang="en-US" dirty="0" err="1" smtClean="0"/>
-              <a:t>xaml</a:t>
+              <a:t>Tech is the answer!</a:t>
             </a:r>
             <a:endParaRPr lang="en-US" dirty="0"/>
           </a:p>
@@ -19154,12 +23046,12 @@
       </p:sp>
       <p:sp>
         <p:nvSpPr>
-          <p:cNvPr id="3" name="Text Placeholder 2"/>
+          <p:cNvPr id="3" name="Content Placeholder 2"/>
           <p:cNvSpPr>
             <a:spLocks noGrp="1"/>
           </p:cNvSpPr>
           <p:nvPr>
-            <p:ph type="body" idx="1"/>
+            <p:ph idx="1"/>
           </p:nvPr>
         </p:nvSpPr>
         <p:spPr/>
@@ -19167,11 +23059,80 @@
           <a:bodyPr/>
           <a:lstStyle/>
           <a:p>
-            <a:endParaRPr lang="en-US"/>
+            <a:r>
+              <a:rPr lang="en-US" dirty="0" smtClean="0"/>
+              <a:t>Binding!</a:t>
+            </a:r>
+          </a:p>
+          <a:p>
+            <a:r>
+              <a:rPr lang="en-US" dirty="0" smtClean="0"/>
+              <a:t>Styles!</a:t>
+            </a:r>
+          </a:p>
+          <a:p>
+            <a:r>
+              <a:rPr lang="en-US" dirty="0" smtClean="0"/>
+              <a:t>Gradients!</a:t>
+            </a:r>
+          </a:p>
+          <a:p>
+            <a:r>
+              <a:rPr lang="en-US" dirty="0" smtClean="0"/>
+              <a:t>Effects!</a:t>
+            </a:r>
+          </a:p>
+          <a:p>
+            <a:r>
+              <a:rPr lang="en-US" dirty="0" smtClean="0"/>
+              <a:t>Animations!</a:t>
+            </a:r>
+          </a:p>
+          <a:p>
+            <a:r>
+              <a:rPr lang="en-US" dirty="0" smtClean="0"/>
+              <a:t>Blend!</a:t>
+            </a:r>
+            <a:endParaRPr lang="en-US" dirty="0"/>
           </a:p>
         </p:txBody>
       </p:sp>
+      <p:pic>
+        <p:nvPicPr>
+          <p:cNvPr id="4" name="Picture 3"/>
+          <p:cNvPicPr>
+            <a:picLocks noChangeAspect="1"/>
+          </p:cNvPicPr>
+          <p:nvPr/>
+        </p:nvPicPr>
+        <p:blipFill>
+          <a:blip r:embed="rId2">
+            <a:extLst>
+              <a:ext uri="{28A0092B-C50C-407E-A947-70E740481C1C}">
+                <a14:useLocalDpi xmlns:a14="http://schemas.microsoft.com/office/drawing/2010/main" val="0"/>
+              </a:ext>
+            </a:extLst>
+          </a:blip>
+          <a:stretch>
+            <a:fillRect/>
+          </a:stretch>
+        </p:blipFill>
+        <p:spPr>
+          <a:xfrm>
+            <a:off x="4572000" y="1524000"/>
+            <a:ext cx="3191256" cy="4110926"/>
+          </a:xfrm>
+          <a:prstGeom prst="rect">
+            <a:avLst/>
+          </a:prstGeom>
+        </p:spPr>
+      </p:pic>
     </p:spTree>
+    <p:extLst>
+      <p:ext uri="{BB962C8B-B14F-4D97-AF65-F5344CB8AC3E}">
+        <p14:creationId xmlns:p14="http://schemas.microsoft.com/office/powerpoint/2010/main" val="361648813"/>
+      </p:ext>
+    </p:extLst>
   </p:cSld>
   <p:clrMapOvr>
     <a:masterClrMapping/>
@@ -19213,73 +23174,42 @@
           <a:p>
             <a:r>
               <a:rPr lang="en-US" dirty="0" smtClean="0"/>
-              <a:t>The Broken Workflow</a:t>
+              <a:t>Still Fail</a:t>
             </a:r>
             <a:endParaRPr lang="en-US" dirty="0"/>
           </a:p>
         </p:txBody>
       </p:sp>
-      <p:sp>
-        <p:nvSpPr>
-          <p:cNvPr id="3" name="Content Placeholder 2"/>
-          <p:cNvSpPr>
-            <a:spLocks noGrp="1"/>
-          </p:cNvSpPr>
-          <p:nvPr>
-            <p:ph idx="1"/>
-          </p:nvPr>
-        </p:nvSpPr>
-        <p:spPr/>
-        <p:txBody>
-          <a:bodyPr/>
-          <a:lstStyle/>
-          <a:p>
-            <a:r>
-              <a:rPr lang="en-US" dirty="0" smtClean="0"/>
-              <a:t>Why do we need to improve the workflow</a:t>
-            </a:r>
-          </a:p>
-          <a:p>
-            <a:pPr lvl="1"/>
-            <a:r>
-              <a:rPr lang="en-US" dirty="0" smtClean="0"/>
-              <a:t>Expensive</a:t>
-            </a:r>
-          </a:p>
-          <a:p>
-            <a:pPr lvl="1"/>
-            <a:r>
-              <a:rPr lang="en-US" dirty="0" smtClean="0"/>
-              <a:t>Time </a:t>
-            </a:r>
-            <a:r>
-              <a:rPr lang="en-US" dirty="0" err="1" smtClean="0"/>
-              <a:t>consumng</a:t>
-            </a:r>
-            <a:endParaRPr lang="en-US" dirty="0" smtClean="0"/>
-          </a:p>
-          <a:p>
-            <a:pPr lvl="1"/>
-            <a:r>
-              <a:rPr lang="en-US" dirty="0" smtClean="0"/>
-              <a:t>Painful</a:t>
-            </a:r>
-          </a:p>
-          <a:p>
-            <a:r>
-              <a:rPr lang="en-US" dirty="0" smtClean="0"/>
-              <a:t>Users deserve and demand better UIX</a:t>
-            </a:r>
-          </a:p>
-          <a:p>
-            <a:r>
-              <a:rPr lang="en-US" dirty="0" smtClean="0"/>
-              <a:t>No technical limitations</a:t>
-            </a:r>
-            <a:endParaRPr lang="en-US" dirty="0"/>
-          </a:p>
-        </p:txBody>
-      </p:sp>
+      <p:pic>
+        <p:nvPicPr>
+          <p:cNvPr id="6" name="Picture 5"/>
+          <p:cNvPicPr>
+            <a:picLocks noChangeAspect="1"/>
+          </p:cNvPicPr>
+          <p:nvPr/>
+        </p:nvPicPr>
+        <p:blipFill>
+          <a:blip r:embed="rId2">
+            <a:extLst>
+              <a:ext uri="{28A0092B-C50C-407E-A947-70E740481C1C}">
+                <a14:useLocalDpi xmlns:a14="http://schemas.microsoft.com/office/drawing/2010/main" val="0"/>
+              </a:ext>
+            </a:extLst>
+          </a:blip>
+          <a:stretch>
+            <a:fillRect/>
+          </a:stretch>
+        </p:blipFill>
+        <p:spPr>
+          <a:xfrm>
+            <a:off x="1524000" y="1447800"/>
+            <a:ext cx="6146800" cy="4419600"/>
+          </a:xfrm>
+          <a:prstGeom prst="rect">
+            <a:avLst/>
+          </a:prstGeom>
+        </p:spPr>
+      </p:pic>
     </p:spTree>
   </p:cSld>
   <p:clrMapOvr>
@@ -19317,14 +23247,12 @@
         </p:nvSpPr>
         <p:spPr/>
         <p:txBody>
-          <a:bodyPr>
-            <a:normAutofit fontScale="90000"/>
-          </a:bodyPr>
+          <a:bodyPr/>
           <a:lstStyle/>
           <a:p>
             <a:r>
               <a:rPr lang="en-US" dirty="0" smtClean="0"/>
-              <a:t>How can we improve the design workflow?</a:t>
+              <a:t>More to UIX than tech</a:t>
             </a:r>
             <a:endParaRPr lang="en-US" dirty="0"/>
           </a:p>
@@ -19345,11 +23273,47 @@
           <a:bodyPr/>
           <a:lstStyle/>
           <a:p>
-            <a:endParaRPr lang="en-US"/>
+            <a:r>
+              <a:rPr lang="en-US" dirty="0" smtClean="0"/>
+              <a:t>Designer and Developer workflow is still broken</a:t>
+            </a:r>
+          </a:p>
+          <a:p>
+            <a:r>
+              <a:rPr lang="en-US" dirty="0" smtClean="0"/>
+              <a:t>UI Work is</a:t>
+            </a:r>
+          </a:p>
+          <a:p>
+            <a:pPr lvl="1"/>
+            <a:r>
+              <a:rPr lang="en-US" dirty="0" smtClean="0"/>
+              <a:t>Expensive</a:t>
+            </a:r>
+          </a:p>
+          <a:p>
+            <a:pPr lvl="1"/>
+            <a:r>
+              <a:rPr lang="en-US" dirty="0" smtClean="0"/>
+              <a:t>Time consuming</a:t>
+            </a:r>
+          </a:p>
+          <a:p>
+            <a:pPr lvl="1"/>
+            <a:r>
+              <a:rPr lang="en-US" dirty="0" smtClean="0"/>
+              <a:t>Painful</a:t>
+            </a:r>
+            <a:endParaRPr lang="en-US" dirty="0"/>
           </a:p>
         </p:txBody>
       </p:sp>
     </p:spTree>
+    <p:extLst>
+      <p:ext uri="{BB962C8B-B14F-4D97-AF65-F5344CB8AC3E}">
+        <p14:creationId xmlns:p14="http://schemas.microsoft.com/office/powerpoint/2010/main" val="582545834"/>
+      </p:ext>
+    </p:extLst>
   </p:cSld>
   <p:clrMapOvr>
     <a:masterClrMapping/>
@@ -19391,11 +23355,7 @@
           <a:p>
             <a:r>
               <a:rPr lang="en-US" dirty="0" smtClean="0"/>
-              <a:t>WPF + </a:t>
-            </a:r>
-            <a:r>
-              <a:rPr lang="en-US" dirty="0" err="1" smtClean="0"/>
-              <a:t>Xaml</a:t>
+              <a:t>Why?</a:t>
             </a:r>
             <a:endParaRPr lang="en-US" dirty="0"/>
           </a:p>
@@ -19425,6 +23385,12 @@
             <a:r>
               <a:rPr lang="en-US" dirty="0" smtClean="0"/>
               <a:t>Designers know colors and fonts but not tech of WPF</a:t>
+            </a:r>
+          </a:p>
+          <a:p>
+            <a:r>
+              <a:rPr lang="en-US" dirty="0" smtClean="0"/>
+              <a:t>Developers know tech of WPF but nothing about colors and fonts</a:t>
             </a:r>
           </a:p>
           <a:p>
@@ -19474,7 +23440,7 @@
           <a:p>
             <a:r>
               <a:rPr lang="en-US" dirty="0" smtClean="0"/>
-              <a:t>Visual Editors</a:t>
+              <a:t>Blend</a:t>
             </a:r>
             <a:endParaRPr lang="en-US" dirty="0"/>
           </a:p>
@@ -19497,13 +23463,11 @@
           <a:p>
             <a:r>
               <a:rPr lang="en-US" dirty="0" smtClean="0"/>
-              <a:t>Are failing designers</a:t>
-            </a:r>
-          </a:p>
-          <a:p>
-            <a:r>
-              <a:rPr lang="en-US" dirty="0" smtClean="0"/>
-              <a:t>No editor will help (relate to web)</a:t>
+              <a:t>No Visual Editor </a:t>
+            </a:r>
+            <a:r>
+              <a:rPr lang="en-US" dirty="0" smtClean="0"/>
+              <a:t>will help (relate to web)</a:t>
             </a:r>
           </a:p>
           <a:p>
@@ -19516,13 +23480,30 @@
             <a:pPr lvl="1"/>
             <a:r>
               <a:rPr lang="en-US" dirty="0" smtClean="0"/>
-              <a:t>The good ones don’t</a:t>
-            </a:r>
-          </a:p>
-          <a:p>
-            <a:r>
-              <a:rPr lang="en-US" dirty="0" smtClean="0"/>
-              <a:t>No editor has adequately solved the problem of what they see into meaningful markup</a:t>
+              <a:t>“The </a:t>
+            </a:r>
+            <a:r>
+              <a:rPr lang="en-US" dirty="0" smtClean="0"/>
+              <a:t>good ones </a:t>
+            </a:r>
+            <a:r>
+              <a:rPr lang="en-US" dirty="0" smtClean="0"/>
+              <a:t>don’t”</a:t>
+            </a:r>
+            <a:endParaRPr lang="en-US" dirty="0" smtClean="0"/>
+          </a:p>
+          <a:p>
+            <a:r>
+              <a:rPr lang="en-US" dirty="0" smtClean="0"/>
+              <a:t>No editor has adequately solved the problem of </a:t>
+            </a:r>
+            <a:r>
+              <a:rPr lang="en-US" dirty="0" smtClean="0"/>
+              <a:t>converting what the designer sees </a:t>
+            </a:r>
+            <a:r>
+              <a:rPr lang="en-US" dirty="0" smtClean="0"/>
+              <a:t>into meaningful markup</a:t>
             </a:r>
             <a:endParaRPr lang="en-US" dirty="0"/>
           </a:p>
@@ -19697,7 +23678,18 @@
           <a:p>
             <a:r>
               <a:rPr lang="en-US" dirty="0" smtClean="0"/>
-              <a:t>Reconsider old fashioned ideas</a:t>
+              <a:t>Anything you can do I can do better</a:t>
+            </a:r>
+            <a:endParaRPr lang="en-US" dirty="0" smtClean="0"/>
+          </a:p>
+          <a:p>
+            <a:r>
+              <a:rPr lang="en-US" dirty="0" smtClean="0"/>
+              <a:t>Reconsider </a:t>
+            </a:r>
+            <a:r>
+              <a:rPr lang="en-US" dirty="0" smtClean="0"/>
+              <a:t>old fashioned ideas</a:t>
             </a:r>
           </a:p>
           <a:p>
@@ -19709,6 +23701,66 @@
           </a:p>
         </p:txBody>
       </p:sp>
+      <p:pic>
+        <p:nvPicPr>
+          <p:cNvPr id="4" name="Picture 3"/>
+          <p:cNvPicPr>
+            <a:picLocks noChangeAspect="1"/>
+          </p:cNvPicPr>
+          <p:nvPr/>
+        </p:nvPicPr>
+        <p:blipFill>
+          <a:blip r:embed="rId2">
+            <a:extLst>
+              <a:ext uri="{28A0092B-C50C-407E-A947-70E740481C1C}">
+                <a14:useLocalDpi xmlns:a14="http://schemas.microsoft.com/office/drawing/2010/main" val="0"/>
+              </a:ext>
+            </a:extLst>
+          </a:blip>
+          <a:stretch>
+            <a:fillRect/>
+          </a:stretch>
+        </p:blipFill>
+        <p:spPr>
+          <a:xfrm>
+            <a:off x="1447800" y="3886200"/>
+            <a:ext cx="1957387" cy="2390775"/>
+          </a:xfrm>
+          <a:prstGeom prst="rect">
+            <a:avLst/>
+          </a:prstGeom>
+        </p:spPr>
+      </p:pic>
+      <p:pic>
+        <p:nvPicPr>
+          <p:cNvPr id="5" name="Picture 4"/>
+          <p:cNvPicPr>
+            <a:picLocks noChangeAspect="1"/>
+          </p:cNvPicPr>
+          <p:nvPr/>
+        </p:nvPicPr>
+        <p:blipFill>
+          <a:blip r:embed="rId3">
+            <a:extLst>
+              <a:ext uri="{28A0092B-C50C-407E-A947-70E740481C1C}">
+                <a14:useLocalDpi xmlns:a14="http://schemas.microsoft.com/office/drawing/2010/main" val="0"/>
+              </a:ext>
+            </a:extLst>
+          </a:blip>
+          <a:stretch>
+            <a:fillRect/>
+          </a:stretch>
+        </p:blipFill>
+        <p:spPr>
+          <a:xfrm>
+            <a:off x="5257800" y="3581400"/>
+            <a:ext cx="2857500" cy="2695575"/>
+          </a:xfrm>
+          <a:prstGeom prst="rect">
+            <a:avLst/>
+          </a:prstGeom>
+        </p:spPr>
+      </p:pic>
     </p:spTree>
   </p:cSld>
   <p:clrMapOvr>
@@ -19751,7 +23803,7 @@
           <a:p>
             <a:r>
               <a:rPr lang="en-US" dirty="0" smtClean="0"/>
-              <a:t>ML = Markup Language</a:t>
+              <a:t>Change</a:t>
             </a:r>
             <a:endParaRPr lang="en-US" dirty="0"/>
           </a:p>
@@ -19774,31 +23826,97 @@
           <a:p>
             <a:r>
               <a:rPr lang="en-US" dirty="0" smtClean="0"/>
-              <a:t>If XAML is a markup, what other markup language do we know of?</a:t>
-            </a:r>
-          </a:p>
-          <a:p>
-            <a:r>
-              <a:rPr lang="en-US" dirty="0" smtClean="0"/>
-              <a:t>HTML!</a:t>
-            </a:r>
-          </a:p>
-          <a:p>
-            <a:r>
-              <a:rPr lang="en-US" dirty="0" smtClean="0"/>
-              <a:t> We should learn from the web that has YEARS of UI markup XP</a:t>
-            </a:r>
-          </a:p>
-          <a:p>
-            <a:r>
-              <a:rPr lang="en-US" dirty="0" smtClean="0"/>
-              <a:t>Evaluate how you think about and use markup</a:t>
-            </a:r>
+              <a:t>Reconsider old fashioned ideas</a:t>
+            </a:r>
+          </a:p>
+          <a:p>
+            <a:r>
+              <a:rPr lang="en-US" dirty="0" smtClean="0"/>
+              <a:t>Don’t think drag and drop</a:t>
+            </a:r>
+          </a:p>
+          <a:p>
+            <a:endParaRPr lang="en-US" dirty="0"/>
+          </a:p>
+          <a:p>
             <a:endParaRPr lang="en-US" dirty="0"/>
           </a:p>
         </p:txBody>
       </p:sp>
+      <p:sp>
+        <p:nvSpPr>
+          <p:cNvPr id="5" name="TextBox 4"/>
+          <p:cNvSpPr txBox="1"/>
+          <p:nvPr/>
+        </p:nvSpPr>
+        <p:spPr>
+          <a:xfrm>
+            <a:off x="228600" y="3048000"/>
+            <a:ext cx="5562600" cy="1754326"/>
+          </a:xfrm>
+          <a:prstGeom prst="rect">
+            <a:avLst/>
+          </a:prstGeom>
+          <a:noFill/>
+        </p:spPr>
+        <p:txBody>
+          <a:bodyPr wrap="square" rtlCol="0">
+            <a:spAutoFit/>
+          </a:bodyPr>
+          <a:lstStyle/>
+          <a:p>
+            <a:r>
+              <a:rPr lang="en-US" sz="3600" dirty="0" smtClean="0"/>
+              <a:t>You </a:t>
+            </a:r>
+            <a:r>
+              <a:rPr lang="en-US" sz="3600" dirty="0"/>
+              <a:t>must unlearn what you have </a:t>
+            </a:r>
+            <a:r>
+              <a:rPr lang="en-US" sz="3600" dirty="0" smtClean="0"/>
+              <a:t>learned </a:t>
+            </a:r>
+            <a:r>
+              <a:rPr lang="en-US" sz="3600" dirty="0"/>
+              <a:t>- Yoda</a:t>
+            </a:r>
+          </a:p>
+          <a:p>
+            <a:endParaRPr lang="en-US" sz="3600" dirty="0"/>
+          </a:p>
+        </p:txBody>
+      </p:sp>
+      <p:pic>
+        <p:nvPicPr>
+          <p:cNvPr id="6" name="Picture 5"/>
+          <p:cNvPicPr>
+            <a:picLocks noChangeAspect="1"/>
+          </p:cNvPicPr>
+          <p:nvPr/>
+        </p:nvPicPr>
+        <p:blipFill>
+          <a:blip r:embed="rId2" cstate="print"/>
+          <a:stretch>
+            <a:fillRect/>
+          </a:stretch>
+        </p:blipFill>
+        <p:spPr>
+          <a:xfrm>
+            <a:off x="5943600" y="2362200"/>
+            <a:ext cx="2660904" cy="3367554"/>
+          </a:xfrm>
+          <a:prstGeom prst="rect">
+            <a:avLst/>
+          </a:prstGeom>
+        </p:spPr>
+      </p:pic>
     </p:spTree>
+    <p:extLst>
+      <p:ext uri="{BB962C8B-B14F-4D97-AF65-F5344CB8AC3E}">
+        <p14:creationId xmlns:p14="http://schemas.microsoft.com/office/powerpoint/2010/main" val="2794339980"/>
+      </p:ext>
+    </p:extLst>
   </p:cSld>
   <p:clrMapOvr>
     <a:masterClrMapping/>
@@ -19825,12 +23943,12 @@
       </p:grpSpPr>
       <p:sp>
         <p:nvSpPr>
-          <p:cNvPr id="3" name="Content Placeholder 2"/>
+          <p:cNvPr id="2" name="Title 1"/>
           <p:cNvSpPr>
             <a:spLocks noGrp="1"/>
           </p:cNvSpPr>
           <p:nvPr>
-            <p:ph idx="1"/>
+            <p:ph type="title"/>
           </p:nvPr>
         </p:nvSpPr>
         <p:spPr/>
@@ -19838,54 +23956,30 @@
           <a:bodyPr/>
           <a:lstStyle/>
           <a:p>
-            <a:pPr>
-              <a:buNone/>
-            </a:pPr>
-            <a:r>
-              <a:rPr lang="en-US" dirty="0" smtClean="0"/>
-              <a:t>In markup, semantics is concerned with the meaning of an element and how that element describes that content it contains </a:t>
-            </a:r>
-          </a:p>
-          <a:p>
-            <a:pPr>
-              <a:buNone/>
-            </a:pPr>
-            <a:r>
-              <a:rPr lang="en-US" dirty="0" smtClean="0"/>
-              <a:t>				– Molly </a:t>
-            </a:r>
-            <a:r>
-              <a:rPr lang="en-US" dirty="0" err="1" smtClean="0"/>
-              <a:t>Holzschlag</a:t>
+            <a:r>
+              <a:rPr lang="en-US" dirty="0" smtClean="0"/>
+              <a:t>WPF Truth</a:t>
             </a:r>
             <a:endParaRPr lang="en-US" dirty="0"/>
           </a:p>
         </p:txBody>
       </p:sp>
-      <p:pic>
-        <p:nvPicPr>
-          <p:cNvPr id="4" name="Picture 3" descr="molly-holzschlag.jpg"/>
-          <p:cNvPicPr>
-            <a:picLocks noChangeAspect="1"/>
-          </p:cNvPicPr>
+      <p:graphicFrame>
+        <p:nvGraphicFramePr>
+          <p:cNvPr id="4" name="Diagram 3"/>
+          <p:cNvGraphicFramePr/>
           <p:nvPr/>
-        </p:nvPicPr>
-        <p:blipFill>
-          <a:blip r:embed="rId2" cstate="print"/>
-          <a:stretch>
-            <a:fillRect/>
-          </a:stretch>
-        </p:blipFill>
-        <p:spPr>
-          <a:xfrm>
-            <a:off x="6858000" y="2895600"/>
-            <a:ext cx="1333500" cy="1854200"/>
-          </a:xfrm>
-          <a:prstGeom prst="rect">
-            <a:avLst/>
-          </a:prstGeom>
-        </p:spPr>
-      </p:pic>
+        </p:nvGraphicFramePr>
+        <p:xfrm>
+          <a:off x="1524000" y="1397000"/>
+          <a:ext cx="6096000" cy="4064000"/>
+        </p:xfrm>
+        <a:graphic>
+          <a:graphicData uri="http://schemas.openxmlformats.org/drawingml/2006/diagram">
+            <dgm:relIds xmlns:dgm="http://schemas.openxmlformats.org/drawingml/2006/diagram" xmlns:r="http://schemas.openxmlformats.org/officeDocument/2006/relationships" r:dm="rId2" r:lo="rId3" r:qs="rId4" r:cs="rId5"/>
+          </a:graphicData>
+        </a:graphic>
+      </p:graphicFrame>
     </p:spTree>
   </p:cSld>
   <p:clrMapOvr>
@@ -19928,7 +24022,7 @@
           <a:p>
             <a:r>
               <a:rPr lang="en-US" dirty="0" smtClean="0"/>
-              <a:t>What is Semantic </a:t>
+              <a:t>Clean </a:t>
             </a:r>
             <a:r>
               <a:rPr lang="en-US" dirty="0" err="1" smtClean="0"/>
@@ -19953,7 +24047,27 @@
           <a:bodyPr/>
           <a:lstStyle/>
           <a:p>
-            <a:endParaRPr lang="en-US"/>
+            <a:r>
+              <a:rPr lang="en-US" dirty="0" smtClean="0"/>
+              <a:t>We get upset if our classes are heavily nested and over 1k lines long but have no issue with our </a:t>
+            </a:r>
+            <a:r>
+              <a:rPr lang="en-US" dirty="0" err="1" smtClean="0"/>
+              <a:t>xaml</a:t>
+            </a:r>
+            <a:r>
+              <a:rPr lang="en-US" dirty="0" smtClean="0"/>
+              <a:t> files?</a:t>
+            </a:r>
+          </a:p>
+          <a:p>
+            <a:r>
+              <a:rPr lang="en-US" dirty="0" smtClean="0"/>
+              <a:t>Adding nested elements increases the likelihood of errors creeping in during design</a:t>
+            </a:r>
+          </a:p>
+          <a:p>
+            <a:endParaRPr lang="en-US" dirty="0"/>
           </a:p>
         </p:txBody>
       </p:sp>
@@ -20094,11 +24208,7 @@
           <a:p>
             <a:r>
               <a:rPr lang="en-US" dirty="0" smtClean="0"/>
-              <a:t>Why Semantic </a:t>
-            </a:r>
-            <a:r>
-              <a:rPr lang="en-US" dirty="0" err="1" smtClean="0"/>
-              <a:t>Xaml</a:t>
+              <a:t>Visual Editor = Code Gen</a:t>
             </a:r>
             <a:endParaRPr lang="en-US" dirty="0"/>
           </a:p>
@@ -20121,15 +24231,48 @@
           <a:p>
             <a:r>
               <a:rPr lang="en-US" dirty="0" smtClean="0"/>
-              <a:t>Meaningful markup and structure simplifies design</a:t>
-            </a:r>
-          </a:p>
-          <a:p>
-            <a:r>
-              <a:rPr lang="en-US" dirty="0" smtClean="0"/>
-              <a:t>Position meaningful semantic markup at the center of everything you create</a:t>
-            </a:r>
-            <a:endParaRPr lang="en-US" dirty="0"/>
+              <a:t>We should have the same hesitation over using a visual editor as we do using code generation. </a:t>
+            </a:r>
+          </a:p>
+          <a:p>
+            <a:endParaRPr lang="en-US" dirty="0" smtClean="0"/>
+          </a:p>
+          <a:p>
+            <a:pPr lvl="1"/>
+            <a:r>
+              <a:rPr lang="en-US" dirty="0" smtClean="0"/>
+              <a:t>All </a:t>
+            </a:r>
+            <a:r>
+              <a:rPr lang="en-US" dirty="0" err="1" smtClean="0"/>
+              <a:t>xaml</a:t>
+            </a:r>
+            <a:r>
+              <a:rPr lang="en-US" dirty="0" smtClean="0"/>
+              <a:t> is code</a:t>
+            </a:r>
+          </a:p>
+          <a:p>
+            <a:pPr lvl="1"/>
+            <a:r>
+              <a:rPr lang="en-US" dirty="0" smtClean="0"/>
+              <a:t>All visual editors generate </a:t>
+            </a:r>
+            <a:r>
+              <a:rPr lang="en-US" dirty="0" err="1" smtClean="0"/>
+              <a:t>xaml</a:t>
+            </a:r>
+            <a:endParaRPr lang="en-US" dirty="0" smtClean="0"/>
+          </a:p>
+          <a:p>
+            <a:pPr lvl="1"/>
+            <a:r>
+              <a:rPr lang="en-US" dirty="0" smtClean="0"/>
+              <a:t>Then all visual editors generate code</a:t>
+            </a:r>
+          </a:p>
+          <a:p>
+            <a:endParaRPr lang="en-US" dirty="0" smtClean="0"/>
           </a:p>
         </p:txBody>
       </p:sp>
@@ -20175,7 +24318,7 @@
           <a:p>
             <a:r>
               <a:rPr lang="en-US" dirty="0" smtClean="0"/>
-              <a:t>Naming</a:t>
+              <a:t>ML = Markup Language</a:t>
             </a:r>
             <a:endParaRPr lang="en-US" dirty="0"/>
           </a:p>
@@ -20193,54 +24336,49 @@
         </p:nvSpPr>
         <p:spPr/>
         <p:txBody>
-          <a:bodyPr>
-            <a:normAutofit fontScale="85000" lnSpcReduction="20000"/>
-          </a:bodyPr>
+          <a:bodyPr/>
           <a:lstStyle/>
           <a:p>
             <a:r>
               <a:rPr lang="en-US" dirty="0" smtClean="0"/>
-              <a:t>Names should relate to context and not appearance</a:t>
-            </a:r>
-          </a:p>
-          <a:p>
-            <a:r>
-              <a:rPr lang="en-US" dirty="0" smtClean="0"/>
-              <a:t>Save you working and thinking time, because they leave you free to design rather than sit around wondering.. ?</a:t>
-            </a:r>
-          </a:p>
-          <a:p>
-            <a:r>
-              <a:rPr lang="en-US" dirty="0" smtClean="0"/>
-              <a:t>Setup semantic naming conventions</a:t>
-            </a:r>
-          </a:p>
-          <a:p>
-            <a:r>
-              <a:rPr lang="en-US" dirty="0" smtClean="0"/>
-              <a:t>Reduces the time it takes to mentally deconstruct a doc and reduce margins and costs of errors</a:t>
-            </a:r>
-          </a:p>
-          <a:p>
-            <a:r>
-              <a:rPr lang="en-US" dirty="0" smtClean="0"/>
-              <a:t>Helps in teams</a:t>
-            </a:r>
-          </a:p>
-          <a:p>
-            <a:r>
-              <a:rPr lang="en-US" dirty="0" smtClean="0"/>
-              <a:t>Make it </a:t>
-            </a:r>
-            <a:r>
-              <a:rPr lang="en-US" dirty="0" err="1" smtClean="0"/>
-              <a:t>simplier</a:t>
-            </a:r>
-            <a:r>
-              <a:rPr lang="en-US" dirty="0" smtClean="0"/>
-              <a:t> to understand the markup that has been written by another developer</a:t>
-            </a:r>
-            <a:endParaRPr lang="en-US" dirty="0"/>
+              <a:t>If XAML is a markup, what other markup language do we know of?</a:t>
+            </a:r>
+          </a:p>
+          <a:p>
+            <a:r>
+              <a:rPr lang="en-US" dirty="0" smtClean="0"/>
+              <a:t>HTML!</a:t>
+            </a:r>
+          </a:p>
+          <a:p>
+            <a:r>
+              <a:rPr lang="en-US" dirty="0" smtClean="0"/>
+              <a:t>We </a:t>
+            </a:r>
+            <a:r>
+              <a:rPr lang="en-US" dirty="0" smtClean="0"/>
+              <a:t>should learn from the web </a:t>
+            </a:r>
+            <a:endParaRPr lang="en-US" dirty="0" smtClean="0"/>
+          </a:p>
+          <a:p>
+            <a:r>
+              <a:rPr lang="en-US" dirty="0" smtClean="0"/>
+              <a:t>The web h</a:t>
+            </a:r>
+            <a:r>
+              <a:rPr lang="en-US" dirty="0" smtClean="0"/>
+              <a:t>as </a:t>
+            </a:r>
+            <a:r>
+              <a:rPr lang="en-US" dirty="0" smtClean="0"/>
+              <a:t>YEARS of UI markup </a:t>
+            </a:r>
+            <a:r>
+              <a:rPr lang="en-US" dirty="0" smtClean="0"/>
+              <a:t>experience</a:t>
+            </a:r>
+            <a:endParaRPr lang="en-US" dirty="0" smtClean="0"/>
           </a:p>
         </p:txBody>
       </p:sp>
@@ -20286,7 +24424,7 @@
           <a:p>
             <a:r>
               <a:rPr lang="en-US" dirty="0" smtClean="0"/>
-              <a:t>Breakdown Apps</a:t>
+              <a:t>Semantics</a:t>
             </a:r>
             <a:endParaRPr lang="en-US" dirty="0"/>
           </a:p>
@@ -20307,15 +24445,39 @@
           <a:bodyPr/>
           <a:lstStyle/>
           <a:p>
-            <a:r>
-              <a:rPr lang="en-US" dirty="0" smtClean="0"/>
-              <a:t>Get some screen shots and then breakdown screen</a:t>
-            </a:r>
+            <a:pPr>
+              <a:buNone/>
+            </a:pPr>
+            <a:r>
+              <a:rPr lang="en-US" dirty="0"/>
+              <a:t>In markup, semantics is concerned with the meaning of an element and how that element describes that content it contains </a:t>
+            </a:r>
+          </a:p>
+          <a:p>
+            <a:pPr>
+              <a:buNone/>
+            </a:pPr>
+            <a:r>
+              <a:rPr lang="en-US" dirty="0"/>
+              <a:t>				– Molly </a:t>
+            </a:r>
+            <a:r>
+              <a:rPr lang="en-US" dirty="0" err="1"/>
+              <a:t>Holzschlag</a:t>
+            </a:r>
+            <a:endParaRPr lang="en-US" dirty="0"/>
+          </a:p>
+          <a:p>
             <a:endParaRPr lang="en-US" dirty="0"/>
           </a:p>
         </p:txBody>
       </p:sp>
     </p:spTree>
+    <p:extLst>
+      <p:ext uri="{BB962C8B-B14F-4D97-AF65-F5344CB8AC3E}">
+        <p14:creationId xmlns:p14="http://schemas.microsoft.com/office/powerpoint/2010/main" val="2277484368"/>
+      </p:ext>
+    </p:extLst>
   </p:cSld>
   <p:clrMapOvr>
     <a:masterClrMapping/>
@@ -20357,7 +24519,11 @@
           <a:p>
             <a:r>
               <a:rPr lang="en-US" dirty="0" smtClean="0"/>
-              <a:t>Custom Controls</a:t>
+              <a:t>Why </a:t>
+            </a:r>
+            <a:r>
+              <a:rPr lang="en-US" dirty="0" smtClean="0"/>
+              <a:t>Semantics</a:t>
             </a:r>
             <a:endParaRPr lang="en-US" dirty="0"/>
           </a:p>
@@ -20380,69 +24546,41 @@
           <a:p>
             <a:r>
               <a:rPr lang="en-US" dirty="0" smtClean="0"/>
-              <a:t>Declare semantic controls</a:t>
-            </a:r>
-          </a:p>
-          <a:p>
-            <a:r>
-              <a:rPr lang="en-US" dirty="0" smtClean="0"/>
-              <a:t>Allows setting styles by target type</a:t>
-            </a:r>
-          </a:p>
-          <a:p>
-            <a:r>
-              <a:rPr lang="en-US" dirty="0" smtClean="0"/>
-              <a:t>No preconceived ideas on template implementation</a:t>
-            </a:r>
-          </a:p>
-          <a:p>
-            <a:pPr lvl="1"/>
-            <a:r>
-              <a:rPr lang="en-US" dirty="0" smtClean="0"/>
-              <a:t>Label template that uses a </a:t>
-            </a:r>
-            <a:r>
-              <a:rPr lang="en-US" dirty="0" err="1" smtClean="0"/>
-              <a:t>Listbox</a:t>
-            </a:r>
-            <a:r>
-              <a:rPr lang="en-US" dirty="0" smtClean="0"/>
-              <a:t> would be confusing</a:t>
-            </a:r>
-          </a:p>
-          <a:p>
-            <a:r>
-              <a:rPr lang="en-US" dirty="0" smtClean="0"/>
-              <a:t>Section Title example</a:t>
+              <a:t>Meaningful markup and structure simplifies </a:t>
+            </a:r>
+            <a:r>
+              <a:rPr lang="en-US" dirty="0" smtClean="0"/>
+              <a:t>design</a:t>
+            </a:r>
+          </a:p>
+          <a:p>
+            <a:r>
+              <a:rPr lang="en-US" dirty="0" smtClean="0"/>
+              <a:t>Reduces time to create views</a:t>
+            </a:r>
+            <a:endParaRPr lang="en-US" dirty="0" smtClean="0"/>
+          </a:p>
+          <a:p>
+            <a:r>
+              <a:rPr lang="en-US" dirty="0" smtClean="0"/>
+              <a:t>Reduces time to mentally deconstruct a doc</a:t>
+            </a:r>
+          </a:p>
+          <a:p>
+            <a:r>
+              <a:rPr lang="en-US" dirty="0" smtClean="0"/>
+              <a:t>Reduce margins and costs of errors</a:t>
+            </a:r>
+          </a:p>
+          <a:p>
+            <a:r>
+              <a:rPr lang="en-US" dirty="0" smtClean="0"/>
+              <a:t>Simplifies the understanding of markup written by another developer</a:t>
             </a:r>
             <a:endParaRPr lang="en-US" dirty="0"/>
           </a:p>
         </p:txBody>
       </p:sp>
-      <p:pic>
-        <p:nvPicPr>
-          <p:cNvPr id="4" name="Picture 3" descr="visualstudio.jpg"/>
-          <p:cNvPicPr>
-            <a:picLocks noChangeAspect="1"/>
-          </p:cNvPicPr>
-          <p:nvPr/>
-        </p:nvPicPr>
-        <p:blipFill>
-          <a:blip r:embed="rId2" cstate="print"/>
-          <a:stretch>
-            <a:fillRect/>
-          </a:stretch>
-        </p:blipFill>
-        <p:spPr>
-          <a:xfrm>
-            <a:off x="7839075" y="6076950"/>
-            <a:ext cx="1304925" cy="781050"/>
-          </a:xfrm>
-          <a:prstGeom prst="rect">
-            <a:avLst/>
-          </a:prstGeom>
-        </p:spPr>
-      </p:pic>
     </p:spTree>
   </p:cSld>
   <p:clrMapOvr>
@@ -20470,6 +24608,94 @@
       </p:grpSpPr>
       <p:sp>
         <p:nvSpPr>
+          <p:cNvPr id="8" name="Donut 7"/>
+          <p:cNvSpPr/>
+          <p:nvPr/>
+        </p:nvSpPr>
+        <p:spPr>
+          <a:xfrm>
+            <a:off x="5638800" y="3810000"/>
+            <a:ext cx="2286000" cy="2286000"/>
+          </a:xfrm>
+          <a:prstGeom prst="donut">
+            <a:avLst/>
+          </a:prstGeom>
+        </p:spPr>
+        <p:style>
+          <a:lnRef idx="2">
+            <a:schemeClr val="accent3">
+              <a:shade val="50000"/>
+            </a:schemeClr>
+          </a:lnRef>
+          <a:fillRef idx="1">
+            <a:schemeClr val="accent3"/>
+          </a:fillRef>
+          <a:effectRef idx="0">
+            <a:schemeClr val="accent3"/>
+          </a:effectRef>
+          <a:fontRef idx="minor">
+            <a:schemeClr val="lt1"/>
+          </a:fontRef>
+        </p:style>
+        <p:txBody>
+          <a:bodyPr rtlCol="0" anchor="ctr"/>
+          <a:lstStyle/>
+          <a:p>
+            <a:pPr algn="ctr"/>
+            <a:endParaRPr lang="en-US">
+              <a:solidFill>
+                <a:schemeClr val="tx1"/>
+              </a:solidFill>
+            </a:endParaRPr>
+          </a:p>
+        </p:txBody>
+      </p:sp>
+      <p:sp>
+        <p:nvSpPr>
+          <p:cNvPr id="7" name="&quot;No&quot; Symbol 6"/>
+          <p:cNvSpPr/>
+          <p:nvPr/>
+        </p:nvSpPr>
+        <p:spPr>
+          <a:xfrm rot="5400000">
+            <a:off x="1752600" y="3810000"/>
+            <a:ext cx="2286000" cy="2286000"/>
+          </a:xfrm>
+          <a:prstGeom prst="noSmoking">
+            <a:avLst/>
+          </a:prstGeom>
+        </p:spPr>
+        <p:style>
+          <a:lnRef idx="2">
+            <a:schemeClr val="accent2">
+              <a:shade val="50000"/>
+            </a:schemeClr>
+          </a:lnRef>
+          <a:fillRef idx="1">
+            <a:schemeClr val="accent2"/>
+          </a:fillRef>
+          <a:effectRef idx="0">
+            <a:schemeClr val="accent2"/>
+          </a:effectRef>
+          <a:fontRef idx="minor">
+            <a:schemeClr val="lt1"/>
+          </a:fontRef>
+        </p:style>
+        <p:txBody>
+          <a:bodyPr rtlCol="0" anchor="ctr"/>
+          <a:lstStyle/>
+          <a:p>
+            <a:pPr algn="ctr"/>
+            <a:endParaRPr lang="en-US">
+              <a:solidFill>
+                <a:schemeClr val="tx1"/>
+              </a:solidFill>
+            </a:endParaRPr>
+          </a:p>
+        </p:txBody>
+      </p:sp>
+      <p:sp>
+        <p:nvSpPr>
           <p:cNvPr id="2" name="Title 1"/>
           <p:cNvSpPr>
             <a:spLocks noGrp="1"/>
@@ -20485,28 +24711,111 @@
           <a:p>
             <a:r>
               <a:rPr lang="en-US" dirty="0" smtClean="0"/>
-              <a:t>WPF Truth</a:t>
+              <a:t>Naming</a:t>
             </a:r>
             <a:endParaRPr lang="en-US" dirty="0"/>
           </a:p>
         </p:txBody>
       </p:sp>
-      <p:graphicFrame>
-        <p:nvGraphicFramePr>
-          <p:cNvPr id="4" name="Diagram 3"/>
-          <p:cNvGraphicFramePr/>
+      <p:sp>
+        <p:nvSpPr>
+          <p:cNvPr id="3" name="Content Placeholder 2"/>
+          <p:cNvSpPr>
+            <a:spLocks noGrp="1"/>
+          </p:cNvSpPr>
+          <p:nvPr>
+            <p:ph idx="1"/>
+          </p:nvPr>
+        </p:nvSpPr>
+        <p:spPr/>
+        <p:txBody>
+          <a:bodyPr>
+            <a:normAutofit/>
+          </a:bodyPr>
+          <a:lstStyle/>
+          <a:p>
+            <a:r>
+              <a:rPr lang="en-US" dirty="0" smtClean="0"/>
+              <a:t>Names should relate to context and not appearance</a:t>
+            </a:r>
+          </a:p>
+          <a:p>
+            <a:r>
+              <a:rPr lang="en-US" dirty="0" smtClean="0"/>
+              <a:t>Setup </a:t>
+            </a:r>
+            <a:r>
+              <a:rPr lang="en-US" dirty="0" smtClean="0"/>
+              <a:t>semantic naming </a:t>
+            </a:r>
+            <a:r>
+              <a:rPr lang="en-US" dirty="0" smtClean="0"/>
+              <a:t>conventions for teams</a:t>
+            </a:r>
+            <a:endParaRPr lang="en-US" dirty="0" smtClean="0"/>
+          </a:p>
+        </p:txBody>
+      </p:sp>
+      <p:sp>
+        <p:nvSpPr>
+          <p:cNvPr id="5" name="TextBox 4"/>
+          <p:cNvSpPr txBox="1"/>
           <p:nvPr/>
-        </p:nvGraphicFramePr>
-        <p:xfrm>
-          <a:off x="1524000" y="1397000"/>
-          <a:ext cx="6096000" cy="4064000"/>
-        </p:xfrm>
-        <a:graphic>
-          <a:graphicData uri="http://schemas.openxmlformats.org/drawingml/2006/diagram">
-            <dgm:relIds xmlns:dgm="http://schemas.openxmlformats.org/drawingml/2006/diagram" xmlns:r="http://schemas.openxmlformats.org/officeDocument/2006/relationships" r:dm="rId2" r:lo="rId3" r:qs="rId4" r:cs="rId5"/>
-          </a:graphicData>
-        </a:graphic>
-      </p:graphicFrame>
+        </p:nvSpPr>
+        <p:spPr>
+          <a:xfrm>
+            <a:off x="533400" y="4495800"/>
+            <a:ext cx="4455066" cy="769441"/>
+          </a:xfrm>
+          <a:prstGeom prst="rect">
+            <a:avLst/>
+          </a:prstGeom>
+          <a:noFill/>
+        </p:spPr>
+        <p:txBody>
+          <a:bodyPr wrap="none" rtlCol="0">
+            <a:spAutoFit/>
+          </a:bodyPr>
+          <a:lstStyle/>
+          <a:p>
+            <a:r>
+              <a:rPr lang="en-US" sz="4400" dirty="0" smtClean="0"/>
+              <a:t>Large Font Label</a:t>
+            </a:r>
+            <a:endParaRPr lang="en-US" sz="4400" dirty="0"/>
+          </a:p>
+        </p:txBody>
+      </p:sp>
+      <p:sp>
+        <p:nvSpPr>
+          <p:cNvPr id="6" name="TextBox 5"/>
+          <p:cNvSpPr txBox="1"/>
+          <p:nvPr/>
+        </p:nvSpPr>
+        <p:spPr>
+          <a:xfrm>
+            <a:off x="5257800" y="4495800"/>
+            <a:ext cx="3260123" cy="769441"/>
+          </a:xfrm>
+          <a:prstGeom prst="rect">
+            <a:avLst/>
+          </a:prstGeom>
+          <a:noFill/>
+        </p:spPr>
+        <p:txBody>
+          <a:bodyPr wrap="none" rtlCol="0">
+            <a:spAutoFit/>
+          </a:bodyPr>
+          <a:lstStyle/>
+          <a:p>
+            <a:r>
+              <a:rPr lang="en-US" sz="4400" dirty="0" smtClean="0"/>
+              <a:t>Section Title</a:t>
+            </a:r>
+            <a:endParaRPr lang="en-US" sz="4400" dirty="0"/>
+          </a:p>
+        </p:txBody>
+      </p:sp>
     </p:spTree>
   </p:cSld>
   <p:clrMapOvr>
@@ -20549,11 +24858,7 @@
           <a:p>
             <a:r>
               <a:rPr lang="en-US" dirty="0" smtClean="0"/>
-              <a:t>Clean </a:t>
-            </a:r>
-            <a:r>
-              <a:rPr lang="en-US" dirty="0" err="1" smtClean="0"/>
-              <a:t>Xaml</a:t>
+              <a:t>Breakdown Apps</a:t>
             </a:r>
             <a:endParaRPr lang="en-US" dirty="0"/>
           </a:p>
@@ -20576,24 +24881,8 @@
           <a:p>
             <a:r>
               <a:rPr lang="en-US" dirty="0" smtClean="0"/>
-              <a:t>We get upset if our classes are heavily nested and over 1k lines long but have no issue with our </a:t>
-            </a:r>
-            <a:r>
-              <a:rPr lang="en-US" dirty="0" err="1" smtClean="0"/>
-              <a:t>xaml</a:t>
-            </a:r>
-            <a:r>
-              <a:rPr lang="en-US" dirty="0" smtClean="0"/>
-              <a:t> files?</a:t>
-            </a:r>
-          </a:p>
-          <a:p>
-            <a:r>
-              <a:rPr lang="en-US" dirty="0" smtClean="0"/>
-              <a:t>Adding nested elements increases the likelihood of errors creeping in during design</a:t>
-            </a:r>
-          </a:p>
-          <a:p>
+              <a:t>Get some screen shots and then breakdown screen</a:t>
+            </a:r>
             <a:endParaRPr lang="en-US" dirty="0"/>
           </a:p>
         </p:txBody>
@@ -20640,7 +24929,7 @@
           <a:p>
             <a:r>
               <a:rPr lang="en-US" dirty="0" smtClean="0"/>
-              <a:t>Visual Editor = Code Gen</a:t>
+              <a:t>Custom Controls</a:t>
             </a:r>
             <a:endParaRPr lang="en-US" dirty="0"/>
           </a:p>
@@ -20663,51 +24952,69 @@
           <a:p>
             <a:r>
               <a:rPr lang="en-US" dirty="0" smtClean="0"/>
-              <a:t>We should have the same hesitation over using a visual editor as we do using code generation. </a:t>
-            </a:r>
-          </a:p>
-          <a:p>
-            <a:endParaRPr lang="en-US" dirty="0" smtClean="0"/>
+              <a:t>Declare semantic controls</a:t>
+            </a:r>
+          </a:p>
+          <a:p>
+            <a:r>
+              <a:rPr lang="en-US" dirty="0" smtClean="0"/>
+              <a:t>Allows setting styles by target type</a:t>
+            </a:r>
+          </a:p>
+          <a:p>
+            <a:r>
+              <a:rPr lang="en-US" dirty="0" smtClean="0"/>
+              <a:t>No preconceived ideas on template implementation</a:t>
+            </a:r>
           </a:p>
           <a:p>
             <a:pPr lvl="1"/>
             <a:r>
               <a:rPr lang="en-US" dirty="0" smtClean="0"/>
-              <a:t>All </a:t>
+              <a:t>Label template that uses a </a:t>
             </a:r>
             <a:r>
               <a:rPr lang="en-US" dirty="0" err="1" smtClean="0"/>
-              <a:t>xaml</a:t>
-            </a:r>
-            <a:r>
-              <a:rPr lang="en-US" dirty="0" smtClean="0"/>
-              <a:t> is code</a:t>
-            </a:r>
-          </a:p>
-          <a:p>
-            <a:pPr lvl="1"/>
-            <a:r>
-              <a:rPr lang="en-US" dirty="0" smtClean="0"/>
-              <a:t>All visual editors generate </a:t>
-            </a:r>
-            <a:r>
-              <a:rPr lang="en-US" dirty="0" err="1" smtClean="0"/>
-              <a:t>xaml</a:t>
-            </a:r>
-            <a:endParaRPr lang="en-US" dirty="0" smtClean="0"/>
-          </a:p>
-          <a:p>
-            <a:pPr lvl="1"/>
-            <a:r>
-              <a:rPr lang="en-US" dirty="0" smtClean="0"/>
-              <a:t>Then all visual editors generate code</a:t>
-            </a:r>
-          </a:p>
-          <a:p>
-            <a:endParaRPr lang="en-US" dirty="0" smtClean="0"/>
+              <a:t>Listbox</a:t>
+            </a:r>
+            <a:r>
+              <a:rPr lang="en-US" dirty="0" smtClean="0"/>
+              <a:t> would be confusing</a:t>
+            </a:r>
+          </a:p>
+          <a:p>
+            <a:r>
+              <a:rPr lang="en-US" dirty="0" smtClean="0"/>
+              <a:t>Section Title example</a:t>
+            </a:r>
+            <a:endParaRPr lang="en-US" dirty="0"/>
           </a:p>
         </p:txBody>
       </p:sp>
+      <p:pic>
+        <p:nvPicPr>
+          <p:cNvPr id="4" name="Picture 3" descr="visualstudio.jpg"/>
+          <p:cNvPicPr>
+            <a:picLocks noChangeAspect="1"/>
+          </p:cNvPicPr>
+          <p:nvPr/>
+        </p:nvPicPr>
+        <p:blipFill>
+          <a:blip r:embed="rId2" cstate="print"/>
+          <a:stretch>
+            <a:fillRect/>
+          </a:stretch>
+        </p:blipFill>
+        <p:spPr>
+          <a:xfrm>
+            <a:off x="7839075" y="6076950"/>
+            <a:ext cx="1304925" cy="781050"/>
+          </a:xfrm>
+          <a:prstGeom prst="rect">
+            <a:avLst/>
+          </a:prstGeom>
+        </p:spPr>
+      </p:pic>
     </p:spTree>
   </p:cSld>
   <p:clrMapOvr>
@@ -21117,7 +25424,7 @@
         <p:spPr/>
         <p:txBody>
           <a:bodyPr>
-            <a:normAutofit fontScale="85000" lnSpcReduction="10000"/>
+            <a:normAutofit fontScale="92500" lnSpcReduction="10000"/>
           </a:bodyPr>
           <a:lstStyle/>
           <a:p>
@@ -22042,7 +26349,7 @@
         <p:spPr/>
         <p:txBody>
           <a:bodyPr>
-            <a:normAutofit fontScale="90000"/>
+            <a:normAutofit/>
           </a:bodyPr>
           <a:lstStyle/>
           <a:p>
@@ -22072,7 +26379,7 @@
         </p:spPr>
         <p:txBody>
           <a:bodyPr>
-            <a:normAutofit fontScale="85000" lnSpcReduction="10000"/>
+            <a:normAutofit fontScale="92500"/>
           </a:bodyPr>
           <a:lstStyle/>
           <a:p>
@@ -22105,34 +26412,34 @@
         <a:sysClr val="window" lastClr="FFFFFF"/>
       </a:lt1>
       <a:dk2>
-        <a:srgbClr val="1F497D"/>
+        <a:srgbClr xmlns:mc="http://schemas.openxmlformats.org/markup-compatibility/2006" xmlns:a14="http://schemas.microsoft.com/office/drawing/2010/main" val="1F497D" mc:Ignorable=""/>
       </a:dk2>
       <a:lt2>
-        <a:srgbClr val="EEECE1"/>
+        <a:srgbClr xmlns:mc="http://schemas.openxmlformats.org/markup-compatibility/2006" xmlns:a14="http://schemas.microsoft.com/office/drawing/2010/main" val="EEECE1" mc:Ignorable=""/>
       </a:lt2>
       <a:accent1>
-        <a:srgbClr val="4F81BD"/>
+        <a:srgbClr xmlns:mc="http://schemas.openxmlformats.org/markup-compatibility/2006" xmlns:a14="http://schemas.microsoft.com/office/drawing/2010/main" val="4F81BD" mc:Ignorable=""/>
       </a:accent1>
       <a:accent2>
-        <a:srgbClr val="C0504D"/>
+        <a:srgbClr xmlns:mc="http://schemas.openxmlformats.org/markup-compatibility/2006" xmlns:a14="http://schemas.microsoft.com/office/drawing/2010/main" val="C0504D" mc:Ignorable=""/>
       </a:accent2>
       <a:accent3>
-        <a:srgbClr val="9BBB59"/>
+        <a:srgbClr xmlns:mc="http://schemas.openxmlformats.org/markup-compatibility/2006" xmlns:a14="http://schemas.microsoft.com/office/drawing/2010/main" val="9BBB59" mc:Ignorable=""/>
       </a:accent3>
       <a:accent4>
-        <a:srgbClr val="8064A2"/>
+        <a:srgbClr xmlns:mc="http://schemas.openxmlformats.org/markup-compatibility/2006" xmlns:a14="http://schemas.microsoft.com/office/drawing/2010/main" val="8064A2" mc:Ignorable=""/>
       </a:accent4>
       <a:accent5>
-        <a:srgbClr val="4BACC6"/>
+        <a:srgbClr xmlns:mc="http://schemas.openxmlformats.org/markup-compatibility/2006" xmlns:a14="http://schemas.microsoft.com/office/drawing/2010/main" val="4BACC6" mc:Ignorable=""/>
       </a:accent5>
       <a:accent6>
-        <a:srgbClr val="F79646"/>
+        <a:srgbClr xmlns:mc="http://schemas.openxmlformats.org/markup-compatibility/2006" xmlns:a14="http://schemas.microsoft.com/office/drawing/2010/main" val="F79646" mc:Ignorable=""/>
       </a:accent6>
       <a:hlink>
-        <a:srgbClr val="0000FF"/>
+        <a:srgbClr xmlns:mc="http://schemas.openxmlformats.org/markup-compatibility/2006" xmlns:a14="http://schemas.microsoft.com/office/drawing/2010/main" val="0000FF" mc:Ignorable=""/>
       </a:hlink>
       <a:folHlink>
-        <a:srgbClr val="800080"/>
+        <a:srgbClr xmlns:mc="http://schemas.openxmlformats.org/markup-compatibility/2006" xmlns:a14="http://schemas.microsoft.com/office/drawing/2010/main" val="800080" mc:Ignorable=""/>
       </a:folHlink>
     </a:clrScheme>
     <a:fontScheme name="Chunk">
@@ -22142,7 +26449,7 @@
         <a:cs typeface=""/>
       </a:majorFont>
       <a:minorFont>
-        <a:latin typeface="Serif12 Beta Rg"/>
+        <a:latin typeface="Serif72 Beta Bk"/>
         <a:ea typeface=""/>
         <a:cs typeface=""/>
       </a:minorFont>
@@ -22226,7 +26533,7 @@
         <a:effectStyle>
           <a:effectLst>
             <a:outerShdw blurRad="40000" dist="20000" dir="5400000" rotWithShape="0">
-              <a:srgbClr val="000000">
+              <a:srgbClr xmlns:mc="http://schemas.openxmlformats.org/markup-compatibility/2006" xmlns:a14="http://schemas.microsoft.com/office/drawing/2010/main" val="000000" mc:Ignorable="">
                 <a:alpha val="38000"/>
               </a:srgbClr>
             </a:outerShdw>
@@ -22235,7 +26542,7 @@
         <a:effectStyle>
           <a:effectLst>
             <a:outerShdw blurRad="40000" dist="23000" dir="5400000" rotWithShape="0">
-              <a:srgbClr val="000000">
+              <a:srgbClr xmlns:mc="http://schemas.openxmlformats.org/markup-compatibility/2006" xmlns:a14="http://schemas.microsoft.com/office/drawing/2010/main" val="000000" mc:Ignorable="">
                 <a:alpha val="35000"/>
               </a:srgbClr>
             </a:outerShdw>
@@ -22244,7 +26551,7 @@
         <a:effectStyle>
           <a:effectLst>
             <a:outerShdw blurRad="40000" dist="23000" dir="5400000" rotWithShape="0">
-              <a:srgbClr val="000000">
+              <a:srgbClr xmlns:mc="http://schemas.openxmlformats.org/markup-compatibility/2006" xmlns:a14="http://schemas.microsoft.com/office/drawing/2010/main" val="000000" mc:Ignorable="">
                 <a:alpha val="35000"/>
               </a:srgbClr>
             </a:outerShdw>

--- a/Adv WPF Workshop.pptx
+++ b/Adv WPF Workshop.pptx
@@ -58,31 +58,36 @@
     <p:sldId id="303" r:id="rId52"/>
     <p:sldId id="340" r:id="rId53"/>
     <p:sldId id="305" r:id="rId54"/>
-    <p:sldId id="306" r:id="rId55"/>
-    <p:sldId id="307" r:id="rId56"/>
-    <p:sldId id="309" r:id="rId57"/>
-    <p:sldId id="341" r:id="rId58"/>
-    <p:sldId id="319" r:id="rId59"/>
-    <p:sldId id="318" r:id="rId60"/>
-    <p:sldId id="320" r:id="rId61"/>
-    <p:sldId id="310" r:id="rId62"/>
-    <p:sldId id="342" r:id="rId63"/>
-    <p:sldId id="313" r:id="rId64"/>
-    <p:sldId id="315" r:id="rId65"/>
-    <p:sldId id="317" r:id="rId66"/>
-    <p:sldId id="316" r:id="rId67"/>
-    <p:sldId id="321" r:id="rId68"/>
-    <p:sldId id="322" r:id="rId69"/>
-    <p:sldId id="323" r:id="rId70"/>
-    <p:sldId id="311" r:id="rId71"/>
-    <p:sldId id="324" r:id="rId72"/>
-    <p:sldId id="325" r:id="rId73"/>
-    <p:sldId id="326" r:id="rId74"/>
-    <p:sldId id="327" r:id="rId75"/>
-    <p:sldId id="328" r:id="rId76"/>
-    <p:sldId id="329" r:id="rId77"/>
-    <p:sldId id="330" r:id="rId78"/>
-    <p:sldId id="308" r:id="rId79"/>
+    <p:sldId id="349" r:id="rId55"/>
+    <p:sldId id="306" r:id="rId56"/>
+    <p:sldId id="307" r:id="rId57"/>
+    <p:sldId id="348" r:id="rId58"/>
+    <p:sldId id="309" r:id="rId59"/>
+    <p:sldId id="341" r:id="rId60"/>
+    <p:sldId id="319" r:id="rId61"/>
+    <p:sldId id="318" r:id="rId62"/>
+    <p:sldId id="320" r:id="rId63"/>
+    <p:sldId id="310" r:id="rId64"/>
+    <p:sldId id="342" r:id="rId65"/>
+    <p:sldId id="313" r:id="rId66"/>
+    <p:sldId id="315" r:id="rId67"/>
+    <p:sldId id="344" r:id="rId68"/>
+    <p:sldId id="317" r:id="rId69"/>
+    <p:sldId id="343" r:id="rId70"/>
+    <p:sldId id="345" r:id="rId71"/>
+    <p:sldId id="346" r:id="rId72"/>
+    <p:sldId id="316" r:id="rId73"/>
+    <p:sldId id="321" r:id="rId74"/>
+    <p:sldId id="322" r:id="rId75"/>
+    <p:sldId id="323" r:id="rId76"/>
+    <p:sldId id="324" r:id="rId77"/>
+    <p:sldId id="325" r:id="rId78"/>
+    <p:sldId id="326" r:id="rId79"/>
+    <p:sldId id="327" r:id="rId80"/>
+    <p:sldId id="328" r:id="rId81"/>
+    <p:sldId id="329" r:id="rId82"/>
+    <p:sldId id="330" r:id="rId83"/>
+    <p:sldId id="308" r:id="rId84"/>
   </p:sldIdLst>
   <p:sldSz cx="9144000" cy="6858000" type="screen4x3"/>
   <p:notesSz cx="6858000" cy="9144000"/>
@@ -4568,8 +4573,8 @@
     <dgm:cxn modelId="{61ED3805-547E-4165-890A-7E7A827A370F}" type="presOf" srcId="{5233AE8D-3BCA-4A47-92D4-108A94C094EA}" destId="{28CC0323-E8AB-454E-B9E5-C8BDB7FF0D9E}" srcOrd="0" destOrd="0" presId="urn:microsoft.com/office/officeart/2005/8/layout/hProcess9"/>
     <dgm:cxn modelId="{C43659B9-B11F-464E-B675-F1AFD6DC0E6F}" srcId="{512B78CB-E4DC-4D1C-8D27-AEA9B6B3B334}" destId="{5233AE8D-3BCA-4A47-92D4-108A94C094EA}" srcOrd="4" destOrd="0" parTransId="{8F3EC7E2-BE62-4F98-A49A-C5C4B6ADBB6F}" sibTransId="{3DAAE23E-3384-4B1C-ADE6-E6C444C53E0E}"/>
     <dgm:cxn modelId="{C6F85FAA-35F6-4C69-B1D5-CFA5CF516921}" type="presOf" srcId="{69897640-91C3-4519-8938-17AAAC4C1E3F}" destId="{8F6499CE-E5A6-44D3-8266-88F66EBC4BB2}" srcOrd="0" destOrd="0" presId="urn:microsoft.com/office/officeart/2005/8/layout/hProcess9"/>
+    <dgm:cxn modelId="{FEA4C5B8-5FC4-4430-B0AD-C6C68B7499FC}" type="presOf" srcId="{D1A1224A-2246-4CD8-8E8A-4ACFAF05B2D3}" destId="{6A9196AE-AC7C-476D-8C21-67973FB53462}" srcOrd="0" destOrd="0" presId="urn:microsoft.com/office/officeart/2005/8/layout/hProcess9"/>
     <dgm:cxn modelId="{CD251A95-F804-4F0A-BD53-99BFCADE50D3}" srcId="{512B78CB-E4DC-4D1C-8D27-AEA9B6B3B334}" destId="{D1A1224A-2246-4CD8-8E8A-4ACFAF05B2D3}" srcOrd="1" destOrd="0" parTransId="{25C8157A-39B3-44E4-99CF-CDC276812223}" sibTransId="{EBE1988E-AA4B-45D7-8ADE-9D18B3959943}"/>
-    <dgm:cxn modelId="{FEA4C5B8-5FC4-4430-B0AD-C6C68B7499FC}" type="presOf" srcId="{D1A1224A-2246-4CD8-8E8A-4ACFAF05B2D3}" destId="{6A9196AE-AC7C-476D-8C21-67973FB53462}" srcOrd="0" destOrd="0" presId="urn:microsoft.com/office/officeart/2005/8/layout/hProcess9"/>
     <dgm:cxn modelId="{B27F22A1-DD12-45A7-A2DF-1A146CCB911B}" type="presParOf" srcId="{9372E4EB-2A20-4309-A333-7BDAD49D02C8}" destId="{184443F7-E4B5-422D-B7EC-5A1C3845BF29}" srcOrd="0" destOrd="0" presId="urn:microsoft.com/office/officeart/2005/8/layout/hProcess9"/>
     <dgm:cxn modelId="{05020486-CE38-40FD-AA48-5C04F02514C9}" type="presParOf" srcId="{9372E4EB-2A20-4309-A333-7BDAD49D02C8}" destId="{DEC78D22-7B6B-4EB8-8AAE-3623957CE37F}" srcOrd="1" destOrd="0" presId="urn:microsoft.com/office/officeart/2005/8/layout/hProcess9"/>
     <dgm:cxn modelId="{A075CADA-AE7B-4AE0-92C1-71E15D8BC4BB}" type="presParOf" srcId="{DEC78D22-7B6B-4EB8-8AAE-3623957CE37F}" destId="{0FE174C4-3B78-4A65-B3BC-C8C8AC2D7571}" srcOrd="0" destOrd="0" presId="urn:microsoft.com/office/officeart/2005/8/layout/hProcess9"/>
@@ -23439,77 +23444,47 @@
           <a:lstStyle/>
           <a:p>
             <a:r>
-              <a:rPr lang="en-US" dirty="0" smtClean="0"/>
-              <a:t>Blend</a:t>
-            </a:r>
-            <a:endParaRPr lang="en-US" dirty="0"/>
+              <a:rPr lang="en-US" dirty="0"/>
+              <a:t>Specialists Gap</a:t>
+            </a:r>
           </a:p>
         </p:txBody>
       </p:sp>
-      <p:sp>
-        <p:nvSpPr>
-          <p:cNvPr id="3" name="Content Placeholder 2"/>
-          <p:cNvSpPr>
-            <a:spLocks noGrp="1"/>
-          </p:cNvSpPr>
+      <p:pic>
+        <p:nvPicPr>
+          <p:cNvPr id="4" name="Content Placeholder 3"/>
+          <p:cNvPicPr>
+            <a:picLocks noGrp="1" noChangeAspect="1"/>
+          </p:cNvPicPr>
           <p:nvPr>
             <p:ph idx="1"/>
           </p:nvPr>
-        </p:nvSpPr>
-        <p:spPr/>
-        <p:txBody>
-          <a:bodyPr/>
-          <a:lstStyle/>
-          <a:p>
-            <a:r>
-              <a:rPr lang="en-US" dirty="0" smtClean="0"/>
-              <a:t>No Visual Editor </a:t>
-            </a:r>
-            <a:r>
-              <a:rPr lang="en-US" dirty="0" smtClean="0"/>
-              <a:t>will help (relate to web)</a:t>
-            </a:r>
-          </a:p>
-          <a:p>
-            <a:r>
-              <a:rPr lang="en-US" dirty="0" smtClean="0"/>
-              <a:t>Do web designers use Dreamweaver?</a:t>
-            </a:r>
-          </a:p>
-          <a:p>
-            <a:pPr lvl="1"/>
-            <a:r>
-              <a:rPr lang="en-US" dirty="0" smtClean="0"/>
-              <a:t>“The </a:t>
-            </a:r>
-            <a:r>
-              <a:rPr lang="en-US" dirty="0" smtClean="0"/>
-              <a:t>good ones </a:t>
-            </a:r>
-            <a:r>
-              <a:rPr lang="en-US" dirty="0" smtClean="0"/>
-              <a:t>don’t”</a:t>
-            </a:r>
-            <a:endParaRPr lang="en-US" dirty="0" smtClean="0"/>
-          </a:p>
-          <a:p>
-            <a:r>
-              <a:rPr lang="en-US" dirty="0" smtClean="0"/>
-              <a:t>No editor has adequately solved the problem of </a:t>
-            </a:r>
-            <a:r>
-              <a:rPr lang="en-US" dirty="0" smtClean="0"/>
-              <a:t>converting what the designer sees </a:t>
-            </a:r>
-            <a:r>
-              <a:rPr lang="en-US" dirty="0" smtClean="0"/>
-              <a:t>into meaningful markup</a:t>
-            </a:r>
-            <a:endParaRPr lang="en-US" dirty="0"/>
-          </a:p>
-        </p:txBody>
-      </p:sp>
+        </p:nvPicPr>
+        <p:blipFill>
+          <a:blip r:embed="rId2">
+            <a:extLst>
+              <a:ext uri="{28A0092B-C50C-407E-A947-70E740481C1C}">
+                <a14:useLocalDpi xmlns:a14="http://schemas.microsoft.com/office/drawing/2010/main" val="0"/>
+              </a:ext>
+            </a:extLst>
+          </a:blip>
+          <a:stretch>
+            <a:fillRect/>
+          </a:stretch>
+        </p:blipFill>
+        <p:spPr>
+          <a:xfrm>
+            <a:off x="1934229" y="1371600"/>
+            <a:ext cx="5533371" cy="5062570"/>
+          </a:xfrm>
+        </p:spPr>
+      </p:pic>
     </p:spTree>
+    <p:extLst>
+      <p:ext uri="{BB962C8B-B14F-4D97-AF65-F5344CB8AC3E}">
+        <p14:creationId xmlns:p14="http://schemas.microsoft.com/office/powerpoint/2010/main" val="1083004840"/>
+      </p:ext>
+    </p:extLst>
   </p:cSld>
   <p:clrMapOvr>
     <a:masterClrMapping/>
@@ -23550,8 +23525,8 @@
           <a:lstStyle/>
           <a:p>
             <a:r>
-              <a:rPr lang="en-US" dirty="0" err="1" smtClean="0"/>
-              <a:t>Blendability</a:t>
+              <a:rPr lang="en-US" dirty="0" smtClean="0"/>
+              <a:t>Blend</a:t>
             </a:r>
             <a:endParaRPr lang="en-US" dirty="0"/>
           </a:p>
@@ -23572,30 +23547,28 @@
           <a:bodyPr/>
           <a:lstStyle/>
           <a:p>
-            <a:pPr>
-              <a:buNone/>
-            </a:pPr>
             <a:r>
               <a:rPr lang="en-US" dirty="0" smtClean="0"/>
-              <a:t>“You can’t do that because it doesn’t work in Blend”</a:t>
-            </a:r>
-          </a:p>
-          <a:p>
-            <a:pPr>
-              <a:buNone/>
-            </a:pPr>
-            <a:endParaRPr lang="en-US" dirty="0" smtClean="0"/>
+              <a:t>No Visual Editor will help (relate to web)</a:t>
+            </a:r>
           </a:p>
           <a:p>
             <a:r>
               <a:rPr lang="en-US" dirty="0" smtClean="0"/>
-              <a:t>The ability of a M-V-VM or an application to be open in Blend</a:t>
-            </a:r>
-          </a:p>
-          <a:p>
+              <a:t>Do web designers use Dreamweaver?</a:t>
+            </a:r>
+          </a:p>
+          <a:p>
+            <a:pPr lvl="1"/>
             <a:r>
               <a:rPr lang="en-US" dirty="0" smtClean="0"/>
-              <a:t>Ward Bell : Of Tailors and Tooling</a:t>
+              <a:t>“The good ones don’t”</a:t>
+            </a:r>
+          </a:p>
+          <a:p>
+            <a:r>
+              <a:rPr lang="en-US" dirty="0" smtClean="0"/>
+              <a:t>No editor has adequately solved the problem of converting what the designer sees into meaningful markup</a:t>
             </a:r>
             <a:endParaRPr lang="en-US" dirty="0"/>
           </a:p>
@@ -23642,20 +23615,8 @@
           <a:lstStyle/>
           <a:p>
             <a:r>
-              <a:rPr lang="en-US" dirty="0" smtClean="0"/>
-              <a:t>WPF </a:t>
-            </a:r>
-            <a:r>
               <a:rPr lang="en-US" dirty="0" err="1" smtClean="0"/>
-              <a:t>vs</a:t>
-            </a:r>
-            <a:r>
-              <a:rPr lang="en-US" dirty="0" smtClean="0"/>
-              <a:t> </a:t>
-            </a:r>
-            <a:r>
-              <a:rPr lang="en-US" dirty="0" err="1" smtClean="0"/>
-              <a:t>Winform</a:t>
+              <a:t>Blendability</a:t>
             </a:r>
             <a:endParaRPr lang="en-US" dirty="0"/>
           </a:p>
@@ -23676,28 +23637,392 @@
           <a:bodyPr/>
           <a:lstStyle/>
           <a:p>
+            <a:pPr>
+              <a:buNone/>
+            </a:pPr>
             <a:r>
               <a:rPr lang="en-US" dirty="0" smtClean="0"/>
-              <a:t>Anything you can do I can do better</a:t>
-            </a:r>
+              <a:t>“You can’t do that because it doesn’t work in Blend”</a:t>
+            </a:r>
+          </a:p>
+          <a:p>
+            <a:pPr>
+              <a:buNone/>
+            </a:pPr>
             <a:endParaRPr lang="en-US" dirty="0" smtClean="0"/>
           </a:p>
           <a:p>
             <a:r>
               <a:rPr lang="en-US" dirty="0" smtClean="0"/>
-              <a:t>Reconsider </a:t>
-            </a:r>
+              <a:t>The ability of a M-V-VM or an application to be open in Blend</a:t>
+            </a:r>
+          </a:p>
+          <a:p>
             <a:r>
               <a:rPr lang="en-US" dirty="0" smtClean="0"/>
-              <a:t>old fashioned ideas</a:t>
-            </a:r>
-          </a:p>
+              <a:t>Ward Bell : Of Tailors and Tooling</a:t>
+            </a:r>
+            <a:endParaRPr lang="en-US" dirty="0"/>
+          </a:p>
+        </p:txBody>
+      </p:sp>
+    </p:spTree>
+  </p:cSld>
+  <p:clrMapOvr>
+    <a:masterClrMapping/>
+  </p:clrMapOvr>
+</p:sld>
+</file>
+
+<file path=ppt/slides/slide57.xml><?xml version="1.0" encoding="utf-8"?>
+<p:sld xmlns:a="http://schemas.openxmlformats.org/drawingml/2006/main" xmlns:r="http://schemas.openxmlformats.org/officeDocument/2006/relationships" xmlns:p="http://schemas.openxmlformats.org/presentationml/2006/main">
+  <p:cSld>
+    <p:spTree>
+      <p:nvGrpSpPr>
+        <p:cNvPr id="1" name=""/>
+        <p:cNvGrpSpPr/>
+        <p:nvPr/>
+      </p:nvGrpSpPr>
+      <p:grpSpPr>
+        <a:xfrm>
+          <a:off x="0" y="0"/>
+          <a:ext cx="0" cy="0"/>
+          <a:chOff x="0" y="0"/>
+          <a:chExt cx="0" cy="0"/>
+        </a:xfrm>
+      </p:grpSpPr>
+      <p:sp>
+        <p:nvSpPr>
+          <p:cNvPr id="2" name="Title 1"/>
+          <p:cNvSpPr>
+            <a:spLocks noGrp="1"/>
+          </p:cNvSpPr>
+          <p:nvPr>
+            <p:ph type="title"/>
+          </p:nvPr>
+        </p:nvSpPr>
+        <p:spPr/>
+        <p:txBody>
+          <a:bodyPr/>
+          <a:lstStyle/>
+          <a:p>
+            <a:r>
+              <a:rPr lang="en-US" dirty="0" err="1" smtClean="0"/>
+              <a:t>Devigners</a:t>
+            </a:r>
+            <a:endParaRPr lang="en-US" dirty="0"/>
+          </a:p>
+        </p:txBody>
+      </p:sp>
+      <p:pic>
+        <p:nvPicPr>
+          <p:cNvPr id="4" name="Picture 3"/>
+          <p:cNvPicPr>
+            <a:picLocks noChangeAspect="1"/>
+          </p:cNvPicPr>
+          <p:nvPr/>
+        </p:nvPicPr>
+        <p:blipFill>
+          <a:blip r:embed="rId2">
+            <a:extLst>
+              <a:ext uri="{28A0092B-C50C-407E-A947-70E740481C1C}">
+                <a14:useLocalDpi xmlns:a14="http://schemas.microsoft.com/office/drawing/2010/main" val="0"/>
+              </a:ext>
+            </a:extLst>
+          </a:blip>
+          <a:stretch>
+            <a:fillRect/>
+          </a:stretch>
+        </p:blipFill>
+        <p:spPr>
+          <a:xfrm>
+            <a:off x="1676400" y="1524000"/>
+            <a:ext cx="6131061" cy="4648200"/>
+          </a:xfrm>
+          <a:prstGeom prst="rect">
+            <a:avLst/>
+          </a:prstGeom>
+        </p:spPr>
+      </p:pic>
+      <p:sp>
+        <p:nvSpPr>
+          <p:cNvPr id="5" name="TextBox 4"/>
+          <p:cNvSpPr txBox="1"/>
+          <p:nvPr/>
+        </p:nvSpPr>
+        <p:spPr>
+          <a:xfrm>
+            <a:off x="304800" y="1871990"/>
+            <a:ext cx="2282997" cy="523220"/>
+          </a:xfrm>
+          <a:prstGeom prst="rect">
+            <a:avLst/>
+          </a:prstGeom>
+        </p:spPr>
+        <p:style>
+          <a:lnRef idx="3">
+            <a:schemeClr val="lt1"/>
+          </a:lnRef>
+          <a:fillRef idx="1">
+            <a:schemeClr val="accent1"/>
+          </a:fillRef>
+          <a:effectRef idx="1">
+            <a:schemeClr val="accent1"/>
+          </a:effectRef>
+          <a:fontRef idx="minor">
+            <a:schemeClr val="lt1"/>
+          </a:fontRef>
+        </p:style>
+        <p:txBody>
+          <a:bodyPr wrap="none" rtlCol="0">
+            <a:spAutoFit/>
+          </a:bodyPr>
+          <a:lstStyle/>
+          <a:p>
+            <a:r>
+              <a:rPr lang="en-US" sz="2800" dirty="0" smtClean="0"/>
+              <a:t>See the </a:t>
+            </a:r>
+            <a:r>
+              <a:rPr lang="en-US" sz="2800" dirty="0" err="1" smtClean="0"/>
+              <a:t>xaml</a:t>
+            </a:r>
+            <a:endParaRPr lang="en-US" sz="2800" dirty="0"/>
+          </a:p>
+        </p:txBody>
+      </p:sp>
+      <p:sp>
+        <p:nvSpPr>
+          <p:cNvPr id="6" name="TextBox 5"/>
+          <p:cNvSpPr txBox="1"/>
+          <p:nvPr/>
+        </p:nvSpPr>
+        <p:spPr>
+          <a:xfrm>
+            <a:off x="6629400" y="4419600"/>
+            <a:ext cx="2584362" cy="523220"/>
+          </a:xfrm>
+          <a:prstGeom prst="rect">
+            <a:avLst/>
+          </a:prstGeom>
+        </p:spPr>
+        <p:style>
+          <a:lnRef idx="3">
+            <a:schemeClr val="lt1"/>
+          </a:lnRef>
+          <a:fillRef idx="1">
+            <a:schemeClr val="accent1"/>
+          </a:fillRef>
+          <a:effectRef idx="1">
+            <a:schemeClr val="accent1"/>
+          </a:effectRef>
+          <a:fontRef idx="minor">
+            <a:schemeClr val="lt1"/>
+          </a:fontRef>
+        </p:style>
+        <p:txBody>
+          <a:bodyPr wrap="none" rtlCol="0">
+            <a:spAutoFit/>
+          </a:bodyPr>
+          <a:lstStyle/>
+          <a:p>
+            <a:r>
+              <a:rPr lang="en-US" sz="2800" dirty="0" smtClean="0"/>
+              <a:t>See the design</a:t>
+            </a:r>
+            <a:endParaRPr lang="en-US" sz="2800" dirty="0"/>
+          </a:p>
+        </p:txBody>
+      </p:sp>
+      <p:sp>
+        <p:nvSpPr>
+          <p:cNvPr id="7" name="TextBox 6"/>
+          <p:cNvSpPr txBox="1"/>
+          <p:nvPr/>
+        </p:nvSpPr>
+        <p:spPr>
+          <a:xfrm>
+            <a:off x="3276599" y="2829151"/>
+            <a:ext cx="3185487" cy="646331"/>
+          </a:xfrm>
+          <a:prstGeom prst="rect">
+            <a:avLst/>
+          </a:prstGeom>
+        </p:spPr>
+        <p:style>
+          <a:lnRef idx="3">
+            <a:schemeClr val="lt1"/>
+          </a:lnRef>
+          <a:fillRef idx="1">
+            <a:schemeClr val="accent1"/>
+          </a:fillRef>
+          <a:effectRef idx="1">
+            <a:schemeClr val="accent1"/>
+          </a:effectRef>
+          <a:fontRef idx="minor">
+            <a:schemeClr val="lt1"/>
+          </a:fontRef>
+        </p:style>
+        <p:txBody>
+          <a:bodyPr wrap="none" rtlCol="0">
+            <a:spAutoFit/>
+          </a:bodyPr>
+          <a:lstStyle/>
+          <a:p>
+            <a:r>
+              <a:rPr lang="en-US" sz="3600" dirty="0" smtClean="0"/>
+              <a:t>Bridge the gap</a:t>
+            </a:r>
+            <a:endParaRPr lang="en-US" sz="3600" dirty="0"/>
+          </a:p>
+        </p:txBody>
+      </p:sp>
+      <p:sp>
+        <p:nvSpPr>
+          <p:cNvPr id="9" name="TextBox 8"/>
+          <p:cNvSpPr txBox="1"/>
+          <p:nvPr/>
+        </p:nvSpPr>
+        <p:spPr>
+          <a:xfrm>
+            <a:off x="533400" y="4343400"/>
+            <a:ext cx="5334000" cy="1569660"/>
+          </a:xfrm>
+          <a:prstGeom prst="rect">
+            <a:avLst/>
+          </a:prstGeom>
+        </p:spPr>
+        <p:style>
+          <a:lnRef idx="3">
+            <a:schemeClr val="lt1"/>
+          </a:lnRef>
+          <a:fillRef idx="1">
+            <a:schemeClr val="accent1"/>
+          </a:fillRef>
+          <a:effectRef idx="1">
+            <a:schemeClr val="accent1"/>
+          </a:effectRef>
+          <a:fontRef idx="minor">
+            <a:schemeClr val="lt1"/>
+          </a:fontRef>
+        </p:style>
+        <p:txBody>
+          <a:bodyPr wrap="square" rtlCol="0">
+            <a:spAutoFit/>
+          </a:bodyPr>
+          <a:lstStyle/>
+          <a:p>
+            <a:r>
+              <a:rPr lang="en-US" sz="2400" dirty="0"/>
+              <a:t>Know WPF’s tech capabilities to facilitate creating better UI + design workflow</a:t>
+            </a:r>
+          </a:p>
+          <a:p>
+            <a:endParaRPr lang="en-US" sz="2400" dirty="0"/>
+          </a:p>
+        </p:txBody>
+      </p:sp>
+    </p:spTree>
+    <p:extLst>
+      <p:ext uri="{BB962C8B-B14F-4D97-AF65-F5344CB8AC3E}">
+        <p14:creationId xmlns:p14="http://schemas.microsoft.com/office/powerpoint/2010/main" val="536238960"/>
+      </p:ext>
+    </p:extLst>
+  </p:cSld>
+  <p:clrMapOvr>
+    <a:masterClrMapping/>
+  </p:clrMapOvr>
+</p:sld>
+</file>
+
+<file path=ppt/slides/slide58.xml><?xml version="1.0" encoding="utf-8"?>
+<p:sld xmlns:a="http://schemas.openxmlformats.org/drawingml/2006/main" xmlns:r="http://schemas.openxmlformats.org/officeDocument/2006/relationships" xmlns:p="http://schemas.openxmlformats.org/presentationml/2006/main">
+  <p:cSld>
+    <p:spTree>
+      <p:nvGrpSpPr>
+        <p:cNvPr id="1" name=""/>
+        <p:cNvGrpSpPr/>
+        <p:nvPr/>
+      </p:nvGrpSpPr>
+      <p:grpSpPr>
+        <a:xfrm>
+          <a:off x="0" y="0"/>
+          <a:ext cx="0" cy="0"/>
+          <a:chOff x="0" y="0"/>
+          <a:chExt cx="0" cy="0"/>
+        </a:xfrm>
+      </p:grpSpPr>
+      <p:sp>
+        <p:nvSpPr>
+          <p:cNvPr id="2" name="Title 1"/>
+          <p:cNvSpPr>
+            <a:spLocks noGrp="1"/>
+          </p:cNvSpPr>
+          <p:nvPr>
+            <p:ph type="title"/>
+          </p:nvPr>
+        </p:nvSpPr>
+        <p:spPr/>
+        <p:txBody>
+          <a:bodyPr/>
+          <a:lstStyle/>
           <a:p>
             <a:r>
               <a:rPr lang="en-US" dirty="0" smtClean="0"/>
-              <a:t>Don’t think drag and drop</a:t>
+              <a:t>WPF </a:t>
+            </a:r>
+            <a:r>
+              <a:rPr lang="en-US" dirty="0" err="1" smtClean="0"/>
+              <a:t>vs</a:t>
+            </a:r>
+            <a:r>
+              <a:rPr lang="en-US" dirty="0" smtClean="0"/>
+              <a:t> </a:t>
+            </a:r>
+            <a:r>
+              <a:rPr lang="en-US" dirty="0" err="1" smtClean="0"/>
+              <a:t>Winform</a:t>
             </a:r>
             <a:endParaRPr lang="en-US" dirty="0"/>
+          </a:p>
+        </p:txBody>
+      </p:sp>
+      <p:sp>
+        <p:nvSpPr>
+          <p:cNvPr id="3" name="Content Placeholder 2"/>
+          <p:cNvSpPr>
+            <a:spLocks noGrp="1"/>
+          </p:cNvSpPr>
+          <p:nvPr>
+            <p:ph idx="1"/>
+          </p:nvPr>
+        </p:nvSpPr>
+        <p:spPr>
+          <a:xfrm>
+            <a:off x="1295400" y="2133600"/>
+            <a:ext cx="6705600" cy="762000"/>
+          </a:xfrm>
+        </p:spPr>
+        <p:txBody>
+          <a:bodyPr/>
+          <a:lstStyle/>
+          <a:p>
+            <a:pPr marL="0" indent="0">
+              <a:buNone/>
+            </a:pPr>
+            <a:r>
+              <a:rPr lang="en-US" dirty="0" smtClean="0"/>
+              <a:t>Anything </a:t>
+            </a:r>
+            <a:r>
+              <a:rPr lang="en-US" dirty="0" smtClean="0"/>
+              <a:t>you can do I can do </a:t>
+            </a:r>
+            <a:r>
+              <a:rPr lang="en-US" dirty="0" smtClean="0"/>
+              <a:t>better</a:t>
+            </a:r>
+            <a:endParaRPr lang="en-US" dirty="0" smtClean="0"/>
           </a:p>
         </p:txBody>
       </p:sp>
@@ -23769,7 +24094,7 @@
 </p:sld>
 </file>
 
-<file path=ppt/slides/slide57.xml><?xml version="1.0" encoding="utf-8"?>
+<file path=ppt/slides/slide59.xml><?xml version="1.0" encoding="utf-8"?>
 <p:sld xmlns:a="http://schemas.openxmlformats.org/drawingml/2006/main" xmlns:r="http://schemas.openxmlformats.org/officeDocument/2006/relationships" xmlns:p="http://schemas.openxmlformats.org/presentationml/2006/main">
   <p:cSld>
     <p:spTree>
@@ -23917,161 +24242,6 @@
         <p14:creationId xmlns:p14="http://schemas.microsoft.com/office/powerpoint/2010/main" val="2794339980"/>
       </p:ext>
     </p:extLst>
-  </p:cSld>
-  <p:clrMapOvr>
-    <a:masterClrMapping/>
-  </p:clrMapOvr>
-</p:sld>
-</file>
-
-<file path=ppt/slides/slide58.xml><?xml version="1.0" encoding="utf-8"?>
-<p:sld xmlns:a="http://schemas.openxmlformats.org/drawingml/2006/main" xmlns:r="http://schemas.openxmlformats.org/officeDocument/2006/relationships" xmlns:p="http://schemas.openxmlformats.org/presentationml/2006/main">
-  <p:cSld>
-    <p:spTree>
-      <p:nvGrpSpPr>
-        <p:cNvPr id="1" name=""/>
-        <p:cNvGrpSpPr/>
-        <p:nvPr/>
-      </p:nvGrpSpPr>
-      <p:grpSpPr>
-        <a:xfrm>
-          <a:off x="0" y="0"/>
-          <a:ext cx="0" cy="0"/>
-          <a:chOff x="0" y="0"/>
-          <a:chExt cx="0" cy="0"/>
-        </a:xfrm>
-      </p:grpSpPr>
-      <p:sp>
-        <p:nvSpPr>
-          <p:cNvPr id="2" name="Title 1"/>
-          <p:cNvSpPr>
-            <a:spLocks noGrp="1"/>
-          </p:cNvSpPr>
-          <p:nvPr>
-            <p:ph type="title"/>
-          </p:nvPr>
-        </p:nvSpPr>
-        <p:spPr/>
-        <p:txBody>
-          <a:bodyPr/>
-          <a:lstStyle/>
-          <a:p>
-            <a:r>
-              <a:rPr lang="en-US" dirty="0" smtClean="0"/>
-              <a:t>WPF Truth</a:t>
-            </a:r>
-            <a:endParaRPr lang="en-US" dirty="0"/>
-          </a:p>
-        </p:txBody>
-      </p:sp>
-      <p:graphicFrame>
-        <p:nvGraphicFramePr>
-          <p:cNvPr id="4" name="Diagram 3"/>
-          <p:cNvGraphicFramePr/>
-          <p:nvPr/>
-        </p:nvGraphicFramePr>
-        <p:xfrm>
-          <a:off x="1524000" y="1397000"/>
-          <a:ext cx="6096000" cy="4064000"/>
-        </p:xfrm>
-        <a:graphic>
-          <a:graphicData uri="http://schemas.openxmlformats.org/drawingml/2006/diagram">
-            <dgm:relIds xmlns:dgm="http://schemas.openxmlformats.org/drawingml/2006/diagram" xmlns:r="http://schemas.openxmlformats.org/officeDocument/2006/relationships" r:dm="rId2" r:lo="rId3" r:qs="rId4" r:cs="rId5"/>
-          </a:graphicData>
-        </a:graphic>
-      </p:graphicFrame>
-    </p:spTree>
-  </p:cSld>
-  <p:clrMapOvr>
-    <a:masterClrMapping/>
-  </p:clrMapOvr>
-</p:sld>
-</file>
-
-<file path=ppt/slides/slide59.xml><?xml version="1.0" encoding="utf-8"?>
-<p:sld xmlns:a="http://schemas.openxmlformats.org/drawingml/2006/main" xmlns:r="http://schemas.openxmlformats.org/officeDocument/2006/relationships" xmlns:p="http://schemas.openxmlformats.org/presentationml/2006/main">
-  <p:cSld>
-    <p:spTree>
-      <p:nvGrpSpPr>
-        <p:cNvPr id="1" name=""/>
-        <p:cNvGrpSpPr/>
-        <p:nvPr/>
-      </p:nvGrpSpPr>
-      <p:grpSpPr>
-        <a:xfrm>
-          <a:off x="0" y="0"/>
-          <a:ext cx="0" cy="0"/>
-          <a:chOff x="0" y="0"/>
-          <a:chExt cx="0" cy="0"/>
-        </a:xfrm>
-      </p:grpSpPr>
-      <p:sp>
-        <p:nvSpPr>
-          <p:cNvPr id="2" name="Title 1"/>
-          <p:cNvSpPr>
-            <a:spLocks noGrp="1"/>
-          </p:cNvSpPr>
-          <p:nvPr>
-            <p:ph type="title"/>
-          </p:nvPr>
-        </p:nvSpPr>
-        <p:spPr/>
-        <p:txBody>
-          <a:bodyPr/>
-          <a:lstStyle/>
-          <a:p>
-            <a:r>
-              <a:rPr lang="en-US" dirty="0" smtClean="0"/>
-              <a:t>Clean </a:t>
-            </a:r>
-            <a:r>
-              <a:rPr lang="en-US" dirty="0" err="1" smtClean="0"/>
-              <a:t>Xaml</a:t>
-            </a:r>
-            <a:endParaRPr lang="en-US" dirty="0"/>
-          </a:p>
-        </p:txBody>
-      </p:sp>
-      <p:sp>
-        <p:nvSpPr>
-          <p:cNvPr id="3" name="Content Placeholder 2"/>
-          <p:cNvSpPr>
-            <a:spLocks noGrp="1"/>
-          </p:cNvSpPr>
-          <p:nvPr>
-            <p:ph idx="1"/>
-          </p:nvPr>
-        </p:nvSpPr>
-        <p:spPr/>
-        <p:txBody>
-          <a:bodyPr/>
-          <a:lstStyle/>
-          <a:p>
-            <a:r>
-              <a:rPr lang="en-US" dirty="0" smtClean="0"/>
-              <a:t>We get upset if our classes are heavily nested and over 1k lines long but have no issue with our </a:t>
-            </a:r>
-            <a:r>
-              <a:rPr lang="en-US" dirty="0" err="1" smtClean="0"/>
-              <a:t>xaml</a:t>
-            </a:r>
-            <a:r>
-              <a:rPr lang="en-US" dirty="0" smtClean="0"/>
-              <a:t> files?</a:t>
-            </a:r>
-          </a:p>
-          <a:p>
-            <a:r>
-              <a:rPr lang="en-US" dirty="0" smtClean="0"/>
-              <a:t>Adding nested elements increases the likelihood of errors creeping in during design</a:t>
-            </a:r>
-          </a:p>
-          <a:p>
-            <a:endParaRPr lang="en-US" dirty="0"/>
-          </a:p>
-        </p:txBody>
-      </p:sp>
-    </p:spTree>
   </p:cSld>
   <p:clrMapOvr>
     <a:masterClrMapping/>
@@ -24208,74 +24378,28 @@
           <a:p>
             <a:r>
               <a:rPr lang="en-US" dirty="0" smtClean="0"/>
-              <a:t>Visual Editor = Code Gen</a:t>
+              <a:t>WPF Truth</a:t>
             </a:r>
             <a:endParaRPr lang="en-US" dirty="0"/>
           </a:p>
         </p:txBody>
       </p:sp>
-      <p:sp>
-        <p:nvSpPr>
-          <p:cNvPr id="3" name="Content Placeholder 2"/>
-          <p:cNvSpPr>
-            <a:spLocks noGrp="1"/>
-          </p:cNvSpPr>
-          <p:nvPr>
-            <p:ph idx="1"/>
-          </p:nvPr>
-        </p:nvSpPr>
-        <p:spPr/>
-        <p:txBody>
-          <a:bodyPr/>
-          <a:lstStyle/>
-          <a:p>
-            <a:r>
-              <a:rPr lang="en-US" dirty="0" smtClean="0"/>
-              <a:t>We should have the same hesitation over using a visual editor as we do using code generation. </a:t>
-            </a:r>
-          </a:p>
-          <a:p>
-            <a:endParaRPr lang="en-US" dirty="0" smtClean="0"/>
-          </a:p>
-          <a:p>
-            <a:pPr lvl="1"/>
-            <a:r>
-              <a:rPr lang="en-US" dirty="0" smtClean="0"/>
-              <a:t>All </a:t>
-            </a:r>
-            <a:r>
-              <a:rPr lang="en-US" dirty="0" err="1" smtClean="0"/>
-              <a:t>xaml</a:t>
-            </a:r>
-            <a:r>
-              <a:rPr lang="en-US" dirty="0" smtClean="0"/>
-              <a:t> is code</a:t>
-            </a:r>
-          </a:p>
-          <a:p>
-            <a:pPr lvl="1"/>
-            <a:r>
-              <a:rPr lang="en-US" dirty="0" smtClean="0"/>
-              <a:t>All visual editors generate </a:t>
-            </a:r>
-            <a:r>
-              <a:rPr lang="en-US" dirty="0" err="1" smtClean="0"/>
-              <a:t>xaml</a:t>
-            </a:r>
-            <a:endParaRPr lang="en-US" dirty="0" smtClean="0"/>
-          </a:p>
-          <a:p>
-            <a:pPr lvl="1"/>
-            <a:r>
-              <a:rPr lang="en-US" dirty="0" smtClean="0"/>
-              <a:t>Then all visual editors generate code</a:t>
-            </a:r>
-          </a:p>
-          <a:p>
-            <a:endParaRPr lang="en-US" dirty="0" smtClean="0"/>
-          </a:p>
-        </p:txBody>
-      </p:sp>
+      <p:graphicFrame>
+        <p:nvGraphicFramePr>
+          <p:cNvPr id="4" name="Diagram 3"/>
+          <p:cNvGraphicFramePr/>
+          <p:nvPr/>
+        </p:nvGraphicFramePr>
+        <p:xfrm>
+          <a:off x="1524000" y="1397000"/>
+          <a:ext cx="6096000" cy="4064000"/>
+        </p:xfrm>
+        <a:graphic>
+          <a:graphicData uri="http://schemas.openxmlformats.org/drawingml/2006/diagram">
+            <dgm:relIds xmlns:dgm="http://schemas.openxmlformats.org/drawingml/2006/diagram" xmlns:r="http://schemas.openxmlformats.org/officeDocument/2006/relationships" r:dm="rId2" r:lo="rId3" r:qs="rId4" r:cs="rId5"/>
+          </a:graphicData>
+        </a:graphic>
+      </p:graphicFrame>
     </p:spTree>
   </p:cSld>
   <p:clrMapOvr>
@@ -24318,7 +24442,11 @@
           <a:p>
             <a:r>
               <a:rPr lang="en-US" dirty="0" smtClean="0"/>
-              <a:t>ML = Markup Language</a:t>
+              <a:t>Clean </a:t>
+            </a:r>
+            <a:r>
+              <a:rPr lang="en-US" dirty="0" err="1" smtClean="0"/>
+              <a:t>Xaml</a:t>
             </a:r>
             <a:endParaRPr lang="en-US" dirty="0"/>
           </a:p>
@@ -24341,44 +24469,25 @@
           <a:p>
             <a:r>
               <a:rPr lang="en-US" dirty="0" smtClean="0"/>
-              <a:t>If XAML is a markup, what other markup language do we know of?</a:t>
-            </a:r>
-          </a:p>
-          <a:p>
+              <a:t>We get upset if our classes are heavily nested and over 1k lines long but have no issue with our </a:t>
+            </a:r>
+            <a:r>
+              <a:rPr lang="en-US" dirty="0" err="1" smtClean="0"/>
+              <a:t>xaml</a:t>
+            </a:r>
             <a:r>
               <a:rPr lang="en-US" dirty="0" smtClean="0"/>
-              <a:t>HTML!</a:t>
+              <a:t> files?</a:t>
             </a:r>
           </a:p>
           <a:p>
             <a:r>
               <a:rPr lang="en-US" dirty="0" smtClean="0"/>
-              <a:t>We </a:t>
-            </a:r>
-            <a:r>
-              <a:rPr lang="en-US" dirty="0" smtClean="0"/>
-              <a:t>should learn from the web </a:t>
-            </a:r>
-            <a:endParaRPr lang="en-US" dirty="0" smtClean="0"/>
-          </a:p>
-          <a:p>
-            <a:r>
-              <a:rPr lang="en-US" dirty="0" smtClean="0"/>
-              <a:t>The web h</a:t>
-            </a:r>
-            <a:r>
-              <a:rPr lang="en-US" dirty="0" smtClean="0"/>
-              <a:t>as </a:t>
-            </a:r>
-            <a:r>
-              <a:rPr lang="en-US" dirty="0" smtClean="0"/>
-              <a:t>YEARS of UI markup </a:t>
-            </a:r>
-            <a:r>
-              <a:rPr lang="en-US" dirty="0" smtClean="0"/>
-              <a:t>experience</a:t>
-            </a:r>
-            <a:endParaRPr lang="en-US" dirty="0" smtClean="0"/>
+              <a:t>Adding nested elements increases the likelihood of errors creeping in during design</a:t>
+            </a:r>
+          </a:p>
+          <a:p>
+            <a:endParaRPr lang="en-US" dirty="0"/>
           </a:p>
         </p:txBody>
       </p:sp>
@@ -24424,7 +24533,7 @@
           <a:p>
             <a:r>
               <a:rPr lang="en-US" dirty="0" smtClean="0"/>
-              <a:t>Semantics</a:t>
+              <a:t>Visual Editor = Code Gen</a:t>
             </a:r>
             <a:endParaRPr lang="en-US" dirty="0"/>
           </a:p>
@@ -24440,44 +24549,103 @@
             <p:ph idx="1"/>
           </p:nvPr>
         </p:nvSpPr>
-        <p:spPr/>
+        <p:spPr>
+          <a:xfrm>
+            <a:off x="457200" y="1600201"/>
+            <a:ext cx="8305800" cy="1905000"/>
+          </a:xfrm>
+        </p:spPr>
         <p:txBody>
           <a:bodyPr/>
           <a:lstStyle/>
           <a:p>
-            <a:pPr>
-              <a:buNone/>
-            </a:pPr>
-            <a:r>
-              <a:rPr lang="en-US" dirty="0"/>
-              <a:t>In markup, semantics is concerned with the meaning of an element and how that element describes that content it contains </a:t>
-            </a:r>
-          </a:p>
-          <a:p>
-            <a:pPr>
-              <a:buNone/>
-            </a:pPr>
-            <a:r>
-              <a:rPr lang="en-US" dirty="0"/>
-              <a:t>				– Molly </a:t>
-            </a:r>
-            <a:r>
-              <a:rPr lang="en-US" dirty="0" err="1"/>
-              <a:t>Holzschlag</a:t>
-            </a:r>
-            <a:endParaRPr lang="en-US" dirty="0"/>
-          </a:p>
-          <a:p>
-            <a:endParaRPr lang="en-US" dirty="0"/>
+            <a:r>
+              <a:rPr lang="en-US" dirty="0" smtClean="0"/>
+              <a:t>We should have the same hesitation over using a visual editor as we do using code generation. </a:t>
+            </a:r>
+          </a:p>
+          <a:p>
+            <a:endParaRPr lang="en-US" dirty="0" smtClean="0"/>
+          </a:p>
+          <a:p>
+            <a:endParaRPr lang="en-US" dirty="0" smtClean="0"/>
+          </a:p>
+        </p:txBody>
+      </p:sp>
+      <p:sp>
+        <p:nvSpPr>
+          <p:cNvPr id="4" name="TextBox 3"/>
+          <p:cNvSpPr txBox="1"/>
+          <p:nvPr/>
+        </p:nvSpPr>
+        <p:spPr>
+          <a:xfrm>
+            <a:off x="762000" y="3581400"/>
+            <a:ext cx="7543800" cy="2062103"/>
+          </a:xfrm>
+          <a:prstGeom prst="rect">
+            <a:avLst/>
+          </a:prstGeom>
+        </p:spPr>
+        <p:style>
+          <a:lnRef idx="1">
+            <a:schemeClr val="accent1"/>
+          </a:lnRef>
+          <a:fillRef idx="2">
+            <a:schemeClr val="accent1"/>
+          </a:fillRef>
+          <a:effectRef idx="1">
+            <a:schemeClr val="accent1"/>
+          </a:effectRef>
+          <a:fontRef idx="minor">
+            <a:schemeClr val="dk1"/>
+          </a:fontRef>
+        </p:style>
+        <p:txBody>
+          <a:bodyPr wrap="square" rtlCol="0">
+            <a:spAutoFit/>
+          </a:bodyPr>
+          <a:lstStyle/>
+          <a:p>
+            <a:pPr lvl="1"/>
+            <a:r>
+              <a:rPr lang="en-US" sz="3200" dirty="0"/>
+              <a:t>All </a:t>
+            </a:r>
+            <a:r>
+              <a:rPr lang="en-US" sz="3200" dirty="0" err="1"/>
+              <a:t>xaml</a:t>
+            </a:r>
+            <a:r>
+              <a:rPr lang="en-US" sz="3200" dirty="0"/>
+              <a:t> is code</a:t>
+            </a:r>
+          </a:p>
+          <a:p>
+            <a:pPr lvl="1"/>
+            <a:r>
+              <a:rPr lang="en-US" sz="3200" dirty="0"/>
+              <a:t>All visual editors generate </a:t>
+            </a:r>
+            <a:r>
+              <a:rPr lang="en-US" sz="3200" dirty="0" err="1"/>
+              <a:t>xaml</a:t>
+            </a:r>
+            <a:endParaRPr lang="en-US" sz="3200" dirty="0"/>
+          </a:p>
+          <a:p>
+            <a:pPr lvl="1"/>
+            <a:r>
+              <a:rPr lang="en-US" sz="3200" dirty="0"/>
+              <a:t>Then all visual editors generate code</a:t>
+            </a:r>
+          </a:p>
+          <a:p>
+            <a:endParaRPr lang="en-US" sz="3200" dirty="0"/>
           </a:p>
         </p:txBody>
       </p:sp>
     </p:spTree>
-    <p:extLst>
-      <p:ext uri="{BB962C8B-B14F-4D97-AF65-F5344CB8AC3E}">
-        <p14:creationId xmlns:p14="http://schemas.microsoft.com/office/powerpoint/2010/main" val="2277484368"/>
-      </p:ext>
-    </p:extLst>
   </p:cSld>
   <p:clrMapOvr>
     <a:masterClrMapping/>
@@ -24519,11 +24687,7 @@
           <a:p>
             <a:r>
               <a:rPr lang="en-US" dirty="0" smtClean="0"/>
-              <a:t>Why </a:t>
-            </a:r>
-            <a:r>
-              <a:rPr lang="en-US" dirty="0" smtClean="0"/>
-              <a:t>Semantics</a:t>
+              <a:t>ML = Markup Language</a:t>
             </a:r>
             <a:endParaRPr lang="en-US" dirty="0"/>
           </a:p>
@@ -24546,38 +24710,26 @@
           <a:p>
             <a:r>
               <a:rPr lang="en-US" dirty="0" smtClean="0"/>
-              <a:t>Meaningful markup and structure simplifies </a:t>
-            </a:r>
+              <a:t>If XAML is a markup, what other markup language do we know of?</a:t>
+            </a:r>
+          </a:p>
+          <a:p>
             <a:r>
               <a:rPr lang="en-US" dirty="0" smtClean="0"/>
-              <a:t>design</a:t>
+              <a:t>HTML!</a:t>
             </a:r>
           </a:p>
           <a:p>
             <a:r>
               <a:rPr lang="en-US" dirty="0" smtClean="0"/>
-              <a:t>Reduces time to create views</a:t>
-            </a:r>
-            <a:endParaRPr lang="en-US" dirty="0" smtClean="0"/>
+              <a:t>We should learn from the web </a:t>
+            </a:r>
           </a:p>
           <a:p>
             <a:r>
               <a:rPr lang="en-US" dirty="0" smtClean="0"/>
-              <a:t>Reduces time to mentally deconstruct a doc</a:t>
-            </a:r>
-          </a:p>
-          <a:p>
-            <a:r>
-              <a:rPr lang="en-US" dirty="0" smtClean="0"/>
-              <a:t>Reduce margins and costs of errors</a:t>
-            </a:r>
-          </a:p>
-          <a:p>
-            <a:r>
-              <a:rPr lang="en-US" dirty="0" smtClean="0"/>
-              <a:t>Simplifies the understanding of markup written by another developer</a:t>
-            </a:r>
-            <a:endParaRPr lang="en-US" dirty="0"/>
+              <a:t>The web has YEARS of UI markup experience</a:t>
+            </a:r>
           </a:p>
         </p:txBody>
       </p:sp>
@@ -24590,6 +24742,196 @@
 </file>
 
 <file path=ppt/slides/slide64.xml><?xml version="1.0" encoding="utf-8"?>
+<p:sld xmlns:a="http://schemas.openxmlformats.org/drawingml/2006/main" xmlns:r="http://schemas.openxmlformats.org/officeDocument/2006/relationships" xmlns:p="http://schemas.openxmlformats.org/presentationml/2006/main">
+  <p:cSld>
+    <p:spTree>
+      <p:nvGrpSpPr>
+        <p:cNvPr id="1" name=""/>
+        <p:cNvGrpSpPr/>
+        <p:nvPr/>
+      </p:nvGrpSpPr>
+      <p:grpSpPr>
+        <a:xfrm>
+          <a:off x="0" y="0"/>
+          <a:ext cx="0" cy="0"/>
+          <a:chOff x="0" y="0"/>
+          <a:chExt cx="0" cy="0"/>
+        </a:xfrm>
+      </p:grpSpPr>
+      <p:sp>
+        <p:nvSpPr>
+          <p:cNvPr id="2" name="Title 1"/>
+          <p:cNvSpPr>
+            <a:spLocks noGrp="1"/>
+          </p:cNvSpPr>
+          <p:nvPr>
+            <p:ph type="title"/>
+          </p:nvPr>
+        </p:nvSpPr>
+        <p:spPr/>
+        <p:txBody>
+          <a:bodyPr/>
+          <a:lstStyle/>
+          <a:p>
+            <a:r>
+              <a:rPr lang="en-US" dirty="0" smtClean="0"/>
+              <a:t>Semantics</a:t>
+            </a:r>
+            <a:endParaRPr lang="en-US" dirty="0"/>
+          </a:p>
+        </p:txBody>
+      </p:sp>
+      <p:sp>
+        <p:nvSpPr>
+          <p:cNvPr id="3" name="Content Placeholder 2"/>
+          <p:cNvSpPr>
+            <a:spLocks noGrp="1"/>
+          </p:cNvSpPr>
+          <p:nvPr>
+            <p:ph idx="1"/>
+          </p:nvPr>
+        </p:nvSpPr>
+        <p:spPr/>
+        <p:txBody>
+          <a:bodyPr/>
+          <a:lstStyle/>
+          <a:p>
+            <a:pPr>
+              <a:buNone/>
+            </a:pPr>
+            <a:r>
+              <a:rPr lang="en-US" dirty="0"/>
+              <a:t>In markup, semantics is concerned with the meaning of an element and how that element describes that content it contains </a:t>
+            </a:r>
+          </a:p>
+          <a:p>
+            <a:pPr>
+              <a:buNone/>
+            </a:pPr>
+            <a:r>
+              <a:rPr lang="en-US" dirty="0"/>
+              <a:t>				– Molly </a:t>
+            </a:r>
+            <a:r>
+              <a:rPr lang="en-US" dirty="0" err="1"/>
+              <a:t>Holzschlag</a:t>
+            </a:r>
+            <a:endParaRPr lang="en-US" dirty="0"/>
+          </a:p>
+          <a:p>
+            <a:endParaRPr lang="en-US" dirty="0"/>
+          </a:p>
+        </p:txBody>
+      </p:sp>
+    </p:spTree>
+    <p:extLst>
+      <p:ext uri="{BB962C8B-B14F-4D97-AF65-F5344CB8AC3E}">
+        <p14:creationId xmlns:p14="http://schemas.microsoft.com/office/powerpoint/2010/main" val="2277484368"/>
+      </p:ext>
+    </p:extLst>
+  </p:cSld>
+  <p:clrMapOvr>
+    <a:masterClrMapping/>
+  </p:clrMapOvr>
+</p:sld>
+</file>
+
+<file path=ppt/slides/slide65.xml><?xml version="1.0" encoding="utf-8"?>
+<p:sld xmlns:a="http://schemas.openxmlformats.org/drawingml/2006/main" xmlns:r="http://schemas.openxmlformats.org/officeDocument/2006/relationships" xmlns:p="http://schemas.openxmlformats.org/presentationml/2006/main">
+  <p:cSld>
+    <p:spTree>
+      <p:nvGrpSpPr>
+        <p:cNvPr id="1" name=""/>
+        <p:cNvGrpSpPr/>
+        <p:nvPr/>
+      </p:nvGrpSpPr>
+      <p:grpSpPr>
+        <a:xfrm>
+          <a:off x="0" y="0"/>
+          <a:ext cx="0" cy="0"/>
+          <a:chOff x="0" y="0"/>
+          <a:chExt cx="0" cy="0"/>
+        </a:xfrm>
+      </p:grpSpPr>
+      <p:sp>
+        <p:nvSpPr>
+          <p:cNvPr id="2" name="Title 1"/>
+          <p:cNvSpPr>
+            <a:spLocks noGrp="1"/>
+          </p:cNvSpPr>
+          <p:nvPr>
+            <p:ph type="title"/>
+          </p:nvPr>
+        </p:nvSpPr>
+        <p:spPr/>
+        <p:txBody>
+          <a:bodyPr/>
+          <a:lstStyle/>
+          <a:p>
+            <a:r>
+              <a:rPr lang="en-US" dirty="0" smtClean="0"/>
+              <a:t>Why Semantics</a:t>
+            </a:r>
+            <a:endParaRPr lang="en-US" dirty="0"/>
+          </a:p>
+        </p:txBody>
+      </p:sp>
+      <p:sp>
+        <p:nvSpPr>
+          <p:cNvPr id="3" name="Content Placeholder 2"/>
+          <p:cNvSpPr>
+            <a:spLocks noGrp="1"/>
+          </p:cNvSpPr>
+          <p:nvPr>
+            <p:ph idx="1"/>
+          </p:nvPr>
+        </p:nvSpPr>
+        <p:spPr/>
+        <p:txBody>
+          <a:bodyPr/>
+          <a:lstStyle/>
+          <a:p>
+            <a:r>
+              <a:rPr lang="en-US" dirty="0" smtClean="0"/>
+              <a:t>Meaningful markup and structure simplifies design</a:t>
+            </a:r>
+          </a:p>
+          <a:p>
+            <a:r>
+              <a:rPr lang="en-US" dirty="0" smtClean="0"/>
+              <a:t>Reduces time to create views</a:t>
+            </a:r>
+          </a:p>
+          <a:p>
+            <a:r>
+              <a:rPr lang="en-US" dirty="0" smtClean="0"/>
+              <a:t>Reduces time to mentally deconstruct a doc</a:t>
+            </a:r>
+          </a:p>
+          <a:p>
+            <a:r>
+              <a:rPr lang="en-US" dirty="0" smtClean="0"/>
+              <a:t>Reduce margins and costs of errors</a:t>
+            </a:r>
+          </a:p>
+          <a:p>
+            <a:r>
+              <a:rPr lang="en-US" dirty="0" smtClean="0"/>
+              <a:t>Simplifies the understanding of markup written by another developer</a:t>
+            </a:r>
+            <a:endParaRPr lang="en-US" dirty="0"/>
+          </a:p>
+        </p:txBody>
+      </p:sp>
+    </p:spTree>
+  </p:cSld>
+  <p:clrMapOvr>
+    <a:masterClrMapping/>
+  </p:clrMapOvr>
+</p:sld>
+</file>
+
+<file path=ppt/slides/slide66.xml><?xml version="1.0" encoding="utf-8"?>
 <p:sld xmlns:a="http://schemas.openxmlformats.org/drawingml/2006/main" xmlns:r="http://schemas.openxmlformats.org/officeDocument/2006/relationships" xmlns:p="http://schemas.openxmlformats.org/presentationml/2006/main">
   <p:cSld>
     <p:spTree>
@@ -24742,17 +25084,8 @@
           <a:p>
             <a:r>
               <a:rPr lang="en-US" dirty="0" smtClean="0"/>
-              <a:t>Setup </a:t>
-            </a:r>
-            <a:r>
-              <a:rPr lang="en-US" dirty="0" smtClean="0"/>
-              <a:t>semantic naming </a:t>
-            </a:r>
-            <a:r>
-              <a:rPr lang="en-US" dirty="0" smtClean="0"/>
-              <a:t>conventions for teams</a:t>
-            </a:r>
-            <a:endParaRPr lang="en-US" dirty="0" smtClean="0"/>
+              <a:t>Setup semantic naming conventions for teams</a:t>
+            </a:r>
           </a:p>
         </p:txBody>
       </p:sp>
@@ -24816,205 +25149,6 @@
           </a:p>
         </p:txBody>
       </p:sp>
-    </p:spTree>
-  </p:cSld>
-  <p:clrMapOvr>
-    <a:masterClrMapping/>
-  </p:clrMapOvr>
-</p:sld>
-</file>
-
-<file path=ppt/slides/slide65.xml><?xml version="1.0" encoding="utf-8"?>
-<p:sld xmlns:a="http://schemas.openxmlformats.org/drawingml/2006/main" xmlns:r="http://schemas.openxmlformats.org/officeDocument/2006/relationships" xmlns:p="http://schemas.openxmlformats.org/presentationml/2006/main">
-  <p:cSld>
-    <p:spTree>
-      <p:nvGrpSpPr>
-        <p:cNvPr id="1" name=""/>
-        <p:cNvGrpSpPr/>
-        <p:nvPr/>
-      </p:nvGrpSpPr>
-      <p:grpSpPr>
-        <a:xfrm>
-          <a:off x="0" y="0"/>
-          <a:ext cx="0" cy="0"/>
-          <a:chOff x="0" y="0"/>
-          <a:chExt cx="0" cy="0"/>
-        </a:xfrm>
-      </p:grpSpPr>
-      <p:sp>
-        <p:nvSpPr>
-          <p:cNvPr id="2" name="Title 1"/>
-          <p:cNvSpPr>
-            <a:spLocks noGrp="1"/>
-          </p:cNvSpPr>
-          <p:nvPr>
-            <p:ph type="title"/>
-          </p:nvPr>
-        </p:nvSpPr>
-        <p:spPr/>
-        <p:txBody>
-          <a:bodyPr/>
-          <a:lstStyle/>
-          <a:p>
-            <a:r>
-              <a:rPr lang="en-US" dirty="0" smtClean="0"/>
-              <a:t>Breakdown Apps</a:t>
-            </a:r>
-            <a:endParaRPr lang="en-US" dirty="0"/>
-          </a:p>
-        </p:txBody>
-      </p:sp>
-      <p:sp>
-        <p:nvSpPr>
-          <p:cNvPr id="3" name="Content Placeholder 2"/>
-          <p:cNvSpPr>
-            <a:spLocks noGrp="1"/>
-          </p:cNvSpPr>
-          <p:nvPr>
-            <p:ph idx="1"/>
-          </p:nvPr>
-        </p:nvSpPr>
-        <p:spPr/>
-        <p:txBody>
-          <a:bodyPr/>
-          <a:lstStyle/>
-          <a:p>
-            <a:r>
-              <a:rPr lang="en-US" dirty="0" smtClean="0"/>
-              <a:t>Get some screen shots and then breakdown screen</a:t>
-            </a:r>
-            <a:endParaRPr lang="en-US" dirty="0"/>
-          </a:p>
-        </p:txBody>
-      </p:sp>
-    </p:spTree>
-  </p:cSld>
-  <p:clrMapOvr>
-    <a:masterClrMapping/>
-  </p:clrMapOvr>
-</p:sld>
-</file>
-
-<file path=ppt/slides/slide66.xml><?xml version="1.0" encoding="utf-8"?>
-<p:sld xmlns:a="http://schemas.openxmlformats.org/drawingml/2006/main" xmlns:r="http://schemas.openxmlformats.org/officeDocument/2006/relationships" xmlns:p="http://schemas.openxmlformats.org/presentationml/2006/main">
-  <p:cSld>
-    <p:spTree>
-      <p:nvGrpSpPr>
-        <p:cNvPr id="1" name=""/>
-        <p:cNvGrpSpPr/>
-        <p:nvPr/>
-      </p:nvGrpSpPr>
-      <p:grpSpPr>
-        <a:xfrm>
-          <a:off x="0" y="0"/>
-          <a:ext cx="0" cy="0"/>
-          <a:chOff x="0" y="0"/>
-          <a:chExt cx="0" cy="0"/>
-        </a:xfrm>
-      </p:grpSpPr>
-      <p:sp>
-        <p:nvSpPr>
-          <p:cNvPr id="2" name="Title 1"/>
-          <p:cNvSpPr>
-            <a:spLocks noGrp="1"/>
-          </p:cNvSpPr>
-          <p:nvPr>
-            <p:ph type="title"/>
-          </p:nvPr>
-        </p:nvSpPr>
-        <p:spPr/>
-        <p:txBody>
-          <a:bodyPr/>
-          <a:lstStyle/>
-          <a:p>
-            <a:r>
-              <a:rPr lang="en-US" dirty="0" smtClean="0"/>
-              <a:t>Custom Controls</a:t>
-            </a:r>
-            <a:endParaRPr lang="en-US" dirty="0"/>
-          </a:p>
-        </p:txBody>
-      </p:sp>
-      <p:sp>
-        <p:nvSpPr>
-          <p:cNvPr id="3" name="Content Placeholder 2"/>
-          <p:cNvSpPr>
-            <a:spLocks noGrp="1"/>
-          </p:cNvSpPr>
-          <p:nvPr>
-            <p:ph idx="1"/>
-          </p:nvPr>
-        </p:nvSpPr>
-        <p:spPr/>
-        <p:txBody>
-          <a:bodyPr/>
-          <a:lstStyle/>
-          <a:p>
-            <a:r>
-              <a:rPr lang="en-US" dirty="0" smtClean="0"/>
-              <a:t>Declare semantic controls</a:t>
-            </a:r>
-          </a:p>
-          <a:p>
-            <a:r>
-              <a:rPr lang="en-US" dirty="0" smtClean="0"/>
-              <a:t>Allows setting styles by target type</a:t>
-            </a:r>
-          </a:p>
-          <a:p>
-            <a:r>
-              <a:rPr lang="en-US" dirty="0" smtClean="0"/>
-              <a:t>No preconceived ideas on template implementation</a:t>
-            </a:r>
-          </a:p>
-          <a:p>
-            <a:pPr lvl="1"/>
-            <a:r>
-              <a:rPr lang="en-US" dirty="0" smtClean="0"/>
-              <a:t>Label template that uses a </a:t>
-            </a:r>
-            <a:r>
-              <a:rPr lang="en-US" dirty="0" err="1" smtClean="0"/>
-              <a:t>Listbox</a:t>
-            </a:r>
-            <a:r>
-              <a:rPr lang="en-US" dirty="0" smtClean="0"/>
-              <a:t> would be confusing</a:t>
-            </a:r>
-          </a:p>
-          <a:p>
-            <a:r>
-              <a:rPr lang="en-US" dirty="0" smtClean="0"/>
-              <a:t>Section Title example</a:t>
-            </a:r>
-            <a:endParaRPr lang="en-US" dirty="0"/>
-          </a:p>
-        </p:txBody>
-      </p:sp>
-      <p:pic>
-        <p:nvPicPr>
-          <p:cNvPr id="4" name="Picture 3" descr="visualstudio.jpg"/>
-          <p:cNvPicPr>
-            <a:picLocks noChangeAspect="1"/>
-          </p:cNvPicPr>
-          <p:nvPr/>
-        </p:nvPicPr>
-        <p:blipFill>
-          <a:blip r:embed="rId2" cstate="print"/>
-          <a:stretch>
-            <a:fillRect/>
-          </a:stretch>
-        </p:blipFill>
-        <p:spPr>
-          <a:xfrm>
-            <a:off x="7839075" y="6076950"/>
-            <a:ext cx="1304925" cy="781050"/>
-          </a:xfrm>
-          <a:prstGeom prst="rect">
-            <a:avLst/>
-          </a:prstGeom>
-        </p:spPr>
-      </p:pic>
     </p:spTree>
   </p:cSld>
   <p:clrMapOvr>
@@ -25057,7 +25191,7 @@
           <a:p>
             <a:r>
               <a:rPr lang="en-US" dirty="0" smtClean="0"/>
-              <a:t>Presentation &amp; Structure</a:t>
+              <a:t>Breakdown apps</a:t>
             </a:r>
             <a:endParaRPr lang="en-US" dirty="0"/>
           </a:p>
@@ -25065,12 +25199,12 @@
       </p:sp>
       <p:sp>
         <p:nvSpPr>
-          <p:cNvPr id="3" name="Content Placeholder 2"/>
+          <p:cNvPr id="3" name="Text Placeholder 2"/>
           <p:cNvSpPr>
             <a:spLocks noGrp="1"/>
           </p:cNvSpPr>
           <p:nvPr>
-            <p:ph idx="1"/>
+            <p:ph type="body" idx="1"/>
           </p:nvPr>
         </p:nvSpPr>
         <p:spPr/>
@@ -25078,26 +25212,16 @@
           <a:bodyPr/>
           <a:lstStyle/>
           <a:p>
-            <a:pPr>
-              <a:buNone/>
-            </a:pPr>
-            <a:r>
-              <a:rPr lang="en-US" dirty="0" smtClean="0"/>
-              <a:t>I committed the </a:t>
-            </a:r>
-            <a:r>
-              <a:rPr lang="en-US" dirty="0" err="1" smtClean="0"/>
-              <a:t>hangable</a:t>
-            </a:r>
-            <a:r>
-              <a:rPr lang="en-US" dirty="0" smtClean="0"/>
-              <a:t> offense of mixing structure with presentation – David Siegel</a:t>
-            </a:r>
-            <a:endParaRPr lang="en-US" dirty="0"/>
+            <a:endParaRPr lang="en-US"/>
           </a:p>
         </p:txBody>
       </p:sp>
     </p:spTree>
+    <p:extLst>
+      <p:ext uri="{BB962C8B-B14F-4D97-AF65-F5344CB8AC3E}">
+        <p14:creationId xmlns:p14="http://schemas.microsoft.com/office/powerpoint/2010/main" val="2705112198"/>
+      </p:ext>
+    </p:extLst>
   </p:cSld>
   <p:clrMapOvr>
     <a:masterClrMapping/>
@@ -25122,77 +25246,70 @@
           <a:chExt cx="0" cy="0"/>
         </a:xfrm>
       </p:grpSpPr>
-      <p:sp>
-        <p:nvSpPr>
-          <p:cNvPr id="2" name="Title 1"/>
-          <p:cNvSpPr>
-            <a:spLocks noGrp="1"/>
-          </p:cNvSpPr>
-          <p:nvPr>
-            <p:ph type="title"/>
-          </p:nvPr>
-        </p:nvSpPr>
-        <p:spPr/>
-        <p:txBody>
-          <a:bodyPr/>
-          <a:lstStyle/>
-          <a:p>
-            <a:r>
-              <a:rPr lang="en-US" dirty="0" smtClean="0"/>
-              <a:t>Separation of Concerns</a:t>
-            </a:r>
-            <a:endParaRPr lang="en-US" dirty="0"/>
-          </a:p>
-        </p:txBody>
-      </p:sp>
-      <p:sp>
-        <p:nvSpPr>
-          <p:cNvPr id="3" name="Content Placeholder 2"/>
-          <p:cNvSpPr>
-            <a:spLocks noGrp="1"/>
-          </p:cNvSpPr>
-          <p:nvPr>
-            <p:ph idx="1"/>
-          </p:nvPr>
-        </p:nvSpPr>
-        <p:spPr/>
-        <p:txBody>
-          <a:bodyPr/>
-          <a:lstStyle/>
-          <a:p>
-            <a:r>
-              <a:rPr lang="en-US" dirty="0" smtClean="0"/>
-              <a:t>UI Interaction and logic</a:t>
-            </a:r>
-          </a:p>
-          <a:p>
-            <a:r>
-              <a:rPr lang="en-US" dirty="0" smtClean="0"/>
-              <a:t>Structure and presentation</a:t>
-            </a:r>
-          </a:p>
-          <a:p>
-            <a:r>
-              <a:rPr lang="en-US" dirty="0" smtClean="0"/>
-              <a:t>Focus on content and not presentation</a:t>
-            </a:r>
-          </a:p>
-          <a:p>
-            <a:r>
-              <a:rPr lang="en-US" dirty="0" smtClean="0"/>
-              <a:t>Brings back to editors suck!</a:t>
-            </a:r>
-          </a:p>
-          <a:p>
-            <a:pPr lvl="1"/>
-            <a:r>
-              <a:rPr lang="en-US" dirty="0" smtClean="0"/>
-              <a:t>Great layout panels and then you just drag and drop fixed margins into a grid? WTF!?</a:t>
-            </a:r>
-            <a:endParaRPr lang="en-US" dirty="0"/>
-          </a:p>
-        </p:txBody>
-      </p:sp>
+      <p:pic>
+        <p:nvPicPr>
+          <p:cNvPr id="1026" name="Picture 2"/>
+          <p:cNvPicPr>
+            <a:picLocks noChangeAspect="1" noChangeArrowheads="1"/>
+          </p:cNvPicPr>
+          <p:nvPr/>
+        </p:nvPicPr>
+        <p:blipFill>
+          <a:blip r:embed="rId2">
+            <a:extLst>
+              <a:ext uri="{28A0092B-C50C-407E-A947-70E740481C1C}">
+                <a14:useLocalDpi xmlns:a14="http://schemas.microsoft.com/office/drawing/2010/main" val="0"/>
+              </a:ext>
+            </a:extLst>
+          </a:blip>
+          <a:srcRect/>
+          <a:stretch>
+            <a:fillRect/>
+          </a:stretch>
+        </p:blipFill>
+        <p:spPr bwMode="auto">
+          <a:xfrm>
+            <a:off x="228600" y="990600"/>
+            <a:ext cx="8734425" cy="4505325"/>
+          </a:xfrm>
+          <a:prstGeom prst="rect">
+            <a:avLst/>
+          </a:prstGeom>
+          <a:noFill/>
+          <a:ln>
+            <a:noFill/>
+          </a:ln>
+          <a:effectLst/>
+          <a:extLst>
+            <a:ext uri="{909E8E84-426E-40DD-AFC4-6F175D3DCCD1}">
+              <a14:hiddenFill xmlns:a14="http://schemas.microsoft.com/office/drawing/2010/main">
+                <a:solidFill>
+                  <a:schemeClr val="accent1"/>
+                </a:solidFill>
+              </a14:hiddenFill>
+            </a:ext>
+            <a:ext uri="{91240B29-F687-4F45-9708-019B960494DF}">
+              <a14:hiddenLine xmlns:a14="http://schemas.microsoft.com/office/drawing/2010/main" w="9525">
+                <a:solidFill>
+                  <a:schemeClr val="tx1"/>
+                </a:solidFill>
+                <a:miter lim="800000"/>
+                <a:headEnd/>
+                <a:tailEnd/>
+              </a14:hiddenLine>
+            </a:ext>
+            <a:ext uri="{AF507438-7753-43E0-B8FC-AC1667EBCBE1}">
+              <a14:hiddenEffects xmlns:a14="http://schemas.microsoft.com/office/drawing/2010/main">
+                <a:effectLst>
+                  <a:outerShdw dist="35921" dir="2700000" algn="ctr" rotWithShape="0">
+                    <a:schemeClr val="bg2"/>
+                  </a:outerShdw>
+                </a:effectLst>
+              </a14:hiddenEffects>
+            </a:ext>
+          </a:extLst>
+        </p:spPr>
+      </p:pic>
     </p:spTree>
   </p:cSld>
   <p:clrMapOvr>
@@ -25218,85 +25335,78 @@
           <a:chExt cx="0" cy="0"/>
         </a:xfrm>
       </p:grpSpPr>
-      <p:sp>
-        <p:nvSpPr>
-          <p:cNvPr id="2" name="Title 1"/>
-          <p:cNvSpPr>
-            <a:spLocks noGrp="1"/>
-          </p:cNvSpPr>
-          <p:nvPr>
-            <p:ph type="title"/>
-          </p:nvPr>
-        </p:nvSpPr>
-        <p:spPr/>
-        <p:txBody>
-          <a:bodyPr/>
-          <a:lstStyle/>
-          <a:p>
-            <a:r>
-              <a:rPr lang="en-US" dirty="0" smtClean="0"/>
-              <a:t>Displaying Buttons</a:t>
-            </a:r>
-            <a:endParaRPr lang="en-US" dirty="0"/>
-          </a:p>
-        </p:txBody>
-      </p:sp>
-      <p:sp>
-        <p:nvSpPr>
-          <p:cNvPr id="3" name="Content Placeholder 2"/>
-          <p:cNvSpPr>
-            <a:spLocks noGrp="1"/>
-          </p:cNvSpPr>
+      <p:pic>
+        <p:nvPicPr>
+          <p:cNvPr id="2050" name="Picture 2"/>
+          <p:cNvPicPr>
+            <a:picLocks noGrp="1" noChangeAspect="1" noChangeArrowheads="1"/>
+          </p:cNvPicPr>
           <p:nvPr>
             <p:ph idx="1"/>
           </p:nvPr>
-        </p:nvSpPr>
-        <p:spPr/>
-        <p:txBody>
-          <a:bodyPr/>
-          <a:lstStyle/>
-          <a:p>
-            <a:r>
-              <a:rPr lang="en-US" dirty="0" smtClean="0"/>
-              <a:t>Instead of displaying a </a:t>
-            </a:r>
-            <a:r>
-              <a:rPr lang="en-US" dirty="0" err="1" smtClean="0"/>
-              <a:t>stackpanel</a:t>
-            </a:r>
-            <a:r>
-              <a:rPr lang="en-US" dirty="0" smtClean="0"/>
-              <a:t> with a collection of buttons, lets display an actions control with a collection of actions</a:t>
-            </a:r>
-            <a:endParaRPr lang="en-US" dirty="0"/>
-          </a:p>
-        </p:txBody>
-      </p:sp>
-      <p:pic>
-        <p:nvPicPr>
-          <p:cNvPr id="4" name="Picture 3" descr="visualstudio.jpg"/>
-          <p:cNvPicPr>
-            <a:picLocks noChangeAspect="1"/>
-          </p:cNvPicPr>
-          <p:nvPr/>
         </p:nvPicPr>
         <p:blipFill>
-          <a:blip r:embed="rId2" cstate="print"/>
+          <a:blip r:embed="rId2">
+            <a:extLst>
+              <a:ext uri="{28A0092B-C50C-407E-A947-70E740481C1C}">
+                <a14:useLocalDpi xmlns:a14="http://schemas.microsoft.com/office/drawing/2010/main" val="0"/>
+              </a:ext>
+            </a:extLst>
+          </a:blip>
+          <a:srcRect/>
           <a:stretch>
             <a:fillRect/>
           </a:stretch>
         </p:blipFill>
-        <p:spPr>
+        <p:spPr bwMode="auto">
           <a:xfrm>
-            <a:off x="7839075" y="6076950"/>
-            <a:ext cx="1304925" cy="781050"/>
+            <a:off x="381000" y="762000"/>
+            <a:ext cx="8307866" cy="5410200"/>
           </a:xfrm>
           <a:prstGeom prst="rect">
             <a:avLst/>
           </a:prstGeom>
+          <a:noFill/>
+          <a:ln>
+            <a:noFill/>
+          </a:ln>
+          <a:effectLst/>
+          <a:extLst>
+            <a:ext uri="{909E8E84-426E-40DD-AFC4-6F175D3DCCD1}">
+              <a14:hiddenFill xmlns:a14="http://schemas.microsoft.com/office/drawing/2010/main">
+                <a:solidFill>
+                  <a:schemeClr val="accent1"/>
+                </a:solidFill>
+              </a14:hiddenFill>
+            </a:ext>
+            <a:ext uri="{91240B29-F687-4F45-9708-019B960494DF}">
+              <a14:hiddenLine xmlns:a14="http://schemas.microsoft.com/office/drawing/2010/main" w="9525">
+                <a:solidFill>
+                  <a:schemeClr val="tx1"/>
+                </a:solidFill>
+                <a:miter lim="800000"/>
+                <a:headEnd/>
+                <a:tailEnd/>
+              </a14:hiddenLine>
+            </a:ext>
+            <a:ext uri="{AF507438-7753-43E0-B8FC-AC1667EBCBE1}">
+              <a14:hiddenEffects xmlns:a14="http://schemas.microsoft.com/office/drawing/2010/main">
+                <a:effectLst>
+                  <a:outerShdw dist="35921" dir="2700000" algn="ctr" rotWithShape="0">
+                    <a:schemeClr val="bg2"/>
+                  </a:outerShdw>
+                </a:effectLst>
+              </a14:hiddenEffects>
+            </a:ext>
+          </a:extLst>
         </p:spPr>
       </p:pic>
     </p:spTree>
+    <p:extLst>
+      <p:ext uri="{BB962C8B-B14F-4D97-AF65-F5344CB8AC3E}">
+        <p14:creationId xmlns:p14="http://schemas.microsoft.com/office/powerpoint/2010/main" val="1257363157"/>
+      </p:ext>
+    </p:extLst>
   </p:cSld>
   <p:clrMapOvr>
     <a:masterClrMapping/>
@@ -25388,107 +25498,76 @@
           <a:chExt cx="0" cy="0"/>
         </a:xfrm>
       </p:grpSpPr>
-      <p:sp>
-        <p:nvSpPr>
-          <p:cNvPr id="2" name="Title 1"/>
-          <p:cNvSpPr>
-            <a:spLocks noGrp="1"/>
-          </p:cNvSpPr>
-          <p:nvPr>
-            <p:ph type="title"/>
-          </p:nvPr>
-        </p:nvSpPr>
-        <p:spPr/>
-        <p:txBody>
-          <a:bodyPr/>
-          <a:lstStyle/>
-          <a:p>
-            <a:r>
-              <a:rPr lang="en-US" dirty="0" smtClean="0"/>
-              <a:t>Specialists?</a:t>
-            </a:r>
-            <a:endParaRPr lang="en-US" dirty="0"/>
-          </a:p>
-        </p:txBody>
-      </p:sp>
-      <p:sp>
-        <p:nvSpPr>
-          <p:cNvPr id="3" name="Content Placeholder 2"/>
-          <p:cNvSpPr>
-            <a:spLocks noGrp="1"/>
-          </p:cNvSpPr>
-          <p:nvPr>
-            <p:ph idx="1"/>
-          </p:nvPr>
-        </p:nvSpPr>
-        <p:spPr/>
-        <p:txBody>
-          <a:bodyPr>
-            <a:normAutofit fontScale="92500" lnSpcReduction="10000"/>
-          </a:bodyPr>
-          <a:lstStyle/>
-          <a:p>
-            <a:r>
-              <a:rPr lang="en-US" dirty="0" smtClean="0"/>
-              <a:t>Manage the connections between specialists</a:t>
-            </a:r>
-          </a:p>
-          <a:p>
-            <a:r>
-              <a:rPr lang="en-US" dirty="0" smtClean="0"/>
-              <a:t>Think about the way you work and how you collaborate with others</a:t>
-            </a:r>
-          </a:p>
-          <a:p>
-            <a:r>
-              <a:rPr lang="en-US" dirty="0" smtClean="0"/>
-              <a:t>Designers </a:t>
-            </a:r>
-            <a:r>
-              <a:rPr lang="en-US" dirty="0" err="1" smtClean="0"/>
-              <a:t>vs</a:t>
-            </a:r>
-            <a:r>
-              <a:rPr lang="en-US" dirty="0" smtClean="0"/>
-              <a:t> Developer</a:t>
-            </a:r>
-          </a:p>
-          <a:p>
-            <a:r>
-              <a:rPr lang="en-US" dirty="0" smtClean="0"/>
-              <a:t>“Dev” – “</a:t>
-            </a:r>
-            <a:r>
-              <a:rPr lang="en-US" dirty="0" err="1" smtClean="0"/>
-              <a:t>igners</a:t>
-            </a:r>
-            <a:r>
-              <a:rPr lang="en-US" dirty="0" smtClean="0"/>
-              <a:t>”</a:t>
-            </a:r>
-          </a:p>
-          <a:p>
-            <a:r>
-              <a:rPr lang="en-US" dirty="0" smtClean="0"/>
-              <a:t>Need to see both the design and the code</a:t>
-            </a:r>
-          </a:p>
-          <a:p>
-            <a:r>
-              <a:rPr lang="en-US" dirty="0" smtClean="0"/>
-              <a:t>See the matrix!</a:t>
-            </a:r>
-          </a:p>
-          <a:p>
-            <a:r>
-              <a:rPr lang="en-US" dirty="0" smtClean="0"/>
-              <a:t>Also need to know WPF’s tech capabilities to facilitate creating better UI + design workflow</a:t>
-            </a:r>
-            <a:endParaRPr lang="en-US" dirty="0"/>
-          </a:p>
-        </p:txBody>
-      </p:sp>
+      <p:pic>
+        <p:nvPicPr>
+          <p:cNvPr id="3074" name="Picture 2"/>
+          <p:cNvPicPr>
+            <a:picLocks noChangeAspect="1" noChangeArrowheads="1"/>
+          </p:cNvPicPr>
+          <p:nvPr/>
+        </p:nvPicPr>
+        <p:blipFill>
+          <a:blip r:embed="rId2">
+            <a:extLst>
+              <a:ext uri="{28A0092B-C50C-407E-A947-70E740481C1C}">
+                <a14:useLocalDpi xmlns:a14="http://schemas.microsoft.com/office/drawing/2010/main" val="0"/>
+              </a:ext>
+            </a:extLst>
+          </a:blip>
+          <a:srcRect/>
+          <a:stretch>
+            <a:fillRect/>
+          </a:stretch>
+        </p:blipFill>
+        <p:spPr bwMode="auto">
+          <a:xfrm>
+            <a:off x="1157288" y="871538"/>
+            <a:ext cx="6829425" cy="5114925"/>
+          </a:xfrm>
+          <a:prstGeom prst="rect">
+            <a:avLst/>
+          </a:prstGeom>
+          <a:noFill/>
+          <a:ln>
+            <a:noFill/>
+          </a:ln>
+          <a:effectLst/>
+          <a:extLst>
+            <a:ext uri="{909E8E84-426E-40DD-AFC4-6F175D3DCCD1}">
+              <a14:hiddenFill xmlns:a14="http://schemas.microsoft.com/office/drawing/2010/main">
+                <a:solidFill>
+                  <a:schemeClr val="accent1"/>
+                </a:solidFill>
+              </a14:hiddenFill>
+            </a:ext>
+            <a:ext uri="{91240B29-F687-4F45-9708-019B960494DF}">
+              <a14:hiddenLine xmlns:a14="http://schemas.microsoft.com/office/drawing/2010/main" w="9525">
+                <a:solidFill>
+                  <a:schemeClr val="tx1"/>
+                </a:solidFill>
+                <a:miter lim="800000"/>
+                <a:headEnd/>
+                <a:tailEnd/>
+              </a14:hiddenLine>
+            </a:ext>
+            <a:ext uri="{AF507438-7753-43E0-B8FC-AC1667EBCBE1}">
+              <a14:hiddenEffects xmlns:a14="http://schemas.microsoft.com/office/drawing/2010/main">
+                <a:effectLst>
+                  <a:outerShdw dist="35921" dir="2700000" algn="ctr" rotWithShape="0">
+                    <a:schemeClr val="bg2"/>
+                  </a:outerShdw>
+                </a:effectLst>
+              </a14:hiddenEffects>
+            </a:ext>
+          </a:extLst>
+        </p:spPr>
+      </p:pic>
     </p:spTree>
+    <p:extLst>
+      <p:ext uri="{BB962C8B-B14F-4D97-AF65-F5344CB8AC3E}">
+        <p14:creationId xmlns:p14="http://schemas.microsoft.com/office/powerpoint/2010/main" val="2300386987"/>
+      </p:ext>
+    </p:extLst>
   </p:cSld>
   <p:clrMapOvr>
     <a:masterClrMapping/>
@@ -25513,83 +25592,76 @@
           <a:chExt cx="0" cy="0"/>
         </a:xfrm>
       </p:grpSpPr>
-      <p:sp>
-        <p:nvSpPr>
-          <p:cNvPr id="2" name="Title 1"/>
-          <p:cNvSpPr>
-            <a:spLocks noGrp="1"/>
-          </p:cNvSpPr>
-          <p:nvPr>
-            <p:ph type="title"/>
-          </p:nvPr>
-        </p:nvSpPr>
-        <p:spPr/>
-        <p:txBody>
-          <a:bodyPr/>
-          <a:lstStyle/>
-          <a:p>
-            <a:r>
-              <a:rPr lang="en-US" dirty="0" smtClean="0"/>
-              <a:t>Form</a:t>
-            </a:r>
-            <a:endParaRPr lang="en-US" dirty="0"/>
-          </a:p>
-        </p:txBody>
-      </p:sp>
-      <p:sp>
-        <p:nvSpPr>
-          <p:cNvPr id="3" name="Content Placeholder 2"/>
-          <p:cNvSpPr>
-            <a:spLocks noGrp="1"/>
-          </p:cNvSpPr>
-          <p:nvPr>
-            <p:ph idx="1"/>
-          </p:nvPr>
-        </p:nvSpPr>
-        <p:spPr/>
-        <p:txBody>
-          <a:bodyPr/>
-          <a:lstStyle/>
-          <a:p>
-            <a:r>
-              <a:rPr lang="en-US" dirty="0" smtClean="0"/>
-              <a:t>Why can’t we have a control that figures out what fields to display?!</a:t>
-            </a:r>
-          </a:p>
-          <a:p>
-            <a:r>
-              <a:rPr lang="en-US" dirty="0" smtClean="0"/>
-              <a:t>Let’s do it</a:t>
-            </a:r>
-            <a:endParaRPr lang="en-US" dirty="0"/>
-          </a:p>
-        </p:txBody>
-      </p:sp>
       <p:pic>
         <p:nvPicPr>
-          <p:cNvPr id="4" name="Picture 3" descr="visualstudio.jpg"/>
+          <p:cNvPr id="4098" name="Picture 2"/>
           <p:cNvPicPr>
-            <a:picLocks noChangeAspect="1"/>
+            <a:picLocks noChangeAspect="1" noChangeArrowheads="1"/>
           </p:cNvPicPr>
           <p:nvPr/>
         </p:nvPicPr>
         <p:blipFill>
-          <a:blip r:embed="rId2" cstate="print"/>
+          <a:blip r:embed="rId2">
+            <a:extLst>
+              <a:ext uri="{28A0092B-C50C-407E-A947-70E740481C1C}">
+                <a14:useLocalDpi xmlns:a14="http://schemas.microsoft.com/office/drawing/2010/main" val="0"/>
+              </a:ext>
+            </a:extLst>
+          </a:blip>
+          <a:srcRect/>
           <a:stretch>
             <a:fillRect/>
           </a:stretch>
         </p:blipFill>
-        <p:spPr>
+        <p:spPr bwMode="auto">
           <a:xfrm>
-            <a:off x="7839075" y="6076950"/>
-            <a:ext cx="1304925" cy="781050"/>
+            <a:off x="304800" y="838200"/>
+            <a:ext cx="8672513" cy="4986004"/>
           </a:xfrm>
           <a:prstGeom prst="rect">
             <a:avLst/>
           </a:prstGeom>
+          <a:noFill/>
+          <a:ln>
+            <a:noFill/>
+          </a:ln>
+          <a:effectLst/>
+          <a:extLst>
+            <a:ext uri="{909E8E84-426E-40DD-AFC4-6F175D3DCCD1}">
+              <a14:hiddenFill xmlns:a14="http://schemas.microsoft.com/office/drawing/2010/main">
+                <a:solidFill>
+                  <a:schemeClr val="accent1"/>
+                </a:solidFill>
+              </a14:hiddenFill>
+            </a:ext>
+            <a:ext uri="{91240B29-F687-4F45-9708-019B960494DF}">
+              <a14:hiddenLine xmlns:a14="http://schemas.microsoft.com/office/drawing/2010/main" w="9525">
+                <a:solidFill>
+                  <a:schemeClr val="tx1"/>
+                </a:solidFill>
+                <a:miter lim="800000"/>
+                <a:headEnd/>
+                <a:tailEnd/>
+              </a14:hiddenLine>
+            </a:ext>
+            <a:ext uri="{AF507438-7753-43E0-B8FC-AC1667EBCBE1}">
+              <a14:hiddenEffects xmlns:a14="http://schemas.microsoft.com/office/drawing/2010/main">
+                <a:effectLst>
+                  <a:outerShdw dist="35921" dir="2700000" algn="ctr" rotWithShape="0">
+                    <a:schemeClr val="bg2"/>
+                  </a:outerShdw>
+                </a:effectLst>
+              </a14:hiddenEffects>
+            </a:ext>
+          </a:extLst>
         </p:spPr>
       </p:pic>
     </p:spTree>
+    <p:extLst>
+      <p:ext uri="{BB962C8B-B14F-4D97-AF65-F5344CB8AC3E}">
+        <p14:creationId xmlns:p14="http://schemas.microsoft.com/office/powerpoint/2010/main" val="1100199203"/>
+      </p:ext>
+    </p:extLst>
   </p:cSld>
   <p:clrMapOvr>
     <a:masterClrMapping/>
@@ -25631,7 +25703,7 @@
           <a:p>
             <a:r>
               <a:rPr lang="en-US" dirty="0" smtClean="0"/>
-              <a:t>Rethink grids</a:t>
+              <a:t>Custom Controls</a:t>
             </a:r>
             <a:endParaRPr lang="en-US" dirty="0"/>
           </a:p>
@@ -25639,12 +25711,12 @@
       </p:sp>
       <p:sp>
         <p:nvSpPr>
-          <p:cNvPr id="3" name="Text Placeholder 2"/>
+          <p:cNvPr id="3" name="Content Placeholder 2"/>
           <p:cNvSpPr>
             <a:spLocks noGrp="1"/>
           </p:cNvSpPr>
           <p:nvPr>
-            <p:ph type="body" idx="1"/>
+            <p:ph idx="1"/>
           </p:nvPr>
         </p:nvSpPr>
         <p:spPr/>
@@ -25652,10 +25724,71 @@
           <a:bodyPr/>
           <a:lstStyle/>
           <a:p>
-            <a:endParaRPr lang="en-US"/>
+            <a:r>
+              <a:rPr lang="en-US" dirty="0" smtClean="0"/>
+              <a:t>Declare semantic controls</a:t>
+            </a:r>
+          </a:p>
+          <a:p>
+            <a:r>
+              <a:rPr lang="en-US" dirty="0" smtClean="0"/>
+              <a:t>Allows setting styles by target type</a:t>
+            </a:r>
+          </a:p>
+          <a:p>
+            <a:r>
+              <a:rPr lang="en-US" dirty="0" smtClean="0"/>
+              <a:t>No preconceived ideas on template implementation</a:t>
+            </a:r>
+          </a:p>
+          <a:p>
+            <a:pPr lvl="1"/>
+            <a:r>
+              <a:rPr lang="en-US" dirty="0" smtClean="0"/>
+              <a:t>Label template that uses a </a:t>
+            </a:r>
+            <a:r>
+              <a:rPr lang="en-US" dirty="0" err="1" smtClean="0"/>
+              <a:t>Listbox</a:t>
+            </a:r>
+            <a:r>
+              <a:rPr lang="en-US" dirty="0" smtClean="0"/>
+              <a:t> would be confusing</a:t>
+            </a:r>
+          </a:p>
+          <a:p>
+            <a:r>
+              <a:rPr lang="en-US" dirty="0" smtClean="0"/>
+              <a:t>Section Title example</a:t>
+            </a:r>
+            <a:endParaRPr lang="en-US" dirty="0"/>
           </a:p>
         </p:txBody>
       </p:sp>
+      <p:pic>
+        <p:nvPicPr>
+          <p:cNvPr id="4" name="Picture 3" descr="visualstudio.jpg"/>
+          <p:cNvPicPr>
+            <a:picLocks noChangeAspect="1"/>
+          </p:cNvPicPr>
+          <p:nvPr/>
+        </p:nvPicPr>
+        <p:blipFill>
+          <a:blip r:embed="rId2" cstate="print"/>
+          <a:stretch>
+            <a:fillRect/>
+          </a:stretch>
+        </p:blipFill>
+        <p:spPr>
+          <a:xfrm>
+            <a:off x="7839075" y="6076950"/>
+            <a:ext cx="1304925" cy="781050"/>
+          </a:xfrm>
+          <a:prstGeom prst="rect">
+            <a:avLst/>
+          </a:prstGeom>
+        </p:spPr>
+      </p:pic>
     </p:spTree>
   </p:cSld>
   <p:clrMapOvr>
@@ -25698,7 +25831,7 @@
           <a:p>
             <a:r>
               <a:rPr lang="en-US" dirty="0" smtClean="0"/>
-              <a:t>Grids are inadequate</a:t>
+              <a:t>Presentation &amp; Structure</a:t>
             </a:r>
             <a:endParaRPr lang="en-US" dirty="0"/>
           </a:p>
@@ -25719,21 +25852,20 @@
           <a:bodyPr/>
           <a:lstStyle/>
           <a:p>
+            <a:pPr>
+              <a:buNone/>
+            </a:pPr>
             <a:r>
               <a:rPr lang="en-US" dirty="0" smtClean="0"/>
-              <a:t>Grids represent data</a:t>
-            </a:r>
-          </a:p>
-          <a:p>
+              <a:t>I committed the </a:t>
+            </a:r>
+            <a:r>
+              <a:rPr lang="en-US" dirty="0" err="1" smtClean="0"/>
+              <a:t>hangable</a:t>
+            </a:r>
             <a:r>
               <a:rPr lang="en-US" dirty="0" smtClean="0"/>
-              <a:t>But everything isn’t data</a:t>
-            </a:r>
-          </a:p>
-          <a:p>
-            <a:r>
-              <a:rPr lang="en-US" dirty="0" smtClean="0"/>
-              <a:t>Destroy some myths</a:t>
+              <a:t> offense of mixing structure with presentation – David Siegel</a:t>
             </a:r>
             <a:endParaRPr lang="en-US" dirty="0"/>
           </a:p>
@@ -25781,7 +25913,7 @@
           <a:p>
             <a:r>
               <a:rPr lang="en-US" dirty="0" smtClean="0"/>
-              <a:t>All the world is a list</a:t>
+              <a:t>Separation of Concerns</a:t>
             </a:r>
             <a:endParaRPr lang="en-US" dirty="0"/>
           </a:p>
@@ -25802,6 +25934,35 @@
           <a:bodyPr/>
           <a:lstStyle/>
           <a:p>
+            <a:r>
+              <a:rPr lang="en-US" dirty="0" smtClean="0"/>
+              <a:t>UI Interaction and logic</a:t>
+            </a:r>
+          </a:p>
+          <a:p>
+            <a:r>
+              <a:rPr lang="en-US" dirty="0" smtClean="0"/>
+              <a:t>Structure and presentation</a:t>
+            </a:r>
+          </a:p>
+          <a:p>
+            <a:r>
+              <a:rPr lang="en-US" dirty="0" smtClean="0"/>
+              <a:t>Focus on content and not presentation</a:t>
+            </a:r>
+          </a:p>
+          <a:p>
+            <a:r>
+              <a:rPr lang="en-US" dirty="0" smtClean="0"/>
+              <a:t>Brings back to editors suck!</a:t>
+            </a:r>
+          </a:p>
+          <a:p>
+            <a:pPr lvl="1"/>
+            <a:r>
+              <a:rPr lang="en-US" dirty="0" smtClean="0"/>
+              <a:t>Great layout panels and then you just drag and drop fixed margins into a grid? WTF!?</a:t>
+            </a:r>
             <a:endParaRPr lang="en-US" dirty="0"/>
           </a:p>
         </p:txBody>
@@ -25848,7 +26009,7 @@
           <a:p>
             <a:r>
               <a:rPr lang="en-US" dirty="0" smtClean="0"/>
-              <a:t>Data Templates</a:t>
+              <a:t>Displaying Buttons</a:t>
             </a:r>
             <a:endParaRPr lang="en-US" dirty="0"/>
           </a:p>
@@ -25871,17 +26032,15 @@
           <a:p>
             <a:r>
               <a:rPr lang="en-US" dirty="0" smtClean="0"/>
-              <a:t>Using Keys</a:t>
-            </a:r>
-          </a:p>
-          <a:p>
+              <a:t>Instead of displaying a </a:t>
+            </a:r>
+            <a:r>
+              <a:rPr lang="en-US" dirty="0" err="1" smtClean="0"/>
+              <a:t>stackpanel</a:t>
+            </a:r>
             <a:r>
               <a:rPr lang="en-US" dirty="0" smtClean="0"/>
-              <a:t>Using </a:t>
-            </a:r>
-            <a:r>
-              <a:rPr lang="en-US" dirty="0" err="1" smtClean="0"/>
-              <a:t>DataType</a:t>
+              <a:t> with a collection of buttons, lets display an actions control with a collection of actions</a:t>
             </a:r>
             <a:endParaRPr lang="en-US" dirty="0"/>
           </a:p>
@@ -25953,7 +26112,7 @@
           <a:p>
             <a:r>
               <a:rPr lang="en-US" dirty="0" smtClean="0"/>
-              <a:t>Item Container Style</a:t>
+              <a:t>Form</a:t>
             </a:r>
             <a:endParaRPr lang="en-US" dirty="0"/>
           </a:p>
@@ -25976,13 +26135,13 @@
           <a:p>
             <a:r>
               <a:rPr lang="en-US" dirty="0" smtClean="0"/>
-              <a:t>Style item</a:t>
+              <a:t>Why can’t we have a control that figures out what fields to display?!</a:t>
             </a:r>
           </a:p>
           <a:p>
             <a:r>
               <a:rPr lang="en-US" dirty="0" smtClean="0"/>
-              <a:t>Selected Style</a:t>
+              <a:t>Let’s do it</a:t>
             </a:r>
             <a:endParaRPr lang="en-US" dirty="0"/>
           </a:p>
@@ -26054,7 +26213,7 @@
           <a:p>
             <a:r>
               <a:rPr lang="en-US" dirty="0" smtClean="0"/>
-              <a:t>Items Panel</a:t>
+              <a:t>Rethink grids</a:t>
             </a:r>
             <a:endParaRPr lang="en-US" dirty="0"/>
           </a:p>
@@ -26062,12 +26221,12 @@
       </p:sp>
       <p:sp>
         <p:nvSpPr>
-          <p:cNvPr id="3" name="Content Placeholder 2"/>
+          <p:cNvPr id="3" name="Text Placeholder 2"/>
           <p:cNvSpPr>
             <a:spLocks noGrp="1"/>
           </p:cNvSpPr>
           <p:nvPr>
-            <p:ph idx="1"/>
+            <p:ph type="body" idx="1"/>
           </p:nvPr>
         </p:nvSpPr>
         <p:spPr/>
@@ -26075,68 +26234,10 @@
           <a:bodyPr/>
           <a:lstStyle/>
           <a:p>
-            <a:r>
-              <a:rPr lang="en-US" dirty="0" smtClean="0"/>
-              <a:t>Sets the panel to use to host the items</a:t>
-            </a:r>
-          </a:p>
-          <a:p>
-            <a:r>
-              <a:rPr lang="en-US" dirty="0" err="1" smtClean="0"/>
-              <a:t>IsItemsHost</a:t>
-            </a:r>
-            <a:endParaRPr lang="en-US" dirty="0" smtClean="0"/>
-          </a:p>
-          <a:p>
-            <a:r>
-              <a:rPr lang="en-US" dirty="0" err="1" smtClean="0"/>
-              <a:t>VirtualizedStackPanel</a:t>
-            </a:r>
-            <a:endParaRPr lang="en-US" dirty="0" smtClean="0"/>
-          </a:p>
-          <a:p>
-            <a:r>
-              <a:rPr lang="en-US" dirty="0" smtClean="0"/>
-              <a:t>Tab Control</a:t>
-            </a:r>
-          </a:p>
-          <a:p>
-            <a:r>
-              <a:rPr lang="en-US" dirty="0" smtClean="0"/>
-              <a:t>Animated </a:t>
-            </a:r>
-            <a:r>
-              <a:rPr lang="en-US" dirty="0" err="1" smtClean="0"/>
-              <a:t>StackPanel</a:t>
-            </a:r>
-            <a:endParaRPr lang="en-US" dirty="0"/>
+            <a:endParaRPr lang="en-US"/>
           </a:p>
         </p:txBody>
       </p:sp>
-      <p:pic>
-        <p:nvPicPr>
-          <p:cNvPr id="4" name="Picture 3" descr="visualstudio.jpg"/>
-          <p:cNvPicPr>
-            <a:picLocks noChangeAspect="1"/>
-          </p:cNvPicPr>
-          <p:nvPr/>
-        </p:nvPicPr>
-        <p:blipFill>
-          <a:blip r:embed="rId2" cstate="print"/>
-          <a:stretch>
-            <a:fillRect/>
-          </a:stretch>
-        </p:blipFill>
-        <p:spPr>
-          <a:xfrm>
-            <a:off x="7839075" y="6076950"/>
-            <a:ext cx="1304925" cy="781050"/>
-          </a:xfrm>
-          <a:prstGeom prst="rect">
-            <a:avLst/>
-          </a:prstGeom>
-        </p:spPr>
-      </p:pic>
     </p:spTree>
   </p:cSld>
   <p:clrMapOvr>
@@ -26179,7 +26280,7 @@
           <a:p>
             <a:r>
               <a:rPr lang="en-US" dirty="0" smtClean="0"/>
-              <a:t>Reference</a:t>
+              <a:t>Grids are inadequate</a:t>
             </a:r>
             <a:endParaRPr lang="en-US" dirty="0"/>
           </a:p>
@@ -26202,44 +26303,87 @@
           <a:p>
             <a:r>
               <a:rPr lang="en-US" dirty="0" smtClean="0"/>
-              <a:t>Ward Bell : Of Tailors and Tooling</a:t>
-            </a:r>
-            <a:endParaRPr lang="en-US" dirty="0" smtClean="0">
-              <a:hlinkClick r:id="rId2"/>
-            </a:endParaRPr>
-          </a:p>
-          <a:p>
-            <a:pPr lvl="1"/>
-            <a:r>
-              <a:rPr lang="en-US" dirty="0" smtClean="0">
-                <a:hlinkClick r:id="rId2"/>
-              </a:rPr>
-              <a:t>http://neverindoubtnet.blogspot.com/2010/03/of-tailors-and-tooling-rant.html</a:t>
-            </a:r>
-            <a:endParaRPr lang="en-US" dirty="0" smtClean="0"/>
+              <a:t>Grids represent data</a:t>
+            </a:r>
           </a:p>
           <a:p>
             <a:r>
               <a:rPr lang="en-US" dirty="0" smtClean="0"/>
-              <a:t>Herding Code : Scott </a:t>
-            </a:r>
-            <a:r>
-              <a:rPr lang="en-US" dirty="0" err="1" smtClean="0"/>
-              <a:t>Bellware</a:t>
-            </a:r>
+              <a:t>But everything isn’t data</a:t>
+            </a:r>
+          </a:p>
+          <a:p>
             <a:r>
               <a:rPr lang="en-US" dirty="0" smtClean="0"/>
-              <a:t> on HTML Specialists</a:t>
-            </a:r>
-          </a:p>
-          <a:p>
-            <a:pPr lvl="1"/>
-            <a:r>
-              <a:rPr lang="en-US" dirty="0" smtClean="0">
-                <a:hlinkClick r:id="rId3"/>
-              </a:rPr>
-              <a:t>http://herdingcode.com/?p=232</a:t>
-            </a:r>
+              <a:t>Destroy some myths</a:t>
+            </a:r>
+            <a:endParaRPr lang="en-US" dirty="0"/>
+          </a:p>
+        </p:txBody>
+      </p:sp>
+    </p:spTree>
+  </p:cSld>
+  <p:clrMapOvr>
+    <a:masterClrMapping/>
+  </p:clrMapOvr>
+</p:sld>
+</file>
+
+<file path=ppt/slides/slide79.xml><?xml version="1.0" encoding="utf-8"?>
+<p:sld xmlns:a="http://schemas.openxmlformats.org/drawingml/2006/main" xmlns:r="http://schemas.openxmlformats.org/officeDocument/2006/relationships" xmlns:p="http://schemas.openxmlformats.org/presentationml/2006/main">
+  <p:cSld>
+    <p:spTree>
+      <p:nvGrpSpPr>
+        <p:cNvPr id="1" name=""/>
+        <p:cNvGrpSpPr/>
+        <p:nvPr/>
+      </p:nvGrpSpPr>
+      <p:grpSpPr>
+        <a:xfrm>
+          <a:off x="0" y="0"/>
+          <a:ext cx="0" cy="0"/>
+          <a:chOff x="0" y="0"/>
+          <a:chExt cx="0" cy="0"/>
+        </a:xfrm>
+      </p:grpSpPr>
+      <p:sp>
+        <p:nvSpPr>
+          <p:cNvPr id="2" name="Title 1"/>
+          <p:cNvSpPr>
+            <a:spLocks noGrp="1"/>
+          </p:cNvSpPr>
+          <p:nvPr>
+            <p:ph type="title"/>
+          </p:nvPr>
+        </p:nvSpPr>
+        <p:spPr/>
+        <p:txBody>
+          <a:bodyPr/>
+          <a:lstStyle/>
+          <a:p>
+            <a:r>
+              <a:rPr lang="en-US" dirty="0" smtClean="0"/>
+              <a:t>All the world is a list</a:t>
+            </a:r>
+            <a:endParaRPr lang="en-US" dirty="0"/>
+          </a:p>
+        </p:txBody>
+      </p:sp>
+      <p:sp>
+        <p:nvSpPr>
+          <p:cNvPr id="3" name="Content Placeholder 2"/>
+          <p:cNvSpPr>
+            <a:spLocks noGrp="1"/>
+          </p:cNvSpPr>
+          <p:nvPr>
+            <p:ph idx="1"/>
+          </p:nvPr>
+        </p:nvSpPr>
+        <p:spPr/>
+        <p:txBody>
+          <a:bodyPr/>
+          <a:lstStyle/>
+          <a:p>
             <a:endParaRPr lang="en-US" dirty="0"/>
           </a:p>
         </p:txBody>
@@ -26308,6 +26452,444 @@
           <a:lstStyle/>
           <a:p>
             <a:endParaRPr lang="en-US"/>
+          </a:p>
+        </p:txBody>
+      </p:sp>
+    </p:spTree>
+  </p:cSld>
+  <p:clrMapOvr>
+    <a:masterClrMapping/>
+  </p:clrMapOvr>
+</p:sld>
+</file>
+
+<file path=ppt/slides/slide80.xml><?xml version="1.0" encoding="utf-8"?>
+<p:sld xmlns:a="http://schemas.openxmlformats.org/drawingml/2006/main" xmlns:r="http://schemas.openxmlformats.org/officeDocument/2006/relationships" xmlns:p="http://schemas.openxmlformats.org/presentationml/2006/main">
+  <p:cSld>
+    <p:spTree>
+      <p:nvGrpSpPr>
+        <p:cNvPr id="1" name=""/>
+        <p:cNvGrpSpPr/>
+        <p:nvPr/>
+      </p:nvGrpSpPr>
+      <p:grpSpPr>
+        <a:xfrm>
+          <a:off x="0" y="0"/>
+          <a:ext cx="0" cy="0"/>
+          <a:chOff x="0" y="0"/>
+          <a:chExt cx="0" cy="0"/>
+        </a:xfrm>
+      </p:grpSpPr>
+      <p:sp>
+        <p:nvSpPr>
+          <p:cNvPr id="2" name="Title 1"/>
+          <p:cNvSpPr>
+            <a:spLocks noGrp="1"/>
+          </p:cNvSpPr>
+          <p:nvPr>
+            <p:ph type="title"/>
+          </p:nvPr>
+        </p:nvSpPr>
+        <p:spPr/>
+        <p:txBody>
+          <a:bodyPr/>
+          <a:lstStyle/>
+          <a:p>
+            <a:r>
+              <a:rPr lang="en-US" dirty="0" smtClean="0"/>
+              <a:t>Data Templates</a:t>
+            </a:r>
+            <a:endParaRPr lang="en-US" dirty="0"/>
+          </a:p>
+        </p:txBody>
+      </p:sp>
+      <p:sp>
+        <p:nvSpPr>
+          <p:cNvPr id="3" name="Content Placeholder 2"/>
+          <p:cNvSpPr>
+            <a:spLocks noGrp="1"/>
+          </p:cNvSpPr>
+          <p:nvPr>
+            <p:ph idx="1"/>
+          </p:nvPr>
+        </p:nvSpPr>
+        <p:spPr/>
+        <p:txBody>
+          <a:bodyPr/>
+          <a:lstStyle/>
+          <a:p>
+            <a:r>
+              <a:rPr lang="en-US" dirty="0" smtClean="0"/>
+              <a:t>Using Keys</a:t>
+            </a:r>
+          </a:p>
+          <a:p>
+            <a:r>
+              <a:rPr lang="en-US" dirty="0" smtClean="0"/>
+              <a:t>Using </a:t>
+            </a:r>
+            <a:r>
+              <a:rPr lang="en-US" dirty="0" err="1" smtClean="0"/>
+              <a:t>DataType</a:t>
+            </a:r>
+            <a:endParaRPr lang="en-US" dirty="0"/>
+          </a:p>
+        </p:txBody>
+      </p:sp>
+      <p:pic>
+        <p:nvPicPr>
+          <p:cNvPr id="4" name="Picture 3" descr="visualstudio.jpg"/>
+          <p:cNvPicPr>
+            <a:picLocks noChangeAspect="1"/>
+          </p:cNvPicPr>
+          <p:nvPr/>
+        </p:nvPicPr>
+        <p:blipFill>
+          <a:blip r:embed="rId2" cstate="print"/>
+          <a:stretch>
+            <a:fillRect/>
+          </a:stretch>
+        </p:blipFill>
+        <p:spPr>
+          <a:xfrm>
+            <a:off x="7839075" y="6076950"/>
+            <a:ext cx="1304925" cy="781050"/>
+          </a:xfrm>
+          <a:prstGeom prst="rect">
+            <a:avLst/>
+          </a:prstGeom>
+        </p:spPr>
+      </p:pic>
+    </p:spTree>
+  </p:cSld>
+  <p:clrMapOvr>
+    <a:masterClrMapping/>
+  </p:clrMapOvr>
+</p:sld>
+</file>
+
+<file path=ppt/slides/slide81.xml><?xml version="1.0" encoding="utf-8"?>
+<p:sld xmlns:a="http://schemas.openxmlformats.org/drawingml/2006/main" xmlns:r="http://schemas.openxmlformats.org/officeDocument/2006/relationships" xmlns:p="http://schemas.openxmlformats.org/presentationml/2006/main">
+  <p:cSld>
+    <p:spTree>
+      <p:nvGrpSpPr>
+        <p:cNvPr id="1" name=""/>
+        <p:cNvGrpSpPr/>
+        <p:nvPr/>
+      </p:nvGrpSpPr>
+      <p:grpSpPr>
+        <a:xfrm>
+          <a:off x="0" y="0"/>
+          <a:ext cx="0" cy="0"/>
+          <a:chOff x="0" y="0"/>
+          <a:chExt cx="0" cy="0"/>
+        </a:xfrm>
+      </p:grpSpPr>
+      <p:sp>
+        <p:nvSpPr>
+          <p:cNvPr id="2" name="Title 1"/>
+          <p:cNvSpPr>
+            <a:spLocks noGrp="1"/>
+          </p:cNvSpPr>
+          <p:nvPr>
+            <p:ph type="title"/>
+          </p:nvPr>
+        </p:nvSpPr>
+        <p:spPr/>
+        <p:txBody>
+          <a:bodyPr/>
+          <a:lstStyle/>
+          <a:p>
+            <a:r>
+              <a:rPr lang="en-US" dirty="0" smtClean="0"/>
+              <a:t>Item Container Style</a:t>
+            </a:r>
+            <a:endParaRPr lang="en-US" dirty="0"/>
+          </a:p>
+        </p:txBody>
+      </p:sp>
+      <p:sp>
+        <p:nvSpPr>
+          <p:cNvPr id="3" name="Content Placeholder 2"/>
+          <p:cNvSpPr>
+            <a:spLocks noGrp="1"/>
+          </p:cNvSpPr>
+          <p:nvPr>
+            <p:ph idx="1"/>
+          </p:nvPr>
+        </p:nvSpPr>
+        <p:spPr/>
+        <p:txBody>
+          <a:bodyPr/>
+          <a:lstStyle/>
+          <a:p>
+            <a:r>
+              <a:rPr lang="en-US" dirty="0" smtClean="0"/>
+              <a:t>Style item</a:t>
+            </a:r>
+          </a:p>
+          <a:p>
+            <a:r>
+              <a:rPr lang="en-US" dirty="0" smtClean="0"/>
+              <a:t>Selected Style</a:t>
+            </a:r>
+            <a:endParaRPr lang="en-US" dirty="0"/>
+          </a:p>
+        </p:txBody>
+      </p:sp>
+      <p:pic>
+        <p:nvPicPr>
+          <p:cNvPr id="4" name="Picture 3" descr="visualstudio.jpg"/>
+          <p:cNvPicPr>
+            <a:picLocks noChangeAspect="1"/>
+          </p:cNvPicPr>
+          <p:nvPr/>
+        </p:nvPicPr>
+        <p:blipFill>
+          <a:blip r:embed="rId2" cstate="print"/>
+          <a:stretch>
+            <a:fillRect/>
+          </a:stretch>
+        </p:blipFill>
+        <p:spPr>
+          <a:xfrm>
+            <a:off x="7839075" y="6076950"/>
+            <a:ext cx="1304925" cy="781050"/>
+          </a:xfrm>
+          <a:prstGeom prst="rect">
+            <a:avLst/>
+          </a:prstGeom>
+        </p:spPr>
+      </p:pic>
+    </p:spTree>
+  </p:cSld>
+  <p:clrMapOvr>
+    <a:masterClrMapping/>
+  </p:clrMapOvr>
+</p:sld>
+</file>
+
+<file path=ppt/slides/slide82.xml><?xml version="1.0" encoding="utf-8"?>
+<p:sld xmlns:a="http://schemas.openxmlformats.org/drawingml/2006/main" xmlns:r="http://schemas.openxmlformats.org/officeDocument/2006/relationships" xmlns:p="http://schemas.openxmlformats.org/presentationml/2006/main">
+  <p:cSld>
+    <p:spTree>
+      <p:nvGrpSpPr>
+        <p:cNvPr id="1" name=""/>
+        <p:cNvGrpSpPr/>
+        <p:nvPr/>
+      </p:nvGrpSpPr>
+      <p:grpSpPr>
+        <a:xfrm>
+          <a:off x="0" y="0"/>
+          <a:ext cx="0" cy="0"/>
+          <a:chOff x="0" y="0"/>
+          <a:chExt cx="0" cy="0"/>
+        </a:xfrm>
+      </p:grpSpPr>
+      <p:sp>
+        <p:nvSpPr>
+          <p:cNvPr id="2" name="Title 1"/>
+          <p:cNvSpPr>
+            <a:spLocks noGrp="1"/>
+          </p:cNvSpPr>
+          <p:nvPr>
+            <p:ph type="title"/>
+          </p:nvPr>
+        </p:nvSpPr>
+        <p:spPr/>
+        <p:txBody>
+          <a:bodyPr/>
+          <a:lstStyle/>
+          <a:p>
+            <a:r>
+              <a:rPr lang="en-US" dirty="0" smtClean="0"/>
+              <a:t>Items Panel</a:t>
+            </a:r>
+            <a:endParaRPr lang="en-US" dirty="0"/>
+          </a:p>
+        </p:txBody>
+      </p:sp>
+      <p:sp>
+        <p:nvSpPr>
+          <p:cNvPr id="3" name="Content Placeholder 2"/>
+          <p:cNvSpPr>
+            <a:spLocks noGrp="1"/>
+          </p:cNvSpPr>
+          <p:nvPr>
+            <p:ph idx="1"/>
+          </p:nvPr>
+        </p:nvSpPr>
+        <p:spPr/>
+        <p:txBody>
+          <a:bodyPr/>
+          <a:lstStyle/>
+          <a:p>
+            <a:r>
+              <a:rPr lang="en-US" dirty="0" smtClean="0"/>
+              <a:t>Sets the panel to use to host the items</a:t>
+            </a:r>
+          </a:p>
+          <a:p>
+            <a:r>
+              <a:rPr lang="en-US" dirty="0" err="1" smtClean="0"/>
+              <a:t>IsItemsHost</a:t>
+            </a:r>
+            <a:endParaRPr lang="en-US" dirty="0" smtClean="0"/>
+          </a:p>
+          <a:p>
+            <a:r>
+              <a:rPr lang="en-US" dirty="0" err="1" smtClean="0"/>
+              <a:t>VirtualizedStackPanel</a:t>
+            </a:r>
+            <a:endParaRPr lang="en-US" dirty="0" smtClean="0"/>
+          </a:p>
+          <a:p>
+            <a:r>
+              <a:rPr lang="en-US" dirty="0" smtClean="0"/>
+              <a:t>Tab Control</a:t>
+            </a:r>
+          </a:p>
+          <a:p>
+            <a:r>
+              <a:rPr lang="en-US" dirty="0" smtClean="0"/>
+              <a:t>Animated </a:t>
+            </a:r>
+            <a:r>
+              <a:rPr lang="en-US" dirty="0" err="1" smtClean="0"/>
+              <a:t>StackPanel</a:t>
+            </a:r>
+            <a:endParaRPr lang="en-US" dirty="0"/>
+          </a:p>
+        </p:txBody>
+      </p:sp>
+      <p:pic>
+        <p:nvPicPr>
+          <p:cNvPr id="4" name="Picture 3" descr="visualstudio.jpg"/>
+          <p:cNvPicPr>
+            <a:picLocks noChangeAspect="1"/>
+          </p:cNvPicPr>
+          <p:nvPr/>
+        </p:nvPicPr>
+        <p:blipFill>
+          <a:blip r:embed="rId2" cstate="print"/>
+          <a:stretch>
+            <a:fillRect/>
+          </a:stretch>
+        </p:blipFill>
+        <p:spPr>
+          <a:xfrm>
+            <a:off x="7839075" y="6076950"/>
+            <a:ext cx="1304925" cy="781050"/>
+          </a:xfrm>
+          <a:prstGeom prst="rect">
+            <a:avLst/>
+          </a:prstGeom>
+        </p:spPr>
+      </p:pic>
+    </p:spTree>
+  </p:cSld>
+  <p:clrMapOvr>
+    <a:masterClrMapping/>
+  </p:clrMapOvr>
+</p:sld>
+</file>
+
+<file path=ppt/slides/slide83.xml><?xml version="1.0" encoding="utf-8"?>
+<p:sld xmlns:a="http://schemas.openxmlformats.org/drawingml/2006/main" xmlns:r="http://schemas.openxmlformats.org/officeDocument/2006/relationships" xmlns:p="http://schemas.openxmlformats.org/presentationml/2006/main">
+  <p:cSld>
+    <p:spTree>
+      <p:nvGrpSpPr>
+        <p:cNvPr id="1" name=""/>
+        <p:cNvGrpSpPr/>
+        <p:nvPr/>
+      </p:nvGrpSpPr>
+      <p:grpSpPr>
+        <a:xfrm>
+          <a:off x="0" y="0"/>
+          <a:ext cx="0" cy="0"/>
+          <a:chOff x="0" y="0"/>
+          <a:chExt cx="0" cy="0"/>
+        </a:xfrm>
+      </p:grpSpPr>
+      <p:sp>
+        <p:nvSpPr>
+          <p:cNvPr id="2" name="Title 1"/>
+          <p:cNvSpPr>
+            <a:spLocks noGrp="1"/>
+          </p:cNvSpPr>
+          <p:nvPr>
+            <p:ph type="title"/>
+          </p:nvPr>
+        </p:nvSpPr>
+        <p:spPr/>
+        <p:txBody>
+          <a:bodyPr/>
+          <a:lstStyle/>
+          <a:p>
+            <a:r>
+              <a:rPr lang="en-US" dirty="0" smtClean="0"/>
+              <a:t>Reference</a:t>
+            </a:r>
+            <a:endParaRPr lang="en-US" dirty="0"/>
+          </a:p>
+        </p:txBody>
+      </p:sp>
+      <p:sp>
+        <p:nvSpPr>
+          <p:cNvPr id="3" name="Content Placeholder 2"/>
+          <p:cNvSpPr>
+            <a:spLocks noGrp="1"/>
+          </p:cNvSpPr>
+          <p:nvPr>
+            <p:ph idx="1"/>
+          </p:nvPr>
+        </p:nvSpPr>
+        <p:spPr/>
+        <p:txBody>
+          <a:bodyPr/>
+          <a:lstStyle/>
+          <a:p>
+            <a:r>
+              <a:rPr lang="en-US" dirty="0" smtClean="0"/>
+              <a:t>Ward Bell : Of Tailors and Tooling</a:t>
+            </a:r>
+            <a:endParaRPr lang="en-US" dirty="0" smtClean="0">
+              <a:hlinkClick r:id="rId2"/>
+            </a:endParaRPr>
+          </a:p>
+          <a:p>
+            <a:pPr lvl="1"/>
+            <a:r>
+              <a:rPr lang="en-US" dirty="0" smtClean="0">
+                <a:hlinkClick r:id="rId2"/>
+              </a:rPr>
+              <a:t>http://neverindoubtnet.blogspot.com/2010/03/of-tailors-and-tooling-rant.html</a:t>
+            </a:r>
+            <a:endParaRPr lang="en-US" dirty="0" smtClean="0"/>
+          </a:p>
+          <a:p>
+            <a:r>
+              <a:rPr lang="en-US" dirty="0" smtClean="0"/>
+              <a:t>Herding Code : Scott </a:t>
+            </a:r>
+            <a:r>
+              <a:rPr lang="en-US" dirty="0" err="1" smtClean="0"/>
+              <a:t>Bellware</a:t>
+            </a:r>
+            <a:r>
+              <a:rPr lang="en-US" dirty="0" smtClean="0"/>
+              <a:t> on HTML Specialists</a:t>
+            </a:r>
+          </a:p>
+          <a:p>
+            <a:pPr lvl="1"/>
+            <a:r>
+              <a:rPr lang="en-US" dirty="0" smtClean="0">
+                <a:hlinkClick r:id="rId3"/>
+              </a:rPr>
+              <a:t>http://herdingcode.com/?p=232</a:t>
+            </a:r>
+            <a:endParaRPr lang="en-US" dirty="0"/>
           </a:p>
         </p:txBody>
       </p:sp>

--- a/Adv WPF Workshop.pptx
+++ b/Adv WPF Workshop.pptx
@@ -7,43 +7,43 @@
   <p:sldIdLst>
     <p:sldId id="256" r:id="rId2"/>
     <p:sldId id="271" r:id="rId3"/>
-    <p:sldId id="331" r:id="rId4"/>
-    <p:sldId id="272" r:id="rId5"/>
-    <p:sldId id="275" r:id="rId6"/>
-    <p:sldId id="273" r:id="rId7"/>
-    <p:sldId id="274" r:id="rId8"/>
-    <p:sldId id="333" r:id="rId9"/>
-    <p:sldId id="257" r:id="rId10"/>
-    <p:sldId id="258" r:id="rId11"/>
-    <p:sldId id="259" r:id="rId12"/>
-    <p:sldId id="276" r:id="rId13"/>
-    <p:sldId id="260" r:id="rId14"/>
-    <p:sldId id="261" r:id="rId15"/>
-    <p:sldId id="262" r:id="rId16"/>
-    <p:sldId id="263" r:id="rId17"/>
-    <p:sldId id="264" r:id="rId18"/>
-    <p:sldId id="265" r:id="rId19"/>
-    <p:sldId id="266" r:id="rId20"/>
-    <p:sldId id="277" r:id="rId21"/>
-    <p:sldId id="267" r:id="rId22"/>
-    <p:sldId id="268" r:id="rId23"/>
-    <p:sldId id="269" r:id="rId24"/>
-    <p:sldId id="270" r:id="rId25"/>
-    <p:sldId id="334" r:id="rId26"/>
-    <p:sldId id="279" r:id="rId27"/>
-    <p:sldId id="332" r:id="rId28"/>
-    <p:sldId id="335" r:id="rId29"/>
-    <p:sldId id="281" r:id="rId30"/>
-    <p:sldId id="336" r:id="rId31"/>
-    <p:sldId id="283" r:id="rId32"/>
-    <p:sldId id="282" r:id="rId33"/>
-    <p:sldId id="284" r:id="rId34"/>
-    <p:sldId id="286" r:id="rId35"/>
-    <p:sldId id="287" r:id="rId36"/>
-    <p:sldId id="288" r:id="rId37"/>
-    <p:sldId id="285" r:id="rId38"/>
-    <p:sldId id="289" r:id="rId39"/>
-    <p:sldId id="290" r:id="rId40"/>
+    <p:sldId id="272" r:id="rId4"/>
+    <p:sldId id="275" r:id="rId5"/>
+    <p:sldId id="273" r:id="rId6"/>
+    <p:sldId id="333" r:id="rId7"/>
+    <p:sldId id="257" r:id="rId8"/>
+    <p:sldId id="258" r:id="rId9"/>
+    <p:sldId id="259" r:id="rId10"/>
+    <p:sldId id="276" r:id="rId11"/>
+    <p:sldId id="260" r:id="rId12"/>
+    <p:sldId id="261" r:id="rId13"/>
+    <p:sldId id="262" r:id="rId14"/>
+    <p:sldId id="263" r:id="rId15"/>
+    <p:sldId id="264" r:id="rId16"/>
+    <p:sldId id="265" r:id="rId17"/>
+    <p:sldId id="266" r:id="rId18"/>
+    <p:sldId id="277" r:id="rId19"/>
+    <p:sldId id="267" r:id="rId20"/>
+    <p:sldId id="268" r:id="rId21"/>
+    <p:sldId id="269" r:id="rId22"/>
+    <p:sldId id="270" r:id="rId23"/>
+    <p:sldId id="350" r:id="rId24"/>
+    <p:sldId id="334" r:id="rId25"/>
+    <p:sldId id="279" r:id="rId26"/>
+    <p:sldId id="332" r:id="rId27"/>
+    <p:sldId id="335" r:id="rId28"/>
+    <p:sldId id="281" r:id="rId29"/>
+    <p:sldId id="336" r:id="rId30"/>
+    <p:sldId id="283" r:id="rId31"/>
+    <p:sldId id="282" r:id="rId32"/>
+    <p:sldId id="284" r:id="rId33"/>
+    <p:sldId id="286" r:id="rId34"/>
+    <p:sldId id="287" r:id="rId35"/>
+    <p:sldId id="288" r:id="rId36"/>
+    <p:sldId id="285" r:id="rId37"/>
+    <p:sldId id="289" r:id="rId38"/>
+    <p:sldId id="290" r:id="rId39"/>
+    <p:sldId id="351" r:id="rId40"/>
     <p:sldId id="278" r:id="rId41"/>
     <p:sldId id="291" r:id="rId42"/>
     <p:sldId id="292" r:id="rId43"/>
@@ -52,42 +52,43 @@
     <p:sldId id="299" r:id="rId46"/>
     <p:sldId id="300" r:id="rId47"/>
     <p:sldId id="301" r:id="rId48"/>
-    <p:sldId id="302" r:id="rId49"/>
-    <p:sldId id="338" r:id="rId50"/>
-    <p:sldId id="337" r:id="rId51"/>
-    <p:sldId id="303" r:id="rId52"/>
-    <p:sldId id="340" r:id="rId53"/>
-    <p:sldId id="305" r:id="rId54"/>
-    <p:sldId id="349" r:id="rId55"/>
-    <p:sldId id="306" r:id="rId56"/>
-    <p:sldId id="307" r:id="rId57"/>
-    <p:sldId id="348" r:id="rId58"/>
-    <p:sldId id="309" r:id="rId59"/>
-    <p:sldId id="341" r:id="rId60"/>
-    <p:sldId id="319" r:id="rId61"/>
-    <p:sldId id="318" r:id="rId62"/>
-    <p:sldId id="320" r:id="rId63"/>
-    <p:sldId id="310" r:id="rId64"/>
-    <p:sldId id="342" r:id="rId65"/>
-    <p:sldId id="313" r:id="rId66"/>
-    <p:sldId id="315" r:id="rId67"/>
-    <p:sldId id="344" r:id="rId68"/>
-    <p:sldId id="317" r:id="rId69"/>
-    <p:sldId id="343" r:id="rId70"/>
-    <p:sldId id="345" r:id="rId71"/>
-    <p:sldId id="346" r:id="rId72"/>
-    <p:sldId id="316" r:id="rId73"/>
-    <p:sldId id="321" r:id="rId74"/>
-    <p:sldId id="322" r:id="rId75"/>
-    <p:sldId id="323" r:id="rId76"/>
-    <p:sldId id="324" r:id="rId77"/>
-    <p:sldId id="325" r:id="rId78"/>
-    <p:sldId id="326" r:id="rId79"/>
+    <p:sldId id="352" r:id="rId49"/>
+    <p:sldId id="302" r:id="rId50"/>
+    <p:sldId id="338" r:id="rId51"/>
+    <p:sldId id="337" r:id="rId52"/>
+    <p:sldId id="303" r:id="rId53"/>
+    <p:sldId id="340" r:id="rId54"/>
+    <p:sldId id="305" r:id="rId55"/>
+    <p:sldId id="349" r:id="rId56"/>
+    <p:sldId id="306" r:id="rId57"/>
+    <p:sldId id="307" r:id="rId58"/>
+    <p:sldId id="348" r:id="rId59"/>
+    <p:sldId id="309" r:id="rId60"/>
+    <p:sldId id="341" r:id="rId61"/>
+    <p:sldId id="319" r:id="rId62"/>
+    <p:sldId id="318" r:id="rId63"/>
+    <p:sldId id="320" r:id="rId64"/>
+    <p:sldId id="310" r:id="rId65"/>
+    <p:sldId id="342" r:id="rId66"/>
+    <p:sldId id="313" r:id="rId67"/>
+    <p:sldId id="315" r:id="rId68"/>
+    <p:sldId id="344" r:id="rId69"/>
+    <p:sldId id="317" r:id="rId70"/>
+    <p:sldId id="343" r:id="rId71"/>
+    <p:sldId id="345" r:id="rId72"/>
+    <p:sldId id="346" r:id="rId73"/>
+    <p:sldId id="316" r:id="rId74"/>
+    <p:sldId id="321" r:id="rId75"/>
+    <p:sldId id="322" r:id="rId76"/>
+    <p:sldId id="323" r:id="rId77"/>
+    <p:sldId id="324" r:id="rId78"/>
+    <p:sldId id="325" r:id="rId79"/>
     <p:sldId id="327" r:id="rId80"/>
-    <p:sldId id="328" r:id="rId81"/>
-    <p:sldId id="329" r:id="rId82"/>
-    <p:sldId id="330" r:id="rId83"/>
-    <p:sldId id="308" r:id="rId84"/>
+    <p:sldId id="326" r:id="rId81"/>
+    <p:sldId id="328" r:id="rId82"/>
+    <p:sldId id="329" r:id="rId83"/>
+    <p:sldId id="330" r:id="rId84"/>
+    <p:sldId id="308" r:id="rId85"/>
   </p:sldIdLst>
   <p:sldSz cx="9144000" cy="6858000" type="screen4x3"/>
   <p:notesSz cx="6858000" cy="9144000"/>
@@ -4573,8 +4574,8 @@
     <dgm:cxn modelId="{61ED3805-547E-4165-890A-7E7A827A370F}" type="presOf" srcId="{5233AE8D-3BCA-4A47-92D4-108A94C094EA}" destId="{28CC0323-E8AB-454E-B9E5-C8BDB7FF0D9E}" srcOrd="0" destOrd="0" presId="urn:microsoft.com/office/officeart/2005/8/layout/hProcess9"/>
     <dgm:cxn modelId="{C43659B9-B11F-464E-B675-F1AFD6DC0E6F}" srcId="{512B78CB-E4DC-4D1C-8D27-AEA9B6B3B334}" destId="{5233AE8D-3BCA-4A47-92D4-108A94C094EA}" srcOrd="4" destOrd="0" parTransId="{8F3EC7E2-BE62-4F98-A49A-C5C4B6ADBB6F}" sibTransId="{3DAAE23E-3384-4B1C-ADE6-E6C444C53E0E}"/>
     <dgm:cxn modelId="{C6F85FAA-35F6-4C69-B1D5-CFA5CF516921}" type="presOf" srcId="{69897640-91C3-4519-8938-17AAAC4C1E3F}" destId="{8F6499CE-E5A6-44D3-8266-88F66EBC4BB2}" srcOrd="0" destOrd="0" presId="urn:microsoft.com/office/officeart/2005/8/layout/hProcess9"/>
+    <dgm:cxn modelId="{CD251A95-F804-4F0A-BD53-99BFCADE50D3}" srcId="{512B78CB-E4DC-4D1C-8D27-AEA9B6B3B334}" destId="{D1A1224A-2246-4CD8-8E8A-4ACFAF05B2D3}" srcOrd="1" destOrd="0" parTransId="{25C8157A-39B3-44E4-99CF-CDC276812223}" sibTransId="{EBE1988E-AA4B-45D7-8ADE-9D18B3959943}"/>
     <dgm:cxn modelId="{FEA4C5B8-5FC4-4430-B0AD-C6C68B7499FC}" type="presOf" srcId="{D1A1224A-2246-4CD8-8E8A-4ACFAF05B2D3}" destId="{6A9196AE-AC7C-476D-8C21-67973FB53462}" srcOrd="0" destOrd="0" presId="urn:microsoft.com/office/officeart/2005/8/layout/hProcess9"/>
-    <dgm:cxn modelId="{CD251A95-F804-4F0A-BD53-99BFCADE50D3}" srcId="{512B78CB-E4DC-4D1C-8D27-AEA9B6B3B334}" destId="{D1A1224A-2246-4CD8-8E8A-4ACFAF05B2D3}" srcOrd="1" destOrd="0" parTransId="{25C8157A-39B3-44E4-99CF-CDC276812223}" sibTransId="{EBE1988E-AA4B-45D7-8ADE-9D18B3959943}"/>
     <dgm:cxn modelId="{B27F22A1-DD12-45A7-A2DF-1A146CCB911B}" type="presParOf" srcId="{9372E4EB-2A20-4309-A333-7BDAD49D02C8}" destId="{184443F7-E4B5-422D-B7EC-5A1C3845BF29}" srcOrd="0" destOrd="0" presId="urn:microsoft.com/office/officeart/2005/8/layout/hProcess9"/>
     <dgm:cxn modelId="{05020486-CE38-40FD-AA48-5C04F02514C9}" type="presParOf" srcId="{9372E4EB-2A20-4309-A333-7BDAD49D02C8}" destId="{DEC78D22-7B6B-4EB8-8AAE-3623957CE37F}" srcOrd="1" destOrd="0" presId="urn:microsoft.com/office/officeart/2005/8/layout/hProcess9"/>
     <dgm:cxn modelId="{A075CADA-AE7B-4AE0-92C1-71E15D8BC4BB}" type="presParOf" srcId="{DEC78D22-7B6B-4EB8-8AAE-3623957CE37F}" destId="{0FE174C4-3B78-4A65-B3BC-C8C8AC2D7571}" srcOrd="0" destOrd="0" presId="urn:microsoft.com/office/officeart/2005/8/layout/hProcess9"/>
@@ -16936,222 +16937,6 @@
           <a:chExt cx="0" cy="0"/>
         </a:xfrm>
       </p:grpSpPr>
-      <p:graphicFrame>
-        <p:nvGraphicFramePr>
-          <p:cNvPr id="4" name="Content Placeholder 3"/>
-          <p:cNvGraphicFramePr>
-            <a:graphicFrameLocks noGrp="1"/>
-          </p:cNvGraphicFramePr>
-          <p:nvPr>
-            <p:ph idx="1"/>
-          </p:nvPr>
-        </p:nvGraphicFramePr>
-        <p:xfrm>
-          <a:off x="457200" y="304800"/>
-          <a:ext cx="8229600" cy="6172200"/>
-        </p:xfrm>
-        <a:graphic>
-          <a:graphicData uri="http://schemas.openxmlformats.org/drawingml/2006/diagram">
-            <dgm:relIds xmlns:dgm="http://schemas.openxmlformats.org/drawingml/2006/diagram" xmlns:r="http://schemas.openxmlformats.org/officeDocument/2006/relationships" r:dm="rId2" r:lo="rId3" r:qs="rId4" r:cs="rId5"/>
-          </a:graphicData>
-        </a:graphic>
-      </p:graphicFrame>
-      <p:sp>
-        <p:nvSpPr>
-          <p:cNvPr id="5" name="Right Arrow 4"/>
-          <p:cNvSpPr/>
-          <p:nvPr/>
-        </p:nvSpPr>
-        <p:spPr>
-          <a:xfrm rot="10800000">
-            <a:off x="5105400" y="2133600"/>
-            <a:ext cx="1676400" cy="685800"/>
-          </a:xfrm>
-          <a:prstGeom prst="rightArrow">
-            <a:avLst/>
-          </a:prstGeom>
-        </p:spPr>
-        <p:style>
-          <a:lnRef idx="2">
-            <a:schemeClr val="accent2">
-              <a:shade val="50000"/>
-            </a:schemeClr>
-          </a:lnRef>
-          <a:fillRef idx="1">
-            <a:schemeClr val="accent2"/>
-          </a:fillRef>
-          <a:effectRef idx="0">
-            <a:schemeClr val="accent2"/>
-          </a:effectRef>
-          <a:fontRef idx="minor">
-            <a:schemeClr val="lt1"/>
-          </a:fontRef>
-        </p:style>
-        <p:txBody>
-          <a:bodyPr rtlCol="0" anchor="ctr"/>
-          <a:lstStyle/>
-          <a:p>
-            <a:pPr algn="ctr"/>
-            <a:endParaRPr lang="en-US"/>
-          </a:p>
-        </p:txBody>
-      </p:sp>
-    </p:spTree>
-  </p:cSld>
-  <p:clrMapOvr>
-    <a:masterClrMapping/>
-  </p:clrMapOvr>
-</p:sld>
-</file>
-
-<file path=ppt/slides/slide11.xml><?xml version="1.0" encoding="utf-8"?>
-<p:sld xmlns:a="http://schemas.openxmlformats.org/drawingml/2006/main" xmlns:r="http://schemas.openxmlformats.org/officeDocument/2006/relationships" xmlns:p="http://schemas.openxmlformats.org/presentationml/2006/main">
-  <p:cSld>
-    <p:spTree>
-      <p:nvGrpSpPr>
-        <p:cNvPr id="1" name=""/>
-        <p:cNvGrpSpPr/>
-        <p:nvPr/>
-      </p:nvGrpSpPr>
-      <p:grpSpPr>
-        <a:xfrm>
-          <a:off x="0" y="0"/>
-          <a:ext cx="0" cy="0"/>
-          <a:chOff x="0" y="0"/>
-          <a:chExt cx="0" cy="0"/>
-        </a:xfrm>
-      </p:grpSpPr>
-      <p:pic>
-        <p:nvPicPr>
-          <p:cNvPr id="4" name="Picture 3" descr="ghostbusters-statue-of-liberty-controls.gif"/>
-          <p:cNvPicPr>
-            <a:picLocks noChangeAspect="1"/>
-          </p:cNvPicPr>
-          <p:nvPr/>
-        </p:nvPicPr>
-        <p:blipFill>
-          <a:blip r:embed="rId2" cstate="print"/>
-          <a:stretch>
-            <a:fillRect/>
-          </a:stretch>
-        </p:blipFill>
-        <p:spPr>
-          <a:xfrm>
-            <a:off x="3314700" y="2209800"/>
-            <a:ext cx="5600700" cy="3733800"/>
-          </a:xfrm>
-          <a:prstGeom prst="rect">
-            <a:avLst/>
-          </a:prstGeom>
-        </p:spPr>
-      </p:pic>
-      <p:sp>
-        <p:nvSpPr>
-          <p:cNvPr id="2" name="Title 1"/>
-          <p:cNvSpPr>
-            <a:spLocks noGrp="1"/>
-          </p:cNvSpPr>
-          <p:nvPr>
-            <p:ph type="title"/>
-          </p:nvPr>
-        </p:nvSpPr>
-        <p:spPr/>
-        <p:txBody>
-          <a:bodyPr/>
-          <a:lstStyle/>
-          <a:p>
-            <a:r>
-              <a:rPr lang="en-US" dirty="0" smtClean="0"/>
-              <a:t>Dependency Properties</a:t>
-            </a:r>
-            <a:endParaRPr lang="en-US" dirty="0"/>
-          </a:p>
-        </p:txBody>
-      </p:sp>
-      <p:sp>
-        <p:nvSpPr>
-          <p:cNvPr id="3" name="Content Placeholder 2"/>
-          <p:cNvSpPr>
-            <a:spLocks noGrp="1"/>
-          </p:cNvSpPr>
-          <p:nvPr>
-            <p:ph idx="1"/>
-          </p:nvPr>
-        </p:nvSpPr>
-        <p:spPr/>
-        <p:txBody>
-          <a:bodyPr/>
-          <a:lstStyle/>
-          <a:p>
-            <a:r>
-              <a:rPr lang="en-US" dirty="0" smtClean="0"/>
-              <a:t>Magic goo of WPF</a:t>
-            </a:r>
-          </a:p>
-          <a:p>
-            <a:r>
-              <a:rPr lang="en-US" dirty="0" smtClean="0"/>
-              <a:t>Enables:</a:t>
-            </a:r>
-          </a:p>
-          <a:p>
-            <a:pPr lvl="1"/>
-            <a:r>
-              <a:rPr lang="en-US" dirty="0" smtClean="0"/>
-              <a:t>Styles</a:t>
-            </a:r>
-          </a:p>
-          <a:p>
-            <a:pPr lvl="1"/>
-            <a:r>
-              <a:rPr lang="en-US" dirty="0" smtClean="0"/>
-              <a:t>Trigger </a:t>
-            </a:r>
-          </a:p>
-          <a:p>
-            <a:pPr lvl="1"/>
-            <a:r>
-              <a:rPr lang="en-US" dirty="0" smtClean="0"/>
-              <a:t>Animations</a:t>
-            </a:r>
-          </a:p>
-          <a:p>
-            <a:pPr lvl="1"/>
-            <a:r>
-              <a:rPr lang="en-US" dirty="0" smtClean="0"/>
-              <a:t>Binding</a:t>
-            </a:r>
-          </a:p>
-          <a:p>
-            <a:endParaRPr lang="en-US" dirty="0"/>
-          </a:p>
-        </p:txBody>
-      </p:sp>
-    </p:spTree>
-  </p:cSld>
-  <p:clrMapOvr>
-    <a:masterClrMapping/>
-  </p:clrMapOvr>
-</p:sld>
-</file>
-
-<file path=ppt/slides/slide12.xml><?xml version="1.0" encoding="utf-8"?>
-<p:sld xmlns:a="http://schemas.openxmlformats.org/drawingml/2006/main" xmlns:r="http://schemas.openxmlformats.org/officeDocument/2006/relationships" xmlns:p="http://schemas.openxmlformats.org/presentationml/2006/main">
-  <p:cSld>
-    <p:spTree>
-      <p:nvGrpSpPr>
-        <p:cNvPr id="1" name=""/>
-        <p:cNvGrpSpPr/>
-        <p:nvPr/>
-      </p:nvGrpSpPr>
-      <p:grpSpPr>
-        <a:xfrm>
-          <a:off x="0" y="0"/>
-          <a:ext cx="0" cy="0"/>
-          <a:chOff x="0" y="0"/>
-          <a:chExt cx="0" cy="0"/>
-        </a:xfrm>
-      </p:grpSpPr>
       <p:sp>
         <p:nvSpPr>
           <p:cNvPr id="2" name="Title 1"/>
@@ -17225,7 +17010,7 @@
 </p:sld>
 </file>
 
-<file path=ppt/slides/slide13.xml><?xml version="1.0" encoding="utf-8"?>
+<file path=ppt/slides/slide11.xml><?xml version="1.0" encoding="utf-8"?>
 <p:sld xmlns:a="http://schemas.openxmlformats.org/drawingml/2006/main" xmlns:r="http://schemas.openxmlformats.org/officeDocument/2006/relationships" xmlns:p="http://schemas.openxmlformats.org/presentationml/2006/main">
   <p:cSld>
     <p:spTree>
@@ -17331,7 +17116,7 @@
 </p:sld>
 </file>
 
-<file path=ppt/slides/slide14.xml><?xml version="1.0" encoding="utf-8"?>
+<file path=ppt/slides/slide12.xml><?xml version="1.0" encoding="utf-8"?>
 <p:sld xmlns:a="http://schemas.openxmlformats.org/drawingml/2006/main" xmlns:r="http://schemas.openxmlformats.org/officeDocument/2006/relationships" xmlns:p="http://schemas.openxmlformats.org/presentationml/2006/main">
   <p:cSld>
     <p:spTree>
@@ -17481,7 +17266,7 @@
 </p:sld>
 </file>
 
-<file path=ppt/slides/slide15.xml><?xml version="1.0" encoding="utf-8"?>
+<file path=ppt/slides/slide13.xml><?xml version="1.0" encoding="utf-8"?>
 <p:sld xmlns:a="http://schemas.openxmlformats.org/drawingml/2006/main" xmlns:r="http://schemas.openxmlformats.org/officeDocument/2006/relationships" xmlns:p="http://schemas.openxmlformats.org/presentationml/2006/main">
   <p:cSld>
     <p:spTree>
@@ -17630,7 +17415,7 @@
 </p:sld>
 </file>
 
-<file path=ppt/slides/slide16.xml><?xml version="1.0" encoding="utf-8"?>
+<file path=ppt/slides/slide14.xml><?xml version="1.0" encoding="utf-8"?>
 <p:sld xmlns:a="http://schemas.openxmlformats.org/drawingml/2006/main" xmlns:r="http://schemas.openxmlformats.org/officeDocument/2006/relationships" xmlns:p="http://schemas.openxmlformats.org/presentationml/2006/main">
   <p:cSld>
     <p:spTree>
@@ -17733,7 +17518,7 @@
 </p:sld>
 </file>
 
-<file path=ppt/slides/slide17.xml><?xml version="1.0" encoding="utf-8"?>
+<file path=ppt/slides/slide15.xml><?xml version="1.0" encoding="utf-8"?>
 <p:sld xmlns:a="http://schemas.openxmlformats.org/drawingml/2006/main" xmlns:r="http://schemas.openxmlformats.org/officeDocument/2006/relationships" xmlns:p="http://schemas.openxmlformats.org/presentationml/2006/main">
   <p:cSld>
     <p:spTree>
@@ -17943,7 +17728,7 @@
 </p:sld>
 </file>
 
-<file path=ppt/slides/slide18.xml><?xml version="1.0" encoding="utf-8"?>
+<file path=ppt/slides/slide16.xml><?xml version="1.0" encoding="utf-8"?>
 <p:sld xmlns:a="http://schemas.openxmlformats.org/drawingml/2006/main" xmlns:r="http://schemas.openxmlformats.org/officeDocument/2006/relationships" xmlns:p="http://schemas.openxmlformats.org/presentationml/2006/main">
   <p:cSld>
     <p:spTree>
@@ -18100,7 +17885,7 @@
 </p:sld>
 </file>
 
-<file path=ppt/slides/slide19.xml><?xml version="1.0" encoding="utf-8"?>
+<file path=ppt/slides/slide17.xml><?xml version="1.0" encoding="utf-8"?>
 <p:sld xmlns:a="http://schemas.openxmlformats.org/drawingml/2006/main" xmlns:r="http://schemas.openxmlformats.org/officeDocument/2006/relationships" xmlns:p="http://schemas.openxmlformats.org/presentationml/2006/main">
   <p:cSld>
     <p:spTree>
@@ -18451,113 +18236,7 @@
 </p:sld>
 </file>
 
-<file path=ppt/slides/slide2.xml><?xml version="1.0" encoding="utf-8"?>
-<p:sld xmlns:a="http://schemas.openxmlformats.org/drawingml/2006/main" xmlns:r="http://schemas.openxmlformats.org/officeDocument/2006/relationships" xmlns:p="http://schemas.openxmlformats.org/presentationml/2006/main">
-  <p:cSld>
-    <p:spTree>
-      <p:nvGrpSpPr>
-        <p:cNvPr id="1" name=""/>
-        <p:cNvGrpSpPr/>
-        <p:nvPr/>
-      </p:nvGrpSpPr>
-      <p:grpSpPr>
-        <a:xfrm>
-          <a:off x="0" y="0"/>
-          <a:ext cx="0" cy="0"/>
-          <a:chOff x="0" y="0"/>
-          <a:chExt cx="0" cy="0"/>
-        </a:xfrm>
-      </p:grpSpPr>
-      <p:sp>
-        <p:nvSpPr>
-          <p:cNvPr id="2" name="Title 1"/>
-          <p:cNvSpPr>
-            <a:spLocks noGrp="1"/>
-          </p:cNvSpPr>
-          <p:nvPr>
-            <p:ph type="title"/>
-          </p:nvPr>
-        </p:nvSpPr>
-        <p:spPr/>
-        <p:txBody>
-          <a:bodyPr/>
-          <a:lstStyle/>
-          <a:p>
-            <a:r>
-              <a:rPr lang="en-US" dirty="0" smtClean="0"/>
-              <a:t>Who the hell are you?!</a:t>
-            </a:r>
-            <a:endParaRPr lang="en-US" dirty="0"/>
-          </a:p>
-        </p:txBody>
-      </p:sp>
-      <p:sp>
-        <p:nvSpPr>
-          <p:cNvPr id="3" name="Content Placeholder 2"/>
-          <p:cNvSpPr>
-            <a:spLocks noGrp="1"/>
-          </p:cNvSpPr>
-          <p:nvPr>
-            <p:ph idx="1"/>
-          </p:nvPr>
-        </p:nvSpPr>
-        <p:spPr/>
-        <p:txBody>
-          <a:bodyPr/>
-          <a:lstStyle/>
-          <a:p>
-            <a:r>
-              <a:rPr lang="en-US" dirty="0" smtClean="0"/>
-              <a:t>Jonathan </a:t>
-            </a:r>
-            <a:r>
-              <a:rPr lang="en-US" dirty="0" err="1" smtClean="0"/>
-              <a:t>Birkholz</a:t>
-            </a:r>
-            <a:r>
-              <a:rPr lang="en-US" dirty="0" smtClean="0"/>
-              <a:t> -&gt; JB</a:t>
-            </a:r>
-          </a:p>
-          <a:p>
-            <a:r>
-              <a:rPr lang="en-US" dirty="0" smtClean="0"/>
-              <a:t>Blog – www.theabsentmindedcoder.com</a:t>
-            </a:r>
-          </a:p>
-          <a:p>
-            <a:r>
-              <a:rPr lang="en-US" dirty="0" smtClean="0"/>
-              <a:t>@</a:t>
-            </a:r>
-            <a:r>
-              <a:rPr lang="en-US" dirty="0" err="1" smtClean="0"/>
-              <a:t>RookieOne</a:t>
-            </a:r>
-            <a:endParaRPr lang="en-US" dirty="0" smtClean="0"/>
-          </a:p>
-          <a:p>
-            <a:r>
-              <a:rPr lang="en-US" dirty="0" err="1" smtClean="0"/>
-              <a:t>GitHub</a:t>
-            </a:r>
-            <a:r>
-              <a:rPr lang="en-US" dirty="0" smtClean="0"/>
-              <a:t> – http://github.com/rookieone</a:t>
-            </a:r>
-            <a:endParaRPr lang="en-US" dirty="0"/>
-          </a:p>
-        </p:txBody>
-      </p:sp>
-    </p:spTree>
-  </p:cSld>
-  <p:clrMapOvr>
-    <a:masterClrMapping/>
-  </p:clrMapOvr>
-</p:sld>
-</file>
-
-<file path=ppt/slides/slide20.xml><?xml version="1.0" encoding="utf-8"?>
+<file path=ppt/slides/slide18.xml><?xml version="1.0" encoding="utf-8"?>
 <p:sld xmlns:a="http://schemas.openxmlformats.org/drawingml/2006/main" xmlns:r="http://schemas.openxmlformats.org/officeDocument/2006/relationships" xmlns:p="http://schemas.openxmlformats.org/presentationml/2006/main">
   <p:cSld>
     <p:spTree>
@@ -18651,7 +18330,7 @@
 </p:sld>
 </file>
 
-<file path=ppt/slides/slide21.xml><?xml version="1.0" encoding="utf-8"?>
+<file path=ppt/slides/slide19.xml><?xml version="1.0" encoding="utf-8"?>
 <p:sld xmlns:a="http://schemas.openxmlformats.org/drawingml/2006/main" xmlns:r="http://schemas.openxmlformats.org/officeDocument/2006/relationships" xmlns:p="http://schemas.openxmlformats.org/presentationml/2006/main">
   <p:cSld>
     <p:spTree>
@@ -18778,7 +18457,113 @@
 </p:sld>
 </file>
 
-<file path=ppt/slides/slide22.xml><?xml version="1.0" encoding="utf-8"?>
+<file path=ppt/slides/slide2.xml><?xml version="1.0" encoding="utf-8"?>
+<p:sld xmlns:a="http://schemas.openxmlformats.org/drawingml/2006/main" xmlns:r="http://schemas.openxmlformats.org/officeDocument/2006/relationships" xmlns:p="http://schemas.openxmlformats.org/presentationml/2006/main">
+  <p:cSld>
+    <p:spTree>
+      <p:nvGrpSpPr>
+        <p:cNvPr id="1" name=""/>
+        <p:cNvGrpSpPr/>
+        <p:nvPr/>
+      </p:nvGrpSpPr>
+      <p:grpSpPr>
+        <a:xfrm>
+          <a:off x="0" y="0"/>
+          <a:ext cx="0" cy="0"/>
+          <a:chOff x="0" y="0"/>
+          <a:chExt cx="0" cy="0"/>
+        </a:xfrm>
+      </p:grpSpPr>
+      <p:sp>
+        <p:nvSpPr>
+          <p:cNvPr id="2" name="Title 1"/>
+          <p:cNvSpPr>
+            <a:spLocks noGrp="1"/>
+          </p:cNvSpPr>
+          <p:nvPr>
+            <p:ph type="title"/>
+          </p:nvPr>
+        </p:nvSpPr>
+        <p:spPr/>
+        <p:txBody>
+          <a:bodyPr/>
+          <a:lstStyle/>
+          <a:p>
+            <a:r>
+              <a:rPr lang="en-US" dirty="0" smtClean="0"/>
+              <a:t>Who the hell are you?!</a:t>
+            </a:r>
+            <a:endParaRPr lang="en-US" dirty="0"/>
+          </a:p>
+        </p:txBody>
+      </p:sp>
+      <p:sp>
+        <p:nvSpPr>
+          <p:cNvPr id="3" name="Content Placeholder 2"/>
+          <p:cNvSpPr>
+            <a:spLocks noGrp="1"/>
+          </p:cNvSpPr>
+          <p:nvPr>
+            <p:ph idx="1"/>
+          </p:nvPr>
+        </p:nvSpPr>
+        <p:spPr/>
+        <p:txBody>
+          <a:bodyPr/>
+          <a:lstStyle/>
+          <a:p>
+            <a:r>
+              <a:rPr lang="en-US" dirty="0" smtClean="0"/>
+              <a:t>Jonathan </a:t>
+            </a:r>
+            <a:r>
+              <a:rPr lang="en-US" dirty="0" err="1" smtClean="0"/>
+              <a:t>Birkholz</a:t>
+            </a:r>
+            <a:r>
+              <a:rPr lang="en-US" dirty="0" smtClean="0"/>
+              <a:t> -&gt; JB</a:t>
+            </a:r>
+          </a:p>
+          <a:p>
+            <a:r>
+              <a:rPr lang="en-US" dirty="0" smtClean="0"/>
+              <a:t>Blog – www.theabsentmindedcoder.com</a:t>
+            </a:r>
+          </a:p>
+          <a:p>
+            <a:r>
+              <a:rPr lang="en-US" dirty="0" smtClean="0"/>
+              <a:t>@</a:t>
+            </a:r>
+            <a:r>
+              <a:rPr lang="en-US" dirty="0" err="1" smtClean="0"/>
+              <a:t>RookieOne</a:t>
+            </a:r>
+            <a:endParaRPr lang="en-US" dirty="0" smtClean="0"/>
+          </a:p>
+          <a:p>
+            <a:r>
+              <a:rPr lang="en-US" dirty="0" err="1" smtClean="0"/>
+              <a:t>GitHub</a:t>
+            </a:r>
+            <a:r>
+              <a:rPr lang="en-US" dirty="0" smtClean="0"/>
+              <a:t> – http://github.com/rookieone</a:t>
+            </a:r>
+            <a:endParaRPr lang="en-US" dirty="0"/>
+          </a:p>
+        </p:txBody>
+      </p:sp>
+    </p:spTree>
+  </p:cSld>
+  <p:clrMapOvr>
+    <a:masterClrMapping/>
+  </p:clrMapOvr>
+</p:sld>
+</file>
+
+<file path=ppt/slides/slide20.xml><?xml version="1.0" encoding="utf-8"?>
 <p:sld xmlns:a="http://schemas.openxmlformats.org/drawingml/2006/main" xmlns:r="http://schemas.openxmlformats.org/officeDocument/2006/relationships" xmlns:p="http://schemas.openxmlformats.org/presentationml/2006/main">
   <p:cSld>
     <p:spTree>
@@ -18905,7 +18690,7 @@
 </p:sld>
 </file>
 
-<file path=ppt/slides/slide23.xml><?xml version="1.0" encoding="utf-8"?>
+<file path=ppt/slides/slide21.xml><?xml version="1.0" encoding="utf-8"?>
 <p:sld xmlns:a="http://schemas.openxmlformats.org/drawingml/2006/main" xmlns:r="http://schemas.openxmlformats.org/officeDocument/2006/relationships" xmlns:p="http://schemas.openxmlformats.org/presentationml/2006/main">
   <p:cSld>
     <p:spTree>
@@ -19074,7 +18859,7 @@
 </p:sld>
 </file>
 
-<file path=ppt/slides/slide24.xml><?xml version="1.0" encoding="utf-8"?>
+<file path=ppt/slides/slide22.xml><?xml version="1.0" encoding="utf-8"?>
 <p:sld xmlns:a="http://schemas.openxmlformats.org/drawingml/2006/main" xmlns:r="http://schemas.openxmlformats.org/officeDocument/2006/relationships" xmlns:p="http://schemas.openxmlformats.org/presentationml/2006/main">
   <p:cSld>
     <p:spTree>
@@ -19228,7 +19013,88 @@
 </p:sld>
 </file>
 
-<file path=ppt/slides/slide25.xml><?xml version="1.0" encoding="utf-8"?>
+<file path=ppt/slides/slide23.xml><?xml version="1.0" encoding="utf-8"?>
+<p:sld xmlns:a="http://schemas.openxmlformats.org/drawingml/2006/main" xmlns:r="http://schemas.openxmlformats.org/officeDocument/2006/relationships" xmlns:p="http://schemas.openxmlformats.org/presentationml/2006/main">
+  <p:cSld>
+    <p:spTree>
+      <p:nvGrpSpPr>
+        <p:cNvPr id="1" name=""/>
+        <p:cNvGrpSpPr/>
+        <p:nvPr/>
+      </p:nvGrpSpPr>
+      <p:grpSpPr>
+        <a:xfrm>
+          <a:off x="0" y="0"/>
+          <a:ext cx="0" cy="0"/>
+          <a:chOff x="0" y="0"/>
+          <a:chExt cx="0" cy="0"/>
+        </a:xfrm>
+      </p:grpSpPr>
+      <p:sp>
+        <p:nvSpPr>
+          <p:cNvPr id="2" name="Title 1"/>
+          <p:cNvSpPr>
+            <a:spLocks noGrp="1"/>
+          </p:cNvSpPr>
+          <p:nvPr>
+            <p:ph type="title"/>
+          </p:nvPr>
+        </p:nvSpPr>
+        <p:spPr/>
+        <p:txBody>
+          <a:bodyPr/>
+          <a:lstStyle/>
+          <a:p>
+            <a:r>
+              <a:rPr lang="en-US" dirty="0" smtClean="0"/>
+              <a:t>Questions</a:t>
+            </a:r>
+            <a:endParaRPr lang="en-US" dirty="0"/>
+          </a:p>
+        </p:txBody>
+      </p:sp>
+      <p:sp>
+        <p:nvSpPr>
+          <p:cNvPr id="3" name="Content Placeholder 2"/>
+          <p:cNvSpPr>
+            <a:spLocks noGrp="1"/>
+          </p:cNvSpPr>
+          <p:nvPr>
+            <p:ph idx="1"/>
+          </p:nvPr>
+        </p:nvSpPr>
+        <p:spPr/>
+        <p:txBody>
+          <a:bodyPr anchor="ctr">
+            <a:noAutofit/>
+          </a:bodyPr>
+          <a:lstStyle/>
+          <a:p>
+            <a:pPr marL="0" indent="0" algn="ctr">
+              <a:buNone/>
+            </a:pPr>
+            <a:r>
+              <a:rPr lang="en-US" sz="40000" dirty="0" smtClean="0"/>
+              <a:t>?</a:t>
+            </a:r>
+            <a:endParaRPr lang="en-US" sz="40000" dirty="0"/>
+          </a:p>
+        </p:txBody>
+      </p:sp>
+    </p:spTree>
+    <p:extLst>
+      <p:ext uri="{BB962C8B-B14F-4D97-AF65-F5344CB8AC3E}">
+        <p14:creationId xmlns:p14="http://schemas.microsoft.com/office/powerpoint/2010/main" val="400636818"/>
+      </p:ext>
+    </p:extLst>
+  </p:cSld>
+  <p:clrMapOvr>
+    <a:masterClrMapping/>
+  </p:clrMapOvr>
+</p:sld>
+</file>
+
+<file path=ppt/slides/slide24.xml><?xml version="1.0" encoding="utf-8"?>
 <p:sld xmlns:a="http://schemas.openxmlformats.org/drawingml/2006/main" xmlns:r="http://schemas.openxmlformats.org/officeDocument/2006/relationships" xmlns:p="http://schemas.openxmlformats.org/presentationml/2006/main">
   <p:cSld>
     <p:spTree>
@@ -19343,7 +19209,7 @@
 </p:sld>
 </file>
 
-<file path=ppt/slides/slide26.xml><?xml version="1.0" encoding="utf-8"?>
+<file path=ppt/slides/slide25.xml><?xml version="1.0" encoding="utf-8"?>
 <p:sld xmlns:a="http://schemas.openxmlformats.org/drawingml/2006/main" xmlns:r="http://schemas.openxmlformats.org/officeDocument/2006/relationships" xmlns:p="http://schemas.openxmlformats.org/presentationml/2006/main">
   <p:cSld>
     <p:spTree>
@@ -19449,7 +19315,7 @@
 </p:sld>
 </file>
 
-<file path=ppt/slides/slide27.xml><?xml version="1.0" encoding="utf-8"?>
+<file path=ppt/slides/slide26.xml><?xml version="1.0" encoding="utf-8"?>
 <p:sld xmlns:a="http://schemas.openxmlformats.org/drawingml/2006/main" xmlns:r="http://schemas.openxmlformats.org/officeDocument/2006/relationships" xmlns:p="http://schemas.openxmlformats.org/presentationml/2006/main">
   <p:cSld>
     <p:spTree>
@@ -19580,7 +19446,7 @@
 </p:sld>
 </file>
 
-<file path=ppt/slides/slide28.xml><?xml version="1.0" encoding="utf-8"?>
+<file path=ppt/slides/slide27.xml><?xml version="1.0" encoding="utf-8"?>
 <p:sld xmlns:a="http://schemas.openxmlformats.org/drawingml/2006/main" xmlns:r="http://schemas.openxmlformats.org/officeDocument/2006/relationships" xmlns:p="http://schemas.openxmlformats.org/presentationml/2006/main">
   <p:cSld>
     <p:spTree>
@@ -19733,7 +19599,7 @@
 </p:sld>
 </file>
 
-<file path=ppt/slides/slide29.xml><?xml version="1.0" encoding="utf-8"?>
+<file path=ppt/slides/slide28.xml><?xml version="1.0" encoding="utf-8"?>
 <p:sld xmlns:a="http://schemas.openxmlformats.org/drawingml/2006/main" xmlns:r="http://schemas.openxmlformats.org/officeDocument/2006/relationships" xmlns:p="http://schemas.openxmlformats.org/presentationml/2006/main">
   <p:cSld>
     <p:spTree>
@@ -19848,156 +19714,7 @@
 </p:sld>
 </file>
 
-<file path=ppt/slides/slide3.xml><?xml version="1.0" encoding="utf-8"?>
-<p:sld xmlns:a="http://schemas.openxmlformats.org/drawingml/2006/main" xmlns:r="http://schemas.openxmlformats.org/officeDocument/2006/relationships" xmlns:p="http://schemas.openxmlformats.org/presentationml/2006/main">
-  <p:cSld>
-    <p:spTree>
-      <p:nvGrpSpPr>
-        <p:cNvPr id="1" name=""/>
-        <p:cNvGrpSpPr/>
-        <p:nvPr/>
-      </p:nvGrpSpPr>
-      <p:grpSpPr>
-        <a:xfrm>
-          <a:off x="0" y="0"/>
-          <a:ext cx="0" cy="0"/>
-          <a:chOff x="0" y="0"/>
-          <a:chExt cx="0" cy="0"/>
-        </a:xfrm>
-      </p:grpSpPr>
-      <p:pic>
-        <p:nvPicPr>
-          <p:cNvPr id="5" name="Picture 4" descr="detroit_red_wings_1995.gif"/>
-          <p:cNvPicPr>
-            <a:picLocks noChangeAspect="1"/>
-          </p:cNvPicPr>
-          <p:nvPr/>
-        </p:nvPicPr>
-        <p:blipFill>
-          <a:blip r:embed="rId2" cstate="print"/>
-          <a:stretch>
-            <a:fillRect/>
-          </a:stretch>
-        </p:blipFill>
-        <p:spPr>
-          <a:xfrm>
-            <a:off x="4495800" y="3064870"/>
-            <a:ext cx="4648200" cy="3488330"/>
-          </a:xfrm>
-          <a:prstGeom prst="rect">
-            <a:avLst/>
-          </a:prstGeom>
-        </p:spPr>
-      </p:pic>
-      <p:sp>
-        <p:nvSpPr>
-          <p:cNvPr id="2" name="Title 1"/>
-          <p:cNvSpPr>
-            <a:spLocks noGrp="1"/>
-          </p:cNvSpPr>
-          <p:nvPr>
-            <p:ph type="title"/>
-          </p:nvPr>
-        </p:nvSpPr>
-        <p:spPr/>
-        <p:txBody>
-          <a:bodyPr/>
-          <a:lstStyle/>
-          <a:p>
-            <a:r>
-              <a:rPr lang="en-US" dirty="0" smtClean="0"/>
-              <a:t>Geek Factor</a:t>
-            </a:r>
-            <a:endParaRPr lang="en-US" dirty="0"/>
-          </a:p>
-        </p:txBody>
-      </p:sp>
-      <p:sp>
-        <p:nvSpPr>
-          <p:cNvPr id="3" name="Content Placeholder 2"/>
-          <p:cNvSpPr>
-            <a:spLocks noGrp="1"/>
-          </p:cNvSpPr>
-          <p:nvPr>
-            <p:ph idx="1"/>
-          </p:nvPr>
-        </p:nvSpPr>
-        <p:spPr>
-          <a:xfrm>
-            <a:off x="457200" y="1600201"/>
-            <a:ext cx="8229600" cy="2209800"/>
-          </a:xfrm>
-        </p:spPr>
-        <p:txBody>
-          <a:bodyPr>
-            <a:normAutofit fontScale="85000" lnSpcReduction="20000"/>
-          </a:bodyPr>
-          <a:lstStyle/>
-          <a:p>
-            <a:r>
-              <a:rPr lang="en-US" dirty="0" smtClean="0"/>
-              <a:t>Claudio skateboards, plays guitar, rollerblades!</a:t>
-            </a:r>
-          </a:p>
-          <a:p>
-            <a:r>
-              <a:rPr lang="en-US" dirty="0" smtClean="0"/>
-              <a:t>I play video games, read science fiction, and enjoy playoff hockey</a:t>
-            </a:r>
-          </a:p>
-          <a:p>
-            <a:pPr lvl="1"/>
-            <a:r>
-              <a:rPr lang="en-US" dirty="0" smtClean="0"/>
-              <a:t>Raptr.com/</a:t>
-            </a:r>
-            <a:r>
-              <a:rPr lang="en-US" dirty="0" err="1" smtClean="0"/>
-              <a:t>rookieone</a:t>
-            </a:r>
-            <a:endParaRPr lang="en-US" dirty="0" smtClean="0"/>
-          </a:p>
-          <a:p>
-            <a:pPr lvl="1"/>
-            <a:r>
-              <a:rPr lang="en-US" dirty="0" smtClean="0">
-                <a:hlinkClick r:id="rId3"/>
-              </a:rPr>
-              <a:t>www.goodreads.com/user/show/3300815-jonathan-birkholz</a:t>
-            </a:r>
-            <a:endParaRPr lang="en-US" dirty="0" smtClean="0"/>
-          </a:p>
-          <a:p>
-            <a:pPr lvl="1">
-              <a:buNone/>
-            </a:pPr>
-            <a:endParaRPr lang="en-US" dirty="0" smtClean="0"/>
-          </a:p>
-          <a:p>
-            <a:pPr lvl="1"/>
-            <a:endParaRPr lang="en-US" dirty="0" smtClean="0"/>
-          </a:p>
-          <a:p>
-            <a:pPr lvl="1"/>
-            <a:endParaRPr lang="en-US" dirty="0" smtClean="0"/>
-          </a:p>
-          <a:p>
-            <a:endParaRPr lang="en-US" dirty="0" smtClean="0"/>
-          </a:p>
-          <a:p>
-            <a:endParaRPr lang="en-US" dirty="0"/>
-          </a:p>
-        </p:txBody>
-      </p:sp>
-    </p:spTree>
-  </p:cSld>
-  <p:clrMapOvr>
-    <a:masterClrMapping/>
-  </p:clrMapOvr>
-</p:sld>
-</file>
-
-<file path=ppt/slides/slide30.xml><?xml version="1.0" encoding="utf-8"?>
+<file path=ppt/slides/slide29.xml><?xml version="1.0" encoding="utf-8"?>
 <p:sld xmlns:a="http://schemas.openxmlformats.org/drawingml/2006/main" xmlns:r="http://schemas.openxmlformats.org/officeDocument/2006/relationships" xmlns:p="http://schemas.openxmlformats.org/presentationml/2006/main">
   <p:cSld>
     <p:spTree>
@@ -20275,7 +19992,7 @@
 </p:sld>
 </file>
 
-<file path=ppt/slides/slide31.xml><?xml version="1.0" encoding="utf-8"?>
+<file path=ppt/slides/slide3.xml><?xml version="1.0" encoding="utf-8"?>
 <p:sld xmlns:a="http://schemas.openxmlformats.org/drawingml/2006/main" xmlns:r="http://schemas.openxmlformats.org/officeDocument/2006/relationships" xmlns:p="http://schemas.openxmlformats.org/presentationml/2006/main">
   <p:cSld>
     <p:spTree>
@@ -20309,6 +20026,93 @@
           <a:p>
             <a:r>
               <a:rPr lang="en-US" dirty="0" smtClean="0"/>
+              <a:t>Purpose</a:t>
+            </a:r>
+            <a:endParaRPr lang="en-US" dirty="0"/>
+          </a:p>
+        </p:txBody>
+      </p:sp>
+      <p:sp>
+        <p:nvSpPr>
+          <p:cNvPr id="3" name="Content Placeholder 2"/>
+          <p:cNvSpPr>
+            <a:spLocks noGrp="1"/>
+          </p:cNvSpPr>
+          <p:nvPr>
+            <p:ph idx="1"/>
+          </p:nvPr>
+        </p:nvSpPr>
+        <p:spPr/>
+        <p:txBody>
+          <a:bodyPr/>
+          <a:lstStyle/>
+          <a:p>
+            <a:r>
+              <a:rPr lang="en-US" dirty="0" smtClean="0"/>
+              <a:t>Teach you something new</a:t>
+            </a:r>
+          </a:p>
+          <a:p>
+            <a:r>
+              <a:rPr lang="en-US" dirty="0" smtClean="0"/>
+              <a:t>Rethink something you thought you knew</a:t>
+            </a:r>
+          </a:p>
+          <a:p>
+            <a:r>
+              <a:rPr lang="en-US" dirty="0" smtClean="0"/>
+              <a:t>Have you examine how you see and work with </a:t>
+            </a:r>
+            <a:r>
+              <a:rPr lang="en-US" dirty="0" err="1" smtClean="0"/>
+              <a:t>Xaml</a:t>
+            </a:r>
+            <a:endParaRPr lang="en-US" dirty="0"/>
+          </a:p>
+        </p:txBody>
+      </p:sp>
+    </p:spTree>
+  </p:cSld>
+  <p:clrMapOvr>
+    <a:masterClrMapping/>
+  </p:clrMapOvr>
+</p:sld>
+</file>
+
+<file path=ppt/slides/slide30.xml><?xml version="1.0" encoding="utf-8"?>
+<p:sld xmlns:a="http://schemas.openxmlformats.org/drawingml/2006/main" xmlns:r="http://schemas.openxmlformats.org/officeDocument/2006/relationships" xmlns:p="http://schemas.openxmlformats.org/presentationml/2006/main">
+  <p:cSld>
+    <p:spTree>
+      <p:nvGrpSpPr>
+        <p:cNvPr id="1" name=""/>
+        <p:cNvGrpSpPr/>
+        <p:nvPr/>
+      </p:nvGrpSpPr>
+      <p:grpSpPr>
+        <a:xfrm>
+          <a:off x="0" y="0"/>
+          <a:ext cx="0" cy="0"/>
+          <a:chOff x="0" y="0"/>
+          <a:chExt cx="0" cy="0"/>
+        </a:xfrm>
+      </p:grpSpPr>
+      <p:sp>
+        <p:nvSpPr>
+          <p:cNvPr id="2" name="Title 1"/>
+          <p:cNvSpPr>
+            <a:spLocks noGrp="1"/>
+          </p:cNvSpPr>
+          <p:nvPr>
+            <p:ph type="title"/>
+          </p:nvPr>
+        </p:nvSpPr>
+        <p:spPr/>
+        <p:txBody>
+          <a:bodyPr/>
+          <a:lstStyle/>
+          <a:p>
+            <a:r>
+              <a:rPr lang="en-US" dirty="0" smtClean="0"/>
               <a:t>Hierarchy Revisited</a:t>
             </a:r>
             <a:endParaRPr lang="en-US" dirty="0"/>
@@ -20410,7 +20214,7 @@
 </p:sld>
 </file>
 
-<file path=ppt/slides/slide32.xml><?xml version="1.0" encoding="utf-8"?>
+<file path=ppt/slides/slide31.xml><?xml version="1.0" encoding="utf-8"?>
 <p:sld xmlns:a="http://schemas.openxmlformats.org/drawingml/2006/main" xmlns:r="http://schemas.openxmlformats.org/officeDocument/2006/relationships" xmlns:p="http://schemas.openxmlformats.org/presentationml/2006/main">
   <p:cSld>
     <p:spTree>
@@ -20545,6 +20349,85 @@
 </p:sld>
 </file>
 
+<file path=ppt/slides/slide32.xml><?xml version="1.0" encoding="utf-8"?>
+<p:sld xmlns:a="http://schemas.openxmlformats.org/drawingml/2006/main" xmlns:r="http://schemas.openxmlformats.org/officeDocument/2006/relationships" xmlns:p="http://schemas.openxmlformats.org/presentationml/2006/main">
+  <p:cSld>
+    <p:spTree>
+      <p:nvGrpSpPr>
+        <p:cNvPr id="1" name=""/>
+        <p:cNvGrpSpPr/>
+        <p:nvPr/>
+      </p:nvGrpSpPr>
+      <p:grpSpPr>
+        <a:xfrm>
+          <a:off x="0" y="0"/>
+          <a:ext cx="0" cy="0"/>
+          <a:chOff x="0" y="0"/>
+          <a:chExt cx="0" cy="0"/>
+        </a:xfrm>
+      </p:grpSpPr>
+      <p:sp>
+        <p:nvSpPr>
+          <p:cNvPr id="2" name="Title 1"/>
+          <p:cNvSpPr>
+            <a:spLocks noGrp="1"/>
+          </p:cNvSpPr>
+          <p:nvPr>
+            <p:ph type="title"/>
+          </p:nvPr>
+        </p:nvSpPr>
+        <p:spPr/>
+        <p:txBody>
+          <a:bodyPr/>
+          <a:lstStyle/>
+          <a:p>
+            <a:r>
+              <a:rPr lang="en-US" dirty="0" smtClean="0"/>
+              <a:t>Style + Template</a:t>
+            </a:r>
+            <a:endParaRPr lang="en-US" dirty="0"/>
+          </a:p>
+        </p:txBody>
+      </p:sp>
+      <p:sp>
+        <p:nvSpPr>
+          <p:cNvPr id="3" name="Content Placeholder 2"/>
+          <p:cNvSpPr>
+            <a:spLocks noGrp="1"/>
+          </p:cNvSpPr>
+          <p:nvPr>
+            <p:ph idx="1"/>
+          </p:nvPr>
+        </p:nvSpPr>
+        <p:spPr/>
+        <p:txBody>
+          <a:bodyPr/>
+          <a:lstStyle/>
+          <a:p>
+            <a:r>
+              <a:rPr lang="en-US" dirty="0" smtClean="0"/>
+              <a:t>In Style set Template</a:t>
+            </a:r>
+          </a:p>
+          <a:p>
+            <a:endParaRPr lang="en-US" dirty="0"/>
+          </a:p>
+          <a:p>
+            <a:r>
+              <a:rPr lang="en-US" dirty="0" smtClean="0"/>
+              <a:t>This leads to a confusion on what the difference is between a Style and a Template</a:t>
+            </a:r>
+          </a:p>
+        </p:txBody>
+      </p:sp>
+    </p:spTree>
+  </p:cSld>
+  <p:clrMapOvr>
+    <a:masterClrMapping/>
+  </p:clrMapOvr>
+</p:sld>
+</file>
+
 <file path=ppt/slides/slide33.xml><?xml version="1.0" encoding="utf-8"?>
 <p:sld xmlns:a="http://schemas.openxmlformats.org/drawingml/2006/main" xmlns:r="http://schemas.openxmlformats.org/officeDocument/2006/relationships" xmlns:p="http://schemas.openxmlformats.org/presentationml/2006/main">
   <p:cSld>
@@ -20579,7 +20462,7 @@
           <a:p>
             <a:r>
               <a:rPr lang="en-US" dirty="0" smtClean="0"/>
-              <a:t>Style + Template</a:t>
+              <a:t>Resources + Dictionaries</a:t>
             </a:r>
             <a:endParaRPr lang="en-US" dirty="0"/>
           </a:p>
@@ -20602,20 +20485,60 @@
           <a:p>
             <a:r>
               <a:rPr lang="en-US" dirty="0" smtClean="0"/>
-              <a:t>In Style set Template</a:t>
-            </a:r>
-          </a:p>
-          <a:p>
-            <a:endParaRPr lang="en-US" dirty="0"/>
+              <a:t>Move styles to resources </a:t>
+            </a:r>
           </a:p>
           <a:p>
             <a:r>
               <a:rPr lang="en-US" dirty="0" smtClean="0"/>
-              <a:t>This leads to a confusion on what the difference is between a Style and a Template</a:t>
+              <a:t>Move resources to resource dictionaries</a:t>
+            </a:r>
+          </a:p>
+          <a:p>
+            <a:r>
+              <a:rPr lang="en-US" dirty="0" err="1" smtClean="0"/>
+              <a:t>App.xaml</a:t>
+            </a:r>
+            <a:endParaRPr lang="en-US" dirty="0" smtClean="0"/>
+          </a:p>
+          <a:p>
+            <a:r>
+              <a:rPr lang="en-US" dirty="0" smtClean="0"/>
+              <a:t>Merged Dictionaries</a:t>
             </a:r>
           </a:p>
         </p:txBody>
       </p:sp>
+      <p:pic>
+        <p:nvPicPr>
+          <p:cNvPr id="4" name="Picture 3"/>
+          <p:cNvPicPr>
+            <a:picLocks noChangeAspect="1"/>
+          </p:cNvPicPr>
+          <p:nvPr/>
+        </p:nvPicPr>
+        <p:blipFill>
+          <a:blip r:embed="rId2">
+            <a:extLst>
+              <a:ext uri="{28A0092B-C50C-407E-A947-70E740481C1C}">
+                <a14:useLocalDpi xmlns:a14="http://schemas.microsoft.com/office/drawing/2010/main" val="0"/>
+              </a:ext>
+            </a:extLst>
+          </a:blip>
+          <a:stretch>
+            <a:fillRect/>
+          </a:stretch>
+        </p:blipFill>
+        <p:spPr>
+          <a:xfrm>
+            <a:off x="5105400" y="2895600"/>
+            <a:ext cx="2514600" cy="3352800"/>
+          </a:xfrm>
+          <a:prstGeom prst="rect">
+            <a:avLst/>
+          </a:prstGeom>
+        </p:spPr>
+      </p:pic>
     </p:spTree>
   </p:cSld>
   <p:clrMapOvr>
@@ -20658,7 +20581,7 @@
           <a:p>
             <a:r>
               <a:rPr lang="en-US" dirty="0" smtClean="0"/>
-              <a:t>Resources + Dictionaries</a:t>
+              <a:t>Anything can be a resource</a:t>
             </a:r>
             <a:endParaRPr lang="en-US" dirty="0"/>
           </a:p>
@@ -20681,27 +20604,33 @@
           <a:p>
             <a:r>
               <a:rPr lang="en-US" dirty="0" smtClean="0"/>
-              <a:t>Move styles to resources </a:t>
+              <a:t>Style</a:t>
             </a:r>
           </a:p>
           <a:p>
             <a:r>
               <a:rPr lang="en-US" dirty="0" smtClean="0"/>
-              <a:t>Move resources to resource dictionaries</a:t>
-            </a:r>
-          </a:p>
-          <a:p>
-            <a:r>
-              <a:rPr lang="en-US" dirty="0" err="1" smtClean="0"/>
-              <a:t>App.xaml</a:t>
-            </a:r>
-            <a:endParaRPr lang="en-US" dirty="0" smtClean="0"/>
+              <a:t>Template</a:t>
+            </a:r>
           </a:p>
           <a:p>
             <a:r>
               <a:rPr lang="en-US" dirty="0" smtClean="0"/>
-              <a:t>Merged Dictionaries</a:t>
-            </a:r>
+              <a:t>Converter</a:t>
+            </a:r>
+          </a:p>
+          <a:p>
+            <a:r>
+              <a:rPr lang="en-US" dirty="0" smtClean="0"/>
+              <a:t>Object</a:t>
+            </a:r>
+          </a:p>
+          <a:p>
+            <a:r>
+              <a:rPr lang="en-US" dirty="0" smtClean="0"/>
+              <a:t>Anything…</a:t>
+            </a:r>
+            <a:endParaRPr lang="en-US" dirty="0"/>
           </a:p>
         </p:txBody>
       </p:sp>
@@ -20714,7 +20643,7 @@
           <p:nvPr/>
         </p:nvPicPr>
         <p:blipFill>
-          <a:blip r:embed="rId2">
+          <a:blip r:embed="rId2" cstate="print">
             <a:extLst>
               <a:ext uri="{28A0092B-C50C-407E-A947-70E740481C1C}">
                 <a14:useLocalDpi xmlns:a14="http://schemas.microsoft.com/office/drawing/2010/main" val="0"/>
@@ -20727,8 +20656,8 @@
         </p:blipFill>
         <p:spPr>
           <a:xfrm>
-            <a:off x="5105400" y="2895600"/>
-            <a:ext cx="2514600" cy="3352800"/>
+            <a:off x="4495800" y="1600200"/>
+            <a:ext cx="3189732" cy="4317300"/>
           </a:xfrm>
           <a:prstGeom prst="rect">
             <a:avLst/>
@@ -20777,131 +20706,6 @@
           <a:p>
             <a:r>
               <a:rPr lang="en-US" dirty="0" smtClean="0"/>
-              <a:t>Anything can be a resource</a:t>
-            </a:r>
-            <a:endParaRPr lang="en-US" dirty="0"/>
-          </a:p>
-        </p:txBody>
-      </p:sp>
-      <p:sp>
-        <p:nvSpPr>
-          <p:cNvPr id="3" name="Content Placeholder 2"/>
-          <p:cNvSpPr>
-            <a:spLocks noGrp="1"/>
-          </p:cNvSpPr>
-          <p:nvPr>
-            <p:ph idx="1"/>
-          </p:nvPr>
-        </p:nvSpPr>
-        <p:spPr/>
-        <p:txBody>
-          <a:bodyPr/>
-          <a:lstStyle/>
-          <a:p>
-            <a:r>
-              <a:rPr lang="en-US" dirty="0" smtClean="0"/>
-              <a:t>Style</a:t>
-            </a:r>
-          </a:p>
-          <a:p>
-            <a:r>
-              <a:rPr lang="en-US" dirty="0" smtClean="0"/>
-              <a:t>Template</a:t>
-            </a:r>
-          </a:p>
-          <a:p>
-            <a:r>
-              <a:rPr lang="en-US" dirty="0" smtClean="0"/>
-              <a:t>Converter</a:t>
-            </a:r>
-          </a:p>
-          <a:p>
-            <a:r>
-              <a:rPr lang="en-US" dirty="0" smtClean="0"/>
-              <a:t>Object</a:t>
-            </a:r>
-          </a:p>
-          <a:p>
-            <a:r>
-              <a:rPr lang="en-US" dirty="0" smtClean="0"/>
-              <a:t>Anything…</a:t>
-            </a:r>
-            <a:endParaRPr lang="en-US" dirty="0"/>
-          </a:p>
-        </p:txBody>
-      </p:sp>
-      <p:pic>
-        <p:nvPicPr>
-          <p:cNvPr id="4" name="Picture 3"/>
-          <p:cNvPicPr>
-            <a:picLocks noChangeAspect="1"/>
-          </p:cNvPicPr>
-          <p:nvPr/>
-        </p:nvPicPr>
-        <p:blipFill>
-          <a:blip r:embed="rId2" cstate="print">
-            <a:extLst>
-              <a:ext uri="{28A0092B-C50C-407E-A947-70E740481C1C}">
-                <a14:useLocalDpi xmlns:a14="http://schemas.microsoft.com/office/drawing/2010/main" val="0"/>
-              </a:ext>
-            </a:extLst>
-          </a:blip>
-          <a:stretch>
-            <a:fillRect/>
-          </a:stretch>
-        </p:blipFill>
-        <p:spPr>
-          <a:xfrm>
-            <a:off x="4495800" y="1600200"/>
-            <a:ext cx="3189732" cy="4317300"/>
-          </a:xfrm>
-          <a:prstGeom prst="rect">
-            <a:avLst/>
-          </a:prstGeom>
-        </p:spPr>
-      </p:pic>
-    </p:spTree>
-  </p:cSld>
-  <p:clrMapOvr>
-    <a:masterClrMapping/>
-  </p:clrMapOvr>
-</p:sld>
-</file>
-
-<file path=ppt/slides/slide36.xml><?xml version="1.0" encoding="utf-8"?>
-<p:sld xmlns:a="http://schemas.openxmlformats.org/drawingml/2006/main" xmlns:r="http://schemas.openxmlformats.org/officeDocument/2006/relationships" xmlns:p="http://schemas.openxmlformats.org/presentationml/2006/main">
-  <p:cSld>
-    <p:spTree>
-      <p:nvGrpSpPr>
-        <p:cNvPr id="1" name=""/>
-        <p:cNvGrpSpPr/>
-        <p:nvPr/>
-      </p:nvGrpSpPr>
-      <p:grpSpPr>
-        <a:xfrm>
-          <a:off x="0" y="0"/>
-          <a:ext cx="0" cy="0"/>
-          <a:chOff x="0" y="0"/>
-          <a:chExt cx="0" cy="0"/>
-        </a:xfrm>
-      </p:grpSpPr>
-      <p:sp>
-        <p:nvSpPr>
-          <p:cNvPr id="2" name="Title 1"/>
-          <p:cNvSpPr>
-            <a:spLocks noGrp="1"/>
-          </p:cNvSpPr>
-          <p:nvPr>
-            <p:ph type="title"/>
-          </p:nvPr>
-        </p:nvSpPr>
-        <p:spPr/>
-        <p:txBody>
-          <a:bodyPr/>
-          <a:lstStyle/>
-          <a:p>
-            <a:r>
-              <a:rPr lang="en-US" dirty="0" smtClean="0"/>
               <a:t>Static </a:t>
             </a:r>
             <a:r>
@@ -20985,7 +20789,7 @@
 </p:sld>
 </file>
 
-<file path=ppt/slides/slide37.xml><?xml version="1.0" encoding="utf-8"?>
+<file path=ppt/slides/slide36.xml><?xml version="1.0" encoding="utf-8"?>
 <p:sld xmlns:a="http://schemas.openxmlformats.org/drawingml/2006/main" xmlns:r="http://schemas.openxmlformats.org/officeDocument/2006/relationships" xmlns:p="http://schemas.openxmlformats.org/presentationml/2006/main">
   <p:cSld>
     <p:spTree>
@@ -21248,7 +21052,7 @@
 </p:sld>
 </file>
 
-<file path=ppt/slides/slide38.xml><?xml version="1.0" encoding="utf-8"?>
+<file path=ppt/slides/slide37.xml><?xml version="1.0" encoding="utf-8"?>
 <p:sld xmlns:a="http://schemas.openxmlformats.org/drawingml/2006/main" xmlns:r="http://schemas.openxmlformats.org/officeDocument/2006/relationships" xmlns:p="http://schemas.openxmlformats.org/presentationml/2006/main">
   <p:cSld>
     <p:spTree>
@@ -21386,7 +21190,7 @@
 </p:sld>
 </file>
 
-<file path=ppt/slides/slide39.xml><?xml version="1.0" encoding="utf-8"?>
+<file path=ppt/slides/slide38.xml><?xml version="1.0" encoding="utf-8"?>
 <p:sld xmlns:a="http://schemas.openxmlformats.org/drawingml/2006/main" xmlns:r="http://schemas.openxmlformats.org/officeDocument/2006/relationships" xmlns:p="http://schemas.openxmlformats.org/presentationml/2006/main">
   <p:cSld>
     <p:spTree>
@@ -21513,6 +21317,87 @@
 </p:sld>
 </file>
 
+<file path=ppt/slides/slide39.xml><?xml version="1.0" encoding="utf-8"?>
+<p:sld xmlns:a="http://schemas.openxmlformats.org/drawingml/2006/main" xmlns:r="http://schemas.openxmlformats.org/officeDocument/2006/relationships" xmlns:p="http://schemas.openxmlformats.org/presentationml/2006/main">
+  <p:cSld>
+    <p:spTree>
+      <p:nvGrpSpPr>
+        <p:cNvPr id="1" name=""/>
+        <p:cNvGrpSpPr/>
+        <p:nvPr/>
+      </p:nvGrpSpPr>
+      <p:grpSpPr>
+        <a:xfrm>
+          <a:off x="0" y="0"/>
+          <a:ext cx="0" cy="0"/>
+          <a:chOff x="0" y="0"/>
+          <a:chExt cx="0" cy="0"/>
+        </a:xfrm>
+      </p:grpSpPr>
+      <p:sp>
+        <p:nvSpPr>
+          <p:cNvPr id="2" name="Title 1"/>
+          <p:cNvSpPr>
+            <a:spLocks noGrp="1"/>
+          </p:cNvSpPr>
+          <p:nvPr>
+            <p:ph type="title"/>
+          </p:nvPr>
+        </p:nvSpPr>
+        <p:spPr/>
+        <p:txBody>
+          <a:bodyPr/>
+          <a:lstStyle/>
+          <a:p>
+            <a:r>
+              <a:rPr lang="en-US" dirty="0" smtClean="0"/>
+              <a:t>Questions</a:t>
+            </a:r>
+            <a:endParaRPr lang="en-US" dirty="0"/>
+          </a:p>
+        </p:txBody>
+      </p:sp>
+      <p:sp>
+        <p:nvSpPr>
+          <p:cNvPr id="3" name="Content Placeholder 2"/>
+          <p:cNvSpPr>
+            <a:spLocks noGrp="1"/>
+          </p:cNvSpPr>
+          <p:nvPr>
+            <p:ph idx="1"/>
+          </p:nvPr>
+        </p:nvSpPr>
+        <p:spPr/>
+        <p:txBody>
+          <a:bodyPr anchor="ctr">
+            <a:noAutofit/>
+          </a:bodyPr>
+          <a:lstStyle/>
+          <a:p>
+            <a:pPr marL="0" indent="0" algn="ctr">
+              <a:buNone/>
+            </a:pPr>
+            <a:r>
+              <a:rPr lang="en-US" sz="40000" dirty="0" smtClean="0"/>
+              <a:t>?</a:t>
+            </a:r>
+            <a:endParaRPr lang="en-US" sz="40000" dirty="0"/>
+          </a:p>
+        </p:txBody>
+      </p:sp>
+    </p:spTree>
+    <p:extLst>
+      <p:ext uri="{BB962C8B-B14F-4D97-AF65-F5344CB8AC3E}">
+        <p14:creationId xmlns:p14="http://schemas.microsoft.com/office/powerpoint/2010/main" val="3648408088"/>
+      </p:ext>
+    </p:extLst>
+  </p:cSld>
+  <p:clrMapOvr>
+    <a:masterClrMapping/>
+  </p:clrMapOvr>
+</p:sld>
+</file>
+
 <file path=ppt/slides/slide4.xml><?xml version="1.0" encoding="utf-8"?>
 <p:sld xmlns:a="http://schemas.openxmlformats.org/drawingml/2006/main" xmlns:r="http://schemas.openxmlformats.org/officeDocument/2006/relationships" xmlns:p="http://schemas.openxmlformats.org/presentationml/2006/main">
   <p:cSld>
@@ -21547,7 +21432,7 @@
           <a:p>
             <a:r>
               <a:rPr lang="en-US" dirty="0" smtClean="0"/>
-              <a:t>Purpose</a:t>
+              <a:t>Demo Time!</a:t>
             </a:r>
             <a:endParaRPr lang="en-US" dirty="0"/>
           </a:p>
@@ -21570,28 +21455,48 @@
           <a:p>
             <a:r>
               <a:rPr lang="en-US" dirty="0" smtClean="0"/>
-              <a:t>Teach you something new</a:t>
-            </a:r>
+              <a:t>When we see this </a:t>
+            </a:r>
+          </a:p>
+          <a:p>
+            <a:endParaRPr lang="en-US" dirty="0"/>
+          </a:p>
+          <a:p>
+            <a:endParaRPr lang="en-US" dirty="0" smtClean="0"/>
           </a:p>
           <a:p>
             <a:r>
               <a:rPr lang="en-US" dirty="0" smtClean="0"/>
-              <a:t>Rethink something you thought you knew</a:t>
-            </a:r>
-          </a:p>
-          <a:p>
-            <a:r>
-              <a:rPr lang="en-US" dirty="0" smtClean="0"/>
-              <a:t>Have you examine how you see and work with </a:t>
-            </a:r>
-            <a:r>
-              <a:rPr lang="en-US" dirty="0" err="1" smtClean="0"/>
-              <a:t>Xaml</a:t>
+              <a:t>It means there it is time to jump into code</a:t>
             </a:r>
             <a:endParaRPr lang="en-US" dirty="0"/>
           </a:p>
         </p:txBody>
       </p:sp>
+      <p:pic>
+        <p:nvPicPr>
+          <p:cNvPr id="4" name="Picture 3" descr="visualstudio.jpg"/>
+          <p:cNvPicPr>
+            <a:picLocks noChangeAspect="1"/>
+          </p:cNvPicPr>
+          <p:nvPr/>
+        </p:nvPicPr>
+        <p:blipFill>
+          <a:blip r:embed="rId2" cstate="print"/>
+          <a:stretch>
+            <a:fillRect/>
+          </a:stretch>
+        </p:blipFill>
+        <p:spPr>
+          <a:xfrm>
+            <a:off x="3962400" y="2362200"/>
+            <a:ext cx="1304925" cy="781050"/>
+          </a:xfrm>
+          <a:prstGeom prst="rect">
+            <a:avLst/>
+          </a:prstGeom>
+        </p:spPr>
+      </p:pic>
     </p:spTree>
   </p:cSld>
   <p:clrMapOvr>
@@ -21634,7 +21539,7 @@
           <a:p>
             <a:r>
               <a:rPr lang="en-US" dirty="0" smtClean="0"/>
-              <a:t>Help! I’m not a designer!</a:t>
+              <a:t>Colors, brushes, and effects</a:t>
             </a:r>
             <a:endParaRPr lang="en-US" dirty="0"/>
           </a:p>
@@ -21661,7 +21566,7 @@
       </p:sp>
       <p:pic>
         <p:nvPicPr>
-          <p:cNvPr id="5" name="Picture 4"/>
+          <p:cNvPr id="6" name="Picture 5"/>
           <p:cNvPicPr>
             <a:picLocks noChangeAspect="1"/>
           </p:cNvPicPr>
@@ -21681,42 +21586,25 @@
         </p:blipFill>
         <p:spPr>
           <a:xfrm>
-            <a:off x="89460" y="228600"/>
-            <a:ext cx="5092140" cy="3378200"/>
+            <a:off x="4648200" y="381000"/>
+            <a:ext cx="4038600" cy="4038600"/>
           </a:xfrm>
-          <a:prstGeom prst="rect">
-            <a:avLst/>
+          <a:prstGeom prst="roundRect">
+            <a:avLst>
+              <a:gd name="adj" fmla="val 8594"/>
+            </a:avLst>
           </a:prstGeom>
-        </p:spPr>
-      </p:pic>
-      <p:pic>
-        <p:nvPicPr>
-          <p:cNvPr id="4" name="Picture 3"/>
-          <p:cNvPicPr>
-            <a:picLocks noChangeAspect="1"/>
-          </p:cNvPicPr>
-          <p:nvPr/>
-        </p:nvPicPr>
-        <p:blipFill>
-          <a:blip r:embed="rId3" cstate="print">
-            <a:extLst>
-              <a:ext uri="{28A0092B-C50C-407E-A947-70E740481C1C}">
-                <a14:useLocalDpi xmlns:a14="http://schemas.microsoft.com/office/drawing/2010/main" val="0"/>
-              </a:ext>
-            </a:extLst>
-          </a:blip>
-          <a:stretch>
-            <a:fillRect/>
-          </a:stretch>
-        </p:blipFill>
-        <p:spPr>
-          <a:xfrm>
-            <a:off x="5247074" y="1348740"/>
-            <a:ext cx="3921310" cy="2994660"/>
-          </a:xfrm>
-          <a:prstGeom prst="rect">
-            <a:avLst/>
-          </a:prstGeom>
+          <a:solidFill>
+            <a:srgbClr xmlns:mc="http://schemas.openxmlformats.org/markup-compatibility/2006" xmlns:a14="http://schemas.microsoft.com/office/drawing/2010/main" val="FFFFFF" mc:Ignorable="">
+              <a:shade val="85000"/>
+            </a:srgbClr>
+          </a:solidFill>
+          <a:ln>
+            <a:noFill/>
+          </a:ln>
+          <a:effectLst>
+            <a:reflection blurRad="12700" stA="38000" endPos="28000" dist="5000" dir="5400000" sy="-100000" algn="bl" rotWithShape="0"/>
+          </a:effectLst>
         </p:spPr>
       </p:pic>
     </p:spTree>
@@ -22722,6 +22610,87 @@
           <a:p>
             <a:r>
               <a:rPr lang="en-US" dirty="0" smtClean="0"/>
+              <a:t>Questions</a:t>
+            </a:r>
+            <a:endParaRPr lang="en-US" dirty="0"/>
+          </a:p>
+        </p:txBody>
+      </p:sp>
+      <p:sp>
+        <p:nvSpPr>
+          <p:cNvPr id="3" name="Content Placeholder 2"/>
+          <p:cNvSpPr>
+            <a:spLocks noGrp="1"/>
+          </p:cNvSpPr>
+          <p:nvPr>
+            <p:ph idx="1"/>
+          </p:nvPr>
+        </p:nvSpPr>
+        <p:spPr/>
+        <p:txBody>
+          <a:bodyPr anchor="ctr">
+            <a:noAutofit/>
+          </a:bodyPr>
+          <a:lstStyle/>
+          <a:p>
+            <a:pPr marL="0" indent="0" algn="ctr">
+              <a:buNone/>
+            </a:pPr>
+            <a:r>
+              <a:rPr lang="en-US" sz="40000" dirty="0" smtClean="0"/>
+              <a:t>?</a:t>
+            </a:r>
+            <a:endParaRPr lang="en-US" sz="40000" dirty="0"/>
+          </a:p>
+        </p:txBody>
+      </p:sp>
+    </p:spTree>
+    <p:extLst>
+      <p:ext uri="{BB962C8B-B14F-4D97-AF65-F5344CB8AC3E}">
+        <p14:creationId xmlns:p14="http://schemas.microsoft.com/office/powerpoint/2010/main" val="3648408088"/>
+      </p:ext>
+    </p:extLst>
+  </p:cSld>
+  <p:clrMapOvr>
+    <a:masterClrMapping/>
+  </p:clrMapOvr>
+</p:sld>
+</file>
+
+<file path=ppt/slides/slide49.xml><?xml version="1.0" encoding="utf-8"?>
+<p:sld xmlns:a="http://schemas.openxmlformats.org/drawingml/2006/main" xmlns:r="http://schemas.openxmlformats.org/officeDocument/2006/relationships" xmlns:p="http://schemas.openxmlformats.org/presentationml/2006/main">
+  <p:cSld>
+    <p:spTree>
+      <p:nvGrpSpPr>
+        <p:cNvPr id="1" name=""/>
+        <p:cNvGrpSpPr/>
+        <p:nvPr/>
+      </p:nvGrpSpPr>
+      <p:grpSpPr>
+        <a:xfrm>
+          <a:off x="0" y="0"/>
+          <a:ext cx="0" cy="0"/>
+          <a:chOff x="0" y="0"/>
+          <a:chExt cx="0" cy="0"/>
+        </a:xfrm>
+      </p:grpSpPr>
+      <p:sp>
+        <p:nvSpPr>
+          <p:cNvPr id="2" name="Title 1"/>
+          <p:cNvSpPr>
+            <a:spLocks noGrp="1"/>
+          </p:cNvSpPr>
+          <p:nvPr>
+            <p:ph type="title"/>
+          </p:nvPr>
+        </p:nvSpPr>
+        <p:spPr/>
+        <p:txBody>
+          <a:bodyPr/>
+          <a:lstStyle/>
+          <a:p>
+            <a:r>
+              <a:rPr lang="en-US" dirty="0" smtClean="0"/>
               <a:t>Semantic </a:t>
             </a:r>
             <a:r>
@@ -22819,89 +22788,6 @@
 </p:sld>
 </file>
 
-<file path=ppt/slides/slide49.xml><?xml version="1.0" encoding="utf-8"?>
-<p:sld xmlns:a="http://schemas.openxmlformats.org/drawingml/2006/main" xmlns:r="http://schemas.openxmlformats.org/officeDocument/2006/relationships" xmlns:p="http://schemas.openxmlformats.org/presentationml/2006/main">
-  <p:cSld>
-    <p:spTree>
-      <p:nvGrpSpPr>
-        <p:cNvPr id="1" name=""/>
-        <p:cNvGrpSpPr/>
-        <p:nvPr/>
-      </p:nvGrpSpPr>
-      <p:grpSpPr>
-        <a:xfrm>
-          <a:off x="0" y="0"/>
-          <a:ext cx="0" cy="0"/>
-          <a:chOff x="0" y="0"/>
-          <a:chExt cx="0" cy="0"/>
-        </a:xfrm>
-      </p:grpSpPr>
-      <p:sp>
-        <p:nvSpPr>
-          <p:cNvPr id="2" name="Title 1"/>
-          <p:cNvSpPr>
-            <a:spLocks noGrp="1"/>
-          </p:cNvSpPr>
-          <p:nvPr>
-            <p:ph type="title"/>
-          </p:nvPr>
-        </p:nvSpPr>
-        <p:spPr/>
-        <p:txBody>
-          <a:bodyPr/>
-          <a:lstStyle/>
-          <a:p>
-            <a:r>
-              <a:rPr lang="en-US" dirty="0" smtClean="0"/>
-              <a:t>UIX</a:t>
-            </a:r>
-            <a:endParaRPr lang="en-US" dirty="0"/>
-          </a:p>
-        </p:txBody>
-      </p:sp>
-      <p:pic>
-        <p:nvPicPr>
-          <p:cNvPr id="8" name="Picture 7"/>
-          <p:cNvPicPr>
-            <a:picLocks noChangeAspect="1"/>
-          </p:cNvPicPr>
-          <p:nvPr/>
-        </p:nvPicPr>
-        <p:blipFill>
-          <a:blip r:embed="rId2">
-            <a:extLst>
-              <a:ext uri="{28A0092B-C50C-407E-A947-70E740481C1C}">
-                <a14:useLocalDpi xmlns:a14="http://schemas.microsoft.com/office/drawing/2010/main" val="0"/>
-              </a:ext>
-            </a:extLst>
-          </a:blip>
-          <a:stretch>
-            <a:fillRect/>
-          </a:stretch>
-        </p:blipFill>
-        <p:spPr>
-          <a:xfrm>
-            <a:off x="990600" y="1447800"/>
-            <a:ext cx="6792924" cy="4506525"/>
-          </a:xfrm>
-          <a:prstGeom prst="rect">
-            <a:avLst/>
-          </a:prstGeom>
-        </p:spPr>
-      </p:pic>
-    </p:spTree>
-    <p:extLst>
-      <p:ext uri="{BB962C8B-B14F-4D97-AF65-F5344CB8AC3E}">
-        <p14:creationId xmlns:p14="http://schemas.microsoft.com/office/powerpoint/2010/main" val="4022636194"/>
-      </p:ext>
-    </p:extLst>
-  </p:cSld>
-  <p:clrMapOvr>
-    <a:masterClrMapping/>
-  </p:clrMapOvr>
-</p:sld>
-</file>
-
 <file path=ppt/slides/slide5.xml><?xml version="1.0" encoding="utf-8"?>
 <p:sld xmlns:a="http://schemas.openxmlformats.org/drawingml/2006/main" xmlns:r="http://schemas.openxmlformats.org/officeDocument/2006/relationships" xmlns:p="http://schemas.openxmlformats.org/presentationml/2006/main">
   <p:cSld>
@@ -22936,7 +22822,7 @@
           <a:p>
             <a:r>
               <a:rPr lang="en-US" dirty="0" smtClean="0"/>
-              <a:t>Demo Time!</a:t>
+              <a:t>Advanced?</a:t>
             </a:r>
             <a:endParaRPr lang="en-US" dirty="0"/>
           </a:p>
@@ -22959,48 +22845,36 @@
           <a:p>
             <a:r>
               <a:rPr lang="en-US" dirty="0" smtClean="0"/>
-              <a:t>When we see this </a:t>
+              <a:t>Do I need to know WPF? – No</a:t>
+            </a:r>
+          </a:p>
+          <a:p>
+            <a:r>
+              <a:rPr lang="en-US" dirty="0" smtClean="0"/>
+              <a:t>Can I follow along? – Yes</a:t>
+            </a:r>
+          </a:p>
+          <a:p>
+            <a:r>
+              <a:rPr lang="en-US" dirty="0" smtClean="0"/>
+              <a:t>When can I ask questions? – Anytime</a:t>
             </a:r>
           </a:p>
           <a:p>
             <a:endParaRPr lang="en-US" dirty="0"/>
           </a:p>
           <a:p>
-            <a:endParaRPr lang="en-US" dirty="0" smtClean="0"/>
-          </a:p>
-          <a:p>
+            <a:pPr>
+              <a:buNone/>
+            </a:pPr>
             <a:r>
               <a:rPr lang="en-US" dirty="0" smtClean="0"/>
-              <a:t>It means there it is time to jump into code</a:t>
+              <a:t>If someone can write a book on LINQ, then I can call this workshop advanced - JB</a:t>
             </a:r>
             <a:endParaRPr lang="en-US" dirty="0"/>
           </a:p>
         </p:txBody>
       </p:sp>
-      <p:pic>
-        <p:nvPicPr>
-          <p:cNvPr id="4" name="Picture 3" descr="visualstudio.jpg"/>
-          <p:cNvPicPr>
-            <a:picLocks noChangeAspect="1"/>
-          </p:cNvPicPr>
-          <p:nvPr/>
-        </p:nvPicPr>
-        <p:blipFill>
-          <a:blip r:embed="rId2" cstate="print"/>
-          <a:stretch>
-            <a:fillRect/>
-          </a:stretch>
-        </p:blipFill>
-        <p:spPr>
-          <a:xfrm>
-            <a:off x="3962400" y="2362200"/>
-            <a:ext cx="1304925" cy="781050"/>
-          </a:xfrm>
-          <a:prstGeom prst="rect">
-            <a:avLst/>
-          </a:prstGeom>
-        </p:spPr>
-      </p:pic>
     </p:spTree>
   </p:cSld>
   <p:clrMapOvr>
@@ -23010,6 +22884,119 @@
 </file>
 
 <file path=ppt/slides/slide50.xml><?xml version="1.0" encoding="utf-8"?>
+<p:sld xmlns:a="http://schemas.openxmlformats.org/drawingml/2006/main" xmlns:r="http://schemas.openxmlformats.org/officeDocument/2006/relationships" xmlns:p="http://schemas.openxmlformats.org/presentationml/2006/main">
+  <p:cSld>
+    <p:spTree>
+      <p:nvGrpSpPr>
+        <p:cNvPr id="1" name=""/>
+        <p:cNvGrpSpPr/>
+        <p:nvPr/>
+      </p:nvGrpSpPr>
+      <p:grpSpPr>
+        <a:xfrm>
+          <a:off x="0" y="0"/>
+          <a:ext cx="0" cy="0"/>
+          <a:chOff x="0" y="0"/>
+          <a:chExt cx="0" cy="0"/>
+        </a:xfrm>
+      </p:grpSpPr>
+      <p:sp>
+        <p:nvSpPr>
+          <p:cNvPr id="2" name="Title 1"/>
+          <p:cNvSpPr>
+            <a:spLocks noGrp="1"/>
+          </p:cNvSpPr>
+          <p:nvPr>
+            <p:ph type="title"/>
+          </p:nvPr>
+        </p:nvSpPr>
+        <p:spPr/>
+        <p:txBody>
+          <a:bodyPr/>
+          <a:lstStyle/>
+          <a:p>
+            <a:r>
+              <a:rPr lang="en-US" dirty="0" smtClean="0"/>
+              <a:t>UIX</a:t>
+            </a:r>
+            <a:endParaRPr lang="en-US" dirty="0"/>
+          </a:p>
+        </p:txBody>
+      </p:sp>
+      <p:pic>
+        <p:nvPicPr>
+          <p:cNvPr id="8" name="Picture 7"/>
+          <p:cNvPicPr>
+            <a:picLocks noChangeAspect="1"/>
+          </p:cNvPicPr>
+          <p:nvPr/>
+        </p:nvPicPr>
+        <p:blipFill>
+          <a:blip r:embed="rId2">
+            <a:extLst>
+              <a:ext uri="{28A0092B-C50C-407E-A947-70E740481C1C}">
+                <a14:useLocalDpi xmlns:a14="http://schemas.microsoft.com/office/drawing/2010/main" val="0"/>
+              </a:ext>
+            </a:extLst>
+          </a:blip>
+          <a:stretch>
+            <a:fillRect/>
+          </a:stretch>
+        </p:blipFill>
+        <p:spPr>
+          <a:xfrm>
+            <a:off x="304800" y="1143001"/>
+            <a:ext cx="6202456" cy="4114800"/>
+          </a:xfrm>
+          <a:prstGeom prst="rect">
+            <a:avLst/>
+          </a:prstGeom>
+        </p:spPr>
+      </p:pic>
+      <p:pic>
+        <p:nvPicPr>
+          <p:cNvPr id="4" name="Picture 3"/>
+          <p:cNvPicPr>
+            <a:picLocks noChangeAspect="1"/>
+          </p:cNvPicPr>
+          <p:nvPr/>
+        </p:nvPicPr>
+        <p:blipFill>
+          <a:blip r:embed="rId3" cstate="print">
+            <a:extLst>
+              <a:ext uri="{28A0092B-C50C-407E-A947-70E740481C1C}">
+                <a14:useLocalDpi xmlns:a14="http://schemas.microsoft.com/office/drawing/2010/main" val="0"/>
+              </a:ext>
+            </a:extLst>
+          </a:blip>
+          <a:stretch>
+            <a:fillRect/>
+          </a:stretch>
+        </p:blipFill>
+        <p:spPr>
+          <a:xfrm>
+            <a:off x="5029200" y="3429000"/>
+            <a:ext cx="3921310" cy="2994660"/>
+          </a:xfrm>
+          <a:prstGeom prst="rect">
+            <a:avLst/>
+          </a:prstGeom>
+        </p:spPr>
+      </p:pic>
+    </p:spTree>
+    <p:extLst>
+      <p:ext uri="{BB962C8B-B14F-4D97-AF65-F5344CB8AC3E}">
+        <p14:creationId xmlns:p14="http://schemas.microsoft.com/office/powerpoint/2010/main" val="4022636194"/>
+      </p:ext>
+    </p:extLst>
+  </p:cSld>
+  <p:clrMapOvr>
+    <a:masterClrMapping/>
+  </p:clrMapOvr>
+</p:sld>
+</file>
+
+<file path=ppt/slides/slide51.xml><?xml version="1.0" encoding="utf-8"?>
 <p:sld xmlns:a="http://schemas.openxmlformats.org/drawingml/2006/main" xmlns:r="http://schemas.openxmlformats.org/officeDocument/2006/relationships" xmlns:p="http://schemas.openxmlformats.org/presentationml/2006/main">
   <p:cSld>
     <p:spTree>
@@ -23145,7 +23132,7 @@
 </p:sld>
 </file>
 
-<file path=ppt/slides/slide51.xml><?xml version="1.0" encoding="utf-8"?>
+<file path=ppt/slides/slide52.xml><?xml version="1.0" encoding="utf-8"?>
 <p:sld xmlns:a="http://schemas.openxmlformats.org/drawingml/2006/main" xmlns:r="http://schemas.openxmlformats.org/officeDocument/2006/relationships" xmlns:p="http://schemas.openxmlformats.org/presentationml/2006/main">
   <p:cSld>
     <p:spTree>
@@ -23223,109 +23210,6 @@
 </p:sld>
 </file>
 
-<file path=ppt/slides/slide52.xml><?xml version="1.0" encoding="utf-8"?>
-<p:sld xmlns:a="http://schemas.openxmlformats.org/drawingml/2006/main" xmlns:r="http://schemas.openxmlformats.org/officeDocument/2006/relationships" xmlns:p="http://schemas.openxmlformats.org/presentationml/2006/main">
-  <p:cSld>
-    <p:spTree>
-      <p:nvGrpSpPr>
-        <p:cNvPr id="1" name=""/>
-        <p:cNvGrpSpPr/>
-        <p:nvPr/>
-      </p:nvGrpSpPr>
-      <p:grpSpPr>
-        <a:xfrm>
-          <a:off x="0" y="0"/>
-          <a:ext cx="0" cy="0"/>
-          <a:chOff x="0" y="0"/>
-          <a:chExt cx="0" cy="0"/>
-        </a:xfrm>
-      </p:grpSpPr>
-      <p:sp>
-        <p:nvSpPr>
-          <p:cNvPr id="2" name="Title 1"/>
-          <p:cNvSpPr>
-            <a:spLocks noGrp="1"/>
-          </p:cNvSpPr>
-          <p:nvPr>
-            <p:ph type="title"/>
-          </p:nvPr>
-        </p:nvSpPr>
-        <p:spPr/>
-        <p:txBody>
-          <a:bodyPr/>
-          <a:lstStyle/>
-          <a:p>
-            <a:r>
-              <a:rPr lang="en-US" dirty="0" smtClean="0"/>
-              <a:t>More to UIX than tech</a:t>
-            </a:r>
-            <a:endParaRPr lang="en-US" dirty="0"/>
-          </a:p>
-        </p:txBody>
-      </p:sp>
-      <p:sp>
-        <p:nvSpPr>
-          <p:cNvPr id="3" name="Content Placeholder 2"/>
-          <p:cNvSpPr>
-            <a:spLocks noGrp="1"/>
-          </p:cNvSpPr>
-          <p:nvPr>
-            <p:ph idx="1"/>
-          </p:nvPr>
-        </p:nvSpPr>
-        <p:spPr/>
-        <p:txBody>
-          <a:bodyPr/>
-          <a:lstStyle/>
-          <a:p>
-            <a:r>
-              <a:rPr lang="en-US" dirty="0" smtClean="0"/>
-              <a:t>Designer and Developer workflow is still broken</a:t>
-            </a:r>
-          </a:p>
-          <a:p>
-            <a:r>
-              <a:rPr lang="en-US" dirty="0" smtClean="0"/>
-              <a:t>UI Work is</a:t>
-            </a:r>
-          </a:p>
-          <a:p>
-            <a:pPr lvl="1"/>
-            <a:r>
-              <a:rPr lang="en-US" dirty="0" smtClean="0"/>
-              <a:t>Expensive</a:t>
-            </a:r>
-          </a:p>
-          <a:p>
-            <a:pPr lvl="1"/>
-            <a:r>
-              <a:rPr lang="en-US" dirty="0" smtClean="0"/>
-              <a:t>Time consuming</a:t>
-            </a:r>
-          </a:p>
-          <a:p>
-            <a:pPr lvl="1"/>
-            <a:r>
-              <a:rPr lang="en-US" dirty="0" smtClean="0"/>
-              <a:t>Painful</a:t>
-            </a:r>
-            <a:endParaRPr lang="en-US" dirty="0"/>
-          </a:p>
-        </p:txBody>
-      </p:sp>
-    </p:spTree>
-    <p:extLst>
-      <p:ext uri="{BB962C8B-B14F-4D97-AF65-F5344CB8AC3E}">
-        <p14:creationId xmlns:p14="http://schemas.microsoft.com/office/powerpoint/2010/main" val="582545834"/>
-      </p:ext>
-    </p:extLst>
-  </p:cSld>
-  <p:clrMapOvr>
-    <a:masterClrMapping/>
-  </p:clrMapOvr>
-</p:sld>
-</file>
-
 <file path=ppt/slides/slide53.xml><?xml version="1.0" encoding="utf-8"?>
 <p:sld xmlns:a="http://schemas.openxmlformats.org/drawingml/2006/main" xmlns:r="http://schemas.openxmlformats.org/officeDocument/2006/relationships" xmlns:p="http://schemas.openxmlformats.org/presentationml/2006/main">
   <p:cSld>
@@ -23360,7 +23244,15 @@
           <a:p>
             <a:r>
               <a:rPr lang="en-US" dirty="0" smtClean="0"/>
-              <a:t>Why?</a:t>
+              <a:t>More </a:t>
+            </a:r>
+            <a:r>
+              <a:rPr lang="en-US" dirty="0" smtClean="0"/>
+              <a:t>about UIX </a:t>
+            </a:r>
+            <a:r>
+              <a:rPr lang="en-US" dirty="0" smtClean="0"/>
+              <a:t>than tech</a:t>
             </a:r>
             <a:endParaRPr lang="en-US" dirty="0"/>
           </a:p>
@@ -23383,6 +23275,109 @@
           <a:p>
             <a:r>
               <a:rPr lang="en-US" dirty="0" smtClean="0"/>
+              <a:t>Designer and Developer workflow is still broken</a:t>
+            </a:r>
+          </a:p>
+          <a:p>
+            <a:r>
+              <a:rPr lang="en-US" dirty="0" smtClean="0"/>
+              <a:t>UI Work is</a:t>
+            </a:r>
+          </a:p>
+          <a:p>
+            <a:pPr lvl="1"/>
+            <a:r>
+              <a:rPr lang="en-US" dirty="0" smtClean="0"/>
+              <a:t>Expensive</a:t>
+            </a:r>
+          </a:p>
+          <a:p>
+            <a:pPr lvl="1"/>
+            <a:r>
+              <a:rPr lang="en-US" dirty="0" smtClean="0"/>
+              <a:t>Time consuming</a:t>
+            </a:r>
+          </a:p>
+          <a:p>
+            <a:pPr lvl="1"/>
+            <a:r>
+              <a:rPr lang="en-US" dirty="0" smtClean="0"/>
+              <a:t>Painful</a:t>
+            </a:r>
+            <a:endParaRPr lang="en-US" dirty="0"/>
+          </a:p>
+        </p:txBody>
+      </p:sp>
+    </p:spTree>
+    <p:extLst>
+      <p:ext uri="{BB962C8B-B14F-4D97-AF65-F5344CB8AC3E}">
+        <p14:creationId xmlns:p14="http://schemas.microsoft.com/office/powerpoint/2010/main" val="582545834"/>
+      </p:ext>
+    </p:extLst>
+  </p:cSld>
+  <p:clrMapOvr>
+    <a:masterClrMapping/>
+  </p:clrMapOvr>
+</p:sld>
+</file>
+
+<file path=ppt/slides/slide54.xml><?xml version="1.0" encoding="utf-8"?>
+<p:sld xmlns:a="http://schemas.openxmlformats.org/drawingml/2006/main" xmlns:r="http://schemas.openxmlformats.org/officeDocument/2006/relationships" xmlns:p="http://schemas.openxmlformats.org/presentationml/2006/main">
+  <p:cSld>
+    <p:spTree>
+      <p:nvGrpSpPr>
+        <p:cNvPr id="1" name=""/>
+        <p:cNvGrpSpPr/>
+        <p:nvPr/>
+      </p:nvGrpSpPr>
+      <p:grpSpPr>
+        <a:xfrm>
+          <a:off x="0" y="0"/>
+          <a:ext cx="0" cy="0"/>
+          <a:chOff x="0" y="0"/>
+          <a:chExt cx="0" cy="0"/>
+        </a:xfrm>
+      </p:grpSpPr>
+      <p:sp>
+        <p:nvSpPr>
+          <p:cNvPr id="2" name="Title 1"/>
+          <p:cNvSpPr>
+            <a:spLocks noGrp="1"/>
+          </p:cNvSpPr>
+          <p:nvPr>
+            <p:ph type="title"/>
+          </p:nvPr>
+        </p:nvSpPr>
+        <p:spPr/>
+        <p:txBody>
+          <a:bodyPr/>
+          <a:lstStyle/>
+          <a:p>
+            <a:r>
+              <a:rPr lang="en-US" dirty="0" smtClean="0"/>
+              <a:t>Why?</a:t>
+            </a:r>
+            <a:endParaRPr lang="en-US" dirty="0"/>
+          </a:p>
+        </p:txBody>
+      </p:sp>
+      <p:sp>
+        <p:nvSpPr>
+          <p:cNvPr id="3" name="Content Placeholder 2"/>
+          <p:cNvSpPr>
+            <a:spLocks noGrp="1"/>
+          </p:cNvSpPr>
+          <p:nvPr>
+            <p:ph idx="1"/>
+          </p:nvPr>
+        </p:nvSpPr>
+        <p:spPr/>
+        <p:txBody>
+          <a:bodyPr/>
+          <a:lstStyle/>
+          <a:p>
+            <a:r>
+              <a:rPr lang="en-US" dirty="0" smtClean="0"/>
               <a:t>WPF and XAML is not designer friendly</a:t>
             </a:r>
           </a:p>
@@ -23411,7 +23406,7 @@
 </p:sld>
 </file>
 
-<file path=ppt/slides/slide54.xml><?xml version="1.0" encoding="utf-8"?>
+<file path=ppt/slides/slide55.xml><?xml version="1.0" encoding="utf-8"?>
 <p:sld xmlns:a="http://schemas.openxmlformats.org/drawingml/2006/main" xmlns:r="http://schemas.openxmlformats.org/officeDocument/2006/relationships" xmlns:p="http://schemas.openxmlformats.org/presentationml/2006/main">
   <p:cSld>
     <p:spTree>
@@ -23492,96 +23487,6 @@
 </p:sld>
 </file>
 
-<file path=ppt/slides/slide55.xml><?xml version="1.0" encoding="utf-8"?>
-<p:sld xmlns:a="http://schemas.openxmlformats.org/drawingml/2006/main" xmlns:r="http://schemas.openxmlformats.org/officeDocument/2006/relationships" xmlns:p="http://schemas.openxmlformats.org/presentationml/2006/main">
-  <p:cSld>
-    <p:spTree>
-      <p:nvGrpSpPr>
-        <p:cNvPr id="1" name=""/>
-        <p:cNvGrpSpPr/>
-        <p:nvPr/>
-      </p:nvGrpSpPr>
-      <p:grpSpPr>
-        <a:xfrm>
-          <a:off x="0" y="0"/>
-          <a:ext cx="0" cy="0"/>
-          <a:chOff x="0" y="0"/>
-          <a:chExt cx="0" cy="0"/>
-        </a:xfrm>
-      </p:grpSpPr>
-      <p:sp>
-        <p:nvSpPr>
-          <p:cNvPr id="2" name="Title 1"/>
-          <p:cNvSpPr>
-            <a:spLocks noGrp="1"/>
-          </p:cNvSpPr>
-          <p:nvPr>
-            <p:ph type="title"/>
-          </p:nvPr>
-        </p:nvSpPr>
-        <p:spPr/>
-        <p:txBody>
-          <a:bodyPr/>
-          <a:lstStyle/>
-          <a:p>
-            <a:r>
-              <a:rPr lang="en-US" dirty="0" smtClean="0"/>
-              <a:t>Blend</a:t>
-            </a:r>
-            <a:endParaRPr lang="en-US" dirty="0"/>
-          </a:p>
-        </p:txBody>
-      </p:sp>
-      <p:sp>
-        <p:nvSpPr>
-          <p:cNvPr id="3" name="Content Placeholder 2"/>
-          <p:cNvSpPr>
-            <a:spLocks noGrp="1"/>
-          </p:cNvSpPr>
-          <p:nvPr>
-            <p:ph idx="1"/>
-          </p:nvPr>
-        </p:nvSpPr>
-        <p:spPr/>
-        <p:txBody>
-          <a:bodyPr/>
-          <a:lstStyle/>
-          <a:p>
-            <a:r>
-              <a:rPr lang="en-US" dirty="0" smtClean="0"/>
-              <a:t>No Visual Editor will help (relate to web)</a:t>
-            </a:r>
-          </a:p>
-          <a:p>
-            <a:r>
-              <a:rPr lang="en-US" dirty="0" smtClean="0"/>
-              <a:t>Do web designers use Dreamweaver?</a:t>
-            </a:r>
-          </a:p>
-          <a:p>
-            <a:pPr lvl="1"/>
-            <a:r>
-              <a:rPr lang="en-US" dirty="0" smtClean="0"/>
-              <a:t>“The good ones don’t”</a:t>
-            </a:r>
-          </a:p>
-          <a:p>
-            <a:r>
-              <a:rPr lang="en-US" dirty="0" smtClean="0"/>
-              <a:t>No editor has adequately solved the problem of converting what the designer sees into meaningful markup</a:t>
-            </a:r>
-            <a:endParaRPr lang="en-US" dirty="0"/>
-          </a:p>
-        </p:txBody>
-      </p:sp>
-    </p:spTree>
-  </p:cSld>
-  <p:clrMapOvr>
-    <a:masterClrMapping/>
-  </p:clrMapOvr>
-</p:sld>
-</file>
-
 <file path=ppt/slides/slide56.xml><?xml version="1.0" encoding="utf-8"?>
 <p:sld xmlns:a="http://schemas.openxmlformats.org/drawingml/2006/main" xmlns:r="http://schemas.openxmlformats.org/officeDocument/2006/relationships" xmlns:p="http://schemas.openxmlformats.org/presentationml/2006/main">
   <p:cSld>
@@ -23615,8 +23520,8 @@
           <a:lstStyle/>
           <a:p>
             <a:r>
-              <a:rPr lang="en-US" dirty="0" err="1" smtClean="0"/>
-              <a:t>Blendability</a:t>
+              <a:rPr lang="en-US" dirty="0" smtClean="0"/>
+              <a:t>Blend</a:t>
             </a:r>
             <a:endParaRPr lang="en-US" dirty="0"/>
           </a:p>
@@ -23637,30 +23542,28 @@
           <a:bodyPr/>
           <a:lstStyle/>
           <a:p>
-            <a:pPr>
-              <a:buNone/>
-            </a:pPr>
             <a:r>
               <a:rPr lang="en-US" dirty="0" smtClean="0"/>
-              <a:t>“You can’t do that because it doesn’t work in Blend”</a:t>
-            </a:r>
-          </a:p>
-          <a:p>
-            <a:pPr>
-              <a:buNone/>
-            </a:pPr>
-            <a:endParaRPr lang="en-US" dirty="0" smtClean="0"/>
+              <a:t>No Visual Editor will help (relate to web)</a:t>
+            </a:r>
           </a:p>
           <a:p>
             <a:r>
               <a:rPr lang="en-US" dirty="0" smtClean="0"/>
-              <a:t>The ability of a M-V-VM or an application to be open in Blend</a:t>
-            </a:r>
-          </a:p>
-          <a:p>
+              <a:t>Do web designers use Dreamweaver?</a:t>
+            </a:r>
+          </a:p>
+          <a:p>
+            <a:pPr lvl="1"/>
             <a:r>
               <a:rPr lang="en-US" dirty="0" smtClean="0"/>
-              <a:t>Ward Bell : Of Tailors and Tooling</a:t>
+              <a:t>“The good ones don’t”</a:t>
+            </a:r>
+          </a:p>
+          <a:p>
+            <a:r>
+              <a:rPr lang="en-US" dirty="0" smtClean="0"/>
+              <a:t>No editor has adequately solved the problem of converting what the designer sees into meaningful markup</a:t>
             </a:r>
             <a:endParaRPr lang="en-US" dirty="0"/>
           </a:p>
@@ -23708,6 +23611,98 @@
           <a:p>
             <a:r>
               <a:rPr lang="en-US" dirty="0" err="1" smtClean="0"/>
+              <a:t>Blendability</a:t>
+            </a:r>
+            <a:endParaRPr lang="en-US" dirty="0"/>
+          </a:p>
+        </p:txBody>
+      </p:sp>
+      <p:sp>
+        <p:nvSpPr>
+          <p:cNvPr id="3" name="Content Placeholder 2"/>
+          <p:cNvSpPr>
+            <a:spLocks noGrp="1"/>
+          </p:cNvSpPr>
+          <p:nvPr>
+            <p:ph idx="1"/>
+          </p:nvPr>
+        </p:nvSpPr>
+        <p:spPr/>
+        <p:txBody>
+          <a:bodyPr/>
+          <a:lstStyle/>
+          <a:p>
+            <a:pPr>
+              <a:buNone/>
+            </a:pPr>
+            <a:r>
+              <a:rPr lang="en-US" dirty="0" smtClean="0"/>
+              <a:t>“You can’t do that because it doesn’t work in Blend”</a:t>
+            </a:r>
+          </a:p>
+          <a:p>
+            <a:pPr>
+              <a:buNone/>
+            </a:pPr>
+            <a:endParaRPr lang="en-US" dirty="0" smtClean="0"/>
+          </a:p>
+          <a:p>
+            <a:r>
+              <a:rPr lang="en-US" dirty="0" smtClean="0"/>
+              <a:t>The ability of a M-V-VM or an application to be open in Blend</a:t>
+            </a:r>
+          </a:p>
+          <a:p>
+            <a:r>
+              <a:rPr lang="en-US" dirty="0" smtClean="0"/>
+              <a:t>Ward Bell : Of Tailors and Tooling</a:t>
+            </a:r>
+            <a:endParaRPr lang="en-US" dirty="0"/>
+          </a:p>
+        </p:txBody>
+      </p:sp>
+    </p:spTree>
+  </p:cSld>
+  <p:clrMapOvr>
+    <a:masterClrMapping/>
+  </p:clrMapOvr>
+</p:sld>
+</file>
+
+<file path=ppt/slides/slide58.xml><?xml version="1.0" encoding="utf-8"?>
+<p:sld xmlns:a="http://schemas.openxmlformats.org/drawingml/2006/main" xmlns:r="http://schemas.openxmlformats.org/officeDocument/2006/relationships" xmlns:p="http://schemas.openxmlformats.org/presentationml/2006/main">
+  <p:cSld>
+    <p:spTree>
+      <p:nvGrpSpPr>
+        <p:cNvPr id="1" name=""/>
+        <p:cNvGrpSpPr/>
+        <p:nvPr/>
+      </p:nvGrpSpPr>
+      <p:grpSpPr>
+        <a:xfrm>
+          <a:off x="0" y="0"/>
+          <a:ext cx="0" cy="0"/>
+          <a:chOff x="0" y="0"/>
+          <a:chExt cx="0" cy="0"/>
+        </a:xfrm>
+      </p:grpSpPr>
+      <p:sp>
+        <p:nvSpPr>
+          <p:cNvPr id="2" name="Title 1"/>
+          <p:cNvSpPr>
+            <a:spLocks noGrp="1"/>
+          </p:cNvSpPr>
+          <p:nvPr>
+            <p:ph type="title"/>
+          </p:nvPr>
+        </p:nvSpPr>
+        <p:spPr/>
+        <p:txBody>
+          <a:bodyPr/>
+          <a:lstStyle/>
+          <a:p>
+            <a:r>
+              <a:rPr lang="en-US" dirty="0" err="1" smtClean="0"/>
               <a:t>Devigners</a:t>
             </a:r>
             <a:endParaRPr lang="en-US" dirty="0"/>
@@ -23752,8 +23747,8 @@
         </p:nvSpPr>
         <p:spPr>
           <a:xfrm>
-            <a:off x="304800" y="1871990"/>
-            <a:ext cx="2282997" cy="523220"/>
+            <a:off x="1047302" y="2890706"/>
+            <a:ext cx="1162498" cy="523220"/>
           </a:xfrm>
           <a:prstGeom prst="rect">
             <a:avLst/>
@@ -23781,11 +23776,7 @@
           <a:p>
             <a:r>
               <a:rPr lang="en-US" sz="2800" dirty="0" smtClean="0"/>
-              <a:t>See the </a:t>
-            </a:r>
-            <a:r>
-              <a:rPr lang="en-US" sz="2800" dirty="0" err="1" smtClean="0"/>
-              <a:t>xaml</a:t>
+              <a:t>XAML</a:t>
             </a:r>
             <a:endParaRPr lang="en-US" sz="2800" dirty="0"/>
           </a:p>
@@ -23799,8 +23790,8 @@
         </p:nvSpPr>
         <p:spPr>
           <a:xfrm>
-            <a:off x="6629400" y="4419600"/>
-            <a:ext cx="2584362" cy="523220"/>
+            <a:off x="7364278" y="2890706"/>
+            <a:ext cx="1305165" cy="523220"/>
           </a:xfrm>
           <a:prstGeom prst="rect">
             <a:avLst/>
@@ -23828,7 +23819,7 @@
           <a:p>
             <a:r>
               <a:rPr lang="en-US" sz="2800" dirty="0" smtClean="0"/>
-              <a:t>See the design</a:t>
+              <a:t>Design</a:t>
             </a:r>
             <a:endParaRPr lang="en-US" sz="2800" dirty="0"/>
           </a:p>
@@ -23935,7 +23926,7 @@
 </p:sld>
 </file>
 
-<file path=ppt/slides/slide58.xml><?xml version="1.0" encoding="utf-8"?>
+<file path=ppt/slides/slide59.xml><?xml version="1.0" encoding="utf-8"?>
 <p:sld xmlns:a="http://schemas.openxmlformats.org/drawingml/2006/main" xmlns:r="http://schemas.openxmlformats.org/officeDocument/2006/relationships" xmlns:p="http://schemas.openxmlformats.org/presentationml/2006/main">
   <p:cSld>
     <p:spTree>
@@ -24012,17 +24003,8 @@
             </a:pPr>
             <a:r>
               <a:rPr lang="en-US" dirty="0" smtClean="0"/>
-              <a:t>Anything </a:t>
-            </a:r>
-            <a:r>
-              <a:rPr lang="en-US" dirty="0" smtClean="0"/>
-              <a:t>you can do I can do </a:t>
-            </a:r>
-            <a:r>
-              <a:rPr lang="en-US" dirty="0" smtClean="0"/>
-              <a:t>better</a:t>
-            </a:r>
-            <a:endParaRPr lang="en-US" dirty="0" smtClean="0"/>
+              <a:t>Anything you can do I can do better</a:t>
+            </a:r>
           </a:p>
         </p:txBody>
       </p:sp>
@@ -24094,161 +24076,6 @@
 </p:sld>
 </file>
 
-<file path=ppt/slides/slide59.xml><?xml version="1.0" encoding="utf-8"?>
-<p:sld xmlns:a="http://schemas.openxmlformats.org/drawingml/2006/main" xmlns:r="http://schemas.openxmlformats.org/officeDocument/2006/relationships" xmlns:p="http://schemas.openxmlformats.org/presentationml/2006/main">
-  <p:cSld>
-    <p:spTree>
-      <p:nvGrpSpPr>
-        <p:cNvPr id="1" name=""/>
-        <p:cNvGrpSpPr/>
-        <p:nvPr/>
-      </p:nvGrpSpPr>
-      <p:grpSpPr>
-        <a:xfrm>
-          <a:off x="0" y="0"/>
-          <a:ext cx="0" cy="0"/>
-          <a:chOff x="0" y="0"/>
-          <a:chExt cx="0" cy="0"/>
-        </a:xfrm>
-      </p:grpSpPr>
-      <p:sp>
-        <p:nvSpPr>
-          <p:cNvPr id="2" name="Title 1"/>
-          <p:cNvSpPr>
-            <a:spLocks noGrp="1"/>
-          </p:cNvSpPr>
-          <p:nvPr>
-            <p:ph type="title"/>
-          </p:nvPr>
-        </p:nvSpPr>
-        <p:spPr/>
-        <p:txBody>
-          <a:bodyPr/>
-          <a:lstStyle/>
-          <a:p>
-            <a:r>
-              <a:rPr lang="en-US" dirty="0" smtClean="0"/>
-              <a:t>Change</a:t>
-            </a:r>
-            <a:endParaRPr lang="en-US" dirty="0"/>
-          </a:p>
-        </p:txBody>
-      </p:sp>
-      <p:sp>
-        <p:nvSpPr>
-          <p:cNvPr id="3" name="Content Placeholder 2"/>
-          <p:cNvSpPr>
-            <a:spLocks noGrp="1"/>
-          </p:cNvSpPr>
-          <p:nvPr>
-            <p:ph idx="1"/>
-          </p:nvPr>
-        </p:nvSpPr>
-        <p:spPr/>
-        <p:txBody>
-          <a:bodyPr/>
-          <a:lstStyle/>
-          <a:p>
-            <a:r>
-              <a:rPr lang="en-US" dirty="0" smtClean="0"/>
-              <a:t>Reconsider old fashioned ideas</a:t>
-            </a:r>
-          </a:p>
-          <a:p>
-            <a:r>
-              <a:rPr lang="en-US" dirty="0" smtClean="0"/>
-              <a:t>Don’t think drag and drop</a:t>
-            </a:r>
-          </a:p>
-          <a:p>
-            <a:endParaRPr lang="en-US" dirty="0"/>
-          </a:p>
-          <a:p>
-            <a:endParaRPr lang="en-US" dirty="0"/>
-          </a:p>
-        </p:txBody>
-      </p:sp>
-      <p:sp>
-        <p:nvSpPr>
-          <p:cNvPr id="5" name="TextBox 4"/>
-          <p:cNvSpPr txBox="1"/>
-          <p:nvPr/>
-        </p:nvSpPr>
-        <p:spPr>
-          <a:xfrm>
-            <a:off x="228600" y="3048000"/>
-            <a:ext cx="5562600" cy="1754326"/>
-          </a:xfrm>
-          <a:prstGeom prst="rect">
-            <a:avLst/>
-          </a:prstGeom>
-          <a:noFill/>
-        </p:spPr>
-        <p:txBody>
-          <a:bodyPr wrap="square" rtlCol="0">
-            <a:spAutoFit/>
-          </a:bodyPr>
-          <a:lstStyle/>
-          <a:p>
-            <a:r>
-              <a:rPr lang="en-US" sz="3600" dirty="0" smtClean="0"/>
-              <a:t>You </a:t>
-            </a:r>
-            <a:r>
-              <a:rPr lang="en-US" sz="3600" dirty="0"/>
-              <a:t>must unlearn what you have </a:t>
-            </a:r>
-            <a:r>
-              <a:rPr lang="en-US" sz="3600" dirty="0" smtClean="0"/>
-              <a:t>learned </a:t>
-            </a:r>
-            <a:r>
-              <a:rPr lang="en-US" sz="3600" dirty="0"/>
-              <a:t>- Yoda</a:t>
-            </a:r>
-          </a:p>
-          <a:p>
-            <a:endParaRPr lang="en-US" sz="3600" dirty="0"/>
-          </a:p>
-        </p:txBody>
-      </p:sp>
-      <p:pic>
-        <p:nvPicPr>
-          <p:cNvPr id="6" name="Picture 5"/>
-          <p:cNvPicPr>
-            <a:picLocks noChangeAspect="1"/>
-          </p:cNvPicPr>
-          <p:nvPr/>
-        </p:nvPicPr>
-        <p:blipFill>
-          <a:blip r:embed="rId2" cstate="print"/>
-          <a:stretch>
-            <a:fillRect/>
-          </a:stretch>
-        </p:blipFill>
-        <p:spPr>
-          <a:xfrm>
-            <a:off x="5943600" y="2362200"/>
-            <a:ext cx="2660904" cy="3367554"/>
-          </a:xfrm>
-          <a:prstGeom prst="rect">
-            <a:avLst/>
-          </a:prstGeom>
-        </p:spPr>
-      </p:pic>
-    </p:spTree>
-    <p:extLst>
-      <p:ext uri="{BB962C8B-B14F-4D97-AF65-F5344CB8AC3E}">
-        <p14:creationId xmlns:p14="http://schemas.microsoft.com/office/powerpoint/2010/main" val="2794339980"/>
-      </p:ext>
-    </p:extLst>
-  </p:cSld>
-  <p:clrMapOvr>
-    <a:masterClrMapping/>
-  </p:clrMapOvr>
-</p:sld>
-</file>
-
 <file path=ppt/slides/slide6.xml><?xml version="1.0" encoding="utf-8"?>
 <p:sld xmlns:a="http://schemas.openxmlformats.org/drawingml/2006/main" xmlns:r="http://schemas.openxmlformats.org/officeDocument/2006/relationships" xmlns:p="http://schemas.openxmlformats.org/presentationml/2006/main">
   <p:cSld>
@@ -24283,7 +24110,7 @@
           <a:p>
             <a:r>
               <a:rPr lang="en-US" dirty="0" smtClean="0"/>
-              <a:t>Advanced?</a:t>
+              <a:t>Revisit dependencies</a:t>
             </a:r>
             <a:endParaRPr lang="en-US" dirty="0"/>
           </a:p>
@@ -24291,12 +24118,12 @@
       </p:sp>
       <p:sp>
         <p:nvSpPr>
-          <p:cNvPr id="3" name="Content Placeholder 2"/>
+          <p:cNvPr id="3" name="Text Placeholder 2"/>
           <p:cNvSpPr>
             <a:spLocks noGrp="1"/>
           </p:cNvSpPr>
           <p:nvPr>
-            <p:ph idx="1"/>
+            <p:ph type="body" idx="1"/>
           </p:nvPr>
         </p:nvSpPr>
         <p:spPr/>
@@ -24304,35 +24131,7 @@
           <a:bodyPr/>
           <a:lstStyle/>
           <a:p>
-            <a:r>
-              <a:rPr lang="en-US" dirty="0" smtClean="0"/>
-              <a:t>Do I need to know WPF? – No</a:t>
-            </a:r>
-          </a:p>
-          <a:p>
-            <a:r>
-              <a:rPr lang="en-US" dirty="0" smtClean="0"/>
-              <a:t>Can I follow along? – Yes</a:t>
-            </a:r>
-          </a:p>
-          <a:p>
-            <a:r>
-              <a:rPr lang="en-US" dirty="0" smtClean="0"/>
-              <a:t>When can I ask questions? – Anytime</a:t>
-            </a:r>
-          </a:p>
-          <a:p>
-            <a:endParaRPr lang="en-US" dirty="0"/>
-          </a:p>
-          <a:p>
-            <a:pPr>
-              <a:buNone/>
-            </a:pPr>
-            <a:r>
-              <a:rPr lang="en-US" dirty="0" smtClean="0"/>
-              <a:t>If someone can write a book on LINQ, then I can call this workshop advanced - JB</a:t>
-            </a:r>
-            <a:endParaRPr lang="en-US" dirty="0"/>
+            <a:endParaRPr lang="en-US"/>
           </a:p>
         </p:txBody>
       </p:sp>
@@ -24378,29 +24177,120 @@
           <a:p>
             <a:r>
               <a:rPr lang="en-US" dirty="0" smtClean="0"/>
-              <a:t>WPF Truth</a:t>
+              <a:t>Change</a:t>
             </a:r>
             <a:endParaRPr lang="en-US" dirty="0"/>
           </a:p>
         </p:txBody>
       </p:sp>
-      <p:graphicFrame>
-        <p:nvGraphicFramePr>
-          <p:cNvPr id="4" name="Diagram 3"/>
-          <p:cNvGraphicFramePr/>
+      <p:sp>
+        <p:nvSpPr>
+          <p:cNvPr id="3" name="Content Placeholder 2"/>
+          <p:cNvSpPr>
+            <a:spLocks noGrp="1"/>
+          </p:cNvSpPr>
+          <p:nvPr>
+            <p:ph idx="1"/>
+          </p:nvPr>
+        </p:nvSpPr>
+        <p:spPr/>
+        <p:txBody>
+          <a:bodyPr/>
+          <a:lstStyle/>
+          <a:p>
+            <a:r>
+              <a:rPr lang="en-US" dirty="0" smtClean="0"/>
+              <a:t>Reconsider old fashioned ideas</a:t>
+            </a:r>
+          </a:p>
+          <a:p>
+            <a:r>
+              <a:rPr lang="en-US" dirty="0" smtClean="0"/>
+              <a:t>Don’t think drag and drop</a:t>
+            </a:r>
+          </a:p>
+          <a:p>
+            <a:endParaRPr lang="en-US" dirty="0"/>
+          </a:p>
+          <a:p>
+            <a:endParaRPr lang="en-US" dirty="0"/>
+          </a:p>
+        </p:txBody>
+      </p:sp>
+      <p:sp>
+        <p:nvSpPr>
+          <p:cNvPr id="5" name="TextBox 4"/>
+          <p:cNvSpPr txBox="1"/>
           <p:nvPr/>
-        </p:nvGraphicFramePr>
-        <p:xfrm>
-          <a:off x="1524000" y="1397000"/>
-          <a:ext cx="6096000" cy="4064000"/>
-        </p:xfrm>
-        <a:graphic>
-          <a:graphicData uri="http://schemas.openxmlformats.org/drawingml/2006/diagram">
-            <dgm:relIds xmlns:dgm="http://schemas.openxmlformats.org/drawingml/2006/diagram" xmlns:r="http://schemas.openxmlformats.org/officeDocument/2006/relationships" r:dm="rId2" r:lo="rId3" r:qs="rId4" r:cs="rId5"/>
-          </a:graphicData>
-        </a:graphic>
-      </p:graphicFrame>
+        </p:nvSpPr>
+        <p:spPr>
+          <a:xfrm>
+            <a:off x="228600" y="3048000"/>
+            <a:ext cx="5562600" cy="1754326"/>
+          </a:xfrm>
+          <a:prstGeom prst="rect">
+            <a:avLst/>
+          </a:prstGeom>
+          <a:noFill/>
+        </p:spPr>
+        <p:txBody>
+          <a:bodyPr wrap="square" rtlCol="0">
+            <a:spAutoFit/>
+          </a:bodyPr>
+          <a:lstStyle/>
+          <a:p>
+            <a:r>
+              <a:rPr lang="en-US" sz="3600" dirty="0" smtClean="0"/>
+              <a:t>You </a:t>
+            </a:r>
+            <a:r>
+              <a:rPr lang="en-US" sz="3600" dirty="0"/>
+              <a:t>must unlearn what you have </a:t>
+            </a:r>
+            <a:r>
+              <a:rPr lang="en-US" sz="3600" dirty="0" smtClean="0"/>
+              <a:t>learned </a:t>
+            </a:r>
+            <a:r>
+              <a:rPr lang="en-US" sz="3600" dirty="0"/>
+              <a:t>- Yoda</a:t>
+            </a:r>
+          </a:p>
+          <a:p>
+            <a:endParaRPr lang="en-US" sz="3600" dirty="0"/>
+          </a:p>
+        </p:txBody>
+      </p:sp>
+      <p:pic>
+        <p:nvPicPr>
+          <p:cNvPr id="6" name="Picture 5"/>
+          <p:cNvPicPr>
+            <a:picLocks noChangeAspect="1"/>
+          </p:cNvPicPr>
+          <p:nvPr/>
+        </p:nvPicPr>
+        <p:blipFill>
+          <a:blip r:embed="rId2" cstate="print"/>
+          <a:stretch>
+            <a:fillRect/>
+          </a:stretch>
+        </p:blipFill>
+        <p:spPr>
+          <a:xfrm>
+            <a:off x="5943600" y="2362200"/>
+            <a:ext cx="2660904" cy="3367554"/>
+          </a:xfrm>
+          <a:prstGeom prst="rect">
+            <a:avLst/>
+          </a:prstGeom>
+        </p:spPr>
+      </p:pic>
     </p:spTree>
+    <p:extLst>
+      <p:ext uri="{BB962C8B-B14F-4D97-AF65-F5344CB8AC3E}">
+        <p14:creationId xmlns:p14="http://schemas.microsoft.com/office/powerpoint/2010/main" val="2794339980"/>
+      </p:ext>
+    </p:extLst>
   </p:cSld>
   <p:clrMapOvr>
     <a:masterClrMapping/>
@@ -24442,55 +24332,28 @@
           <a:p>
             <a:r>
               <a:rPr lang="en-US" dirty="0" smtClean="0"/>
-              <a:t>Clean </a:t>
-            </a:r>
-            <a:r>
-              <a:rPr lang="en-US" dirty="0" err="1" smtClean="0"/>
-              <a:t>Xaml</a:t>
+              <a:t>WPF Truth</a:t>
             </a:r>
             <a:endParaRPr lang="en-US" dirty="0"/>
           </a:p>
         </p:txBody>
       </p:sp>
-      <p:sp>
-        <p:nvSpPr>
-          <p:cNvPr id="3" name="Content Placeholder 2"/>
-          <p:cNvSpPr>
-            <a:spLocks noGrp="1"/>
-          </p:cNvSpPr>
-          <p:nvPr>
-            <p:ph idx="1"/>
-          </p:nvPr>
-        </p:nvSpPr>
-        <p:spPr/>
-        <p:txBody>
-          <a:bodyPr/>
-          <a:lstStyle/>
-          <a:p>
-            <a:r>
-              <a:rPr lang="en-US" dirty="0" smtClean="0"/>
-              <a:t>We get upset if our classes are heavily nested and over 1k lines long but have no issue with our </a:t>
-            </a:r>
-            <a:r>
-              <a:rPr lang="en-US" dirty="0" err="1" smtClean="0"/>
-              <a:t>xaml</a:t>
-            </a:r>
-            <a:r>
-              <a:rPr lang="en-US" dirty="0" smtClean="0"/>
-              <a:t> files?</a:t>
-            </a:r>
-          </a:p>
-          <a:p>
-            <a:r>
-              <a:rPr lang="en-US" dirty="0" smtClean="0"/>
-              <a:t>Adding nested elements increases the likelihood of errors creeping in during design</a:t>
-            </a:r>
-          </a:p>
-          <a:p>
-            <a:endParaRPr lang="en-US" dirty="0"/>
-          </a:p>
-        </p:txBody>
-      </p:sp>
+      <p:graphicFrame>
+        <p:nvGraphicFramePr>
+          <p:cNvPr id="4" name="Diagram 3"/>
+          <p:cNvGraphicFramePr/>
+          <p:nvPr/>
+        </p:nvGraphicFramePr>
+        <p:xfrm>
+          <a:off x="1524000" y="1397000"/>
+          <a:ext cx="6096000" cy="4064000"/>
+        </p:xfrm>
+        <a:graphic>
+          <a:graphicData uri="http://schemas.openxmlformats.org/drawingml/2006/diagram">
+            <dgm:relIds xmlns:dgm="http://schemas.openxmlformats.org/drawingml/2006/diagram" xmlns:r="http://schemas.openxmlformats.org/officeDocument/2006/relationships" r:dm="rId2" r:lo="rId3" r:qs="rId4" r:cs="rId5"/>
+          </a:graphicData>
+        </a:graphic>
+      </p:graphicFrame>
     </p:spTree>
   </p:cSld>
   <p:clrMapOvr>
@@ -24533,7 +24396,11 @@
           <a:p>
             <a:r>
               <a:rPr lang="en-US" dirty="0" smtClean="0"/>
-              <a:t>Visual Editor = Code Gen</a:t>
+              <a:t>Clean </a:t>
+            </a:r>
+            <a:r>
+              <a:rPr lang="en-US" dirty="0" err="1" smtClean="0"/>
+              <a:t>Xaml</a:t>
             </a:r>
             <a:endParaRPr lang="en-US" dirty="0"/>
           </a:p>
@@ -24549,99 +24416,32 @@
             <p:ph idx="1"/>
           </p:nvPr>
         </p:nvSpPr>
-        <p:spPr>
-          <a:xfrm>
-            <a:off x="457200" y="1600201"/>
-            <a:ext cx="8305800" cy="1905000"/>
-          </a:xfrm>
-        </p:spPr>
+        <p:spPr/>
         <p:txBody>
           <a:bodyPr/>
           <a:lstStyle/>
           <a:p>
             <a:r>
               <a:rPr lang="en-US" dirty="0" smtClean="0"/>
-              <a:t>We should have the same hesitation over using a visual editor as we do using code generation. </a:t>
-            </a:r>
-          </a:p>
-          <a:p>
-            <a:endParaRPr lang="en-US" dirty="0" smtClean="0"/>
-          </a:p>
-          <a:p>
-            <a:endParaRPr lang="en-US" dirty="0" smtClean="0"/>
-          </a:p>
-        </p:txBody>
-      </p:sp>
-      <p:sp>
-        <p:nvSpPr>
-          <p:cNvPr id="4" name="TextBox 3"/>
-          <p:cNvSpPr txBox="1"/>
-          <p:nvPr/>
-        </p:nvSpPr>
-        <p:spPr>
-          <a:xfrm>
-            <a:off x="762000" y="3581400"/>
-            <a:ext cx="7543800" cy="2062103"/>
-          </a:xfrm>
-          <a:prstGeom prst="rect">
-            <a:avLst/>
-          </a:prstGeom>
-        </p:spPr>
-        <p:style>
-          <a:lnRef idx="1">
-            <a:schemeClr val="accent1"/>
-          </a:lnRef>
-          <a:fillRef idx="2">
-            <a:schemeClr val="accent1"/>
-          </a:fillRef>
-          <a:effectRef idx="1">
-            <a:schemeClr val="accent1"/>
-          </a:effectRef>
-          <a:fontRef idx="minor">
-            <a:schemeClr val="dk1"/>
-          </a:fontRef>
-        </p:style>
-        <p:txBody>
-          <a:bodyPr wrap="square" rtlCol="0">
-            <a:spAutoFit/>
-          </a:bodyPr>
-          <a:lstStyle/>
-          <a:p>
-            <a:pPr lvl="1"/>
-            <a:r>
-              <a:rPr lang="en-US" sz="3200" dirty="0"/>
-              <a:t>All </a:t>
-            </a:r>
-            <a:r>
-              <a:rPr lang="en-US" sz="3200" dirty="0" err="1"/>
+              <a:t>We get upset if our classes are heavily nested and over 1k lines long but have no issue with our </a:t>
+            </a:r>
+            <a:r>
+              <a:rPr lang="en-US" dirty="0" err="1" smtClean="0"/>
               <a:t>xaml</a:t>
             </a:r>
             <a:r>
-              <a:rPr lang="en-US" sz="3200" dirty="0"/>
-              <a:t> is code</a:t>
-            </a:r>
-          </a:p>
-          <a:p>
-            <a:pPr lvl="1"/>
-            <a:r>
-              <a:rPr lang="en-US" sz="3200" dirty="0"/>
-              <a:t>All visual editors generate </a:t>
-            </a:r>
-            <a:r>
-              <a:rPr lang="en-US" sz="3200" dirty="0" err="1"/>
-              <a:t>xaml</a:t>
-            </a:r>
-            <a:endParaRPr lang="en-US" sz="3200" dirty="0"/>
-          </a:p>
-          <a:p>
-            <a:pPr lvl="1"/>
-            <a:r>
-              <a:rPr lang="en-US" sz="3200" dirty="0"/>
-              <a:t>Then all visual editors generate code</a:t>
-            </a:r>
-          </a:p>
-          <a:p>
-            <a:endParaRPr lang="en-US" sz="3200" dirty="0"/>
+              <a:rPr lang="en-US" dirty="0" smtClean="0"/>
+              <a:t> files?</a:t>
+            </a:r>
+          </a:p>
+          <a:p>
+            <a:r>
+              <a:rPr lang="en-US" dirty="0" smtClean="0"/>
+              <a:t>Adding nested elements increases the likelihood of errors creeping in during design</a:t>
+            </a:r>
+          </a:p>
+          <a:p>
+            <a:endParaRPr lang="en-US" dirty="0"/>
           </a:p>
         </p:txBody>
       </p:sp>
@@ -24687,7 +24487,7 @@
           <a:p>
             <a:r>
               <a:rPr lang="en-US" dirty="0" smtClean="0"/>
-              <a:t>ML = Markup Language</a:t>
+              <a:t>Visual Editor = Code Gen</a:t>
             </a:r>
             <a:endParaRPr lang="en-US" dirty="0"/>
           </a:p>
@@ -24703,33 +24503,99 @@
             <p:ph idx="1"/>
           </p:nvPr>
         </p:nvSpPr>
-        <p:spPr/>
+        <p:spPr>
+          <a:xfrm>
+            <a:off x="457200" y="1600201"/>
+            <a:ext cx="8305800" cy="1905000"/>
+          </a:xfrm>
+        </p:spPr>
         <p:txBody>
           <a:bodyPr/>
           <a:lstStyle/>
           <a:p>
             <a:r>
               <a:rPr lang="en-US" dirty="0" smtClean="0"/>
-              <a:t>If XAML is a markup, what other markup language do we know of?</a:t>
-            </a:r>
-          </a:p>
-          <a:p>
-            <a:r>
-              <a:rPr lang="en-US" dirty="0" smtClean="0"/>
-              <a:t>HTML!</a:t>
-            </a:r>
-          </a:p>
-          <a:p>
-            <a:r>
-              <a:rPr lang="en-US" dirty="0" smtClean="0"/>
-              <a:t>We should learn from the web </a:t>
-            </a:r>
-          </a:p>
-          <a:p>
-            <a:r>
-              <a:rPr lang="en-US" dirty="0" smtClean="0"/>
-              <a:t>The web has YEARS of UI markup experience</a:t>
-            </a:r>
+              <a:t>We should have the same hesitation over using a visual editor as we do using code generation. </a:t>
+            </a:r>
+          </a:p>
+          <a:p>
+            <a:endParaRPr lang="en-US" dirty="0" smtClean="0"/>
+          </a:p>
+          <a:p>
+            <a:endParaRPr lang="en-US" dirty="0" smtClean="0"/>
+          </a:p>
+        </p:txBody>
+      </p:sp>
+      <p:sp>
+        <p:nvSpPr>
+          <p:cNvPr id="4" name="TextBox 3"/>
+          <p:cNvSpPr txBox="1"/>
+          <p:nvPr/>
+        </p:nvSpPr>
+        <p:spPr>
+          <a:xfrm>
+            <a:off x="762000" y="3581400"/>
+            <a:ext cx="7543800" cy="2062103"/>
+          </a:xfrm>
+          <a:prstGeom prst="rect">
+            <a:avLst/>
+          </a:prstGeom>
+        </p:spPr>
+        <p:style>
+          <a:lnRef idx="1">
+            <a:schemeClr val="accent1"/>
+          </a:lnRef>
+          <a:fillRef idx="2">
+            <a:schemeClr val="accent1"/>
+          </a:fillRef>
+          <a:effectRef idx="1">
+            <a:schemeClr val="accent1"/>
+          </a:effectRef>
+          <a:fontRef idx="minor">
+            <a:schemeClr val="dk1"/>
+          </a:fontRef>
+        </p:style>
+        <p:txBody>
+          <a:bodyPr wrap="square" rtlCol="0">
+            <a:spAutoFit/>
+          </a:bodyPr>
+          <a:lstStyle/>
+          <a:p>
+            <a:pPr lvl="1"/>
+            <a:r>
+              <a:rPr lang="en-US" sz="3200" dirty="0"/>
+              <a:t>All </a:t>
+            </a:r>
+            <a:r>
+              <a:rPr lang="en-US" sz="3200" dirty="0" err="1"/>
+              <a:t>xaml</a:t>
+            </a:r>
+            <a:r>
+              <a:rPr lang="en-US" sz="3200" dirty="0"/>
+              <a:t> is code</a:t>
+            </a:r>
+          </a:p>
+          <a:p>
+            <a:pPr lvl="1"/>
+            <a:r>
+              <a:rPr lang="en-US" sz="3200" dirty="0"/>
+              <a:t>All visual editors generate </a:t>
+            </a:r>
+            <a:r>
+              <a:rPr lang="en-US" sz="3200" dirty="0" err="1"/>
+              <a:t>xaml</a:t>
+            </a:r>
+            <a:endParaRPr lang="en-US" sz="3200" dirty="0"/>
+          </a:p>
+          <a:p>
+            <a:pPr lvl="1"/>
+            <a:r>
+              <a:rPr lang="en-US" sz="3200" dirty="0"/>
+              <a:t>Then all visual editors generate code</a:t>
+            </a:r>
+          </a:p>
+          <a:p>
+            <a:endParaRPr lang="en-US" sz="3200" dirty="0"/>
           </a:p>
         </p:txBody>
       </p:sp>
@@ -24775,7 +24641,7 @@
           <a:p>
             <a:r>
               <a:rPr lang="en-US" dirty="0" smtClean="0"/>
-              <a:t>Semantics</a:t>
+              <a:t>ML = Markup Language</a:t>
             </a:r>
             <a:endParaRPr lang="en-US" dirty="0"/>
           </a:p>
@@ -24796,39 +24662,32 @@
           <a:bodyPr/>
           <a:lstStyle/>
           <a:p>
-            <a:pPr>
-              <a:buNone/>
-            </a:pPr>
-            <a:r>
-              <a:rPr lang="en-US" dirty="0"/>
-              <a:t>In markup, semantics is concerned with the meaning of an element and how that element describes that content it contains </a:t>
-            </a:r>
-          </a:p>
-          <a:p>
-            <a:pPr>
-              <a:buNone/>
-            </a:pPr>
-            <a:r>
-              <a:rPr lang="en-US" dirty="0"/>
-              <a:t>				– Molly </a:t>
-            </a:r>
-            <a:r>
-              <a:rPr lang="en-US" dirty="0" err="1"/>
-              <a:t>Holzschlag</a:t>
-            </a:r>
-            <a:endParaRPr lang="en-US" dirty="0"/>
-          </a:p>
-          <a:p>
-            <a:endParaRPr lang="en-US" dirty="0"/>
+            <a:r>
+              <a:rPr lang="en-US" dirty="0" smtClean="0"/>
+              <a:t>If XAML is a markup, what other markup language do we know of?</a:t>
+            </a:r>
+          </a:p>
+          <a:p>
+            <a:r>
+              <a:rPr lang="en-US" dirty="0" smtClean="0"/>
+              <a:t>HTML!</a:t>
+            </a:r>
+          </a:p>
+          <a:p>
+            <a:r>
+              <a:rPr lang="en-US" dirty="0" smtClean="0"/>
+              <a:t>We should learn from the web </a:t>
+            </a:r>
+          </a:p>
+          <a:p>
+            <a:r>
+              <a:rPr lang="en-US" dirty="0" smtClean="0"/>
+              <a:t>The web has YEARS of UI markup experience</a:t>
+            </a:r>
           </a:p>
         </p:txBody>
       </p:sp>
     </p:spTree>
-    <p:extLst>
-      <p:ext uri="{BB962C8B-B14F-4D97-AF65-F5344CB8AC3E}">
-        <p14:creationId xmlns:p14="http://schemas.microsoft.com/office/powerpoint/2010/main" val="2277484368"/>
-      </p:ext>
-    </p:extLst>
   </p:cSld>
   <p:clrMapOvr>
     <a:masterClrMapping/>
@@ -24870,7 +24729,7 @@
           <a:p>
             <a:r>
               <a:rPr lang="en-US" dirty="0" smtClean="0"/>
-              <a:t>Why Semantics</a:t>
+              <a:t>Semantics</a:t>
             </a:r>
             <a:endParaRPr lang="en-US" dirty="0"/>
           </a:p>
@@ -24891,6 +24750,101 @@
           <a:bodyPr/>
           <a:lstStyle/>
           <a:p>
+            <a:pPr>
+              <a:buNone/>
+            </a:pPr>
+            <a:r>
+              <a:rPr lang="en-US" dirty="0"/>
+              <a:t>In markup, semantics is concerned with the meaning of an element and how that element describes that content it contains </a:t>
+            </a:r>
+          </a:p>
+          <a:p>
+            <a:pPr>
+              <a:buNone/>
+            </a:pPr>
+            <a:r>
+              <a:rPr lang="en-US" dirty="0"/>
+              <a:t>				– Molly </a:t>
+            </a:r>
+            <a:r>
+              <a:rPr lang="en-US" dirty="0" err="1"/>
+              <a:t>Holzschlag</a:t>
+            </a:r>
+            <a:endParaRPr lang="en-US" dirty="0"/>
+          </a:p>
+          <a:p>
+            <a:endParaRPr lang="en-US" dirty="0"/>
+          </a:p>
+        </p:txBody>
+      </p:sp>
+    </p:spTree>
+    <p:extLst>
+      <p:ext uri="{BB962C8B-B14F-4D97-AF65-F5344CB8AC3E}">
+        <p14:creationId xmlns:p14="http://schemas.microsoft.com/office/powerpoint/2010/main" val="2277484368"/>
+      </p:ext>
+    </p:extLst>
+  </p:cSld>
+  <p:clrMapOvr>
+    <a:masterClrMapping/>
+  </p:clrMapOvr>
+</p:sld>
+</file>
+
+<file path=ppt/slides/slide66.xml><?xml version="1.0" encoding="utf-8"?>
+<p:sld xmlns:a="http://schemas.openxmlformats.org/drawingml/2006/main" xmlns:r="http://schemas.openxmlformats.org/officeDocument/2006/relationships" xmlns:p="http://schemas.openxmlformats.org/presentationml/2006/main">
+  <p:cSld>
+    <p:spTree>
+      <p:nvGrpSpPr>
+        <p:cNvPr id="1" name=""/>
+        <p:cNvGrpSpPr/>
+        <p:nvPr/>
+      </p:nvGrpSpPr>
+      <p:grpSpPr>
+        <a:xfrm>
+          <a:off x="0" y="0"/>
+          <a:ext cx="0" cy="0"/>
+          <a:chOff x="0" y="0"/>
+          <a:chExt cx="0" cy="0"/>
+        </a:xfrm>
+      </p:grpSpPr>
+      <p:sp>
+        <p:nvSpPr>
+          <p:cNvPr id="2" name="Title 1"/>
+          <p:cNvSpPr>
+            <a:spLocks noGrp="1"/>
+          </p:cNvSpPr>
+          <p:nvPr>
+            <p:ph type="title"/>
+          </p:nvPr>
+        </p:nvSpPr>
+        <p:spPr/>
+        <p:txBody>
+          <a:bodyPr/>
+          <a:lstStyle/>
+          <a:p>
+            <a:r>
+              <a:rPr lang="en-US" dirty="0" smtClean="0"/>
+              <a:t>Why Semantics</a:t>
+            </a:r>
+            <a:endParaRPr lang="en-US" dirty="0"/>
+          </a:p>
+        </p:txBody>
+      </p:sp>
+      <p:sp>
+        <p:nvSpPr>
+          <p:cNvPr id="3" name="Content Placeholder 2"/>
+          <p:cNvSpPr>
+            <a:spLocks noGrp="1"/>
+          </p:cNvSpPr>
+          <p:nvPr>
+            <p:ph idx="1"/>
+          </p:nvPr>
+        </p:nvSpPr>
+        <p:spPr/>
+        <p:txBody>
+          <a:bodyPr/>
+          <a:lstStyle/>
+          <a:p>
             <a:r>
               <a:rPr lang="en-US" dirty="0" smtClean="0"/>
               <a:t>Meaningful markup and structure simplifies design</a:t>
@@ -24931,7 +24885,7 @@
 </p:sld>
 </file>
 
-<file path=ppt/slides/slide66.xml><?xml version="1.0" encoding="utf-8"?>
+<file path=ppt/slides/slide67.xml><?xml version="1.0" encoding="utf-8"?>
 <p:sld xmlns:a="http://schemas.openxmlformats.org/drawingml/2006/main" xmlns:r="http://schemas.openxmlformats.org/officeDocument/2006/relationships" xmlns:p="http://schemas.openxmlformats.org/presentationml/2006/main">
   <p:cSld>
     <p:spTree>
@@ -25157,7 +25111,7 @@
 </p:sld>
 </file>
 
-<file path=ppt/slides/slide67.xml><?xml version="1.0" encoding="utf-8"?>
+<file path=ppt/slides/slide68.xml><?xml version="1.0" encoding="utf-8"?>
 <p:sld xmlns:a="http://schemas.openxmlformats.org/drawingml/2006/main" xmlns:r="http://schemas.openxmlformats.org/officeDocument/2006/relationships" xmlns:p="http://schemas.openxmlformats.org/presentationml/2006/main">
   <p:cSld>
     <p:spTree>
@@ -25229,7 +25183,7 @@
 </p:sld>
 </file>
 
-<file path=ppt/slides/slide68.xml><?xml version="1.0" encoding="utf-8"?>
+<file path=ppt/slides/slide69.xml><?xml version="1.0" encoding="utf-8"?>
 <p:sld xmlns:a="http://schemas.openxmlformats.org/drawingml/2006/main" xmlns:r="http://schemas.openxmlformats.org/officeDocument/2006/relationships" xmlns:p="http://schemas.openxmlformats.org/presentationml/2006/main">
   <p:cSld>
     <p:spTree>
@@ -25318,7 +25272,89 @@
 </p:sld>
 </file>
 
-<file path=ppt/slides/slide69.xml><?xml version="1.0" encoding="utf-8"?>
+<file path=ppt/slides/slide7.xml><?xml version="1.0" encoding="utf-8"?>
+<p:sld xmlns:a="http://schemas.openxmlformats.org/drawingml/2006/main" xmlns:r="http://schemas.openxmlformats.org/officeDocument/2006/relationships" xmlns:p="http://schemas.openxmlformats.org/presentationml/2006/main">
+  <p:cSld>
+    <p:spTree>
+      <p:nvGrpSpPr>
+        <p:cNvPr id="1" name=""/>
+        <p:cNvGrpSpPr/>
+        <p:nvPr/>
+      </p:nvGrpSpPr>
+      <p:grpSpPr>
+        <a:xfrm>
+          <a:off x="0" y="0"/>
+          <a:ext cx="0" cy="0"/>
+          <a:chOff x="0" y="0"/>
+          <a:chExt cx="0" cy="0"/>
+        </a:xfrm>
+      </p:grpSpPr>
+      <p:sp>
+        <p:nvSpPr>
+          <p:cNvPr id="2" name="Title 1"/>
+          <p:cNvSpPr>
+            <a:spLocks noGrp="1"/>
+          </p:cNvSpPr>
+          <p:nvPr>
+            <p:ph type="title"/>
+          </p:nvPr>
+        </p:nvSpPr>
+        <p:spPr/>
+        <p:txBody>
+          <a:bodyPr>
+            <a:normAutofit/>
+          </a:bodyPr>
+          <a:lstStyle/>
+          <a:p>
+            <a:r>
+              <a:rPr lang="en-US" dirty="0" smtClean="0"/>
+              <a:t>What is a Dependency Object?</a:t>
+            </a:r>
+            <a:endParaRPr lang="en-US" dirty="0"/>
+          </a:p>
+        </p:txBody>
+      </p:sp>
+      <p:sp>
+        <p:nvSpPr>
+          <p:cNvPr id="3" name="Content Placeholder 2"/>
+          <p:cNvSpPr>
+            <a:spLocks noGrp="1"/>
+          </p:cNvSpPr>
+          <p:nvPr>
+            <p:ph idx="1"/>
+          </p:nvPr>
+        </p:nvSpPr>
+        <p:spPr>
+          <a:xfrm>
+            <a:off x="457200" y="1600201"/>
+            <a:ext cx="8229600" cy="1143000"/>
+          </a:xfrm>
+        </p:spPr>
+        <p:txBody>
+          <a:bodyPr>
+            <a:normAutofit fontScale="92500"/>
+          </a:bodyPr>
+          <a:lstStyle/>
+          <a:p>
+            <a:pPr>
+              <a:buNone/>
+            </a:pPr>
+            <a:r>
+              <a:rPr lang="en-US" dirty="0" smtClean="0"/>
+              <a:t>The base class for any object that can support dependency properties. – WPF Unleashed</a:t>
+            </a:r>
+          </a:p>
+        </p:txBody>
+      </p:sp>
+    </p:spTree>
+  </p:cSld>
+  <p:clrMapOvr>
+    <a:masterClrMapping/>
+  </p:clrMapOvr>
+</p:sld>
+</file>
+
+<file path=ppt/slides/slide70.xml><?xml version="1.0" encoding="utf-8"?>
 <p:sld xmlns:a="http://schemas.openxmlformats.org/drawingml/2006/main" xmlns:r="http://schemas.openxmlformats.org/officeDocument/2006/relationships" xmlns:p="http://schemas.openxmlformats.org/presentationml/2006/main">
   <p:cSld>
     <p:spTree>
@@ -25414,74 +25450,7 @@
 </p:sld>
 </file>
 
-<file path=ppt/slides/slide7.xml><?xml version="1.0" encoding="utf-8"?>
-<p:sld xmlns:a="http://schemas.openxmlformats.org/drawingml/2006/main" xmlns:r="http://schemas.openxmlformats.org/officeDocument/2006/relationships" xmlns:p="http://schemas.openxmlformats.org/presentationml/2006/main">
-  <p:cSld>
-    <p:spTree>
-      <p:nvGrpSpPr>
-        <p:cNvPr id="1" name=""/>
-        <p:cNvGrpSpPr/>
-        <p:nvPr/>
-      </p:nvGrpSpPr>
-      <p:grpSpPr>
-        <a:xfrm>
-          <a:off x="0" y="0"/>
-          <a:ext cx="0" cy="0"/>
-          <a:chOff x="0" y="0"/>
-          <a:chExt cx="0" cy="0"/>
-        </a:xfrm>
-      </p:grpSpPr>
-      <p:sp>
-        <p:nvSpPr>
-          <p:cNvPr id="2" name="Title 1"/>
-          <p:cNvSpPr>
-            <a:spLocks noGrp="1"/>
-          </p:cNvSpPr>
-          <p:nvPr>
-            <p:ph type="title"/>
-          </p:nvPr>
-        </p:nvSpPr>
-        <p:spPr/>
-        <p:txBody>
-          <a:bodyPr/>
-          <a:lstStyle/>
-          <a:p>
-            <a:r>
-              <a:rPr lang="en-US" dirty="0" smtClean="0"/>
-              <a:t>Where do we start?</a:t>
-            </a:r>
-            <a:endParaRPr lang="en-US" dirty="0"/>
-          </a:p>
-        </p:txBody>
-      </p:sp>
-      <p:sp>
-        <p:nvSpPr>
-          <p:cNvPr id="3" name="Content Placeholder 2"/>
-          <p:cNvSpPr>
-            <a:spLocks noGrp="1"/>
-          </p:cNvSpPr>
-          <p:nvPr>
-            <p:ph idx="1"/>
-          </p:nvPr>
-        </p:nvSpPr>
-        <p:spPr/>
-        <p:txBody>
-          <a:bodyPr/>
-          <a:lstStyle/>
-          <a:p>
-            <a:endParaRPr lang="en-US" dirty="0"/>
-          </a:p>
-        </p:txBody>
-      </p:sp>
-    </p:spTree>
-  </p:cSld>
-  <p:clrMapOvr>
-    <a:masterClrMapping/>
-  </p:clrMapOvr>
-</p:sld>
-</file>
-
-<file path=ppt/slides/slide70.xml><?xml version="1.0" encoding="utf-8"?>
+<file path=ppt/slides/slide71.xml><?xml version="1.0" encoding="utf-8"?>
 <p:sld xmlns:a="http://schemas.openxmlformats.org/drawingml/2006/main" xmlns:r="http://schemas.openxmlformats.org/officeDocument/2006/relationships" xmlns:p="http://schemas.openxmlformats.org/presentationml/2006/main">
   <p:cSld>
     <p:spTree>
@@ -25575,7 +25544,7 @@
 </p:sld>
 </file>
 
-<file path=ppt/slides/slide71.xml><?xml version="1.0" encoding="utf-8"?>
+<file path=ppt/slides/slide72.xml><?xml version="1.0" encoding="utf-8"?>
 <p:sld xmlns:a="http://schemas.openxmlformats.org/drawingml/2006/main" xmlns:r="http://schemas.openxmlformats.org/officeDocument/2006/relationships" xmlns:p="http://schemas.openxmlformats.org/presentationml/2006/main">
   <p:cSld>
     <p:spTree>
@@ -25669,134 +25638,6 @@
 </p:sld>
 </file>
 
-<file path=ppt/slides/slide72.xml><?xml version="1.0" encoding="utf-8"?>
-<p:sld xmlns:a="http://schemas.openxmlformats.org/drawingml/2006/main" xmlns:r="http://schemas.openxmlformats.org/officeDocument/2006/relationships" xmlns:p="http://schemas.openxmlformats.org/presentationml/2006/main">
-  <p:cSld>
-    <p:spTree>
-      <p:nvGrpSpPr>
-        <p:cNvPr id="1" name=""/>
-        <p:cNvGrpSpPr/>
-        <p:nvPr/>
-      </p:nvGrpSpPr>
-      <p:grpSpPr>
-        <a:xfrm>
-          <a:off x="0" y="0"/>
-          <a:ext cx="0" cy="0"/>
-          <a:chOff x="0" y="0"/>
-          <a:chExt cx="0" cy="0"/>
-        </a:xfrm>
-      </p:grpSpPr>
-      <p:sp>
-        <p:nvSpPr>
-          <p:cNvPr id="2" name="Title 1"/>
-          <p:cNvSpPr>
-            <a:spLocks noGrp="1"/>
-          </p:cNvSpPr>
-          <p:nvPr>
-            <p:ph type="title"/>
-          </p:nvPr>
-        </p:nvSpPr>
-        <p:spPr/>
-        <p:txBody>
-          <a:bodyPr/>
-          <a:lstStyle/>
-          <a:p>
-            <a:r>
-              <a:rPr lang="en-US" dirty="0" smtClean="0"/>
-              <a:t>Custom Controls</a:t>
-            </a:r>
-            <a:endParaRPr lang="en-US" dirty="0"/>
-          </a:p>
-        </p:txBody>
-      </p:sp>
-      <p:sp>
-        <p:nvSpPr>
-          <p:cNvPr id="3" name="Content Placeholder 2"/>
-          <p:cNvSpPr>
-            <a:spLocks noGrp="1"/>
-          </p:cNvSpPr>
-          <p:nvPr>
-            <p:ph idx="1"/>
-          </p:nvPr>
-        </p:nvSpPr>
-        <p:spPr/>
-        <p:txBody>
-          <a:bodyPr/>
-          <a:lstStyle/>
-          <a:p>
-            <a:r>
-              <a:rPr lang="en-US" dirty="0" smtClean="0"/>
-              <a:t>Declare semantic controls</a:t>
-            </a:r>
-          </a:p>
-          <a:p>
-            <a:r>
-              <a:rPr lang="en-US" dirty="0" smtClean="0"/>
-              <a:t>Allows setting styles by target type</a:t>
-            </a:r>
-          </a:p>
-          <a:p>
-            <a:r>
-              <a:rPr lang="en-US" dirty="0" smtClean="0"/>
-              <a:t>No preconceived ideas on template implementation</a:t>
-            </a:r>
-          </a:p>
-          <a:p>
-            <a:pPr lvl="1"/>
-            <a:r>
-              <a:rPr lang="en-US" dirty="0" smtClean="0"/>
-              <a:t>Label template that uses a </a:t>
-            </a:r>
-            <a:r>
-              <a:rPr lang="en-US" dirty="0" err="1" smtClean="0"/>
-              <a:t>Listbox</a:t>
-            </a:r>
-            <a:r>
-              <a:rPr lang="en-US" dirty="0" smtClean="0"/>
-              <a:t> would be confusing</a:t>
-            </a:r>
-          </a:p>
-          <a:p>
-            <a:r>
-              <a:rPr lang="en-US" dirty="0" smtClean="0"/>
-              <a:t>Section Title example</a:t>
-            </a:r>
-            <a:endParaRPr lang="en-US" dirty="0"/>
-          </a:p>
-        </p:txBody>
-      </p:sp>
-      <p:pic>
-        <p:nvPicPr>
-          <p:cNvPr id="4" name="Picture 3" descr="visualstudio.jpg"/>
-          <p:cNvPicPr>
-            <a:picLocks noChangeAspect="1"/>
-          </p:cNvPicPr>
-          <p:nvPr/>
-        </p:nvPicPr>
-        <p:blipFill>
-          <a:blip r:embed="rId2" cstate="print"/>
-          <a:stretch>
-            <a:fillRect/>
-          </a:stretch>
-        </p:blipFill>
-        <p:spPr>
-          <a:xfrm>
-            <a:off x="7839075" y="6076950"/>
-            <a:ext cx="1304925" cy="781050"/>
-          </a:xfrm>
-          <a:prstGeom prst="rect">
-            <a:avLst/>
-          </a:prstGeom>
-        </p:spPr>
-      </p:pic>
-    </p:spTree>
-  </p:cSld>
-  <p:clrMapOvr>
-    <a:masterClrMapping/>
-  </p:clrMapOvr>
-</p:sld>
-</file>
-
 <file path=ppt/slides/slide73.xml><?xml version="1.0" encoding="utf-8"?>
 <p:sld xmlns:a="http://schemas.openxmlformats.org/drawingml/2006/main" xmlns:r="http://schemas.openxmlformats.org/officeDocument/2006/relationships" xmlns:p="http://schemas.openxmlformats.org/presentationml/2006/main">
   <p:cSld>
@@ -25831,7 +25672,7 @@
           <a:p>
             <a:r>
               <a:rPr lang="en-US" dirty="0" smtClean="0"/>
-              <a:t>Presentation &amp; Structure</a:t>
+              <a:t>Custom Controls</a:t>
             </a:r>
             <a:endParaRPr lang="en-US" dirty="0"/>
           </a:p>
@@ -25852,25 +25693,71 @@
           <a:bodyPr/>
           <a:lstStyle/>
           <a:p>
-            <a:pPr>
-              <a:buNone/>
-            </a:pPr>
             <a:r>
               <a:rPr lang="en-US" dirty="0" smtClean="0"/>
-              <a:t>I committed the </a:t>
+              <a:t>Declare semantic controls</a:t>
+            </a:r>
+          </a:p>
+          <a:p>
+            <a:r>
+              <a:rPr lang="en-US" dirty="0" smtClean="0"/>
+              <a:t>Allows setting styles by target type</a:t>
+            </a:r>
+          </a:p>
+          <a:p>
+            <a:r>
+              <a:rPr lang="en-US" dirty="0" smtClean="0"/>
+              <a:t>No preconceived ideas on template implementation</a:t>
+            </a:r>
+          </a:p>
+          <a:p>
+            <a:pPr lvl="1"/>
+            <a:r>
+              <a:rPr lang="en-US" dirty="0" smtClean="0"/>
+              <a:t>Label template that uses a </a:t>
             </a:r>
             <a:r>
               <a:rPr lang="en-US" dirty="0" err="1" smtClean="0"/>
-              <a:t>hangable</a:t>
+              <a:t>Listbox</a:t>
             </a:r>
             <a:r>
               <a:rPr lang="en-US" dirty="0" smtClean="0"/>
-              <a:t> offense of mixing structure with presentation – David Siegel</a:t>
+              <a:t> would be confusing</a:t>
+            </a:r>
+          </a:p>
+          <a:p>
+            <a:r>
+              <a:rPr lang="en-US" dirty="0" smtClean="0"/>
+              <a:t>Section Title example</a:t>
             </a:r>
             <a:endParaRPr lang="en-US" dirty="0"/>
           </a:p>
         </p:txBody>
       </p:sp>
+      <p:pic>
+        <p:nvPicPr>
+          <p:cNvPr id="4" name="Picture 3" descr="visualstudio.jpg"/>
+          <p:cNvPicPr>
+            <a:picLocks noChangeAspect="1"/>
+          </p:cNvPicPr>
+          <p:nvPr/>
+        </p:nvPicPr>
+        <p:blipFill>
+          <a:blip r:embed="rId2" cstate="print"/>
+          <a:stretch>
+            <a:fillRect/>
+          </a:stretch>
+        </p:blipFill>
+        <p:spPr>
+          <a:xfrm>
+            <a:off x="7839075" y="6076950"/>
+            <a:ext cx="1304925" cy="781050"/>
+          </a:xfrm>
+          <a:prstGeom prst="rect">
+            <a:avLst/>
+          </a:prstGeom>
+        </p:spPr>
+      </p:pic>
     </p:spTree>
   </p:cSld>
   <p:clrMapOvr>
@@ -25913,7 +25800,7 @@
           <a:p>
             <a:r>
               <a:rPr lang="en-US" dirty="0" smtClean="0"/>
-              <a:t>Separation of Concerns</a:t>
+              <a:t>Presentation &amp; Structure</a:t>
             </a:r>
             <a:endParaRPr lang="en-US" dirty="0"/>
           </a:p>
@@ -25934,34 +25821,20 @@
           <a:bodyPr/>
           <a:lstStyle/>
           <a:p>
+            <a:pPr>
+              <a:buNone/>
+            </a:pPr>
             <a:r>
               <a:rPr lang="en-US" dirty="0" smtClean="0"/>
-              <a:t>UI Interaction and logic</a:t>
-            </a:r>
-          </a:p>
-          <a:p>
+              <a:t>I committed the </a:t>
+            </a:r>
+            <a:r>
+              <a:rPr lang="en-US" dirty="0" err="1" smtClean="0"/>
+              <a:t>hangable</a:t>
+            </a:r>
             <a:r>
               <a:rPr lang="en-US" dirty="0" smtClean="0"/>
-              <a:t>Structure and presentation</a:t>
-            </a:r>
-          </a:p>
-          <a:p>
-            <a:r>
-              <a:rPr lang="en-US" dirty="0" smtClean="0"/>
-              <a:t>Focus on content and not presentation</a:t>
-            </a:r>
-          </a:p>
-          <a:p>
-            <a:r>
-              <a:rPr lang="en-US" dirty="0" smtClean="0"/>
-              <a:t>Brings back to editors suck!</a:t>
-            </a:r>
-          </a:p>
-          <a:p>
-            <a:pPr lvl="1"/>
-            <a:r>
-              <a:rPr lang="en-US" dirty="0" smtClean="0"/>
-              <a:t>Great layout panels and then you just drag and drop fixed margins into a grid? WTF!?</a:t>
+              <a:t> offense of mixing structure with presentation – David Siegel</a:t>
             </a:r>
             <a:endParaRPr lang="en-US" dirty="0"/>
           </a:p>
@@ -26009,7 +25882,7 @@
           <a:p>
             <a:r>
               <a:rPr lang="en-US" dirty="0" smtClean="0"/>
-              <a:t>Displaying Buttons</a:t>
+              <a:t>Separation of Concerns</a:t>
             </a:r>
             <a:endParaRPr lang="en-US" dirty="0"/>
           </a:p>
@@ -26032,44 +25905,41 @@
           <a:p>
             <a:r>
               <a:rPr lang="en-US" dirty="0" smtClean="0"/>
-              <a:t>Instead of displaying a </a:t>
-            </a:r>
-            <a:r>
-              <a:rPr lang="en-US" dirty="0" err="1" smtClean="0"/>
-              <a:t>stackpanel</a:t>
-            </a:r>
+              <a:t>UI Interaction and logic</a:t>
+            </a:r>
+          </a:p>
+          <a:p>
             <a:r>
               <a:rPr lang="en-US" dirty="0" smtClean="0"/>
-              <a:t> with a collection of buttons, lets display an actions control with a collection of actions</a:t>
+              <a:t>Structure and presentation</a:t>
+            </a:r>
+          </a:p>
+          <a:p>
+            <a:r>
+              <a:rPr lang="en-US" dirty="0" smtClean="0"/>
+              <a:t>Focus on content and not presentation</a:t>
+            </a:r>
+          </a:p>
+          <a:p>
+            <a:r>
+              <a:rPr lang="en-US" dirty="0" smtClean="0"/>
+              <a:t>Brings us </a:t>
+            </a:r>
+            <a:r>
+              <a:rPr lang="en-US" dirty="0" smtClean="0"/>
+              <a:t>back to editors suck!</a:t>
+            </a:r>
+          </a:p>
+          <a:p>
+            <a:pPr lvl="1"/>
+            <a:r>
+              <a:rPr lang="en-US" dirty="0" smtClean="0"/>
+              <a:t>Great layout panels and then you just drag and drop fixed margins into a grid? WTF!?</a:t>
             </a:r>
             <a:endParaRPr lang="en-US" dirty="0"/>
           </a:p>
         </p:txBody>
       </p:sp>
-      <p:pic>
-        <p:nvPicPr>
-          <p:cNvPr id="4" name="Picture 3" descr="visualstudio.jpg"/>
-          <p:cNvPicPr>
-            <a:picLocks noChangeAspect="1"/>
-          </p:cNvPicPr>
-          <p:nvPr/>
-        </p:nvPicPr>
-        <p:blipFill>
-          <a:blip r:embed="rId2" cstate="print"/>
-          <a:stretch>
-            <a:fillRect/>
-          </a:stretch>
-        </p:blipFill>
-        <p:spPr>
-          <a:xfrm>
-            <a:off x="7839075" y="6076950"/>
-            <a:ext cx="1304925" cy="781050"/>
-          </a:xfrm>
-          <a:prstGeom prst="rect">
-            <a:avLst/>
-          </a:prstGeom>
-        </p:spPr>
-      </p:pic>
     </p:spTree>
   </p:cSld>
   <p:clrMapOvr>
@@ -26112,7 +25982,7 @@
           <a:p>
             <a:r>
               <a:rPr lang="en-US" dirty="0" smtClean="0"/>
-              <a:t>Form</a:t>
+              <a:t>Displaying Buttons</a:t>
             </a:r>
             <a:endParaRPr lang="en-US" dirty="0"/>
           </a:p>
@@ -26135,13 +26005,15 @@
           <a:p>
             <a:r>
               <a:rPr lang="en-US" dirty="0" smtClean="0"/>
-              <a:t>Why can’t we have a control that figures out what fields to display?!</a:t>
-            </a:r>
-          </a:p>
-          <a:p>
+              <a:t>Instead of displaying a </a:t>
+            </a:r>
+            <a:r>
+              <a:rPr lang="en-US" dirty="0" err="1" smtClean="0"/>
+              <a:t>stackpanel</a:t>
+            </a:r>
             <a:r>
               <a:rPr lang="en-US" dirty="0" smtClean="0"/>
-              <a:t>Let’s do it</a:t>
+              <a:t> with a collection of buttons, lets display an actions control with a collection of actions</a:t>
             </a:r>
             <a:endParaRPr lang="en-US" dirty="0"/>
           </a:p>
@@ -26213,7 +26085,7 @@
           <a:p>
             <a:r>
               <a:rPr lang="en-US" dirty="0" smtClean="0"/>
-              <a:t>Rethink grids</a:t>
+              <a:t>Form</a:t>
             </a:r>
             <a:endParaRPr lang="en-US" dirty="0"/>
           </a:p>
@@ -26221,12 +26093,12 @@
       </p:sp>
       <p:sp>
         <p:nvSpPr>
-          <p:cNvPr id="3" name="Text Placeholder 2"/>
+          <p:cNvPr id="3" name="Content Placeholder 2"/>
           <p:cNvSpPr>
             <a:spLocks noGrp="1"/>
           </p:cNvSpPr>
           <p:nvPr>
-            <p:ph type="body" idx="1"/>
+            <p:ph idx="1"/>
           </p:nvPr>
         </p:nvSpPr>
         <p:spPr/>
@@ -26234,10 +26106,44 @@
           <a:bodyPr/>
           <a:lstStyle/>
           <a:p>
-            <a:endParaRPr lang="en-US"/>
+            <a:r>
+              <a:rPr lang="en-US" dirty="0" smtClean="0"/>
+              <a:t>Why can’t we have a control that figures out what fields to display?!</a:t>
+            </a:r>
+          </a:p>
+          <a:p>
+            <a:r>
+              <a:rPr lang="en-US" dirty="0" smtClean="0"/>
+              <a:t>Let’s do it</a:t>
+            </a:r>
+            <a:endParaRPr lang="en-US" dirty="0"/>
           </a:p>
         </p:txBody>
       </p:sp>
+      <p:pic>
+        <p:nvPicPr>
+          <p:cNvPr id="4" name="Picture 3" descr="visualstudio.jpg"/>
+          <p:cNvPicPr>
+            <a:picLocks noChangeAspect="1"/>
+          </p:cNvPicPr>
+          <p:nvPr/>
+        </p:nvPicPr>
+        <p:blipFill>
+          <a:blip r:embed="rId2" cstate="print"/>
+          <a:stretch>
+            <a:fillRect/>
+          </a:stretch>
+        </p:blipFill>
+        <p:spPr>
+          <a:xfrm>
+            <a:off x="7839075" y="6076950"/>
+            <a:ext cx="1304925" cy="781050"/>
+          </a:xfrm>
+          <a:prstGeom prst="rect">
+            <a:avLst/>
+          </a:prstGeom>
+        </p:spPr>
+      </p:pic>
     </p:spTree>
   </p:cSld>
   <p:clrMapOvr>
@@ -26280,7 +26186,7 @@
           <a:p>
             <a:r>
               <a:rPr lang="en-US" dirty="0" smtClean="0"/>
-              <a:t>Grids are inadequate</a:t>
+              <a:t>Rethink grids</a:t>
             </a:r>
             <a:endParaRPr lang="en-US" dirty="0"/>
           </a:p>
@@ -26288,12 +26194,12 @@
       </p:sp>
       <p:sp>
         <p:nvSpPr>
-          <p:cNvPr id="3" name="Content Placeholder 2"/>
+          <p:cNvPr id="3" name="Text Placeholder 2"/>
           <p:cNvSpPr>
             <a:spLocks noGrp="1"/>
           </p:cNvSpPr>
           <p:nvPr>
-            <p:ph idx="1"/>
+            <p:ph type="body" idx="1"/>
           </p:nvPr>
         </p:nvSpPr>
         <p:spPr/>
@@ -26301,23 +26207,7 @@
           <a:bodyPr/>
           <a:lstStyle/>
           <a:p>
-            <a:r>
-              <a:rPr lang="en-US" dirty="0" smtClean="0"/>
-              <a:t>Grids represent data</a:t>
-            </a:r>
-          </a:p>
-          <a:p>
-            <a:r>
-              <a:rPr lang="en-US" dirty="0" smtClean="0"/>
-              <a:t>But everything isn’t data</a:t>
-            </a:r>
-          </a:p>
-          <a:p>
-            <a:r>
-              <a:rPr lang="en-US" dirty="0" smtClean="0"/>
-              <a:t>Destroy some myths</a:t>
-            </a:r>
-            <a:endParaRPr lang="en-US" dirty="0"/>
+            <a:endParaRPr lang="en-US"/>
           </a:p>
         </p:txBody>
       </p:sp>
@@ -26413,44 +26303,62 @@
           <a:chExt cx="0" cy="0"/>
         </a:xfrm>
       </p:grpSpPr>
+      <p:graphicFrame>
+        <p:nvGraphicFramePr>
+          <p:cNvPr id="4" name="Content Placeholder 3"/>
+          <p:cNvGraphicFramePr>
+            <a:graphicFrameLocks noGrp="1"/>
+          </p:cNvGraphicFramePr>
+          <p:nvPr>
+            <p:ph idx="1"/>
+          </p:nvPr>
+        </p:nvGraphicFramePr>
+        <p:xfrm>
+          <a:off x="457200" y="304800"/>
+          <a:ext cx="8229600" cy="6172200"/>
+        </p:xfrm>
+        <a:graphic>
+          <a:graphicData uri="http://schemas.openxmlformats.org/drawingml/2006/diagram">
+            <dgm:relIds xmlns:dgm="http://schemas.openxmlformats.org/drawingml/2006/diagram" xmlns:r="http://schemas.openxmlformats.org/officeDocument/2006/relationships" r:dm="rId2" r:lo="rId3" r:qs="rId4" r:cs="rId5"/>
+          </a:graphicData>
+        </a:graphic>
+      </p:graphicFrame>
       <p:sp>
         <p:nvSpPr>
-          <p:cNvPr id="2" name="Title 1"/>
-          <p:cNvSpPr>
-            <a:spLocks noGrp="1"/>
-          </p:cNvSpPr>
-          <p:nvPr>
-            <p:ph type="title"/>
-          </p:nvPr>
+          <p:cNvPr id="5" name="Right Arrow 4"/>
+          <p:cNvSpPr/>
+          <p:nvPr/>
         </p:nvSpPr>
-        <p:spPr/>
+        <p:spPr>
+          <a:xfrm rot="10800000">
+            <a:off x="5105400" y="2133600"/>
+            <a:ext cx="1676400" cy="685800"/>
+          </a:xfrm>
+          <a:prstGeom prst="rightArrow">
+            <a:avLst/>
+          </a:prstGeom>
+        </p:spPr>
+        <p:style>
+          <a:lnRef idx="2">
+            <a:schemeClr val="accent2">
+              <a:shade val="50000"/>
+            </a:schemeClr>
+          </a:lnRef>
+          <a:fillRef idx="1">
+            <a:schemeClr val="accent2"/>
+          </a:fillRef>
+          <a:effectRef idx="0">
+            <a:schemeClr val="accent2"/>
+          </a:effectRef>
+          <a:fontRef idx="minor">
+            <a:schemeClr val="lt1"/>
+          </a:fontRef>
+        </p:style>
         <p:txBody>
-          <a:bodyPr/>
+          <a:bodyPr rtlCol="0" anchor="ctr"/>
           <a:lstStyle/>
           <a:p>
-            <a:r>
-              <a:rPr lang="en-US" dirty="0" smtClean="0"/>
-              <a:t>Revisit dependencies</a:t>
-            </a:r>
-            <a:endParaRPr lang="en-US" dirty="0"/>
-          </a:p>
-        </p:txBody>
-      </p:sp>
-      <p:sp>
-        <p:nvSpPr>
-          <p:cNvPr id="3" name="Text Placeholder 2"/>
-          <p:cNvSpPr>
-            <a:spLocks noGrp="1"/>
-          </p:cNvSpPr>
-          <p:nvPr>
-            <p:ph type="body" idx="1"/>
-          </p:nvPr>
-        </p:nvSpPr>
-        <p:spPr/>
-        <p:txBody>
-          <a:bodyPr/>
-          <a:lstStyle/>
-          <a:p>
+            <a:pPr algn="ctr"/>
             <a:endParaRPr lang="en-US"/>
           </a:p>
         </p:txBody>
@@ -26497,7 +26405,7 @@
           <a:p>
             <a:r>
               <a:rPr lang="en-US" dirty="0" smtClean="0"/>
-              <a:t>Data Templates</a:t>
+              <a:t>Grids are inadequate</a:t>
             </a:r>
             <a:endParaRPr lang="en-US" dirty="0"/>
           </a:p>
@@ -26520,46 +26428,24 @@
           <a:p>
             <a:r>
               <a:rPr lang="en-US" dirty="0" smtClean="0"/>
-              <a:t>Using Keys</a:t>
+              <a:t>Grids represent data</a:t>
             </a:r>
           </a:p>
           <a:p>
             <a:r>
               <a:rPr lang="en-US" dirty="0" smtClean="0"/>
-              <a:t>Using </a:t>
-            </a:r>
-            <a:r>
-              <a:rPr lang="en-US" dirty="0" err="1" smtClean="0"/>
-              <a:t>DataType</a:t>
+              <a:t>But everything isn’t data</a:t>
+            </a:r>
+          </a:p>
+          <a:p>
+            <a:r>
+              <a:rPr lang="en-US" dirty="0" smtClean="0"/>
+              <a:t>Destroy some myths</a:t>
             </a:r>
             <a:endParaRPr lang="en-US" dirty="0"/>
           </a:p>
         </p:txBody>
       </p:sp>
-      <p:pic>
-        <p:nvPicPr>
-          <p:cNvPr id="4" name="Picture 3" descr="visualstudio.jpg"/>
-          <p:cNvPicPr>
-            <a:picLocks noChangeAspect="1"/>
-          </p:cNvPicPr>
-          <p:nvPr/>
-        </p:nvPicPr>
-        <p:blipFill>
-          <a:blip r:embed="rId2" cstate="print"/>
-          <a:stretch>
-            <a:fillRect/>
-          </a:stretch>
-        </p:blipFill>
-        <p:spPr>
-          <a:xfrm>
-            <a:off x="7839075" y="6076950"/>
-            <a:ext cx="1304925" cy="781050"/>
-          </a:xfrm>
-          <a:prstGeom prst="rect">
-            <a:avLst/>
-          </a:prstGeom>
-        </p:spPr>
-      </p:pic>
     </p:spTree>
   </p:cSld>
   <p:clrMapOvr>
@@ -26602,7 +26488,7 @@
           <a:p>
             <a:r>
               <a:rPr lang="en-US" dirty="0" smtClean="0"/>
-              <a:t>Item Container Style</a:t>
+              <a:t>Data Templates</a:t>
             </a:r>
             <a:endParaRPr lang="en-US" dirty="0"/>
           </a:p>
@@ -26625,13 +26511,17 @@
           <a:p>
             <a:r>
               <a:rPr lang="en-US" dirty="0" smtClean="0"/>
-              <a:t>Style item</a:t>
+              <a:t>Using Keys</a:t>
             </a:r>
           </a:p>
           <a:p>
             <a:r>
               <a:rPr lang="en-US" dirty="0" smtClean="0"/>
-              <a:t>Selected Style</a:t>
+              <a:t>Using </a:t>
+            </a:r>
+            <a:r>
+              <a:rPr lang="en-US" dirty="0" err="1" smtClean="0"/>
+              <a:t>DataType</a:t>
             </a:r>
             <a:endParaRPr lang="en-US" dirty="0"/>
           </a:p>
@@ -26703,7 +26593,7 @@
           <a:p>
             <a:r>
               <a:rPr lang="en-US" dirty="0" smtClean="0"/>
-              <a:t>Items Panel</a:t>
+              <a:t>Item Container Style</a:t>
             </a:r>
             <a:endParaRPr lang="en-US" dirty="0"/>
           </a:p>
@@ -26726,37 +26616,13 @@
           <a:p>
             <a:r>
               <a:rPr lang="en-US" dirty="0" smtClean="0"/>
-              <a:t>Sets the panel to use to host the items</a:t>
-            </a:r>
-          </a:p>
-          <a:p>
-            <a:r>
-              <a:rPr lang="en-US" dirty="0" err="1" smtClean="0"/>
-              <a:t>IsItemsHost</a:t>
-            </a:r>
-            <a:endParaRPr lang="en-US" dirty="0" smtClean="0"/>
-          </a:p>
-          <a:p>
-            <a:r>
-              <a:rPr lang="en-US" dirty="0" err="1" smtClean="0"/>
-              <a:t>VirtualizedStackPanel</a:t>
-            </a:r>
-            <a:endParaRPr lang="en-US" dirty="0" smtClean="0"/>
+              <a:t>Style item</a:t>
+            </a:r>
           </a:p>
           <a:p>
             <a:r>
               <a:rPr lang="en-US" dirty="0" smtClean="0"/>
-              <a:t>Tab Control</a:t>
-            </a:r>
-          </a:p>
-          <a:p>
-            <a:r>
-              <a:rPr lang="en-US" dirty="0" smtClean="0"/>
-              <a:t>Animated </a:t>
-            </a:r>
-            <a:r>
-              <a:rPr lang="en-US" dirty="0" err="1" smtClean="0"/>
-              <a:t>StackPanel</a:t>
+              <a:t>Selected Style</a:t>
             </a:r>
             <a:endParaRPr lang="en-US" dirty="0"/>
           </a:p>
@@ -26828,7 +26694,7 @@
           <a:p>
             <a:r>
               <a:rPr lang="en-US" dirty="0" smtClean="0"/>
-              <a:t>Reference</a:t>
+              <a:t>Items Panel</a:t>
             </a:r>
             <a:endParaRPr lang="en-US" dirty="0"/>
           </a:p>
@@ -26851,48 +26717,66 @@
           <a:p>
             <a:r>
               <a:rPr lang="en-US" dirty="0" smtClean="0"/>
-              <a:t>Ward Bell : Of Tailors and Tooling</a:t>
-            </a:r>
-            <a:endParaRPr lang="en-US" dirty="0" smtClean="0">
-              <a:hlinkClick r:id="rId2"/>
-            </a:endParaRPr>
-          </a:p>
-          <a:p>
-            <a:pPr lvl="1"/>
-            <a:r>
-              <a:rPr lang="en-US" dirty="0" smtClean="0">
-                <a:hlinkClick r:id="rId2"/>
-              </a:rPr>
-              <a:t>http://neverindoubtnet.blogspot.com/2010/03/of-tailors-and-tooling-rant.html</a:t>
+              <a:t>Sets the panel to use to host the items</a:t>
+            </a:r>
+          </a:p>
+          <a:p>
+            <a:r>
+              <a:rPr lang="en-US" dirty="0" err="1" smtClean="0"/>
+              <a:t>IsItemsHost</a:t>
             </a:r>
             <a:endParaRPr lang="en-US" dirty="0" smtClean="0"/>
           </a:p>
           <a:p>
             <a:r>
+              <a:rPr lang="en-US" dirty="0" err="1" smtClean="0"/>
+              <a:t>VirtualizedStackPanel</a:t>
+            </a:r>
+            <a:endParaRPr lang="en-US" dirty="0" smtClean="0"/>
+          </a:p>
+          <a:p>
+            <a:r>
               <a:rPr lang="en-US" dirty="0" smtClean="0"/>
-              <a:t>Herding Code : Scott </a:t>
+              <a:t>Tab Control</a:t>
+            </a:r>
+          </a:p>
+          <a:p>
+            <a:r>
+              <a:rPr lang="en-US" dirty="0" smtClean="0"/>
+              <a:t>Animated </a:t>
             </a:r>
             <a:r>
               <a:rPr lang="en-US" dirty="0" err="1" smtClean="0"/>
-              <a:t>Bellware</a:t>
-            </a:r>
-            <a:r>
-              <a:rPr lang="en-US" dirty="0" smtClean="0"/>
-              <a:t> on HTML Specialists</a:t>
-            </a:r>
-          </a:p>
-          <a:p>
-            <a:pPr lvl="1"/>
-            <a:r>
-              <a:rPr lang="en-US" dirty="0" smtClean="0">
-                <a:hlinkClick r:id="rId3"/>
-              </a:rPr>
-              <a:t>http://herdingcode.com/?p=232</a:t>
+              <a:t>StackPanel</a:t>
             </a:r>
             <a:endParaRPr lang="en-US" dirty="0"/>
           </a:p>
         </p:txBody>
       </p:sp>
+      <p:pic>
+        <p:nvPicPr>
+          <p:cNvPr id="4" name="Picture 3" descr="visualstudio.jpg"/>
+          <p:cNvPicPr>
+            <a:picLocks noChangeAspect="1"/>
+          </p:cNvPicPr>
+          <p:nvPr/>
+        </p:nvPicPr>
+        <p:blipFill>
+          <a:blip r:embed="rId2" cstate="print"/>
+          <a:stretch>
+            <a:fillRect/>
+          </a:stretch>
+        </p:blipFill>
+        <p:spPr>
+          <a:xfrm>
+            <a:off x="7839075" y="6076950"/>
+            <a:ext cx="1304925" cy="781050"/>
+          </a:xfrm>
+          <a:prstGeom prst="rect">
+            <a:avLst/>
+          </a:prstGeom>
+        </p:spPr>
+      </p:pic>
     </p:spTree>
   </p:cSld>
   <p:clrMapOvr>
@@ -26901,7 +26785,7 @@
 </p:sld>
 </file>
 
-<file path=ppt/slides/slide9.xml><?xml version="1.0" encoding="utf-8"?>
+<file path=ppt/slides/slide84.xml><?xml version="1.0" encoding="utf-8"?>
 <p:sld xmlns:a="http://schemas.openxmlformats.org/drawingml/2006/main" xmlns:r="http://schemas.openxmlformats.org/officeDocument/2006/relationships" xmlns:p="http://schemas.openxmlformats.org/presentationml/2006/main">
   <p:cSld>
     <p:spTree>
@@ -26930,14 +26814,12 @@
         </p:nvSpPr>
         <p:spPr/>
         <p:txBody>
-          <a:bodyPr>
-            <a:normAutofit/>
-          </a:bodyPr>
+          <a:bodyPr/>
           <a:lstStyle/>
           <a:p>
             <a:r>
               <a:rPr lang="en-US" dirty="0" smtClean="0"/>
-              <a:t>What is a Dependency Object?</a:t>
+              <a:t>Reference</a:t>
             </a:r>
             <a:endParaRPr lang="en-US" dirty="0"/>
           </a:p>
@@ -26953,25 +26835,183 @@
             <p:ph idx="1"/>
           </p:nvPr>
         </p:nvSpPr>
+        <p:spPr/>
+        <p:txBody>
+          <a:bodyPr/>
+          <a:lstStyle/>
+          <a:p>
+            <a:r>
+              <a:rPr lang="en-US" dirty="0" smtClean="0"/>
+              <a:t>Ward Bell : Of Tailors and Tooling</a:t>
+            </a:r>
+            <a:endParaRPr lang="en-US" dirty="0" smtClean="0">
+              <a:hlinkClick r:id="rId2"/>
+            </a:endParaRPr>
+          </a:p>
+          <a:p>
+            <a:pPr lvl="1"/>
+            <a:r>
+              <a:rPr lang="en-US" dirty="0" smtClean="0">
+                <a:hlinkClick r:id="rId2"/>
+              </a:rPr>
+              <a:t>http://neverindoubtnet.blogspot.com/2010/03/of-tailors-and-tooling-rant.html</a:t>
+            </a:r>
+            <a:endParaRPr lang="en-US" dirty="0" smtClean="0"/>
+          </a:p>
+          <a:p>
+            <a:r>
+              <a:rPr lang="en-US" dirty="0" smtClean="0"/>
+              <a:t>Herding Code : Scott </a:t>
+            </a:r>
+            <a:r>
+              <a:rPr lang="en-US" dirty="0" err="1" smtClean="0"/>
+              <a:t>Bellware</a:t>
+            </a:r>
+            <a:r>
+              <a:rPr lang="en-US" dirty="0" smtClean="0"/>
+              <a:t> on HTML Specialists</a:t>
+            </a:r>
+          </a:p>
+          <a:p>
+            <a:pPr lvl="1"/>
+            <a:r>
+              <a:rPr lang="en-US" dirty="0" smtClean="0">
+                <a:hlinkClick r:id="rId3"/>
+              </a:rPr>
+              <a:t>http://herdingcode.com/?p=232</a:t>
+            </a:r>
+            <a:endParaRPr lang="en-US" dirty="0"/>
+          </a:p>
+        </p:txBody>
+      </p:sp>
+    </p:spTree>
+  </p:cSld>
+  <p:clrMapOvr>
+    <a:masterClrMapping/>
+  </p:clrMapOvr>
+</p:sld>
+</file>
+
+<file path=ppt/slides/slide9.xml><?xml version="1.0" encoding="utf-8"?>
+<p:sld xmlns:a="http://schemas.openxmlformats.org/drawingml/2006/main" xmlns:r="http://schemas.openxmlformats.org/officeDocument/2006/relationships" xmlns:p="http://schemas.openxmlformats.org/presentationml/2006/main">
+  <p:cSld>
+    <p:spTree>
+      <p:nvGrpSpPr>
+        <p:cNvPr id="1" name=""/>
+        <p:cNvGrpSpPr/>
+        <p:nvPr/>
+      </p:nvGrpSpPr>
+      <p:grpSpPr>
+        <a:xfrm>
+          <a:off x="0" y="0"/>
+          <a:ext cx="0" cy="0"/>
+          <a:chOff x="0" y="0"/>
+          <a:chExt cx="0" cy="0"/>
+        </a:xfrm>
+      </p:grpSpPr>
+      <p:pic>
+        <p:nvPicPr>
+          <p:cNvPr id="4" name="Picture 3" descr="ghostbusters-statue-of-liberty-controls.gif"/>
+          <p:cNvPicPr>
+            <a:picLocks noChangeAspect="1"/>
+          </p:cNvPicPr>
+          <p:nvPr/>
+        </p:nvPicPr>
+        <p:blipFill>
+          <a:blip r:embed="rId2" cstate="print"/>
+          <a:stretch>
+            <a:fillRect/>
+          </a:stretch>
+        </p:blipFill>
         <p:spPr>
           <a:xfrm>
-            <a:off x="457200" y="1600201"/>
-            <a:ext cx="8229600" cy="1143000"/>
+            <a:off x="3314700" y="2209800"/>
+            <a:ext cx="5600700" cy="3733800"/>
           </a:xfrm>
+          <a:prstGeom prst="rect">
+            <a:avLst/>
+          </a:prstGeom>
         </p:spPr>
+      </p:pic>
+      <p:sp>
+        <p:nvSpPr>
+          <p:cNvPr id="2" name="Title 1"/>
+          <p:cNvSpPr>
+            <a:spLocks noGrp="1"/>
+          </p:cNvSpPr>
+          <p:nvPr>
+            <p:ph type="title"/>
+          </p:nvPr>
+        </p:nvSpPr>
+        <p:spPr/>
         <p:txBody>
-          <a:bodyPr>
-            <a:normAutofit fontScale="92500"/>
-          </a:bodyPr>
+          <a:bodyPr/>
           <a:lstStyle/>
           <a:p>
-            <a:pPr>
-              <a:buNone/>
-            </a:pPr>
             <a:r>
               <a:rPr lang="en-US" dirty="0" smtClean="0"/>
-              <a:t>The base class for any object that can support dependency properties. – WPF Unleashed</a:t>
-            </a:r>
+              <a:t>Dependency Properties</a:t>
+            </a:r>
+            <a:endParaRPr lang="en-US" dirty="0"/>
+          </a:p>
+        </p:txBody>
+      </p:sp>
+      <p:sp>
+        <p:nvSpPr>
+          <p:cNvPr id="3" name="Content Placeholder 2"/>
+          <p:cNvSpPr>
+            <a:spLocks noGrp="1"/>
+          </p:cNvSpPr>
+          <p:nvPr>
+            <p:ph idx="1"/>
+          </p:nvPr>
+        </p:nvSpPr>
+        <p:spPr/>
+        <p:txBody>
+          <a:bodyPr/>
+          <a:lstStyle/>
+          <a:p>
+            <a:r>
+              <a:rPr lang="en-US" dirty="0" smtClean="0"/>
+              <a:t>Magic goo of WPF</a:t>
+            </a:r>
+          </a:p>
+          <a:p>
+            <a:r>
+              <a:rPr lang="en-US" dirty="0" smtClean="0"/>
+              <a:t>Enables:</a:t>
+            </a:r>
+          </a:p>
+          <a:p>
+            <a:pPr lvl="1"/>
+            <a:r>
+              <a:rPr lang="en-US" dirty="0" smtClean="0"/>
+              <a:t>Styles</a:t>
+            </a:r>
+          </a:p>
+          <a:p>
+            <a:pPr lvl="1"/>
+            <a:r>
+              <a:rPr lang="en-US" dirty="0" smtClean="0"/>
+              <a:t>Trigger </a:t>
+            </a:r>
+          </a:p>
+          <a:p>
+            <a:pPr lvl="1"/>
+            <a:r>
+              <a:rPr lang="en-US" dirty="0" smtClean="0"/>
+              <a:t>Animations</a:t>
+            </a:r>
+          </a:p>
+          <a:p>
+            <a:pPr lvl="1"/>
+            <a:r>
+              <a:rPr lang="en-US" dirty="0" smtClean="0"/>
+              <a:t>Binding</a:t>
+            </a:r>
+          </a:p>
+          <a:p>
+            <a:endParaRPr lang="en-US" dirty="0"/>
           </a:p>
         </p:txBody>
       </p:sp>
